--- a/Documents/King of Playground 기획 발표자료.pptx
+++ b/Documents/King of Playground 기획 발표자료.pptx
@@ -10,33 +10,35 @@
     <p:sldId id="256" r:id="rId4"/>
     <p:sldId id="257" r:id="rId5"/>
     <p:sldId id="258" r:id="rId6"/>
-    <p:sldId id="259" r:id="rId7"/>
-    <p:sldId id="260" r:id="rId8"/>
+    <p:sldId id="260" r:id="rId7"/>
+    <p:sldId id="275" r:id="rId8"/>
     <p:sldId id="261" r:id="rId9"/>
     <p:sldId id="262" r:id="rId10"/>
     <p:sldId id="269" r:id="rId11"/>
     <p:sldId id="271" r:id="rId12"/>
     <p:sldId id="273" r:id="rId13"/>
-    <p:sldId id="268" r:id="rId14"/>
-    <p:sldId id="264" r:id="rId15"/>
-    <p:sldId id="265" r:id="rId16"/>
-    <p:sldId id="266" r:id="rId17"/>
-    <p:sldId id="267" r:id="rId18"/>
-    <p:sldId id="270" r:id="rId19"/>
-    <p:sldId id="272" r:id="rId20"/>
+    <p:sldId id="259" r:id="rId14"/>
+    <p:sldId id="268" r:id="rId15"/>
+    <p:sldId id="264" r:id="rId16"/>
+    <p:sldId id="265" r:id="rId17"/>
+    <p:sldId id="266" r:id="rId18"/>
+    <p:sldId id="267" r:id="rId19"/>
+    <p:sldId id="274" r:id="rId20"/>
+    <p:sldId id="270" r:id="rId21"/>
+    <p:sldId id="272" r:id="rId22"/>
   </p:sldIdLst>
   <p:sldSz cx="9144000" cy="5143500" type="screen16x9"/>
   <p:notesSz cx="6858000" cy="9144000"/>
   <p:embeddedFontLst>
     <p:embeddedFont>
       <p:font typeface="나눔바른고딕" panose="020B0600000101010101" charset="-127"/>
-      <p:regular r:id="rId21"/>
-      <p:bold r:id="rId22"/>
+      <p:regular r:id="rId23"/>
+      <p:bold r:id="rId24"/>
     </p:embeddedFont>
     <p:embeddedFont>
       <p:font typeface="맑은 고딕" panose="020B0503020000020004" pitchFamily="50" charset="-127"/>
-      <p:regular r:id="rId23"/>
-      <p:bold r:id="rId24"/>
+      <p:regular r:id="rId25"/>
+      <p:bold r:id="rId26"/>
     </p:embeddedFont>
   </p:embeddedFontLst>
   <p:defaultTextStyle>
@@ -1631,7 +1633,7 @@
         </p:nvSpPr>
         <p:spPr>
           <a:xfrm>
-            <a:off x="488425" y="2168638"/>
+            <a:off x="488425" y="2522862"/>
             <a:ext cx="1271905" cy="357505"/>
           </a:xfrm>
           <a:prstGeom prst="rect">
@@ -1694,7 +1696,7 @@
         </p:nvSpPr>
         <p:spPr>
           <a:xfrm>
-            <a:off x="456675" y="1140651"/>
+            <a:off x="456675" y="1494875"/>
             <a:ext cx="1303655" cy="492760"/>
           </a:xfrm>
           <a:prstGeom prst="ellipse">
@@ -1757,7 +1759,7 @@
         </p:nvSpPr>
         <p:spPr>
           <a:xfrm>
-            <a:off x="456674" y="3229880"/>
+            <a:off x="456674" y="3584104"/>
             <a:ext cx="1303655" cy="492760"/>
           </a:xfrm>
           <a:prstGeom prst="ellipse">
@@ -1824,7 +1826,7 @@
         </p:nvCxnSpPr>
         <p:spPr>
           <a:xfrm flipV="1">
-            <a:off x="1760330" y="1788352"/>
+            <a:off x="1760330" y="2142576"/>
             <a:ext cx="355700" cy="559039"/>
           </a:xfrm>
           <a:prstGeom prst="straightConnector1">
@@ -1867,7 +1869,7 @@
         </p:nvCxnSpPr>
         <p:spPr>
           <a:xfrm>
-            <a:off x="4021030" y="1788352"/>
+            <a:off x="4021030" y="2142576"/>
             <a:ext cx="248748" cy="555782"/>
           </a:xfrm>
           <a:prstGeom prst="straightConnector1">
@@ -1909,7 +1911,7 @@
         </p:nvSpPr>
         <p:spPr>
           <a:xfrm>
-            <a:off x="2116030" y="1486409"/>
+            <a:off x="2116030" y="1840633"/>
             <a:ext cx="1905000" cy="603885"/>
           </a:xfrm>
           <a:prstGeom prst="diamond">
@@ -1984,7 +1986,7 @@
         </p:nvSpPr>
         <p:spPr>
           <a:xfrm>
-            <a:off x="2116030" y="2661953"/>
+            <a:off x="2116030" y="3016177"/>
             <a:ext cx="1905000" cy="603885"/>
           </a:xfrm>
           <a:prstGeom prst="diamond">
@@ -2051,7 +2053,7 @@
         </p:nvCxnSpPr>
         <p:spPr>
           <a:xfrm>
-            <a:off x="1760330" y="2347391"/>
+            <a:off x="1760330" y="2701615"/>
             <a:ext cx="355700" cy="616505"/>
           </a:xfrm>
           <a:prstGeom prst="straightConnector1">
@@ -2094,7 +2096,7 @@
         </p:nvCxnSpPr>
         <p:spPr>
           <a:xfrm>
-            <a:off x="1108503" y="1633411"/>
+            <a:off x="1108503" y="1987635"/>
             <a:ext cx="15875" cy="535227"/>
           </a:xfrm>
           <a:prstGeom prst="straightConnector1">
@@ -2137,7 +2139,7 @@
         </p:nvCxnSpPr>
         <p:spPr>
           <a:xfrm flipH="1">
-            <a:off x="1108502" y="2526143"/>
+            <a:off x="1108502" y="2880367"/>
             <a:ext cx="15876" cy="703737"/>
           </a:xfrm>
           <a:prstGeom prst="straightConnector1">
@@ -2176,7 +2178,7 @@
         </p:nvSpPr>
         <p:spPr>
           <a:xfrm>
-            <a:off x="4269778" y="2165381"/>
+            <a:off x="4269778" y="2519605"/>
             <a:ext cx="1271905" cy="357505"/>
           </a:xfrm>
           <a:prstGeom prst="rect">
@@ -2255,7 +2257,7 @@
         </p:nvCxnSpPr>
         <p:spPr>
           <a:xfrm flipV="1">
-            <a:off x="4021030" y="2344134"/>
+            <a:off x="4021030" y="2698358"/>
             <a:ext cx="248748" cy="619762"/>
           </a:xfrm>
           <a:prstGeom prst="straightConnector1">
@@ -2297,7 +2299,7 @@
         </p:nvSpPr>
         <p:spPr>
           <a:xfrm>
-            <a:off x="7570393" y="2158558"/>
+            <a:off x="7570393" y="2512782"/>
             <a:ext cx="1034056" cy="357505"/>
           </a:xfrm>
           <a:prstGeom prst="rect">
@@ -2360,7 +2362,7 @@
         </p:nvSpPr>
         <p:spPr>
           <a:xfrm>
-            <a:off x="5833833" y="2035369"/>
+            <a:off x="5833833" y="2389593"/>
             <a:ext cx="1490427" cy="603885"/>
           </a:xfrm>
           <a:prstGeom prst="diamond">
@@ -2423,7 +2425,7 @@
         </p:nvSpPr>
         <p:spPr>
           <a:xfrm>
-            <a:off x="7122051" y="3048559"/>
+            <a:off x="7122051" y="3402783"/>
             <a:ext cx="1635938" cy="603885"/>
           </a:xfrm>
           <a:prstGeom prst="diamond">
@@ -2490,7 +2492,7 @@
         </p:nvCxnSpPr>
         <p:spPr>
           <a:xfrm flipV="1">
-            <a:off x="5541683" y="2337312"/>
+            <a:off x="5541683" y="2691536"/>
             <a:ext cx="292150" cy="6822"/>
           </a:xfrm>
           <a:prstGeom prst="straightConnector1">
@@ -2533,7 +2535,7 @@
         </p:nvCxnSpPr>
         <p:spPr>
           <a:xfrm flipV="1">
-            <a:off x="7324260" y="2337311"/>
+            <a:off x="7324260" y="2691535"/>
             <a:ext cx="246133" cy="1"/>
           </a:xfrm>
           <a:prstGeom prst="straightConnector1">
@@ -2577,7 +2579,7 @@
         </p:nvCxnSpPr>
         <p:spPr>
           <a:xfrm>
-            <a:off x="7812360" y="2516063"/>
+            <a:off x="7812360" y="2870287"/>
             <a:ext cx="0" cy="600299"/>
           </a:xfrm>
           <a:prstGeom prst="straightConnector1">
@@ -2618,7 +2620,7 @@
         </p:nvCxnSpPr>
         <p:spPr>
           <a:xfrm flipV="1">
-            <a:off x="8270111" y="2516063"/>
+            <a:off x="8270111" y="2870287"/>
             <a:ext cx="0" cy="618667"/>
           </a:xfrm>
           <a:prstGeom prst="straightConnector1">
@@ -2663,7 +2665,7 @@
         </p:nvCxnSpPr>
         <p:spPr>
           <a:xfrm flipH="1" flipV="1">
-            <a:off x="5833833" y="3336912"/>
+            <a:off x="5833833" y="3691136"/>
             <a:ext cx="1288218" cy="13590"/>
           </a:xfrm>
           <a:prstGeom prst="line">
@@ -2707,7 +2709,7 @@
         </p:nvCxnSpPr>
         <p:spPr>
           <a:xfrm flipH="1" flipV="1">
-            <a:off x="4905731" y="2522886"/>
+            <a:off x="4905731" y="2877110"/>
             <a:ext cx="928102" cy="814026"/>
           </a:xfrm>
           <a:prstGeom prst="straightConnector1">
@@ -2752,7 +2754,7 @@
         </p:nvCxnSpPr>
         <p:spPr>
           <a:xfrm>
-            <a:off x="3068530" y="2090294"/>
+            <a:off x="3068530" y="2444518"/>
             <a:ext cx="0" cy="571659"/>
           </a:xfrm>
           <a:prstGeom prst="line">
@@ -2797,28 +2799,25 @@
         </p:nvCxnSpPr>
         <p:spPr>
           <a:xfrm flipH="1">
-            <a:off x="1760330" y="2344134"/>
+            <a:off x="1760330" y="2698358"/>
             <a:ext cx="2509448" cy="3257"/>
           </a:xfrm>
           <a:prstGeom prst="straightConnector1">
             <a:avLst/>
           </a:prstGeom>
           <a:ln>
-            <a:solidFill>
-              <a:srgbClr val="FF0000"/>
-            </a:solidFill>
             <a:tailEnd type="triangle"/>
           </a:ln>
         </p:spPr>
         <p:style>
-          <a:lnRef idx="2">
-            <a:schemeClr val="accent1"/>
+          <a:lnRef idx="1">
+            <a:schemeClr val="accent2"/>
           </a:lnRef>
           <a:fillRef idx="0">
-            <a:schemeClr val="accent1"/>
+            <a:schemeClr val="accent2"/>
           </a:fillRef>
-          <a:effectRef idx="1">
-            <a:schemeClr val="accent1"/>
+          <a:effectRef idx="0">
+            <a:schemeClr val="accent2"/>
           </a:effectRef>
           <a:fontRef idx="minor">
             <a:schemeClr val="tx1"/>
@@ -2841,7 +2840,7 @@
         </p:nvCxnSpPr>
         <p:spPr>
           <a:xfrm>
-            <a:off x="7272687" y="1053852"/>
+            <a:off x="7272687" y="1408076"/>
             <a:ext cx="371576" cy="3257"/>
           </a:xfrm>
           <a:prstGeom prst="straightConnector1">
@@ -2885,7 +2884,7 @@
         </p:nvCxnSpPr>
         <p:spPr>
           <a:xfrm>
-            <a:off x="7272687" y="1447156"/>
+            <a:off x="7272687" y="1801380"/>
             <a:ext cx="371576" cy="3257"/>
           </a:xfrm>
           <a:prstGeom prst="straightConnector1">
@@ -2927,7 +2926,7 @@
         </p:nvSpPr>
         <p:spPr>
           <a:xfrm>
-            <a:off x="7833440" y="1250582"/>
+            <a:off x="7833440" y="1604806"/>
             <a:ext cx="1271905" cy="369332"/>
           </a:xfrm>
           <a:prstGeom prst="rect">
@@ -2966,7 +2965,7 @@
         </p:nvCxnSpPr>
         <p:spPr>
           <a:xfrm flipH="1" flipV="1">
-            <a:off x="6579046" y="1630363"/>
+            <a:off x="6579046" y="1984587"/>
             <a:ext cx="1" cy="405006"/>
           </a:xfrm>
           <a:prstGeom prst="line">
@@ -3009,7 +3008,7 @@
         </p:nvCxnSpPr>
         <p:spPr>
           <a:xfrm flipH="1">
-            <a:off x="4905730" y="1636351"/>
+            <a:off x="4905730" y="1990575"/>
             <a:ext cx="1673316" cy="0"/>
           </a:xfrm>
           <a:prstGeom prst="line">
@@ -3052,7 +3051,7 @@
         </p:nvCxnSpPr>
         <p:spPr>
           <a:xfrm>
-            <a:off x="4905730" y="1630363"/>
+            <a:off x="4905730" y="1984587"/>
             <a:ext cx="1" cy="535018"/>
           </a:xfrm>
           <a:prstGeom prst="straightConnector1">
@@ -3094,7 +3093,7 @@
         </p:nvSpPr>
         <p:spPr>
           <a:xfrm>
-            <a:off x="7812360" y="921382"/>
+            <a:off x="7812360" y="1275606"/>
             <a:ext cx="1271905" cy="369332"/>
           </a:xfrm>
           <a:prstGeom prst="rect">
@@ -3152,7 +3151,7 @@
                 </a:solidFill>
                 <a:latin typeface="맑은 고딕" panose="020B0503020000020004" pitchFamily="50" charset="-127"/>
               </a:rPr>
-              <a:t>8</a:t>
+              <a:t>7</a:t>
             </a:r>
             <a:endParaRPr lang="ko-KR" altLang="en-US" sz="3600" b="1" spc="-150" dirty="0">
               <a:solidFill>
@@ -3226,6 +3225,457 @@
 </file>
 
 <file path=ppt/slides/slide11.xml><?xml version="1.0" encoding="utf-8"?>
+<p:sld xmlns:a="http://schemas.openxmlformats.org/drawingml/2006/main" xmlns:r="http://schemas.openxmlformats.org/officeDocument/2006/relationships" xmlns:p="http://schemas.openxmlformats.org/presentationml/2006/main">
+  <p:cSld>
+    <p:spTree>
+      <p:nvGrpSpPr>
+        <p:cNvPr id="1" name=""/>
+        <p:cNvGrpSpPr/>
+        <p:nvPr/>
+      </p:nvGrpSpPr>
+      <p:grpSpPr>
+        <a:xfrm>
+          <a:off x="0" y="0"/>
+          <a:ext cx="0" cy="0"/>
+          <a:chOff x="0" y="0"/>
+          <a:chExt cx="0" cy="0"/>
+        </a:xfrm>
+      </p:grpSpPr>
+      <p:sp>
+        <p:nvSpPr>
+          <p:cNvPr id="19" name="TextBox 18"/>
+          <p:cNvSpPr txBox="1"/>
+          <p:nvPr/>
+        </p:nvSpPr>
+        <p:spPr>
+          <a:xfrm>
+            <a:off x="2532973" y="1495488"/>
+            <a:ext cx="1395831" cy="338554"/>
+          </a:xfrm>
+          <a:prstGeom prst="rect">
+            <a:avLst/>
+          </a:prstGeom>
+          <a:noFill/>
+        </p:spPr>
+        <p:txBody>
+          <a:bodyPr wrap="none" rtlCol="0">
+            <a:spAutoFit/>
+          </a:bodyPr>
+          <a:lstStyle/>
+          <a:p>
+            <a:pPr algn="ctr"/>
+            <a:r>
+              <a:rPr lang="en-US" altLang="ko-KR" sz="1600" dirty="0">
+                <a:solidFill>
+                  <a:schemeClr val="accent3"/>
+                </a:solidFill>
+                <a:latin typeface="맑은 고딕" panose="020B0503020000020004" pitchFamily="50" charset="-127"/>
+                <a:ea typeface="나눔바른고딕" panose="020B0603020101020101" pitchFamily="50" charset="-127"/>
+              </a:rPr>
+              <a:t>Visual Studio</a:t>
+            </a:r>
+            <a:endParaRPr lang="ko-KR" altLang="en-US" sz="1600" dirty="0">
+              <a:solidFill>
+                <a:schemeClr val="accent3"/>
+              </a:solidFill>
+              <a:latin typeface="나눔바른고딕" panose="020B0603020101020101" pitchFamily="50" charset="-127"/>
+              <a:ea typeface="나눔바른고딕" panose="020B0603020101020101" pitchFamily="50" charset="-127"/>
+            </a:endParaRPr>
+          </a:p>
+        </p:txBody>
+      </p:sp>
+      <p:sp>
+        <p:nvSpPr>
+          <p:cNvPr id="8" name="TextBox 7"/>
+          <p:cNvSpPr txBox="1"/>
+          <p:nvPr/>
+        </p:nvSpPr>
+        <p:spPr>
+          <a:xfrm>
+            <a:off x="938653" y="137626"/>
+            <a:ext cx="2193229" cy="646331"/>
+          </a:xfrm>
+          <a:prstGeom prst="rect">
+            <a:avLst/>
+          </a:prstGeom>
+          <a:noFill/>
+        </p:spPr>
+        <p:txBody>
+          <a:bodyPr wrap="none" rtlCol="0">
+            <a:spAutoFit/>
+          </a:bodyPr>
+          <a:lstStyle/>
+          <a:p>
+            <a:pPr algn="ctr"/>
+            <a:r>
+              <a:rPr lang="ko-KR" altLang="en-US" sz="3600" dirty="0">
+                <a:solidFill>
+                  <a:srgbClr val="F45452"/>
+                </a:solidFill>
+                <a:latin typeface="맑은 고딕" panose="020B0503020000020004" pitchFamily="50" charset="-127"/>
+              </a:rPr>
+              <a:t>개발 환경</a:t>
+            </a:r>
+            <a:endParaRPr lang="ko-KR" altLang="en-US" sz="3600" b="1" dirty="0">
+              <a:solidFill>
+                <a:srgbClr val="F45452"/>
+              </a:solidFill>
+              <a:latin typeface="나눔바른고딕" panose="020B0603020101020101" pitchFamily="50" charset="-127"/>
+              <a:ea typeface="나눔바른고딕" panose="020B0603020101020101" pitchFamily="50" charset="-127"/>
+            </a:endParaRPr>
+          </a:p>
+        </p:txBody>
+      </p:sp>
+      <p:pic>
+        <p:nvPicPr>
+          <p:cNvPr id="3" name="그림 2" descr="표지판, 녹색, 빨간색, 시계이(가) 표시된 사진&#10;&#10;자동 생성된 설명">
+            <a:extLst>
+              <a:ext uri="{FF2B5EF4-FFF2-40B4-BE49-F238E27FC236}">
+                <a16:creationId xmlns:a16="http://schemas.microsoft.com/office/drawing/2014/main" id="{FE86846C-87A4-40BB-8437-29C03A0BB6AD}"/>
+              </a:ext>
+            </a:extLst>
+          </p:cNvPr>
+          <p:cNvPicPr>
+            <a:picLocks noChangeAspect="1"/>
+          </p:cNvPicPr>
+          <p:nvPr/>
+        </p:nvPicPr>
+        <p:blipFill>
+          <a:blip r:embed="rId2">
+            <a:extLst>
+              <a:ext uri="{28A0092B-C50C-407E-A947-70E740481C1C}">
+                <a14:useLocalDpi xmlns:a14="http://schemas.microsoft.com/office/drawing/2010/main" val="0"/>
+              </a:ext>
+            </a:extLst>
+          </a:blip>
+          <a:stretch>
+            <a:fillRect/>
+          </a:stretch>
+        </p:blipFill>
+        <p:spPr>
+          <a:xfrm>
+            <a:off x="1063041" y="3154134"/>
+            <a:ext cx="1096516" cy="1096516"/>
+          </a:xfrm>
+          <a:prstGeom prst="rect">
+            <a:avLst/>
+          </a:prstGeom>
+        </p:spPr>
+      </p:pic>
+      <p:pic>
+        <p:nvPicPr>
+          <p:cNvPr id="5" name="그림 4" descr="그리기, 잔디이(가) 표시된 사진&#10;&#10;자동 생성된 설명">
+            <a:extLst>
+              <a:ext uri="{FF2B5EF4-FFF2-40B4-BE49-F238E27FC236}">
+                <a16:creationId xmlns:a16="http://schemas.microsoft.com/office/drawing/2014/main" id="{66B866CB-444E-44B9-9B95-D0DFEF4C2773}"/>
+              </a:ext>
+            </a:extLst>
+          </p:cNvPr>
+          <p:cNvPicPr>
+            <a:picLocks noChangeAspect="1"/>
+          </p:cNvPicPr>
+          <p:nvPr/>
+        </p:nvPicPr>
+        <p:blipFill>
+          <a:blip r:embed="rId3" cstate="print">
+            <a:extLst>
+              <a:ext uri="{28A0092B-C50C-407E-A947-70E740481C1C}">
+                <a14:useLocalDpi xmlns:a14="http://schemas.microsoft.com/office/drawing/2010/main" val="0"/>
+              </a:ext>
+            </a:extLst>
+          </a:blip>
+          <a:stretch>
+            <a:fillRect/>
+          </a:stretch>
+        </p:blipFill>
+        <p:spPr>
+          <a:xfrm>
+            <a:off x="4572000" y="1254554"/>
+            <a:ext cx="1831132" cy="1017296"/>
+          </a:xfrm>
+          <a:prstGeom prst="rect">
+            <a:avLst/>
+          </a:prstGeom>
+        </p:spPr>
+      </p:pic>
+      <p:pic>
+        <p:nvPicPr>
+          <p:cNvPr id="7" name="그림 6">
+            <a:extLst>
+              <a:ext uri="{FF2B5EF4-FFF2-40B4-BE49-F238E27FC236}">
+                <a16:creationId xmlns:a16="http://schemas.microsoft.com/office/drawing/2014/main" id="{38F899E6-DB88-49A6-9E04-06FC1FE403A3}"/>
+              </a:ext>
+            </a:extLst>
+          </p:cNvPr>
+          <p:cNvPicPr>
+            <a:picLocks noChangeAspect="1"/>
+          </p:cNvPicPr>
+          <p:nvPr/>
+        </p:nvPicPr>
+        <p:blipFill>
+          <a:blip r:embed="rId4">
+            <a:extLst>
+              <a:ext uri="{28A0092B-C50C-407E-A947-70E740481C1C}">
+                <a14:useLocalDpi xmlns:a14="http://schemas.microsoft.com/office/drawing/2010/main" val="0"/>
+              </a:ext>
+            </a:extLst>
+          </a:blip>
+          <a:stretch>
+            <a:fillRect/>
+          </a:stretch>
+        </p:blipFill>
+        <p:spPr>
+          <a:xfrm>
+            <a:off x="4769954" y="2930400"/>
+            <a:ext cx="1435224" cy="1435224"/>
+          </a:xfrm>
+          <a:prstGeom prst="rect">
+            <a:avLst/>
+          </a:prstGeom>
+        </p:spPr>
+      </p:pic>
+      <p:pic>
+        <p:nvPicPr>
+          <p:cNvPr id="10" name="그림 9" descr="그리기이(가) 표시된 사진&#10;&#10;자동 생성된 설명">
+            <a:extLst>
+              <a:ext uri="{FF2B5EF4-FFF2-40B4-BE49-F238E27FC236}">
+                <a16:creationId xmlns:a16="http://schemas.microsoft.com/office/drawing/2014/main" id="{80400D33-8E1E-4102-B30E-6C25E8D4ADC8}"/>
+              </a:ext>
+            </a:extLst>
+          </p:cNvPr>
+          <p:cNvPicPr>
+            <a:picLocks noChangeAspect="1"/>
+          </p:cNvPicPr>
+          <p:nvPr/>
+        </p:nvPicPr>
+        <p:blipFill>
+          <a:blip r:embed="rId5">
+            <a:extLst>
+              <a:ext uri="{28A0092B-C50C-407E-A947-70E740481C1C}">
+                <a14:useLocalDpi xmlns:a14="http://schemas.microsoft.com/office/drawing/2010/main" val="0"/>
+              </a:ext>
+            </a:extLst>
+          </a:blip>
+          <a:stretch>
+            <a:fillRect/>
+          </a:stretch>
+        </p:blipFill>
+        <p:spPr>
+          <a:xfrm>
+            <a:off x="967506" y="1119409"/>
+            <a:ext cx="1287586" cy="1287586"/>
+          </a:xfrm>
+          <a:prstGeom prst="rect">
+            <a:avLst/>
+          </a:prstGeom>
+        </p:spPr>
+      </p:pic>
+      <p:sp>
+        <p:nvSpPr>
+          <p:cNvPr id="13" name="TextBox 12">
+            <a:extLst>
+              <a:ext uri="{FF2B5EF4-FFF2-40B4-BE49-F238E27FC236}">
+                <a16:creationId xmlns:a16="http://schemas.microsoft.com/office/drawing/2014/main" id="{4F96FF6B-9EC0-430B-9CEC-1865C2EBBC22}"/>
+              </a:ext>
+            </a:extLst>
+          </p:cNvPr>
+          <p:cNvSpPr txBox="1"/>
+          <p:nvPr/>
+        </p:nvSpPr>
+        <p:spPr>
+          <a:xfrm>
+            <a:off x="6696394" y="1495488"/>
+            <a:ext cx="1154803" cy="338554"/>
+          </a:xfrm>
+          <a:prstGeom prst="rect">
+            <a:avLst/>
+          </a:prstGeom>
+          <a:noFill/>
+        </p:spPr>
+        <p:txBody>
+          <a:bodyPr wrap="none" rtlCol="0">
+            <a:spAutoFit/>
+          </a:bodyPr>
+          <a:lstStyle/>
+          <a:p>
+            <a:pPr algn="ctr"/>
+            <a:r>
+              <a:rPr lang="en-US" altLang="ko-KR" sz="1600" dirty="0">
+                <a:solidFill>
+                  <a:schemeClr val="accent3"/>
+                </a:solidFill>
+                <a:latin typeface="맑은 고딕" panose="020B0503020000020004" pitchFamily="50" charset="-127"/>
+              </a:rPr>
+              <a:t>DirectX 12</a:t>
+            </a:r>
+            <a:endParaRPr lang="ko-KR" altLang="en-US" sz="1600" dirty="0">
+              <a:solidFill>
+                <a:schemeClr val="accent3"/>
+              </a:solidFill>
+              <a:latin typeface="나눔바른고딕" panose="020B0603020101020101" pitchFamily="50" charset="-127"/>
+              <a:ea typeface="나눔바른고딕" panose="020B0603020101020101" pitchFamily="50" charset="-127"/>
+            </a:endParaRPr>
+          </a:p>
+        </p:txBody>
+      </p:sp>
+      <p:sp>
+        <p:nvSpPr>
+          <p:cNvPr id="14" name="TextBox 13">
+            <a:extLst>
+              <a:ext uri="{FF2B5EF4-FFF2-40B4-BE49-F238E27FC236}">
+                <a16:creationId xmlns:a16="http://schemas.microsoft.com/office/drawing/2014/main" id="{E75F671A-570C-4F96-B7AF-4E8093C62EEB}"/>
+              </a:ext>
+            </a:extLst>
+          </p:cNvPr>
+          <p:cNvSpPr txBox="1"/>
+          <p:nvPr/>
+        </p:nvSpPr>
+        <p:spPr>
+          <a:xfrm>
+            <a:off x="2503735" y="3478735"/>
+            <a:ext cx="1075936" cy="338554"/>
+          </a:xfrm>
+          <a:prstGeom prst="rect">
+            <a:avLst/>
+          </a:prstGeom>
+          <a:noFill/>
+        </p:spPr>
+        <p:txBody>
+          <a:bodyPr wrap="none" rtlCol="0">
+            <a:spAutoFit/>
+          </a:bodyPr>
+          <a:lstStyle/>
+          <a:p>
+            <a:pPr algn="ctr"/>
+            <a:r>
+              <a:rPr lang="en-US" altLang="ko-KR" sz="1600" dirty="0">
+                <a:solidFill>
+                  <a:schemeClr val="accent3"/>
+                </a:solidFill>
+                <a:latin typeface="맑은 고딕" panose="020B0503020000020004" pitchFamily="50" charset="-127"/>
+              </a:rPr>
+              <a:t>3DS MAX</a:t>
+            </a:r>
+            <a:endParaRPr lang="ko-KR" altLang="en-US" sz="1600" dirty="0">
+              <a:solidFill>
+                <a:schemeClr val="accent3"/>
+              </a:solidFill>
+              <a:latin typeface="나눔바른고딕" panose="020B0603020101020101" pitchFamily="50" charset="-127"/>
+              <a:ea typeface="나눔바른고딕" panose="020B0603020101020101" pitchFamily="50" charset="-127"/>
+            </a:endParaRPr>
+          </a:p>
+        </p:txBody>
+      </p:sp>
+      <p:sp>
+        <p:nvSpPr>
+          <p:cNvPr id="15" name="TextBox 14">
+            <a:extLst>
+              <a:ext uri="{FF2B5EF4-FFF2-40B4-BE49-F238E27FC236}">
+                <a16:creationId xmlns:a16="http://schemas.microsoft.com/office/drawing/2014/main" id="{BD324FC4-7AFD-42FC-94B5-4F8230E84979}"/>
+              </a:ext>
+            </a:extLst>
+          </p:cNvPr>
+          <p:cNvSpPr txBox="1"/>
+          <p:nvPr/>
+        </p:nvSpPr>
+        <p:spPr>
+          <a:xfrm>
+            <a:off x="6685013" y="3478735"/>
+            <a:ext cx="1177565" cy="338554"/>
+          </a:xfrm>
+          <a:prstGeom prst="rect">
+            <a:avLst/>
+          </a:prstGeom>
+          <a:noFill/>
+        </p:spPr>
+        <p:txBody>
+          <a:bodyPr wrap="none" rtlCol="0">
+            <a:spAutoFit/>
+          </a:bodyPr>
+          <a:lstStyle/>
+          <a:p>
+            <a:pPr algn="ctr"/>
+            <a:r>
+              <a:rPr lang="en-US" altLang="ko-KR" sz="1600" dirty="0" err="1">
+                <a:solidFill>
+                  <a:schemeClr val="accent3"/>
+                </a:solidFill>
+                <a:latin typeface="맑은 고딕" panose="020B0503020000020004" pitchFamily="50" charset="-127"/>
+              </a:rPr>
+              <a:t>Sourcetree</a:t>
+            </a:r>
+            <a:endParaRPr lang="ko-KR" altLang="en-US" sz="1600" dirty="0">
+              <a:solidFill>
+                <a:schemeClr val="accent3"/>
+              </a:solidFill>
+              <a:latin typeface="나눔바른고딕" panose="020B0603020101020101" pitchFamily="50" charset="-127"/>
+              <a:ea typeface="나눔바른고딕" panose="020B0603020101020101" pitchFamily="50" charset="-127"/>
+            </a:endParaRPr>
+          </a:p>
+        </p:txBody>
+      </p:sp>
+      <p:sp>
+        <p:nvSpPr>
+          <p:cNvPr id="16" name="TextBox 15">
+            <a:extLst>
+              <a:ext uri="{FF2B5EF4-FFF2-40B4-BE49-F238E27FC236}">
+                <a16:creationId xmlns:a16="http://schemas.microsoft.com/office/drawing/2014/main" id="{D2C3C535-E828-4A81-A7DB-3A9A460AF778}"/>
+              </a:ext>
+            </a:extLst>
+          </p:cNvPr>
+          <p:cNvSpPr txBox="1"/>
+          <p:nvPr/>
+        </p:nvSpPr>
+        <p:spPr>
+          <a:xfrm>
+            <a:off x="251520" y="0"/>
+            <a:ext cx="452368" cy="646331"/>
+          </a:xfrm>
+          <a:prstGeom prst="rect">
+            <a:avLst/>
+          </a:prstGeom>
+          <a:noFill/>
+        </p:spPr>
+        <p:txBody>
+          <a:bodyPr wrap="none" rtlCol="0">
+            <a:spAutoFit/>
+          </a:bodyPr>
+          <a:lstStyle/>
+          <a:p>
+            <a:pPr algn="ctr"/>
+            <a:r>
+              <a:rPr lang="en-US" altLang="ko-KR" sz="3600" b="1" dirty="0">
+                <a:solidFill>
+                  <a:schemeClr val="bg1"/>
+                </a:solidFill>
+                <a:latin typeface="맑은 고딕" panose="020B0503020000020004" pitchFamily="50" charset="-127"/>
+              </a:rPr>
+              <a:t>8</a:t>
+            </a:r>
+            <a:endParaRPr lang="ko-KR" altLang="en-US" sz="3600" b="1" spc="-150" dirty="0">
+              <a:solidFill>
+                <a:schemeClr val="bg1"/>
+              </a:solidFill>
+              <a:latin typeface="나눔바른고딕" panose="020B0603020101020101" pitchFamily="50" charset="-127"/>
+              <a:ea typeface="나눔바른고딕" panose="020B0603020101020101" pitchFamily="50" charset="-127"/>
+            </a:endParaRPr>
+          </a:p>
+        </p:txBody>
+      </p:sp>
+    </p:spTree>
+    <p:extLst>
+      <p:ext uri="{BB962C8B-B14F-4D97-AF65-F5344CB8AC3E}">
+        <p14:creationId xmlns:p14="http://schemas.microsoft.com/office/powerpoint/2010/main" val="2025462821"/>
+      </p:ext>
+    </p:extLst>
+  </p:cSld>
+  <p:clrMapOvr>
+    <a:masterClrMapping/>
+  </p:clrMapOvr>
+</p:sld>
+</file>
+
+<file path=ppt/slides/slide12.xml><?xml version="1.0" encoding="utf-8"?>
 <p:sld xmlns:a="http://schemas.openxmlformats.org/drawingml/2006/main" xmlns:r="http://schemas.openxmlformats.org/officeDocument/2006/relationships" xmlns:p="http://schemas.openxmlformats.org/presentationml/2006/main">
   <p:cSld>
     <p:spTree>
@@ -3611,7 +4061,7 @@
 </p:sld>
 </file>
 
-<file path=ppt/slides/slide12.xml><?xml version="1.0" encoding="utf-8"?>
+<file path=ppt/slides/slide13.xml><?xml version="1.0" encoding="utf-8"?>
 <p:sld xmlns:a="http://schemas.openxmlformats.org/drawingml/2006/main" xmlns:r="http://schemas.openxmlformats.org/officeDocument/2006/relationships" xmlns:p="http://schemas.openxmlformats.org/presentationml/2006/main">
   <p:cSld>
     <p:spTree>
@@ -3642,8 +4092,8 @@
         </p:nvSpPr>
         <p:spPr>
           <a:xfrm>
-            <a:off x="800481" y="1140396"/>
-            <a:ext cx="5974080" cy="1354217"/>
+            <a:off x="800480" y="1140396"/>
+            <a:ext cx="6651839" cy="1354217"/>
           </a:xfrm>
           <a:prstGeom prst="rect">
             <a:avLst/>
@@ -3660,27 +4110,14 @@
               <a:rPr lang="ko-KR" altLang="en-US" sz="2800" b="1" dirty="0"/>
               <a:t>차별성</a:t>
             </a:r>
-            <a:r>
-              <a:rPr lang="en-US" altLang="ko-KR" sz="2800" b="1" dirty="0"/>
-              <a:t>(</a:t>
-            </a:r>
-            <a:r>
-              <a:rPr lang="ko-KR" altLang="en-US" sz="2800" b="1" dirty="0"/>
-              <a:t>유사게임과 비교하여</a:t>
-            </a:r>
-            <a:r>
-              <a:rPr lang="en-US" altLang="ko-KR" sz="2800" b="1" dirty="0"/>
-              <a:t>)</a:t>
-            </a:r>
-          </a:p>
-          <a:p>
-            <a:r>
-              <a:rPr lang="ko-KR" altLang="en-US" dirty="0"/>
-              <a:t>컨셉에 어울리는 아기자기한 그래픽</a:t>
-            </a:r>
-            <a:endParaRPr lang="en-US" altLang="ko-KR" dirty="0"/>
-          </a:p>
-          <a:p>
+            <a:endParaRPr lang="en-US" altLang="ko-KR" sz="2800" b="1" dirty="0"/>
+          </a:p>
+          <a:p>
+            <a:pPr lvl="1"/>
+            <a:r>
+              <a:rPr lang="en-US" altLang="ko-KR" dirty="0"/>
+              <a:t>- </a:t>
+            </a:r>
             <a:r>
               <a:rPr lang="ko-KR" altLang="en-US" dirty="0"/>
               <a:t>짧고 </a:t>
@@ -3692,6 +4129,18 @@
             <a:r>
               <a:rPr lang="ko-KR" altLang="en-US" dirty="0"/>
               <a:t> 한판</a:t>
+            </a:r>
+            <a:endParaRPr lang="en-US" altLang="ko-KR" dirty="0"/>
+          </a:p>
+          <a:p>
+            <a:pPr lvl="1"/>
+            <a:r>
+              <a:rPr lang="en-US" altLang="ko-KR" dirty="0"/>
+              <a:t>- </a:t>
+            </a:r>
+            <a:r>
+              <a:rPr lang="ko-KR" altLang="en-US" dirty="0"/>
+              <a:t>팀전형식의 깃발 넣기가 아닌 서바이벌 형식의 개인전</a:t>
             </a:r>
             <a:endParaRPr lang="en-US" altLang="ko-KR" dirty="0"/>
           </a:p>
@@ -3715,7 +4164,7 @@
         <p:spPr>
           <a:xfrm>
             <a:off x="3059832" y="3030513"/>
-            <a:ext cx="5578763" cy="2215991"/>
+            <a:ext cx="5578763" cy="1508105"/>
           </a:xfrm>
           <a:prstGeom prst="rect">
             <a:avLst/>
@@ -3732,21 +4181,14 @@
               <a:rPr lang="ko-KR" altLang="en-US" sz="2800" b="1" dirty="0"/>
               <a:t>경쟁력</a:t>
             </a:r>
-            <a:r>
-              <a:rPr lang="en-US" altLang="ko-KR" sz="2800" b="1" dirty="0"/>
-              <a:t>(</a:t>
-            </a:r>
-            <a:r>
-              <a:rPr lang="ko-KR" altLang="en-US" sz="2800" b="1" dirty="0"/>
-              <a:t>유사게임과 비교하여</a:t>
-            </a:r>
-            <a:r>
-              <a:rPr lang="en-US" altLang="ko-KR" sz="2800" b="1" dirty="0"/>
-              <a:t>)</a:t>
-            </a:r>
+            <a:endParaRPr lang="en-US" altLang="ko-KR" sz="2800" b="1" dirty="0"/>
           </a:p>
           <a:p>
             <a:pPr lvl="1"/>
+            <a:r>
+              <a:rPr lang="en-US" altLang="ko-KR" dirty="0"/>
+              <a:t>- </a:t>
+            </a:r>
             <a:r>
               <a:rPr lang="ko-KR" altLang="en-US" dirty="0" err="1"/>
               <a:t>플레이어간의</a:t>
@@ -3760,12 +4202,13 @@
           <a:p>
             <a:pPr lvl="1"/>
             <a:r>
+              <a:rPr lang="en-US" altLang="ko-KR" dirty="0"/>
+              <a:t>- </a:t>
+            </a:r>
+            <a:r>
               <a:rPr lang="ko-KR" altLang="en-US" dirty="0"/>
-              <a:t>팀전형식의 깃발 넣기가 아닌 서바이벌 형식의 개인전</a:t>
-            </a:r>
-            <a:endParaRPr lang="en-US" altLang="ko-KR" dirty="0"/>
-          </a:p>
-          <a:p>
+              <a:t>컨셉에 어울리는 아기자기한 그래픽</a:t>
+            </a:r>
             <a:endParaRPr lang="en-US" altLang="ko-KR" sz="2800" b="1" dirty="0"/>
           </a:p>
           <a:p>
@@ -3900,7 +4343,7 @@
 </p:sld>
 </file>
 
-<file path=ppt/slides/slide13.xml><?xml version="1.0" encoding="utf-8"?>
+<file path=ppt/slides/slide14.xml><?xml version="1.0" encoding="utf-8"?>
 <p:sld xmlns:a="http://schemas.openxmlformats.org/drawingml/2006/main" xmlns:r="http://schemas.openxmlformats.org/officeDocument/2006/relationships" xmlns:p="http://schemas.openxmlformats.org/presentationml/2006/main">
   <p:cSld>
     <p:spTree>
@@ -5883,438 +6326,6 @@
 </p:sld>
 </file>
 
-<file path=ppt/slides/slide14.xml><?xml version="1.0" encoding="utf-8"?>
-<p:sld xmlns:a="http://schemas.openxmlformats.org/drawingml/2006/main" xmlns:r="http://schemas.openxmlformats.org/officeDocument/2006/relationships" xmlns:p="http://schemas.openxmlformats.org/presentationml/2006/main">
-  <p:cSld>
-    <p:spTree>
-      <p:nvGrpSpPr>
-        <p:cNvPr id="1" name=""/>
-        <p:cNvGrpSpPr/>
-        <p:nvPr/>
-      </p:nvGrpSpPr>
-      <p:grpSpPr>
-        <a:xfrm>
-          <a:off x="0" y="0"/>
-          <a:ext cx="0" cy="0"/>
-          <a:chOff x="0" y="0"/>
-          <a:chExt cx="0" cy="0"/>
-        </a:xfrm>
-      </p:grpSpPr>
-      <p:sp>
-        <p:nvSpPr>
-          <p:cNvPr id="2" name="직사각형 1">
-            <a:extLst>
-              <a:ext uri="{FF2B5EF4-FFF2-40B4-BE49-F238E27FC236}">
-                <a16:creationId xmlns:a16="http://schemas.microsoft.com/office/drawing/2014/main" id="{324A229D-DB0D-4E52-9500-E6EF8F617732}"/>
-              </a:ext>
-            </a:extLst>
-          </p:cNvPr>
-          <p:cNvSpPr/>
-          <p:nvPr/>
-        </p:nvSpPr>
-        <p:spPr>
-          <a:xfrm>
-            <a:off x="755576" y="1192936"/>
-            <a:ext cx="3362092" cy="626005"/>
-          </a:xfrm>
-          <a:prstGeom prst="rect">
-            <a:avLst/>
-          </a:prstGeom>
-        </p:spPr>
-        <p:style>
-          <a:lnRef idx="2">
-            <a:schemeClr val="accent3">
-              <a:shade val="50000"/>
-            </a:schemeClr>
-          </a:lnRef>
-          <a:fillRef idx="1">
-            <a:schemeClr val="accent3"/>
-          </a:fillRef>
-          <a:effectRef idx="0">
-            <a:schemeClr val="accent3"/>
-          </a:effectRef>
-          <a:fontRef idx="minor">
-            <a:schemeClr val="lt1"/>
-          </a:fontRef>
-        </p:style>
-        <p:txBody>
-          <a:bodyPr rtlCol="0" anchor="ctr"/>
-          <a:lstStyle/>
-          <a:p>
-            <a:pPr algn="ctr"/>
-            <a:r>
-              <a:rPr lang="ko-KR" altLang="en-US" dirty="0"/>
-              <a:t>클라이언트</a:t>
-            </a:r>
-            <a:endParaRPr lang="en-US" altLang="ko-KR" dirty="0"/>
-          </a:p>
-          <a:p>
-            <a:pPr algn="ctr"/>
-            <a:r>
-              <a:rPr lang="ko-KR" altLang="en-US" dirty="0"/>
-              <a:t>김기태</a:t>
-            </a:r>
-          </a:p>
-        </p:txBody>
-      </p:sp>
-      <p:sp>
-        <p:nvSpPr>
-          <p:cNvPr id="3" name="직사각형 2">
-            <a:extLst>
-              <a:ext uri="{FF2B5EF4-FFF2-40B4-BE49-F238E27FC236}">
-                <a16:creationId xmlns:a16="http://schemas.microsoft.com/office/drawing/2014/main" id="{A0BD2BAD-00AC-4455-BF5B-FF101EBC8426}"/>
-              </a:ext>
-            </a:extLst>
-          </p:cNvPr>
-          <p:cNvSpPr/>
-          <p:nvPr/>
-        </p:nvSpPr>
-        <p:spPr>
-          <a:xfrm>
-            <a:off x="5148809" y="1176581"/>
-            <a:ext cx="3362092" cy="626005"/>
-          </a:xfrm>
-          <a:prstGeom prst="rect">
-            <a:avLst/>
-          </a:prstGeom>
-        </p:spPr>
-        <p:style>
-          <a:lnRef idx="2">
-            <a:schemeClr val="accent3">
-              <a:shade val="50000"/>
-            </a:schemeClr>
-          </a:lnRef>
-          <a:fillRef idx="1">
-            <a:schemeClr val="accent3"/>
-          </a:fillRef>
-          <a:effectRef idx="0">
-            <a:schemeClr val="accent3"/>
-          </a:effectRef>
-          <a:fontRef idx="minor">
-            <a:schemeClr val="lt1"/>
-          </a:fontRef>
-        </p:style>
-        <p:txBody>
-          <a:bodyPr rtlCol="0" anchor="ctr"/>
-          <a:lstStyle/>
-          <a:p>
-            <a:pPr algn="ctr"/>
-            <a:r>
-              <a:rPr lang="ko-KR" altLang="en-US" dirty="0"/>
-              <a:t>서버</a:t>
-            </a:r>
-            <a:endParaRPr lang="en-US" altLang="ko-KR" dirty="0"/>
-          </a:p>
-          <a:p>
-            <a:pPr algn="ctr"/>
-            <a:r>
-              <a:rPr lang="ko-KR" altLang="en-US" dirty="0"/>
-              <a:t>이경섭</a:t>
-            </a:r>
-          </a:p>
-        </p:txBody>
-      </p:sp>
-      <p:sp>
-        <p:nvSpPr>
-          <p:cNvPr id="4" name="직사각형 3">
-            <a:extLst>
-              <a:ext uri="{FF2B5EF4-FFF2-40B4-BE49-F238E27FC236}">
-                <a16:creationId xmlns:a16="http://schemas.microsoft.com/office/drawing/2014/main" id="{4954FFD3-6DDD-41D0-BBA3-37D54BD3E4A4}"/>
-              </a:ext>
-            </a:extLst>
-          </p:cNvPr>
-          <p:cNvSpPr/>
-          <p:nvPr/>
-        </p:nvSpPr>
-        <p:spPr>
-          <a:xfrm>
-            <a:off x="539552" y="2136966"/>
-            <a:ext cx="3939646" cy="2451852"/>
-          </a:xfrm>
-          <a:prstGeom prst="rect">
-            <a:avLst/>
-          </a:prstGeom>
-        </p:spPr>
-        <p:style>
-          <a:lnRef idx="1">
-            <a:schemeClr val="accent3"/>
-          </a:lnRef>
-          <a:fillRef idx="2">
-            <a:schemeClr val="accent3"/>
-          </a:fillRef>
-          <a:effectRef idx="1">
-            <a:schemeClr val="accent3"/>
-          </a:effectRef>
-          <a:fontRef idx="minor">
-            <a:schemeClr val="dk1"/>
-          </a:fontRef>
-        </p:style>
-        <p:txBody>
-          <a:bodyPr rtlCol="0" anchor="ctr"/>
-          <a:lstStyle/>
-          <a:p>
-            <a:pPr algn="ctr"/>
-            <a:r>
-              <a:rPr lang="ko-KR" altLang="en-US" sz="2000" dirty="0" err="1"/>
-              <a:t>쉐이더</a:t>
-            </a:r>
-            <a:r>
-              <a:rPr lang="ko-KR" altLang="en-US" sz="2000" dirty="0"/>
-              <a:t> 활용 </a:t>
-            </a:r>
-            <a:r>
-              <a:rPr lang="en-US" altLang="ko-KR" sz="2000" dirty="0"/>
-              <a:t>-</a:t>
-            </a:r>
-            <a:r>
-              <a:rPr lang="ko-KR" altLang="en-US" sz="2000" dirty="0"/>
-              <a:t> </a:t>
-            </a:r>
-            <a:r>
-              <a:rPr lang="ko-KR" altLang="en-US" sz="2000" dirty="0" err="1"/>
-              <a:t>범프</a:t>
-            </a:r>
-            <a:r>
-              <a:rPr lang="ko-KR" altLang="en-US" sz="2000" dirty="0"/>
-              <a:t> 매핑</a:t>
-            </a:r>
-            <a:r>
-              <a:rPr lang="en-US" altLang="ko-KR" sz="2000" dirty="0"/>
-              <a:t> </a:t>
-            </a:r>
-          </a:p>
-          <a:p>
-            <a:pPr algn="ctr"/>
-            <a:r>
-              <a:rPr lang="ko-KR" altLang="en-US" sz="2000" dirty="0"/>
-              <a:t>음영조절과 외곽선 표현을 통한 </a:t>
-            </a:r>
-            <a:r>
-              <a:rPr lang="ko-KR" altLang="en-US" sz="2000" dirty="0" err="1"/>
-              <a:t>카툰렌더링</a:t>
-            </a:r>
-            <a:endParaRPr lang="en-US" altLang="ko-KR" sz="2000" dirty="0"/>
-          </a:p>
-          <a:p>
-            <a:pPr algn="ctr"/>
-            <a:endParaRPr lang="en-US" altLang="ko-KR" sz="2000" dirty="0"/>
-          </a:p>
-          <a:p>
-            <a:pPr algn="ctr"/>
-            <a:r>
-              <a:rPr lang="en-US" altLang="ko-KR" sz="2000" dirty="0" err="1"/>
-              <a:t>Assimp</a:t>
-            </a:r>
-            <a:r>
-              <a:rPr lang="ko-KR" altLang="en-US" sz="2000" dirty="0"/>
-              <a:t>를 이용한 모델 데이터 </a:t>
-            </a:r>
-            <a:r>
-              <a:rPr lang="en-US" altLang="ko-KR" sz="2000" dirty="0"/>
-              <a:t>Import / </a:t>
-            </a:r>
-            <a:r>
-              <a:rPr lang="ko-KR" altLang="en-US" sz="2000" dirty="0"/>
-              <a:t>애니메이션</a:t>
-            </a:r>
-            <a:endParaRPr lang="en-US" altLang="ko-KR" sz="2000" dirty="0"/>
-          </a:p>
-        </p:txBody>
-      </p:sp>
-      <p:sp>
-        <p:nvSpPr>
-          <p:cNvPr id="5" name="직사각형 4">
-            <a:extLst>
-              <a:ext uri="{FF2B5EF4-FFF2-40B4-BE49-F238E27FC236}">
-                <a16:creationId xmlns:a16="http://schemas.microsoft.com/office/drawing/2014/main" id="{3763A378-C5DF-400A-A1DD-27F9D6F54AA1}"/>
-              </a:ext>
-            </a:extLst>
-          </p:cNvPr>
-          <p:cNvSpPr/>
-          <p:nvPr/>
-        </p:nvSpPr>
-        <p:spPr>
-          <a:xfrm>
-            <a:off x="4860032" y="2157468"/>
-            <a:ext cx="3939646" cy="2451852"/>
-          </a:xfrm>
-          <a:prstGeom prst="rect">
-            <a:avLst/>
-          </a:prstGeom>
-        </p:spPr>
-        <p:style>
-          <a:lnRef idx="1">
-            <a:schemeClr val="accent3"/>
-          </a:lnRef>
-          <a:fillRef idx="2">
-            <a:schemeClr val="accent3"/>
-          </a:fillRef>
-          <a:effectRef idx="1">
-            <a:schemeClr val="accent3"/>
-          </a:effectRef>
-          <a:fontRef idx="minor">
-            <a:schemeClr val="dk1"/>
-          </a:fontRef>
-        </p:style>
-        <p:txBody>
-          <a:bodyPr rtlCol="0" anchor="ctr"/>
-          <a:lstStyle/>
-          <a:p>
-            <a:pPr algn="ctr"/>
-            <a:r>
-              <a:rPr lang="en-US" altLang="ko-KR" sz="2000" dirty="0">
-                <a:latin typeface="맑은 고딕 (본문)"/>
-              </a:rPr>
-              <a:t>IOCP</a:t>
-            </a:r>
-          </a:p>
-          <a:p>
-            <a:pPr algn="ctr"/>
-            <a:endParaRPr lang="en-US" altLang="ko-KR" sz="2000" dirty="0">
-              <a:latin typeface="맑은 고딕 (본문)"/>
-            </a:endParaRPr>
-          </a:p>
-          <a:p>
-            <a:pPr algn="ctr"/>
-            <a:r>
-              <a:rPr lang="ko-KR" altLang="en-US" sz="2000" dirty="0">
-                <a:latin typeface="맑은 고딕 (본문)"/>
-              </a:rPr>
-              <a:t>충돌체크</a:t>
-            </a:r>
-            <a:endParaRPr lang="en-US" altLang="ko-KR" sz="2000" dirty="0">
-              <a:latin typeface="맑은 고딕 (본문)"/>
-            </a:endParaRPr>
-          </a:p>
-          <a:p>
-            <a:pPr algn="ctr"/>
-            <a:endParaRPr lang="en-US" altLang="ko-KR" sz="2000" dirty="0">
-              <a:latin typeface="맑은 고딕 (본문)"/>
-            </a:endParaRPr>
-          </a:p>
-          <a:p>
-            <a:pPr algn="ctr"/>
-            <a:r>
-              <a:rPr lang="ko-KR" altLang="en-US" sz="2000" dirty="0">
-                <a:latin typeface="맑은 고딕 (본문)"/>
-              </a:rPr>
-              <a:t>네트워크 동기화</a:t>
-            </a:r>
-            <a:endParaRPr lang="en-US" altLang="ko-KR" sz="2000" dirty="0">
-              <a:latin typeface="맑은 고딕 (본문)"/>
-            </a:endParaRPr>
-          </a:p>
-        </p:txBody>
-      </p:sp>
-      <p:sp>
-        <p:nvSpPr>
-          <p:cNvPr id="6" name="TextBox 5">
-            <a:extLst>
-              <a:ext uri="{FF2B5EF4-FFF2-40B4-BE49-F238E27FC236}">
-                <a16:creationId xmlns:a16="http://schemas.microsoft.com/office/drawing/2014/main" id="{46D9FC25-7B56-43E0-A3F2-1AEA3D47533E}"/>
-              </a:ext>
-            </a:extLst>
-          </p:cNvPr>
-          <p:cNvSpPr txBox="1"/>
-          <p:nvPr/>
-        </p:nvSpPr>
-        <p:spPr>
-          <a:xfrm>
-            <a:off x="654715" y="80329"/>
-            <a:ext cx="2193229" cy="646331"/>
-          </a:xfrm>
-          <a:prstGeom prst="rect">
-            <a:avLst/>
-          </a:prstGeom>
-          <a:noFill/>
-        </p:spPr>
-        <p:txBody>
-          <a:bodyPr wrap="none" rtlCol="0">
-            <a:spAutoFit/>
-          </a:bodyPr>
-          <a:lstStyle/>
-          <a:p>
-            <a:pPr algn="ctr"/>
-            <a:r>
-              <a:rPr lang="ko-KR" altLang="en-US" sz="3600" dirty="0">
-                <a:solidFill>
-                  <a:srgbClr val="F45452"/>
-                </a:solidFill>
-                <a:latin typeface="맑은 고딕" panose="020B0503020000020004" pitchFamily="50" charset="-127"/>
-              </a:rPr>
-              <a:t>연구 과제</a:t>
-            </a:r>
-            <a:endParaRPr lang="ko-KR" altLang="en-US" sz="3600" b="1" dirty="0">
-              <a:solidFill>
-                <a:srgbClr val="F45452"/>
-              </a:solidFill>
-              <a:latin typeface="나눔바른고딕" panose="020B0603020101020101" pitchFamily="50" charset="-127"/>
-              <a:ea typeface="나눔바른고딕" panose="020B0603020101020101" pitchFamily="50" charset="-127"/>
-            </a:endParaRPr>
-          </a:p>
-        </p:txBody>
-      </p:sp>
-      <p:sp>
-        <p:nvSpPr>
-          <p:cNvPr id="7" name="TextBox 6">
-            <a:extLst>
-              <a:ext uri="{FF2B5EF4-FFF2-40B4-BE49-F238E27FC236}">
-                <a16:creationId xmlns:a16="http://schemas.microsoft.com/office/drawing/2014/main" id="{34B9D861-2EF9-4A50-AE46-92E5CB155B7C}"/>
-              </a:ext>
-            </a:extLst>
-          </p:cNvPr>
-          <p:cNvSpPr txBox="1"/>
-          <p:nvPr/>
-        </p:nvSpPr>
-        <p:spPr>
-          <a:xfrm>
-            <a:off x="113040" y="76071"/>
-            <a:ext cx="659156" cy="584775"/>
-          </a:xfrm>
-          <a:prstGeom prst="rect">
-            <a:avLst/>
-          </a:prstGeom>
-          <a:noFill/>
-        </p:spPr>
-        <p:txBody>
-          <a:bodyPr wrap="none" rtlCol="0">
-            <a:spAutoFit/>
-          </a:bodyPr>
-          <a:lstStyle/>
-          <a:p>
-            <a:pPr algn="ctr"/>
-            <a:r>
-              <a:rPr lang="en-US" altLang="ko-KR" sz="3200" b="1" dirty="0">
-                <a:solidFill>
-                  <a:schemeClr val="bg1"/>
-                </a:solidFill>
-                <a:latin typeface="맑은 고딕" panose="020B0503020000020004" pitchFamily="50" charset="-127"/>
-              </a:rPr>
-              <a:t>12</a:t>
-            </a:r>
-            <a:endParaRPr lang="ko-KR" altLang="en-US" sz="3200" b="1" spc="-150" dirty="0">
-              <a:solidFill>
-                <a:schemeClr val="bg1"/>
-              </a:solidFill>
-              <a:latin typeface="나눔바른고딕" panose="020B0603020101020101" pitchFamily="50" charset="-127"/>
-              <a:ea typeface="나눔바른고딕" panose="020B0603020101020101" pitchFamily="50" charset="-127"/>
-            </a:endParaRPr>
-          </a:p>
-        </p:txBody>
-      </p:sp>
-    </p:spTree>
-    <p:extLst>
-      <p:ext uri="{BB962C8B-B14F-4D97-AF65-F5344CB8AC3E}">
-        <p14:creationId xmlns:p14="http://schemas.microsoft.com/office/powerpoint/2010/main" val="1760410942"/>
-      </p:ext>
-    </p:extLst>
-  </p:cSld>
-  <p:clrMapOvr>
-    <a:masterClrMapping/>
-  </p:clrMapOvr>
-</p:sld>
-</file>
-
 <file path=ppt/slides/slide15.xml><?xml version="1.0" encoding="utf-8"?>
 <p:sld xmlns:a="http://schemas.openxmlformats.org/drawingml/2006/main" xmlns:r="http://schemas.openxmlformats.org/officeDocument/2006/relationships" xmlns:p="http://schemas.openxmlformats.org/presentationml/2006/main">
   <p:cSld>
@@ -6337,7 +6348,7 @@
           <p:cNvPr id="2" name="직사각형 1">
             <a:extLst>
               <a:ext uri="{FF2B5EF4-FFF2-40B4-BE49-F238E27FC236}">
-                <a16:creationId xmlns:a16="http://schemas.microsoft.com/office/drawing/2014/main" id="{A8EAD48C-62F9-44F6-9A74-190CEBBA2F43}"/>
+                <a16:creationId xmlns:a16="http://schemas.microsoft.com/office/drawing/2014/main" id="{324A229D-DB0D-4E52-9500-E6EF8F617732}"/>
               </a:ext>
             </a:extLst>
           </p:cNvPr>
@@ -6346,8 +6357,8 @@
         </p:nvSpPr>
         <p:spPr>
           <a:xfrm>
-            <a:off x="1079117" y="1615626"/>
-            <a:ext cx="2786028" cy="553997"/>
+            <a:off x="755576" y="1192936"/>
+            <a:ext cx="3362092" cy="626005"/>
           </a:xfrm>
           <a:prstGeom prst="rect">
             <a:avLst/>
@@ -6394,7 +6405,7 @@
           <p:cNvPr id="3" name="직사각형 2">
             <a:extLst>
               <a:ext uri="{FF2B5EF4-FFF2-40B4-BE49-F238E27FC236}">
-                <a16:creationId xmlns:a16="http://schemas.microsoft.com/office/drawing/2014/main" id="{3216CA2E-3019-458B-9177-AE76995BF5D3}"/>
+                <a16:creationId xmlns:a16="http://schemas.microsoft.com/office/drawing/2014/main" id="{A0BD2BAD-00AC-4455-BF5B-FF101EBC8426}"/>
               </a:ext>
             </a:extLst>
           </p:cNvPr>
@@ -6403,8 +6414,8 @@
         </p:nvSpPr>
         <p:spPr>
           <a:xfrm>
-            <a:off x="5339226" y="1615625"/>
-            <a:ext cx="2786028" cy="553997"/>
+            <a:off x="5148809" y="1176581"/>
+            <a:ext cx="3362092" cy="626005"/>
           </a:xfrm>
           <a:prstGeom prst="rect">
             <a:avLst/>
@@ -6451,7 +6462,7 @@
           <p:cNvPr id="4" name="직사각형 3">
             <a:extLst>
               <a:ext uri="{FF2B5EF4-FFF2-40B4-BE49-F238E27FC236}">
-                <a16:creationId xmlns:a16="http://schemas.microsoft.com/office/drawing/2014/main" id="{CCA94D09-4B3F-4B7A-94DE-579DD4A1E813}"/>
+                <a16:creationId xmlns:a16="http://schemas.microsoft.com/office/drawing/2014/main" id="{4954FFD3-6DDD-41D0-BBA3-37D54BD3E4A4}"/>
               </a:ext>
             </a:extLst>
           </p:cNvPr>
@@ -6460,8 +6471,8 @@
         </p:nvSpPr>
         <p:spPr>
           <a:xfrm>
-            <a:off x="660294" y="2499742"/>
-            <a:ext cx="3623675" cy="1809781"/>
+            <a:off x="539552" y="2136966"/>
+            <a:ext cx="3939646" cy="2451852"/>
           </a:xfrm>
           <a:prstGeom prst="rect">
             <a:avLst/>
@@ -6487,50 +6498,73 @@
           <a:p>
             <a:pPr algn="ctr"/>
             <a:r>
+              <a:rPr lang="ko-KR" altLang="en-US" sz="2000" dirty="0" err="1"/>
+              <a:t>쉐이더</a:t>
+            </a:r>
+            <a:r>
+              <a:rPr lang="ko-KR" altLang="en-US" sz="2000" dirty="0"/>
+              <a:t> 활용 </a:t>
+            </a:r>
+            <a:r>
               <a:rPr lang="en-US" altLang="ko-KR" sz="2000" dirty="0"/>
-              <a:t>‘DirectX12</a:t>
+              <a:t>-</a:t>
             </a:r>
             <a:r>
               <a:rPr lang="ko-KR" altLang="en-US" sz="2000" dirty="0"/>
-              <a:t>를 이용한 </a:t>
+              <a:t> </a:t>
+            </a:r>
+            <a:r>
+              <a:rPr lang="ko-KR" altLang="en-US" sz="2000" dirty="0" err="1"/>
+              <a:t>범프</a:t>
+            </a:r>
+            <a:r>
+              <a:rPr lang="ko-KR" altLang="en-US" sz="2000" dirty="0"/>
+              <a:t> 매핑</a:t>
             </a:r>
             <a:r>
               <a:rPr lang="en-US" altLang="ko-KR" sz="2000" dirty="0"/>
-              <a:t>3D</a:t>
-            </a:r>
+              <a:t> </a:t>
+            </a:r>
+          </a:p>
+          <a:p>
+            <a:pPr algn="ctr"/>
+            <a:endParaRPr lang="en-US" altLang="ko-KR" sz="2000" dirty="0"/>
+          </a:p>
+          <a:p>
+            <a:pPr algn="ctr"/>
             <a:r>
               <a:rPr lang="ko-KR" altLang="en-US" sz="2000" dirty="0"/>
-              <a:t> 게임 프로그래밍</a:t>
+              <a:t>음영조절과 외곽선 표현을 통한 </a:t>
+            </a:r>
+            <a:r>
+              <a:rPr lang="ko-KR" altLang="en-US" sz="2000" dirty="0" err="1"/>
+              <a:t>카툰렌더링</a:t>
+            </a:r>
+            <a:endParaRPr lang="en-US" altLang="ko-KR" sz="2000" dirty="0"/>
+          </a:p>
+          <a:p>
+            <a:pPr algn="ctr"/>
+            <a:endParaRPr lang="en-US" altLang="ko-KR" sz="2000" dirty="0"/>
+          </a:p>
+          <a:p>
+            <a:pPr algn="ctr"/>
+            <a:r>
+              <a:rPr lang="en-US" altLang="ko-KR" sz="2000" dirty="0" err="1"/>
+              <a:t>Assimp</a:t>
+            </a:r>
+            <a:r>
+              <a:rPr lang="ko-KR" altLang="en-US" sz="2000" dirty="0"/>
+              <a:t>를 이용한 모델 데이터 </a:t>
             </a:r>
             <a:r>
               <a:rPr lang="en-US" altLang="ko-KR" sz="2000" dirty="0"/>
-              <a:t>’</a:t>
+              <a:t>Import / </a:t>
             </a:r>
             <a:r>
               <a:rPr lang="ko-KR" altLang="en-US" sz="2000" dirty="0"/>
-              <a:t>를 이용한 프레임워크 구현</a:t>
+              <a:t>애니메이션</a:t>
             </a:r>
             <a:endParaRPr lang="en-US" altLang="ko-KR" sz="2000" dirty="0"/>
-          </a:p>
-          <a:p>
-            <a:pPr algn="ctr"/>
-            <a:r>
-              <a:rPr lang="ko-KR" altLang="en-US" sz="2000" dirty="0"/>
-              <a:t>게임 소프트웨어 공학</a:t>
-            </a:r>
-            <a:r>
-              <a:rPr lang="en-US" altLang="ko-KR" sz="2000" dirty="0"/>
-              <a:t>(</a:t>
-            </a:r>
-            <a:r>
-              <a:rPr lang="ko-KR" altLang="en-US" sz="2000" dirty="0"/>
-              <a:t>이수</a:t>
-            </a:r>
-            <a:r>
-              <a:rPr lang="en-US" altLang="ko-KR" sz="2000" dirty="0"/>
-              <a:t>)</a:t>
-            </a:r>
-            <a:endParaRPr lang="ko-KR" altLang="en-US" sz="2000" dirty="0"/>
           </a:p>
         </p:txBody>
       </p:sp>
@@ -6539,7 +6573,7 @@
           <p:cNvPr id="5" name="직사각형 4">
             <a:extLst>
               <a:ext uri="{FF2B5EF4-FFF2-40B4-BE49-F238E27FC236}">
-                <a16:creationId xmlns:a16="http://schemas.microsoft.com/office/drawing/2014/main" id="{6ED04F61-585D-41CB-A8A6-0950B2221C96}"/>
+                <a16:creationId xmlns:a16="http://schemas.microsoft.com/office/drawing/2014/main" id="{3763A378-C5DF-400A-A1DD-27F9D6F54AA1}"/>
               </a:ext>
             </a:extLst>
           </p:cNvPr>
@@ -6548,8 +6582,8 @@
         </p:nvSpPr>
         <p:spPr>
           <a:xfrm>
-            <a:off x="4860032" y="2499742"/>
-            <a:ext cx="3744416" cy="1737773"/>
+            <a:off x="4860032" y="2157468"/>
+            <a:ext cx="3939646" cy="2451852"/>
           </a:xfrm>
           <a:prstGeom prst="rect">
             <a:avLst/>
@@ -6575,96 +6609,45 @@
           <a:p>
             <a:pPr algn="ctr"/>
             <a:r>
+              <a:rPr lang="en-US" altLang="ko-KR" sz="2000" dirty="0">
+                <a:latin typeface="맑은 고딕 (본문)"/>
+              </a:rPr>
+              <a:t>IOCP</a:t>
+            </a:r>
+          </a:p>
+          <a:p>
+            <a:pPr algn="ctr"/>
+            <a:endParaRPr lang="en-US" altLang="ko-KR" sz="2000" dirty="0">
+              <a:latin typeface="맑은 고딕 (본문)"/>
+            </a:endParaRPr>
+          </a:p>
+          <a:p>
+            <a:pPr algn="ctr"/>
+            <a:r>
               <a:rPr lang="ko-KR" altLang="en-US" sz="2000" dirty="0">
                 <a:latin typeface="맑은 고딕 (본문)"/>
               </a:rPr>
-              <a:t>네트워크 게임 프로그래밍</a:t>
-            </a:r>
-            <a:r>
-              <a:rPr lang="en-US" altLang="ko-KR" sz="2000" dirty="0">
-                <a:latin typeface="맑은 고딕 (본문)"/>
-              </a:rPr>
-              <a:t>(</a:t>
-            </a:r>
+              <a:t>충돌체크</a:t>
+            </a:r>
+            <a:endParaRPr lang="en-US" altLang="ko-KR" sz="2000" dirty="0">
+              <a:latin typeface="맑은 고딕 (본문)"/>
+            </a:endParaRPr>
+          </a:p>
+          <a:p>
+            <a:pPr algn="ctr"/>
+            <a:endParaRPr lang="en-US" altLang="ko-KR" sz="2000" dirty="0">
+              <a:latin typeface="맑은 고딕 (본문)"/>
+            </a:endParaRPr>
+          </a:p>
+          <a:p>
+            <a:pPr algn="ctr"/>
             <a:r>
               <a:rPr lang="ko-KR" altLang="en-US" sz="2000" dirty="0">
                 <a:latin typeface="맑은 고딕 (본문)"/>
               </a:rPr>
-              <a:t>이수</a:t>
-            </a:r>
-            <a:r>
-              <a:rPr lang="en-US" altLang="ko-KR" sz="2000" dirty="0">
-                <a:latin typeface="맑은 고딕 (본문)"/>
-              </a:rPr>
-              <a:t>)</a:t>
-            </a:r>
-          </a:p>
-          <a:p>
-            <a:pPr algn="ctr"/>
-            <a:r>
-              <a:rPr lang="ko-KR" altLang="en-US" sz="2000" dirty="0">
-                <a:latin typeface="맑은 고딕 (본문)"/>
-              </a:rPr>
-              <a:t>서버 게임 프로그래밍</a:t>
+              <a:t>네트워크 동기화</a:t>
             </a:r>
             <a:endParaRPr lang="en-US" altLang="ko-KR" sz="2000" dirty="0">
-              <a:latin typeface="맑은 고딕 (본문)"/>
-            </a:endParaRPr>
-          </a:p>
-          <a:p>
-            <a:pPr algn="ctr"/>
-            <a:r>
-              <a:rPr lang="en-US" altLang="ko-KR" sz="2000" dirty="0">
-                <a:latin typeface="맑은 고딕 (본문)"/>
-              </a:rPr>
-              <a:t>(</a:t>
-            </a:r>
-            <a:r>
-              <a:rPr lang="ko-KR" altLang="en-US" sz="2000" dirty="0">
-                <a:latin typeface="맑은 고딕 (본문)"/>
-              </a:rPr>
-              <a:t>이수 예정</a:t>
-            </a:r>
-            <a:r>
-              <a:rPr lang="en-US" altLang="ko-KR" sz="2000" dirty="0">
-                <a:latin typeface="맑은 고딕 (본문)"/>
-              </a:rPr>
-              <a:t>)</a:t>
-            </a:r>
-          </a:p>
-          <a:p>
-            <a:pPr algn="ctr"/>
-            <a:r>
-              <a:rPr lang="en-US" altLang="ko-KR" sz="2000" dirty="0">
-                <a:latin typeface="맑은 고딕 (본문)"/>
-              </a:rPr>
-              <a:t>3D </a:t>
-            </a:r>
-            <a:r>
-              <a:rPr lang="ko-KR" altLang="en-US" sz="2000" dirty="0">
-                <a:latin typeface="맑은 고딕 (본문)"/>
-              </a:rPr>
-              <a:t>모델링 </a:t>
-            </a:r>
-            <a:r>
-              <a:rPr lang="en-US" altLang="ko-KR" sz="2000" dirty="0">
-                <a:latin typeface="맑은 고딕 (본문)"/>
-              </a:rPr>
-              <a:t>1,2 (</a:t>
-            </a:r>
-            <a:r>
-              <a:rPr lang="ko-KR" altLang="en-US" sz="2000" dirty="0">
-                <a:latin typeface="맑은 고딕 (본문)"/>
-              </a:rPr>
-              <a:t>이수</a:t>
-            </a:r>
-            <a:r>
-              <a:rPr lang="en-US" altLang="ko-KR" sz="2000" dirty="0">
-                <a:latin typeface="맑은 고딕 (본문)"/>
-              </a:rPr>
-              <a:t>)</a:t>
-            </a:r>
-            <a:endParaRPr lang="ko-KR" altLang="en-US" sz="2000" dirty="0">
               <a:latin typeface="맑은 고딕 (본문)"/>
             </a:endParaRPr>
           </a:p>
@@ -6675,7 +6658,7 @@
           <p:cNvPr id="6" name="TextBox 5">
             <a:extLst>
               <a:ext uri="{FF2B5EF4-FFF2-40B4-BE49-F238E27FC236}">
-                <a16:creationId xmlns:a16="http://schemas.microsoft.com/office/drawing/2014/main" id="{E87028B5-8161-425D-AA48-25665A643EFD}"/>
+                <a16:creationId xmlns:a16="http://schemas.microsoft.com/office/drawing/2014/main" id="{46D9FC25-7B56-43E0-A3F2-1AEA3D47533E}"/>
               </a:ext>
             </a:extLst>
           </p:cNvPr>
@@ -6684,7 +6667,7 @@
         </p:nvSpPr>
         <p:spPr>
           <a:xfrm>
-            <a:off x="726723" y="123478"/>
+            <a:off x="654715" y="80329"/>
             <a:ext cx="2193229" cy="646331"/>
           </a:xfrm>
           <a:prstGeom prst="rect">
@@ -6706,7 +6689,7 @@
                 </a:solidFill>
                 <a:latin typeface="맑은 고딕" panose="020B0503020000020004" pitchFamily="50" charset="-127"/>
               </a:rPr>
-              <a:t>준비 현황</a:t>
+              <a:t>연구 과제</a:t>
             </a:r>
             <a:endParaRPr lang="ko-KR" altLang="en-US" sz="3600" b="1" dirty="0">
               <a:solidFill>
@@ -6723,7 +6706,7 @@
           <p:cNvPr id="7" name="TextBox 6">
             <a:extLst>
               <a:ext uri="{FF2B5EF4-FFF2-40B4-BE49-F238E27FC236}">
-                <a16:creationId xmlns:a16="http://schemas.microsoft.com/office/drawing/2014/main" id="{F128D431-CBE7-474A-9283-84733ABF8661}"/>
+                <a16:creationId xmlns:a16="http://schemas.microsoft.com/office/drawing/2014/main" id="{34B9D861-2EF9-4A50-AE46-92E5CB155B7C}"/>
               </a:ext>
             </a:extLst>
           </p:cNvPr>
@@ -6732,8 +6715,8 @@
         </p:nvSpPr>
         <p:spPr>
           <a:xfrm>
-            <a:off x="141895" y="76071"/>
-            <a:ext cx="601447" cy="523220"/>
+            <a:off x="113040" y="76071"/>
+            <a:ext cx="659156" cy="584775"/>
           </a:xfrm>
           <a:prstGeom prst="rect">
             <a:avLst/>
@@ -6748,15 +6731,15 @@
           <a:p>
             <a:pPr algn="ctr"/>
             <a:r>
-              <a:rPr lang="en-US" altLang="ko-KR" sz="2800" b="1" dirty="0">
+              <a:rPr lang="en-US" altLang="ko-KR" sz="3200" b="1" dirty="0">
                 <a:solidFill>
                   <a:schemeClr val="bg1"/>
                 </a:solidFill>
                 <a:latin typeface="맑은 고딕" panose="020B0503020000020004" pitchFamily="50" charset="-127"/>
               </a:rPr>
-              <a:t>13</a:t>
-            </a:r>
-            <a:endParaRPr lang="ko-KR" altLang="en-US" sz="2800" b="1" spc="-150" dirty="0">
+              <a:t>12</a:t>
+            </a:r>
+            <a:endParaRPr lang="ko-KR" altLang="en-US" sz="3200" b="1" spc="-150" dirty="0">
               <a:solidFill>
                 <a:schemeClr val="bg1"/>
               </a:solidFill>
@@ -6769,7 +6752,7 @@
     </p:spTree>
     <p:extLst>
       <p:ext uri="{BB962C8B-B14F-4D97-AF65-F5344CB8AC3E}">
-        <p14:creationId xmlns:p14="http://schemas.microsoft.com/office/powerpoint/2010/main" val="1616875274"/>
+        <p14:creationId xmlns:p14="http://schemas.microsoft.com/office/powerpoint/2010/main" val="1760410942"/>
       </p:ext>
     </p:extLst>
   </p:cSld>
@@ -6798,184 +6781,348 @@
       </p:grpSpPr>
       <p:sp>
         <p:nvSpPr>
-          <p:cNvPr id="2" name="TextBox 1">
-            <a:extLst>
-              <a:ext uri="{FF2B5EF4-FFF2-40B4-BE49-F238E27FC236}">
-                <a16:creationId xmlns:a16="http://schemas.microsoft.com/office/drawing/2014/main" id="{63D419D5-72A7-4F3D-BFE7-5CCBFCC16EC1}"/>
-              </a:ext>
-            </a:extLst>
-          </p:cNvPr>
-          <p:cNvSpPr txBox="1"/>
+          <p:cNvPr id="2" name="직사각형 1">
+            <a:extLst>
+              <a:ext uri="{FF2B5EF4-FFF2-40B4-BE49-F238E27FC236}">
+                <a16:creationId xmlns:a16="http://schemas.microsoft.com/office/drawing/2014/main" id="{A8EAD48C-62F9-44F6-9A74-190CEBBA2F43}"/>
+              </a:ext>
+            </a:extLst>
+          </p:cNvPr>
+          <p:cNvSpPr/>
           <p:nvPr/>
         </p:nvSpPr>
         <p:spPr>
           <a:xfrm>
-            <a:off x="539552" y="1059582"/>
-            <a:ext cx="4680520" cy="3416320"/>
+            <a:off x="1079117" y="1615626"/>
+            <a:ext cx="2786028" cy="553997"/>
           </a:xfrm>
           <a:prstGeom prst="rect">
             <a:avLst/>
           </a:prstGeom>
-          <a:noFill/>
-        </p:spPr>
+        </p:spPr>
+        <p:style>
+          <a:lnRef idx="2">
+            <a:schemeClr val="accent3">
+              <a:shade val="50000"/>
+            </a:schemeClr>
+          </a:lnRef>
+          <a:fillRef idx="1">
+            <a:schemeClr val="accent3"/>
+          </a:fillRef>
+          <a:effectRef idx="0">
+            <a:schemeClr val="accent3"/>
+          </a:effectRef>
+          <a:fontRef idx="minor">
+            <a:schemeClr val="lt1"/>
+          </a:fontRef>
+        </p:style>
         <p:txBody>
-          <a:bodyPr wrap="square" rtlCol="0">
-            <a:spAutoFit/>
-          </a:bodyPr>
+          <a:bodyPr rtlCol="0" anchor="ctr"/>
           <a:lstStyle/>
           <a:p>
+            <a:pPr algn="ctr"/>
             <a:r>
               <a:rPr lang="ko-KR" altLang="en-US" dirty="0"/>
-              <a:t>최대 </a:t>
-            </a:r>
-            <a:r>
-              <a:rPr lang="en-US" altLang="ko-KR" dirty="0"/>
-              <a:t>8</a:t>
-            </a:r>
+              <a:t>클라이언트</a:t>
+            </a:r>
+            <a:endParaRPr lang="en-US" altLang="ko-KR" dirty="0"/>
+          </a:p>
+          <a:p>
+            <a:pPr algn="ctr"/>
             <a:r>
               <a:rPr lang="ko-KR" altLang="en-US" dirty="0"/>
-              <a:t>명이서 플레이 가능하다</a:t>
-            </a:r>
-            <a:r>
-              <a:rPr lang="en-US" altLang="ko-KR" dirty="0"/>
-              <a:t>.</a:t>
-            </a:r>
-          </a:p>
-          <a:p>
-            <a:r>
-              <a:rPr lang="ko-KR" altLang="en-US" dirty="0"/>
-              <a:t>게임 제한시간은 </a:t>
-            </a:r>
-            <a:r>
-              <a:rPr lang="en-US" altLang="ko-KR" dirty="0"/>
-              <a:t>5</a:t>
-            </a:r>
-            <a:r>
-              <a:rPr lang="ko-KR" altLang="en-US" dirty="0"/>
-              <a:t>분</a:t>
-            </a:r>
-            <a:endParaRPr lang="en-US" altLang="ko-KR" dirty="0"/>
-          </a:p>
-          <a:p>
-            <a:endParaRPr lang="en-US" altLang="ko-KR" dirty="0"/>
-          </a:p>
-          <a:p>
-            <a:r>
-              <a:rPr lang="ko-KR" altLang="en-US" dirty="0"/>
-              <a:t>체력이 </a:t>
-            </a:r>
-            <a:r>
-              <a:rPr lang="en-US" altLang="ko-KR" dirty="0"/>
-              <a:t>0</a:t>
-            </a:r>
-            <a:r>
-              <a:rPr lang="ko-KR" altLang="en-US" dirty="0"/>
-              <a:t>이 될 시 기절하며</a:t>
-            </a:r>
-            <a:r>
-              <a:rPr lang="en-US" altLang="ko-KR" dirty="0"/>
-              <a:t>, </a:t>
-            </a:r>
-            <a:r>
-              <a:rPr lang="ko-KR" altLang="en-US" dirty="0"/>
-              <a:t>깃발을 들고있다면 마지막 타격을 한 플레이어가 깃발을 획득한다</a:t>
-            </a:r>
-            <a:r>
-              <a:rPr lang="en-US" altLang="ko-KR" dirty="0"/>
-              <a:t>. </a:t>
-            </a:r>
-            <a:r>
-              <a:rPr lang="ko-KR" altLang="en-US" dirty="0"/>
-              <a:t>기절상태는 </a:t>
-            </a:r>
-            <a:r>
-              <a:rPr lang="en-US" altLang="ko-KR" dirty="0"/>
-              <a:t>10</a:t>
-            </a:r>
-            <a:r>
-              <a:rPr lang="ko-KR" altLang="en-US" dirty="0"/>
-              <a:t>초 뒤에 회복된다</a:t>
-            </a:r>
-            <a:r>
-              <a:rPr lang="en-US" altLang="ko-KR" dirty="0"/>
-              <a:t>.</a:t>
-            </a:r>
-          </a:p>
-          <a:p>
-            <a:endParaRPr lang="en-US" altLang="ko-KR" dirty="0"/>
-          </a:p>
-          <a:p>
-            <a:r>
-              <a:rPr lang="ko-KR" altLang="en-US" dirty="0"/>
-              <a:t>아이템은 </a:t>
-            </a:r>
-            <a:r>
-              <a:rPr lang="ko-KR" altLang="en-US" dirty="0" err="1"/>
-              <a:t>맵에</a:t>
-            </a:r>
-            <a:r>
-              <a:rPr lang="ko-KR" altLang="en-US" dirty="0"/>
-              <a:t> 최대 </a:t>
-            </a:r>
-            <a:r>
-              <a:rPr lang="en-US" altLang="ko-KR" dirty="0"/>
-              <a:t>10</a:t>
-            </a:r>
-            <a:r>
-              <a:rPr lang="ko-KR" altLang="en-US" dirty="0"/>
-              <a:t>개까지 정해진 지점에 </a:t>
-            </a:r>
-            <a:r>
-              <a:rPr lang="ko-KR" altLang="en-US" dirty="0" err="1"/>
-              <a:t>랜덤한</a:t>
-            </a:r>
-            <a:r>
-              <a:rPr lang="ko-KR" altLang="en-US" dirty="0"/>
-              <a:t> 아이템이 생성된다</a:t>
-            </a:r>
-            <a:r>
-              <a:rPr lang="en-US" altLang="ko-KR" dirty="0"/>
-              <a:t>.</a:t>
-            </a:r>
-          </a:p>
-          <a:p>
-            <a:endParaRPr lang="en-US" altLang="ko-KR" dirty="0"/>
-          </a:p>
-          <a:p>
-            <a:r>
-              <a:rPr lang="ko-KR" altLang="en-US" dirty="0"/>
-              <a:t>게임시작 </a:t>
-            </a:r>
-            <a:r>
-              <a:rPr lang="en-US" altLang="ko-KR" dirty="0"/>
-              <a:t>3</a:t>
-            </a:r>
-            <a:r>
-              <a:rPr lang="ko-KR" altLang="en-US" dirty="0"/>
-              <a:t>분 후부터는 서로 한대만 맞으면 기절하며</a:t>
-            </a:r>
-            <a:r>
-              <a:rPr lang="en-US" altLang="ko-KR" dirty="0"/>
-              <a:t>, </a:t>
-            </a:r>
-            <a:r>
-              <a:rPr lang="ko-KR" altLang="en-US" dirty="0"/>
-              <a:t>게임 전체 타이머가 줄어든다</a:t>
-            </a:r>
-            <a:r>
-              <a:rPr lang="en-US" altLang="ko-KR" dirty="0"/>
-              <a:t>.</a:t>
-            </a:r>
-            <a:endParaRPr lang="ko-KR" altLang="en-US" dirty="0"/>
+              <a:t>김기태</a:t>
+            </a:r>
           </a:p>
         </p:txBody>
       </p:sp>
       <p:sp>
         <p:nvSpPr>
-          <p:cNvPr id="3" name="TextBox 2">
-            <a:extLst>
-              <a:ext uri="{FF2B5EF4-FFF2-40B4-BE49-F238E27FC236}">
-                <a16:creationId xmlns:a16="http://schemas.microsoft.com/office/drawing/2014/main" id="{80CE9393-158A-4B5E-AA01-B831B6471E94}"/>
+          <p:cNvPr id="3" name="직사각형 2">
+            <a:extLst>
+              <a:ext uri="{FF2B5EF4-FFF2-40B4-BE49-F238E27FC236}">
+                <a16:creationId xmlns:a16="http://schemas.microsoft.com/office/drawing/2014/main" id="{3216CA2E-3019-458B-9177-AE76995BF5D3}"/>
+              </a:ext>
+            </a:extLst>
+          </p:cNvPr>
+          <p:cNvSpPr/>
+          <p:nvPr/>
+        </p:nvSpPr>
+        <p:spPr>
+          <a:xfrm>
+            <a:off x="5339226" y="1615625"/>
+            <a:ext cx="2786028" cy="553997"/>
+          </a:xfrm>
+          <a:prstGeom prst="rect">
+            <a:avLst/>
+          </a:prstGeom>
+        </p:spPr>
+        <p:style>
+          <a:lnRef idx="2">
+            <a:schemeClr val="accent3">
+              <a:shade val="50000"/>
+            </a:schemeClr>
+          </a:lnRef>
+          <a:fillRef idx="1">
+            <a:schemeClr val="accent3"/>
+          </a:fillRef>
+          <a:effectRef idx="0">
+            <a:schemeClr val="accent3"/>
+          </a:effectRef>
+          <a:fontRef idx="minor">
+            <a:schemeClr val="lt1"/>
+          </a:fontRef>
+        </p:style>
+        <p:txBody>
+          <a:bodyPr rtlCol="0" anchor="ctr"/>
+          <a:lstStyle/>
+          <a:p>
+            <a:pPr algn="ctr"/>
+            <a:r>
+              <a:rPr lang="ko-KR" altLang="en-US" dirty="0"/>
+              <a:t>서버</a:t>
+            </a:r>
+            <a:endParaRPr lang="en-US" altLang="ko-KR" dirty="0"/>
+          </a:p>
+          <a:p>
+            <a:pPr algn="ctr"/>
+            <a:r>
+              <a:rPr lang="ko-KR" altLang="en-US" dirty="0"/>
+              <a:t>이경섭</a:t>
+            </a:r>
+          </a:p>
+        </p:txBody>
+      </p:sp>
+      <p:sp>
+        <p:nvSpPr>
+          <p:cNvPr id="4" name="직사각형 3">
+            <a:extLst>
+              <a:ext uri="{FF2B5EF4-FFF2-40B4-BE49-F238E27FC236}">
+                <a16:creationId xmlns:a16="http://schemas.microsoft.com/office/drawing/2014/main" id="{CCA94D09-4B3F-4B7A-94DE-579DD4A1E813}"/>
+              </a:ext>
+            </a:extLst>
+          </p:cNvPr>
+          <p:cNvSpPr/>
+          <p:nvPr/>
+        </p:nvSpPr>
+        <p:spPr>
+          <a:xfrm>
+            <a:off x="660294" y="2499742"/>
+            <a:ext cx="3623675" cy="1809781"/>
+          </a:xfrm>
+          <a:prstGeom prst="rect">
+            <a:avLst/>
+          </a:prstGeom>
+        </p:spPr>
+        <p:style>
+          <a:lnRef idx="1">
+            <a:schemeClr val="accent3"/>
+          </a:lnRef>
+          <a:fillRef idx="2">
+            <a:schemeClr val="accent3"/>
+          </a:fillRef>
+          <a:effectRef idx="1">
+            <a:schemeClr val="accent3"/>
+          </a:effectRef>
+          <a:fontRef idx="minor">
+            <a:schemeClr val="dk1"/>
+          </a:fontRef>
+        </p:style>
+        <p:txBody>
+          <a:bodyPr rtlCol="0" anchor="ctr"/>
+          <a:lstStyle/>
+          <a:p>
+            <a:pPr algn="ctr"/>
+            <a:r>
+              <a:rPr lang="en-US" altLang="ko-KR" sz="2000" dirty="0"/>
+              <a:t>‘DirectX12</a:t>
+            </a:r>
+            <a:r>
+              <a:rPr lang="ko-KR" altLang="en-US" sz="2000" dirty="0"/>
+              <a:t>를 이용한 </a:t>
+            </a:r>
+            <a:r>
+              <a:rPr lang="en-US" altLang="ko-KR" sz="2000" dirty="0"/>
+              <a:t>3D</a:t>
+            </a:r>
+            <a:r>
+              <a:rPr lang="ko-KR" altLang="en-US" sz="2000" dirty="0"/>
+              <a:t> 게임 프로그래밍</a:t>
+            </a:r>
+            <a:r>
+              <a:rPr lang="en-US" altLang="ko-KR" sz="2000" dirty="0"/>
+              <a:t>’</a:t>
+            </a:r>
+            <a:r>
+              <a:rPr lang="ko-KR" altLang="en-US" sz="2000" dirty="0"/>
+              <a:t>를 이용한 프레임워크 구현</a:t>
+            </a:r>
+            <a:endParaRPr lang="en-US" altLang="ko-KR" sz="2000" dirty="0"/>
+          </a:p>
+          <a:p>
+            <a:pPr algn="ctr"/>
+            <a:r>
+              <a:rPr lang="ko-KR" altLang="en-US" sz="2000" dirty="0"/>
+              <a:t>게임 소프트웨어 공학</a:t>
+            </a:r>
+            <a:r>
+              <a:rPr lang="en-US" altLang="ko-KR" sz="2000" dirty="0"/>
+              <a:t>(</a:t>
+            </a:r>
+            <a:r>
+              <a:rPr lang="ko-KR" altLang="en-US" sz="2000" dirty="0"/>
+              <a:t>이수</a:t>
+            </a:r>
+            <a:r>
+              <a:rPr lang="en-US" altLang="ko-KR" sz="2000" dirty="0"/>
+              <a:t>)</a:t>
+            </a:r>
+            <a:endParaRPr lang="ko-KR" altLang="en-US" sz="2000" dirty="0"/>
+          </a:p>
+        </p:txBody>
+      </p:sp>
+      <p:sp>
+        <p:nvSpPr>
+          <p:cNvPr id="5" name="직사각형 4">
+            <a:extLst>
+              <a:ext uri="{FF2B5EF4-FFF2-40B4-BE49-F238E27FC236}">
+                <a16:creationId xmlns:a16="http://schemas.microsoft.com/office/drawing/2014/main" id="{6ED04F61-585D-41CB-A8A6-0950B2221C96}"/>
+              </a:ext>
+            </a:extLst>
+          </p:cNvPr>
+          <p:cNvSpPr/>
+          <p:nvPr/>
+        </p:nvSpPr>
+        <p:spPr>
+          <a:xfrm>
+            <a:off x="4860032" y="2499742"/>
+            <a:ext cx="3744416" cy="1737773"/>
+          </a:xfrm>
+          <a:prstGeom prst="rect">
+            <a:avLst/>
+          </a:prstGeom>
+        </p:spPr>
+        <p:style>
+          <a:lnRef idx="1">
+            <a:schemeClr val="accent3"/>
+          </a:lnRef>
+          <a:fillRef idx="2">
+            <a:schemeClr val="accent3"/>
+          </a:fillRef>
+          <a:effectRef idx="1">
+            <a:schemeClr val="accent3"/>
+          </a:effectRef>
+          <a:fontRef idx="minor">
+            <a:schemeClr val="dk1"/>
+          </a:fontRef>
+        </p:style>
+        <p:txBody>
+          <a:bodyPr rtlCol="0" anchor="ctr"/>
+          <a:lstStyle/>
+          <a:p>
+            <a:pPr algn="ctr"/>
+            <a:r>
+              <a:rPr lang="ko-KR" altLang="en-US" sz="2000" dirty="0">
+                <a:latin typeface="맑은 고딕 (본문)"/>
+              </a:rPr>
+              <a:t>네트워크 게임 프로그래밍</a:t>
+            </a:r>
+            <a:r>
+              <a:rPr lang="en-US" altLang="ko-KR" sz="2000" dirty="0">
+                <a:latin typeface="맑은 고딕 (본문)"/>
+              </a:rPr>
+              <a:t>(</a:t>
+            </a:r>
+            <a:r>
+              <a:rPr lang="ko-KR" altLang="en-US" sz="2000" dirty="0">
+                <a:latin typeface="맑은 고딕 (본문)"/>
+              </a:rPr>
+              <a:t>이수</a:t>
+            </a:r>
+            <a:r>
+              <a:rPr lang="en-US" altLang="ko-KR" sz="2000" dirty="0">
+                <a:latin typeface="맑은 고딕 (본문)"/>
+              </a:rPr>
+              <a:t>)</a:t>
+            </a:r>
+          </a:p>
+          <a:p>
+            <a:pPr algn="ctr"/>
+            <a:r>
+              <a:rPr lang="ko-KR" altLang="en-US" sz="2000" dirty="0">
+                <a:latin typeface="맑은 고딕 (본문)"/>
+              </a:rPr>
+              <a:t>서버 게임 프로그래밍</a:t>
+            </a:r>
+            <a:endParaRPr lang="en-US" altLang="ko-KR" sz="2000" dirty="0">
+              <a:latin typeface="맑은 고딕 (본문)"/>
+            </a:endParaRPr>
+          </a:p>
+          <a:p>
+            <a:pPr algn="ctr"/>
+            <a:r>
+              <a:rPr lang="en-US" altLang="ko-KR" sz="2000" dirty="0">
+                <a:latin typeface="맑은 고딕 (본문)"/>
+              </a:rPr>
+              <a:t>(</a:t>
+            </a:r>
+            <a:r>
+              <a:rPr lang="ko-KR" altLang="en-US" sz="2000" dirty="0">
+                <a:latin typeface="맑은 고딕 (본문)"/>
+              </a:rPr>
+              <a:t>이수 예정</a:t>
+            </a:r>
+            <a:r>
+              <a:rPr lang="en-US" altLang="ko-KR" sz="2000" dirty="0">
+                <a:latin typeface="맑은 고딕 (본문)"/>
+              </a:rPr>
+              <a:t>)</a:t>
+            </a:r>
+          </a:p>
+          <a:p>
+            <a:pPr algn="ctr"/>
+            <a:r>
+              <a:rPr lang="en-US" altLang="ko-KR" sz="2000" dirty="0">
+                <a:latin typeface="맑은 고딕 (본문)"/>
+              </a:rPr>
+              <a:t>3D </a:t>
+            </a:r>
+            <a:r>
+              <a:rPr lang="ko-KR" altLang="en-US" sz="2000" dirty="0">
+                <a:latin typeface="맑은 고딕 (본문)"/>
+              </a:rPr>
+              <a:t>모델링 </a:t>
+            </a:r>
+            <a:r>
+              <a:rPr lang="en-US" altLang="ko-KR" sz="2000" dirty="0">
+                <a:latin typeface="맑은 고딕 (본문)"/>
+              </a:rPr>
+              <a:t>1,2 (</a:t>
+            </a:r>
+            <a:r>
+              <a:rPr lang="ko-KR" altLang="en-US" sz="2000" dirty="0">
+                <a:latin typeface="맑은 고딕 (본문)"/>
+              </a:rPr>
+              <a:t>이수</a:t>
+            </a:r>
+            <a:r>
+              <a:rPr lang="en-US" altLang="ko-KR" sz="2000" dirty="0">
+                <a:latin typeface="맑은 고딕 (본문)"/>
+              </a:rPr>
+              <a:t>)</a:t>
+            </a:r>
+            <a:endParaRPr lang="ko-KR" altLang="en-US" sz="2000" dirty="0">
+              <a:latin typeface="맑은 고딕 (본문)"/>
+            </a:endParaRPr>
+          </a:p>
+        </p:txBody>
+      </p:sp>
+      <p:sp>
+        <p:nvSpPr>
+          <p:cNvPr id="6" name="TextBox 5">
+            <a:extLst>
+              <a:ext uri="{FF2B5EF4-FFF2-40B4-BE49-F238E27FC236}">
+                <a16:creationId xmlns:a16="http://schemas.microsoft.com/office/drawing/2014/main" id="{E87028B5-8161-425D-AA48-25665A643EFD}"/>
               </a:ext>
             </a:extLst>
           </p:cNvPr>
@@ -6984,8 +7131,8 @@
         </p:nvSpPr>
         <p:spPr>
           <a:xfrm>
-            <a:off x="625860" y="123478"/>
-            <a:ext cx="3278462" cy="646331"/>
+            <a:off x="726723" y="123478"/>
+            <a:ext cx="2193229" cy="646331"/>
           </a:xfrm>
           <a:prstGeom prst="rect">
             <a:avLst/>
@@ -7006,7 +7153,7 @@
                 </a:solidFill>
                 <a:latin typeface="맑은 고딕" panose="020B0503020000020004" pitchFamily="50" charset="-127"/>
               </a:rPr>
-              <a:t>상세 보충 설명</a:t>
+              <a:t>준비 현황</a:t>
             </a:r>
             <a:endParaRPr lang="ko-KR" altLang="en-US" sz="3600" b="1" dirty="0">
               <a:solidFill>
@@ -7020,10 +7167,10 @@
       </p:sp>
       <p:sp>
         <p:nvSpPr>
-          <p:cNvPr id="4" name="TextBox 3">
-            <a:extLst>
-              <a:ext uri="{FF2B5EF4-FFF2-40B4-BE49-F238E27FC236}">
-                <a16:creationId xmlns:a16="http://schemas.microsoft.com/office/drawing/2014/main" id="{E9844645-359E-4CAB-954B-E7D24F2E4AD0}"/>
+          <p:cNvPr id="7" name="TextBox 6">
+            <a:extLst>
+              <a:ext uri="{FF2B5EF4-FFF2-40B4-BE49-F238E27FC236}">
+                <a16:creationId xmlns:a16="http://schemas.microsoft.com/office/drawing/2014/main" id="{F128D431-CBE7-474A-9283-84733ABF8661}"/>
               </a:ext>
             </a:extLst>
           </p:cNvPr>
@@ -7032,8 +7179,8 @@
         </p:nvSpPr>
         <p:spPr>
           <a:xfrm>
-            <a:off x="523523" y="737057"/>
-            <a:ext cx="1300356" cy="400110"/>
+            <a:off x="141895" y="76071"/>
+            <a:ext cx="601447" cy="523220"/>
           </a:xfrm>
           <a:prstGeom prst="rect">
             <a:avLst/>
@@ -7048,63 +7195,15 @@
           <a:p>
             <a:pPr algn="ctr"/>
             <a:r>
-              <a:rPr lang="ko-KR" altLang="en-US" sz="2000" dirty="0">
-                <a:solidFill>
-                  <a:srgbClr val="F45452"/>
-                </a:solidFill>
-                <a:latin typeface="맑은 고딕" panose="020B0503020000020004" pitchFamily="50" charset="-127"/>
-              </a:rPr>
-              <a:t>게임 규칙</a:t>
-            </a:r>
-            <a:endParaRPr lang="ko-KR" altLang="en-US" sz="2000" b="1" dirty="0">
-              <a:solidFill>
-                <a:srgbClr val="F45452"/>
-              </a:solidFill>
-              <a:latin typeface="나눔바른고딕" panose="020B0603020101020101" pitchFamily="50" charset="-127"/>
-              <a:ea typeface="나눔바른고딕" panose="020B0603020101020101" pitchFamily="50" charset="-127"/>
-            </a:endParaRPr>
-          </a:p>
-        </p:txBody>
-      </p:sp>
-      <p:sp>
-        <p:nvSpPr>
-          <p:cNvPr id="5" name="TextBox 4">
-            <a:extLst>
-              <a:ext uri="{FF2B5EF4-FFF2-40B4-BE49-F238E27FC236}">
-                <a16:creationId xmlns:a16="http://schemas.microsoft.com/office/drawing/2014/main" id="{DCC475FC-758C-4D91-8AF1-317B638494AA}"/>
-              </a:ext>
-            </a:extLst>
-          </p:cNvPr>
-          <p:cNvSpPr txBox="1"/>
-          <p:nvPr/>
-        </p:nvSpPr>
-        <p:spPr>
-          <a:xfrm>
-            <a:off x="113040" y="76071"/>
-            <a:ext cx="659156" cy="584775"/>
-          </a:xfrm>
-          <a:prstGeom prst="rect">
-            <a:avLst/>
-          </a:prstGeom>
-          <a:noFill/>
-        </p:spPr>
-        <p:txBody>
-          <a:bodyPr wrap="none" rtlCol="0">
-            <a:spAutoFit/>
-          </a:bodyPr>
-          <a:lstStyle/>
-          <a:p>
-            <a:pPr algn="ctr"/>
-            <a:r>
-              <a:rPr lang="en-US" altLang="ko-KR" sz="3200" b="1" dirty="0">
+              <a:rPr lang="en-US" altLang="ko-KR" sz="2800" b="1" dirty="0">
                 <a:solidFill>
                   <a:schemeClr val="bg1"/>
                 </a:solidFill>
                 <a:latin typeface="맑은 고딕" panose="020B0503020000020004" pitchFamily="50" charset="-127"/>
               </a:rPr>
-              <a:t>14</a:t>
-            </a:r>
-            <a:endParaRPr lang="ko-KR" altLang="en-US" sz="3200" b="1" spc="-150" dirty="0">
+              <a:t>13</a:t>
+            </a:r>
+            <a:endParaRPr lang="ko-KR" altLang="en-US" sz="2800" b="1" spc="-150" dirty="0">
               <a:solidFill>
                 <a:schemeClr val="bg1"/>
               </a:solidFill>
@@ -7117,7 +7216,7 @@
     </p:spTree>
     <p:extLst>
       <p:ext uri="{BB962C8B-B14F-4D97-AF65-F5344CB8AC3E}">
-        <p14:creationId xmlns:p14="http://schemas.microsoft.com/office/powerpoint/2010/main" val="838041762"/>
+        <p14:creationId xmlns:p14="http://schemas.microsoft.com/office/powerpoint/2010/main" val="1616875274"/>
       </p:ext>
     </p:extLst>
   </p:cSld>
@@ -7146,10 +7245,82 @@
       </p:grpSpPr>
       <p:sp>
         <p:nvSpPr>
+          <p:cNvPr id="7" name="TextBox 6"/>
+          <p:cNvSpPr txBox="1"/>
+          <p:nvPr/>
+        </p:nvSpPr>
+        <p:spPr>
+          <a:xfrm>
+            <a:off x="3570764" y="2156251"/>
+            <a:ext cx="2002471" cy="830997"/>
+          </a:xfrm>
+          <a:prstGeom prst="rect">
+            <a:avLst/>
+          </a:prstGeom>
+          <a:noFill/>
+        </p:spPr>
+        <p:txBody>
+          <a:bodyPr wrap="none" rtlCol="0">
+            <a:spAutoFit/>
+          </a:bodyPr>
+          <a:lstStyle/>
+          <a:p>
+            <a:r>
+              <a:rPr lang="en-US" altLang="ko-KR" sz="4800" dirty="0">
+                <a:solidFill>
+                  <a:srgbClr val="F45452"/>
+                </a:solidFill>
+                <a:latin typeface="+mj-lt"/>
+                <a:ea typeface="나눔스퀘어 Bold" panose="020B0600000101010101" pitchFamily="50" charset="-127"/>
+              </a:rPr>
+              <a:t>Q &amp; A</a:t>
+            </a:r>
+            <a:endParaRPr lang="ko-KR" altLang="en-US" sz="4800" dirty="0">
+              <a:solidFill>
+                <a:srgbClr val="F45452"/>
+              </a:solidFill>
+              <a:latin typeface="+mj-lt"/>
+              <a:ea typeface="나눔스퀘어 Bold" panose="020B0600000101010101" pitchFamily="50" charset="-127"/>
+            </a:endParaRPr>
+          </a:p>
+        </p:txBody>
+      </p:sp>
+    </p:spTree>
+    <p:extLst>
+      <p:ext uri="{BB962C8B-B14F-4D97-AF65-F5344CB8AC3E}">
+        <p14:creationId xmlns:p14="http://schemas.microsoft.com/office/powerpoint/2010/main" val="2182193724"/>
+      </p:ext>
+    </p:extLst>
+  </p:cSld>
+  <p:clrMapOvr>
+    <a:masterClrMapping/>
+  </p:clrMapOvr>
+</p:sld>
+</file>
+
+<file path=ppt/slides/slide18.xml><?xml version="1.0" encoding="utf-8"?>
+<p:sld xmlns:a="http://schemas.openxmlformats.org/drawingml/2006/main" xmlns:r="http://schemas.openxmlformats.org/officeDocument/2006/relationships" xmlns:p="http://schemas.openxmlformats.org/presentationml/2006/main">
+  <p:cSld>
+    <p:spTree>
+      <p:nvGrpSpPr>
+        <p:cNvPr id="1" name=""/>
+        <p:cNvGrpSpPr/>
+        <p:nvPr/>
+      </p:nvGrpSpPr>
+      <p:grpSpPr>
+        <a:xfrm>
+          <a:off x="0" y="0"/>
+          <a:ext cx="0" cy="0"/>
+          <a:chOff x="0" y="0"/>
+          <a:chExt cx="0" cy="0"/>
+        </a:xfrm>
+      </p:grpSpPr>
+      <p:sp>
+        <p:nvSpPr>
           <p:cNvPr id="2" name="TextBox 1">
             <a:extLst>
               <a:ext uri="{FF2B5EF4-FFF2-40B4-BE49-F238E27FC236}">
-                <a16:creationId xmlns:a16="http://schemas.microsoft.com/office/drawing/2014/main" id="{EB7F490E-E510-4290-9618-A70807A511F8}"/>
+                <a16:creationId xmlns:a16="http://schemas.microsoft.com/office/drawing/2014/main" id="{63D419D5-72A7-4F3D-BFE7-5CCBFCC16EC1}"/>
               </a:ext>
             </a:extLst>
           </p:cNvPr>
@@ -7158,8 +7329,8 @@
         </p:nvSpPr>
         <p:spPr>
           <a:xfrm>
-            <a:off x="539552" y="987575"/>
-            <a:ext cx="3240360" cy="369332"/>
+            <a:off x="539552" y="1059582"/>
+            <a:ext cx="4680520" cy="3416320"/>
           </a:xfrm>
           <a:prstGeom prst="rect">
             <a:avLst/>
@@ -7174,16 +7345,147 @@
           <a:p>
             <a:r>
               <a:rPr lang="ko-KR" altLang="en-US" dirty="0"/>
-              <a:t>맵 </a:t>
+              <a:t>최대 </a:t>
             </a:r>
             <a:r>
               <a:rPr lang="en-US" altLang="ko-KR" dirty="0"/>
-              <a:t>/ </a:t>
+              <a:t>8</a:t>
             </a:r>
             <a:r>
               <a:rPr lang="ko-KR" altLang="en-US" dirty="0"/>
-              <a:t>아이템 설명 보충</a:t>
-            </a:r>
+              <a:t>명이서 플레이 가능하다</a:t>
+            </a:r>
+            <a:r>
+              <a:rPr lang="en-US" altLang="ko-KR" dirty="0"/>
+              <a:t>.</a:t>
+            </a:r>
+          </a:p>
+          <a:p>
+            <a:r>
+              <a:rPr lang="ko-KR" altLang="en-US" dirty="0"/>
+              <a:t>게임 제한시간은 </a:t>
+            </a:r>
+            <a:r>
+              <a:rPr lang="en-US" altLang="ko-KR" dirty="0"/>
+              <a:t>5</a:t>
+            </a:r>
+            <a:r>
+              <a:rPr lang="ko-KR" altLang="en-US" dirty="0"/>
+              <a:t>분</a:t>
+            </a:r>
+            <a:endParaRPr lang="en-US" altLang="ko-KR" dirty="0"/>
+          </a:p>
+          <a:p>
+            <a:endParaRPr lang="en-US" altLang="ko-KR" dirty="0"/>
+          </a:p>
+          <a:p>
+            <a:r>
+              <a:rPr lang="ko-KR" altLang="en-US" dirty="0"/>
+              <a:t>체력이 </a:t>
+            </a:r>
+            <a:r>
+              <a:rPr lang="en-US" altLang="ko-KR" dirty="0"/>
+              <a:t>0</a:t>
+            </a:r>
+            <a:r>
+              <a:rPr lang="ko-KR" altLang="en-US" dirty="0"/>
+              <a:t>이 될 시 기절하며</a:t>
+            </a:r>
+            <a:r>
+              <a:rPr lang="en-US" altLang="ko-KR" dirty="0"/>
+              <a:t>, </a:t>
+            </a:r>
+            <a:r>
+              <a:rPr lang="ko-KR" altLang="en-US" dirty="0"/>
+              <a:t>깃발을 들고있다면 마지막 타격을 한 플레이어가 깃발을 획득한다</a:t>
+            </a:r>
+            <a:r>
+              <a:rPr lang="en-US" altLang="ko-KR" dirty="0"/>
+              <a:t>. </a:t>
+            </a:r>
+            <a:r>
+              <a:rPr lang="ko-KR" altLang="en-US" dirty="0"/>
+              <a:t>기절상태는 </a:t>
+            </a:r>
+            <a:r>
+              <a:rPr lang="en-US" altLang="ko-KR" dirty="0"/>
+              <a:t>10</a:t>
+            </a:r>
+            <a:r>
+              <a:rPr lang="ko-KR" altLang="en-US" dirty="0"/>
+              <a:t>초 뒤에 회복된다</a:t>
+            </a:r>
+            <a:r>
+              <a:rPr lang="en-US" altLang="ko-KR" dirty="0"/>
+              <a:t>.</a:t>
+            </a:r>
+          </a:p>
+          <a:p>
+            <a:endParaRPr lang="en-US" altLang="ko-KR" dirty="0"/>
+          </a:p>
+          <a:p>
+            <a:r>
+              <a:rPr lang="ko-KR" altLang="en-US" dirty="0"/>
+              <a:t>아이템은 </a:t>
+            </a:r>
+            <a:r>
+              <a:rPr lang="ko-KR" altLang="en-US" dirty="0" err="1"/>
+              <a:t>맵에</a:t>
+            </a:r>
+            <a:r>
+              <a:rPr lang="ko-KR" altLang="en-US" dirty="0"/>
+              <a:t> 최대 </a:t>
+            </a:r>
+            <a:r>
+              <a:rPr lang="en-US" altLang="ko-KR" dirty="0"/>
+              <a:t>10</a:t>
+            </a:r>
+            <a:r>
+              <a:rPr lang="ko-KR" altLang="en-US" dirty="0"/>
+              <a:t>개까지 정해진 지점에 </a:t>
+            </a:r>
+            <a:r>
+              <a:rPr lang="ko-KR" altLang="en-US" dirty="0" err="1"/>
+              <a:t>랜덤한</a:t>
+            </a:r>
+            <a:r>
+              <a:rPr lang="ko-KR" altLang="en-US" dirty="0"/>
+              <a:t> 아이템이 생성된다</a:t>
+            </a:r>
+            <a:r>
+              <a:rPr lang="en-US" altLang="ko-KR" dirty="0"/>
+              <a:t>.</a:t>
+            </a:r>
+          </a:p>
+          <a:p>
+            <a:endParaRPr lang="en-US" altLang="ko-KR" dirty="0"/>
+          </a:p>
+          <a:p>
+            <a:r>
+              <a:rPr lang="ko-KR" altLang="en-US" dirty="0"/>
+              <a:t>게임시작 </a:t>
+            </a:r>
+            <a:r>
+              <a:rPr lang="en-US" altLang="ko-KR" dirty="0"/>
+              <a:t>3</a:t>
+            </a:r>
+            <a:r>
+              <a:rPr lang="ko-KR" altLang="en-US" dirty="0"/>
+              <a:t>분 후부터는 서로 한대만 맞으면 기절하며</a:t>
+            </a:r>
+            <a:r>
+              <a:rPr lang="en-US" altLang="ko-KR" dirty="0"/>
+              <a:t>, </a:t>
+            </a:r>
+            <a:r>
+              <a:rPr lang="ko-KR" altLang="en-US" dirty="0"/>
+              <a:t>게임 전체 타이머가 줄어든다</a:t>
+            </a:r>
+            <a:r>
+              <a:rPr lang="en-US" altLang="ko-KR" dirty="0"/>
+              <a:t>.</a:t>
+            </a:r>
+            <a:endParaRPr lang="ko-KR" altLang="en-US" dirty="0"/>
           </a:p>
         </p:txBody>
       </p:sp>
@@ -7192,7 +7494,7 @@
           <p:cNvPr id="3" name="TextBox 2">
             <a:extLst>
               <a:ext uri="{FF2B5EF4-FFF2-40B4-BE49-F238E27FC236}">
-                <a16:creationId xmlns:a16="http://schemas.microsoft.com/office/drawing/2014/main" id="{2E17E2C7-ACBE-4410-8F3A-214F5FD1288F}"/>
+                <a16:creationId xmlns:a16="http://schemas.microsoft.com/office/drawing/2014/main" id="{80CE9393-158A-4B5E-AA01-B831B6471E94}"/>
               </a:ext>
             </a:extLst>
           </p:cNvPr>
@@ -7201,8 +7503,8 @@
         </p:nvSpPr>
         <p:spPr>
           <a:xfrm>
-            <a:off x="697198" y="123478"/>
-            <a:ext cx="3815467" cy="646331"/>
+            <a:off x="625860" y="123478"/>
+            <a:ext cx="3278462" cy="646331"/>
           </a:xfrm>
           <a:prstGeom prst="rect">
             <a:avLst/>
@@ -7225,6 +7527,238 @@
               </a:rPr>
               <a:t>상세 보충 설명</a:t>
             </a:r>
+            <a:endParaRPr lang="ko-KR" altLang="en-US" sz="3600" b="1" dirty="0">
+              <a:solidFill>
+                <a:srgbClr val="F45452"/>
+              </a:solidFill>
+              <a:latin typeface="나눔바른고딕" panose="020B0603020101020101" pitchFamily="50" charset="-127"/>
+              <a:ea typeface="나눔바른고딕" panose="020B0603020101020101" pitchFamily="50" charset="-127"/>
+            </a:endParaRPr>
+          </a:p>
+        </p:txBody>
+      </p:sp>
+      <p:sp>
+        <p:nvSpPr>
+          <p:cNvPr id="4" name="TextBox 3">
+            <a:extLst>
+              <a:ext uri="{FF2B5EF4-FFF2-40B4-BE49-F238E27FC236}">
+                <a16:creationId xmlns:a16="http://schemas.microsoft.com/office/drawing/2014/main" id="{E9844645-359E-4CAB-954B-E7D24F2E4AD0}"/>
+              </a:ext>
+            </a:extLst>
+          </p:cNvPr>
+          <p:cNvSpPr txBox="1"/>
+          <p:nvPr/>
+        </p:nvSpPr>
+        <p:spPr>
+          <a:xfrm>
+            <a:off x="523523" y="737057"/>
+            <a:ext cx="1300356" cy="400110"/>
+          </a:xfrm>
+          <a:prstGeom prst="rect">
+            <a:avLst/>
+          </a:prstGeom>
+          <a:noFill/>
+        </p:spPr>
+        <p:txBody>
+          <a:bodyPr wrap="none" rtlCol="0">
+            <a:spAutoFit/>
+          </a:bodyPr>
+          <a:lstStyle/>
+          <a:p>
+            <a:pPr algn="ctr"/>
+            <a:r>
+              <a:rPr lang="ko-KR" altLang="en-US" sz="2000" dirty="0">
+                <a:solidFill>
+                  <a:srgbClr val="F45452"/>
+                </a:solidFill>
+                <a:latin typeface="맑은 고딕" panose="020B0503020000020004" pitchFamily="50" charset="-127"/>
+              </a:rPr>
+              <a:t>게임 규칙</a:t>
+            </a:r>
+            <a:endParaRPr lang="ko-KR" altLang="en-US" sz="2000" b="1" dirty="0">
+              <a:solidFill>
+                <a:srgbClr val="F45452"/>
+              </a:solidFill>
+              <a:latin typeface="나눔바른고딕" panose="020B0603020101020101" pitchFamily="50" charset="-127"/>
+              <a:ea typeface="나눔바른고딕" panose="020B0603020101020101" pitchFamily="50" charset="-127"/>
+            </a:endParaRPr>
+          </a:p>
+        </p:txBody>
+      </p:sp>
+      <p:sp>
+        <p:nvSpPr>
+          <p:cNvPr id="5" name="TextBox 4">
+            <a:extLst>
+              <a:ext uri="{FF2B5EF4-FFF2-40B4-BE49-F238E27FC236}">
+                <a16:creationId xmlns:a16="http://schemas.microsoft.com/office/drawing/2014/main" id="{DCC475FC-758C-4D91-8AF1-317B638494AA}"/>
+              </a:ext>
+            </a:extLst>
+          </p:cNvPr>
+          <p:cNvSpPr txBox="1"/>
+          <p:nvPr/>
+        </p:nvSpPr>
+        <p:spPr>
+          <a:xfrm>
+            <a:off x="113040" y="76071"/>
+            <a:ext cx="659156" cy="584775"/>
+          </a:xfrm>
+          <a:prstGeom prst="rect">
+            <a:avLst/>
+          </a:prstGeom>
+          <a:noFill/>
+        </p:spPr>
+        <p:txBody>
+          <a:bodyPr wrap="none" rtlCol="0">
+            <a:spAutoFit/>
+          </a:bodyPr>
+          <a:lstStyle/>
+          <a:p>
+            <a:pPr algn="ctr"/>
+            <a:r>
+              <a:rPr lang="en-US" altLang="ko-KR" sz="3200" b="1" dirty="0">
+                <a:solidFill>
+                  <a:schemeClr val="bg1"/>
+                </a:solidFill>
+                <a:latin typeface="맑은 고딕" panose="020B0503020000020004" pitchFamily="50" charset="-127"/>
+              </a:rPr>
+              <a:t>14</a:t>
+            </a:r>
+            <a:endParaRPr lang="ko-KR" altLang="en-US" sz="3200" b="1" spc="-150" dirty="0">
+              <a:solidFill>
+                <a:schemeClr val="bg1"/>
+              </a:solidFill>
+              <a:latin typeface="나눔바른고딕" panose="020B0603020101020101" pitchFamily="50" charset="-127"/>
+              <a:ea typeface="나눔바른고딕" panose="020B0603020101020101" pitchFamily="50" charset="-127"/>
+            </a:endParaRPr>
+          </a:p>
+        </p:txBody>
+      </p:sp>
+    </p:spTree>
+    <p:extLst>
+      <p:ext uri="{BB962C8B-B14F-4D97-AF65-F5344CB8AC3E}">
+        <p14:creationId xmlns:p14="http://schemas.microsoft.com/office/powerpoint/2010/main" val="838041762"/>
+      </p:ext>
+    </p:extLst>
+  </p:cSld>
+  <p:clrMapOvr>
+    <a:masterClrMapping/>
+  </p:clrMapOvr>
+</p:sld>
+</file>
+
+<file path=ppt/slides/slide19.xml><?xml version="1.0" encoding="utf-8"?>
+<p:sld xmlns:a="http://schemas.openxmlformats.org/drawingml/2006/main" xmlns:r="http://schemas.openxmlformats.org/officeDocument/2006/relationships" xmlns:p="http://schemas.openxmlformats.org/presentationml/2006/main">
+  <p:cSld>
+    <p:spTree>
+      <p:nvGrpSpPr>
+        <p:cNvPr id="1" name=""/>
+        <p:cNvGrpSpPr/>
+        <p:nvPr/>
+      </p:nvGrpSpPr>
+      <p:grpSpPr>
+        <a:xfrm>
+          <a:off x="0" y="0"/>
+          <a:ext cx="0" cy="0"/>
+          <a:chOff x="0" y="0"/>
+          <a:chExt cx="0" cy="0"/>
+        </a:xfrm>
+      </p:grpSpPr>
+      <p:sp>
+        <p:nvSpPr>
+          <p:cNvPr id="2" name="TextBox 1">
+            <a:extLst>
+              <a:ext uri="{FF2B5EF4-FFF2-40B4-BE49-F238E27FC236}">
+                <a16:creationId xmlns:a16="http://schemas.microsoft.com/office/drawing/2014/main" id="{EB7F490E-E510-4290-9618-A70807A511F8}"/>
+              </a:ext>
+            </a:extLst>
+          </p:cNvPr>
+          <p:cNvSpPr txBox="1"/>
+          <p:nvPr/>
+        </p:nvSpPr>
+        <p:spPr>
+          <a:xfrm>
+            <a:off x="539552" y="987575"/>
+            <a:ext cx="3240360" cy="369332"/>
+          </a:xfrm>
+          <a:prstGeom prst="rect">
+            <a:avLst/>
+          </a:prstGeom>
+          <a:noFill/>
+        </p:spPr>
+        <p:txBody>
+          <a:bodyPr wrap="square" rtlCol="0">
+            <a:spAutoFit/>
+          </a:bodyPr>
+          <a:lstStyle/>
+          <a:p>
+            <a:r>
+              <a:rPr lang="ko-KR" altLang="en-US" dirty="0">
+                <a:solidFill>
+                  <a:srgbClr val="F45452"/>
+                </a:solidFill>
+                <a:latin typeface="맑은 고딕" panose="020B0503020000020004" pitchFamily="50" charset="-127"/>
+              </a:rPr>
+              <a:t>맵 </a:t>
+            </a:r>
+            <a:r>
+              <a:rPr lang="en-US" altLang="ko-KR" dirty="0">
+                <a:solidFill>
+                  <a:srgbClr val="F45452"/>
+                </a:solidFill>
+                <a:latin typeface="맑은 고딕" panose="020B0503020000020004" pitchFamily="50" charset="-127"/>
+              </a:rPr>
+              <a:t>/ </a:t>
+            </a:r>
+            <a:r>
+              <a:rPr lang="ko-KR" altLang="en-US" dirty="0">
+                <a:solidFill>
+                  <a:srgbClr val="F45452"/>
+                </a:solidFill>
+                <a:latin typeface="맑은 고딕" panose="020B0503020000020004" pitchFamily="50" charset="-127"/>
+              </a:rPr>
+              <a:t>오브젝트 보충 설명</a:t>
+            </a:r>
+          </a:p>
+        </p:txBody>
+      </p:sp>
+      <p:sp>
+        <p:nvSpPr>
+          <p:cNvPr id="3" name="TextBox 2">
+            <a:extLst>
+              <a:ext uri="{FF2B5EF4-FFF2-40B4-BE49-F238E27FC236}">
+                <a16:creationId xmlns:a16="http://schemas.microsoft.com/office/drawing/2014/main" id="{2E17E2C7-ACBE-4410-8F3A-214F5FD1288F}"/>
+              </a:ext>
+            </a:extLst>
+          </p:cNvPr>
+          <p:cNvSpPr txBox="1"/>
+          <p:nvPr/>
+        </p:nvSpPr>
+        <p:spPr>
+          <a:xfrm>
+            <a:off x="697198" y="123478"/>
+            <a:ext cx="3815467" cy="646331"/>
+          </a:xfrm>
+          <a:prstGeom prst="rect">
+            <a:avLst/>
+          </a:prstGeom>
+          <a:noFill/>
+        </p:spPr>
+        <p:txBody>
+          <a:bodyPr wrap="none" rtlCol="0">
+            <a:spAutoFit/>
+          </a:bodyPr>
+          <a:lstStyle/>
+          <a:p>
+            <a:pPr algn="ctr"/>
+            <a:r>
+              <a:rPr lang="ko-KR" altLang="en-US" sz="3600" dirty="0">
+                <a:solidFill>
+                  <a:srgbClr val="F45452"/>
+                </a:solidFill>
+                <a:latin typeface="맑은 고딕" panose="020B0503020000020004" pitchFamily="50" charset="-127"/>
+              </a:rPr>
+              <a:t>상세 보충 설명</a:t>
+            </a:r>
             <a:r>
               <a:rPr lang="en-US" altLang="ko-KR" sz="3600" dirty="0">
                 <a:solidFill>
@@ -7289,6 +7823,387 @@
               <a:latin typeface="나눔바른고딕" panose="020B0603020101020101" pitchFamily="50" charset="-127"/>
               <a:ea typeface="나눔바른고딕" panose="020B0603020101020101" pitchFamily="50" charset="-127"/>
             </a:endParaRPr>
+          </a:p>
+        </p:txBody>
+      </p:sp>
+      <p:pic>
+        <p:nvPicPr>
+          <p:cNvPr id="5" name="그림 4">
+            <a:extLst>
+              <a:ext uri="{FF2B5EF4-FFF2-40B4-BE49-F238E27FC236}">
+                <a16:creationId xmlns:a16="http://schemas.microsoft.com/office/drawing/2014/main" id="{7A370192-4DDC-48B6-AAE5-04419088AEAE}"/>
+              </a:ext>
+            </a:extLst>
+          </p:cNvPr>
+          <p:cNvPicPr>
+            <a:picLocks noChangeAspect="1"/>
+          </p:cNvPicPr>
+          <p:nvPr/>
+        </p:nvPicPr>
+        <p:blipFill>
+          <a:blip r:embed="rId2">
+            <a:extLst>
+              <a:ext uri="{28A0092B-C50C-407E-A947-70E740481C1C}">
+                <a14:useLocalDpi xmlns:a14="http://schemas.microsoft.com/office/drawing/2010/main" val="0"/>
+              </a:ext>
+            </a:extLst>
+          </a:blip>
+          <a:stretch>
+            <a:fillRect/>
+          </a:stretch>
+        </p:blipFill>
+        <p:spPr>
+          <a:xfrm>
+            <a:off x="639182" y="2859782"/>
+            <a:ext cx="996044" cy="1446809"/>
+          </a:xfrm>
+          <a:prstGeom prst="rect">
+            <a:avLst/>
+          </a:prstGeom>
+        </p:spPr>
+      </p:pic>
+      <p:pic>
+        <p:nvPicPr>
+          <p:cNvPr id="6" name="그림 5" descr="그리기, 표지판이(가) 표시된 사진&#10;&#10;자동 생성된 설명">
+            <a:extLst>
+              <a:ext uri="{FF2B5EF4-FFF2-40B4-BE49-F238E27FC236}">
+                <a16:creationId xmlns:a16="http://schemas.microsoft.com/office/drawing/2014/main" id="{12884EFE-EC65-4A04-96E5-D5E92674747D}"/>
+              </a:ext>
+            </a:extLst>
+          </p:cNvPr>
+          <p:cNvPicPr>
+            <a:picLocks noChangeAspect="1"/>
+          </p:cNvPicPr>
+          <p:nvPr/>
+        </p:nvPicPr>
+        <p:blipFill>
+          <a:blip r:embed="rId3">
+            <a:extLst>
+              <a:ext uri="{28A0092B-C50C-407E-A947-70E740481C1C}">
+                <a14:useLocalDpi xmlns:a14="http://schemas.microsoft.com/office/drawing/2010/main" val="0"/>
+              </a:ext>
+            </a:extLst>
+          </a:blip>
+          <a:stretch>
+            <a:fillRect/>
+          </a:stretch>
+        </p:blipFill>
+        <p:spPr>
+          <a:xfrm>
+            <a:off x="639182" y="1419622"/>
+            <a:ext cx="1506404" cy="1255337"/>
+          </a:xfrm>
+          <a:prstGeom prst="rect">
+            <a:avLst/>
+          </a:prstGeom>
+        </p:spPr>
+      </p:pic>
+      <p:pic>
+        <p:nvPicPr>
+          <p:cNvPr id="7" name="그림 6" descr="잔디, 실외, 앉아있는, 평야이(가) 표시된 사진&#10;&#10;자동 생성된 설명">
+            <a:extLst>
+              <a:ext uri="{FF2B5EF4-FFF2-40B4-BE49-F238E27FC236}">
+                <a16:creationId xmlns:a16="http://schemas.microsoft.com/office/drawing/2014/main" id="{284ED9E1-8724-46DF-8953-9149B352E877}"/>
+              </a:ext>
+            </a:extLst>
+          </p:cNvPr>
+          <p:cNvPicPr>
+            <a:picLocks noChangeAspect="1"/>
+          </p:cNvPicPr>
+          <p:nvPr/>
+        </p:nvPicPr>
+        <p:blipFill rotWithShape="1">
+          <a:blip r:embed="rId4" cstate="print">
+            <a:extLst>
+              <a:ext uri="{28A0092B-C50C-407E-A947-70E740481C1C}">
+                <a14:useLocalDpi xmlns:a14="http://schemas.microsoft.com/office/drawing/2010/main" val="0"/>
+              </a:ext>
+            </a:extLst>
+          </a:blip>
+          <a:srcRect l="12250" t="21138" r="16401" b="24800"/>
+          <a:stretch/>
+        </p:blipFill>
+        <p:spPr>
+          <a:xfrm>
+            <a:off x="4572000" y="3056695"/>
+            <a:ext cx="1852955" cy="1052981"/>
+          </a:xfrm>
+          <a:prstGeom prst="rect">
+            <a:avLst/>
+          </a:prstGeom>
+        </p:spPr>
+      </p:pic>
+      <p:pic>
+        <p:nvPicPr>
+          <p:cNvPr id="8" name="그림 7" descr="벤치, 공원, 앉아있는, 목재의이(가) 표시된 사진&#10;&#10;자동 생성된 설명">
+            <a:extLst>
+              <a:ext uri="{FF2B5EF4-FFF2-40B4-BE49-F238E27FC236}">
+                <a16:creationId xmlns:a16="http://schemas.microsoft.com/office/drawing/2014/main" id="{9205570A-3196-42D9-AE03-48745848FA49}"/>
+              </a:ext>
+            </a:extLst>
+          </p:cNvPr>
+          <p:cNvPicPr>
+            <a:picLocks noChangeAspect="1"/>
+          </p:cNvPicPr>
+          <p:nvPr/>
+        </p:nvPicPr>
+        <p:blipFill>
+          <a:blip r:embed="rId5" cstate="print">
+            <a:extLst>
+              <a:ext uri="{28A0092B-C50C-407E-A947-70E740481C1C}">
+                <a14:useLocalDpi xmlns:a14="http://schemas.microsoft.com/office/drawing/2010/main" val="0"/>
+              </a:ext>
+            </a:extLst>
+          </a:blip>
+          <a:stretch>
+            <a:fillRect/>
+          </a:stretch>
+        </p:blipFill>
+        <p:spPr>
+          <a:xfrm>
+            <a:off x="4542946" y="1356907"/>
+            <a:ext cx="1351773" cy="1013830"/>
+          </a:xfrm>
+          <a:prstGeom prst="rect">
+            <a:avLst/>
+          </a:prstGeom>
+        </p:spPr>
+      </p:pic>
+      <p:sp>
+        <p:nvSpPr>
+          <p:cNvPr id="9" name="직사각형 8">
+            <a:extLst>
+              <a:ext uri="{FF2B5EF4-FFF2-40B4-BE49-F238E27FC236}">
+                <a16:creationId xmlns:a16="http://schemas.microsoft.com/office/drawing/2014/main" id="{94AB24AF-1CCC-431F-A635-3CC553AD31A2}"/>
+              </a:ext>
+            </a:extLst>
+          </p:cNvPr>
+          <p:cNvSpPr/>
+          <p:nvPr/>
+        </p:nvSpPr>
+        <p:spPr>
+          <a:xfrm>
+            <a:off x="2159732" y="1471579"/>
+            <a:ext cx="2196244" cy="1200329"/>
+          </a:xfrm>
+          <a:prstGeom prst="rect">
+            <a:avLst/>
+          </a:prstGeom>
+        </p:spPr>
+        <p:txBody>
+          <a:bodyPr wrap="square">
+            <a:spAutoFit/>
+          </a:bodyPr>
+          <a:lstStyle/>
+          <a:p>
+            <a:r>
+              <a:rPr lang="ko-KR" altLang="en-US" dirty="0"/>
+              <a:t>화단</a:t>
+            </a:r>
+            <a:endParaRPr lang="en-US" altLang="ko-KR" dirty="0"/>
+          </a:p>
+          <a:p>
+            <a:r>
+              <a:rPr lang="ko-KR" altLang="en-US" dirty="0"/>
+              <a:t>가로 </a:t>
+            </a:r>
+            <a:r>
+              <a:rPr lang="en-US" altLang="ko-KR" dirty="0"/>
+              <a:t>2m</a:t>
+            </a:r>
+          </a:p>
+          <a:p>
+            <a:r>
+              <a:rPr lang="ko-KR" altLang="en-US" dirty="0"/>
+              <a:t>세로 </a:t>
+            </a:r>
+            <a:r>
+              <a:rPr lang="en-US" altLang="ko-KR" dirty="0"/>
+              <a:t>2m</a:t>
+            </a:r>
+          </a:p>
+          <a:p>
+            <a:r>
+              <a:rPr lang="ko-KR" altLang="en-US" dirty="0"/>
+              <a:t>이동경로 방해</a:t>
+            </a:r>
+            <a:endParaRPr lang="en-US" altLang="ko-KR" dirty="0"/>
+          </a:p>
+        </p:txBody>
+      </p:sp>
+      <p:sp>
+        <p:nvSpPr>
+          <p:cNvPr id="10" name="직사각형 9">
+            <a:extLst>
+              <a:ext uri="{FF2B5EF4-FFF2-40B4-BE49-F238E27FC236}">
+                <a16:creationId xmlns:a16="http://schemas.microsoft.com/office/drawing/2014/main" id="{7DC9A0A3-D6CF-4DA2-BFAB-49C78D408BEA}"/>
+              </a:ext>
+            </a:extLst>
+          </p:cNvPr>
+          <p:cNvSpPr/>
+          <p:nvPr/>
+        </p:nvSpPr>
+        <p:spPr>
+          <a:xfrm>
+            <a:off x="1835696" y="2980640"/>
+            <a:ext cx="2196244" cy="1200329"/>
+          </a:xfrm>
+          <a:prstGeom prst="rect">
+            <a:avLst/>
+          </a:prstGeom>
+        </p:spPr>
+        <p:txBody>
+          <a:bodyPr wrap="square">
+            <a:spAutoFit/>
+          </a:bodyPr>
+          <a:lstStyle/>
+          <a:p>
+            <a:r>
+              <a:rPr lang="ko-KR" altLang="en-US" dirty="0"/>
+              <a:t>아동용 흔들의자</a:t>
+            </a:r>
+            <a:endParaRPr lang="en-US" altLang="ko-KR" dirty="0"/>
+          </a:p>
+          <a:p>
+            <a:r>
+              <a:rPr lang="ko-KR" altLang="en-US" dirty="0"/>
+              <a:t>가로 </a:t>
+            </a:r>
+            <a:r>
+              <a:rPr lang="en-US" altLang="ko-KR" dirty="0"/>
+              <a:t>0.5m</a:t>
+            </a:r>
+          </a:p>
+          <a:p>
+            <a:r>
+              <a:rPr lang="ko-KR" altLang="en-US" dirty="0"/>
+              <a:t>세로 </a:t>
+            </a:r>
+            <a:r>
+              <a:rPr lang="en-US" altLang="ko-KR" dirty="0"/>
+              <a:t>1m</a:t>
+            </a:r>
+          </a:p>
+          <a:p>
+            <a:r>
+              <a:rPr lang="ko-KR" altLang="en-US" dirty="0"/>
+              <a:t>이동경로 방해</a:t>
+            </a:r>
+            <a:endParaRPr lang="en-US" altLang="ko-KR" dirty="0"/>
+          </a:p>
+        </p:txBody>
+      </p:sp>
+      <p:sp>
+        <p:nvSpPr>
+          <p:cNvPr id="11" name="직사각형 10">
+            <a:extLst>
+              <a:ext uri="{FF2B5EF4-FFF2-40B4-BE49-F238E27FC236}">
+                <a16:creationId xmlns:a16="http://schemas.microsoft.com/office/drawing/2014/main" id="{1EBC630F-F703-4BDA-82A4-A97146B347FC}"/>
+              </a:ext>
+            </a:extLst>
+          </p:cNvPr>
+          <p:cNvSpPr/>
+          <p:nvPr/>
+        </p:nvSpPr>
+        <p:spPr>
+          <a:xfrm>
+            <a:off x="6063787" y="1356907"/>
+            <a:ext cx="2196244" cy="1200329"/>
+          </a:xfrm>
+          <a:prstGeom prst="rect">
+            <a:avLst/>
+          </a:prstGeom>
+        </p:spPr>
+        <p:txBody>
+          <a:bodyPr wrap="square">
+            <a:spAutoFit/>
+          </a:bodyPr>
+          <a:lstStyle/>
+          <a:p>
+            <a:r>
+              <a:rPr lang="ko-KR" altLang="en-US" dirty="0"/>
+              <a:t>공원 벤치</a:t>
+            </a:r>
+            <a:endParaRPr lang="en-US" altLang="ko-KR" dirty="0"/>
+          </a:p>
+          <a:p>
+            <a:r>
+              <a:rPr lang="ko-KR" altLang="en-US" dirty="0"/>
+              <a:t>가로 </a:t>
+            </a:r>
+            <a:r>
+              <a:rPr lang="en-US" altLang="ko-KR" dirty="0"/>
+              <a:t>1m</a:t>
+            </a:r>
+          </a:p>
+          <a:p>
+            <a:r>
+              <a:rPr lang="ko-KR" altLang="en-US" dirty="0"/>
+              <a:t>세로 </a:t>
+            </a:r>
+            <a:r>
+              <a:rPr lang="en-US" altLang="ko-KR" dirty="0"/>
+              <a:t>3m</a:t>
+            </a:r>
+          </a:p>
+          <a:p>
+            <a:r>
+              <a:rPr lang="ko-KR" altLang="en-US" dirty="0"/>
+              <a:t>이동경로 방해</a:t>
+            </a:r>
+            <a:endParaRPr lang="en-US" altLang="ko-KR" dirty="0"/>
+          </a:p>
+        </p:txBody>
+      </p:sp>
+      <p:sp>
+        <p:nvSpPr>
+          <p:cNvPr id="12" name="직사각형 11">
+            <a:extLst>
+              <a:ext uri="{FF2B5EF4-FFF2-40B4-BE49-F238E27FC236}">
+                <a16:creationId xmlns:a16="http://schemas.microsoft.com/office/drawing/2014/main" id="{C928E5E2-91D9-49FE-985E-8F0DD8DD7CAE}"/>
+              </a:ext>
+            </a:extLst>
+          </p:cNvPr>
+          <p:cNvSpPr/>
+          <p:nvPr/>
+        </p:nvSpPr>
+        <p:spPr>
+          <a:xfrm>
+            <a:off x="6588224" y="3047135"/>
+            <a:ext cx="2196244" cy="923330"/>
+          </a:xfrm>
+          <a:prstGeom prst="rect">
+            <a:avLst/>
+          </a:prstGeom>
+        </p:spPr>
+        <p:txBody>
+          <a:bodyPr wrap="square">
+            <a:spAutoFit/>
+          </a:bodyPr>
+          <a:lstStyle/>
+          <a:p>
+            <a:r>
+              <a:rPr lang="ko-KR" altLang="en-US" dirty="0"/>
+              <a:t>모래사장</a:t>
+            </a:r>
+            <a:endParaRPr lang="en-US" altLang="ko-KR" dirty="0"/>
+          </a:p>
+          <a:p>
+            <a:r>
+              <a:rPr lang="ko-KR" altLang="en-US" dirty="0"/>
+              <a:t>지름 </a:t>
+            </a:r>
+            <a:r>
+              <a:rPr lang="en-US" altLang="ko-KR" dirty="0"/>
+              <a:t>6m</a:t>
+            </a:r>
+          </a:p>
+          <a:p>
+            <a:r>
+              <a:rPr lang="ko-KR" altLang="en-US" dirty="0"/>
+              <a:t>이동속도 저하</a:t>
+            </a:r>
+            <a:endParaRPr lang="en-US" altLang="ko-KR" dirty="0"/>
           </a:p>
         </p:txBody>
       </p:sp>
@@ -8356,8 +9271,8 @@
         </p:nvSpPr>
         <p:spPr>
           <a:xfrm>
-            <a:off x="2532973" y="1495488"/>
-            <a:ext cx="1395831" cy="338554"/>
+            <a:off x="4875081" y="1829217"/>
+            <a:ext cx="3762569" cy="1631216"/>
           </a:xfrm>
           <a:prstGeom prst="rect">
             <a:avLst/>
@@ -8372,22 +9287,115 @@
           <a:p>
             <a:pPr algn="ctr"/>
             <a:r>
-              <a:rPr lang="en-US" altLang="ko-KR" sz="1600" dirty="0">
+              <a:rPr lang="ko-KR" altLang="en-US" sz="2000" dirty="0">
                 <a:solidFill>
-                  <a:schemeClr val="accent3"/>
+                  <a:srgbClr val="51A953"/>
                 </a:solidFill>
                 <a:latin typeface="맑은 고딕" panose="020B0503020000020004" pitchFamily="50" charset="-127"/>
-                <a:ea typeface="나눔바른고딕" panose="020B0603020101020101" pitchFamily="50" charset="-127"/>
+                <a:ea typeface="맑은 고딕" panose="020B0503020000020004" pitchFamily="50" charset="-127"/>
               </a:rPr>
-              <a:t>Visual Studio</a:t>
-            </a:r>
-            <a:endParaRPr lang="ko-KR" altLang="en-US" sz="1600" dirty="0">
+              <a:t>제한시간은 </a:t>
+            </a:r>
+            <a:r>
+              <a:rPr lang="en-US" altLang="ko-KR" sz="2000" dirty="0">
+                <a:solidFill>
+                  <a:srgbClr val="51A953"/>
+                </a:solidFill>
+                <a:latin typeface="맑은 고딕" panose="020B0503020000020004" pitchFamily="50" charset="-127"/>
+                <a:ea typeface="맑은 고딕" panose="020B0503020000020004" pitchFamily="50" charset="-127"/>
+              </a:rPr>
+              <a:t>5</a:t>
+            </a:r>
+            <a:r>
+              <a:rPr lang="ko-KR" altLang="en-US" sz="2000" dirty="0">
+                <a:solidFill>
+                  <a:srgbClr val="51A953"/>
+                </a:solidFill>
+                <a:latin typeface="맑은 고딕" panose="020B0503020000020004" pitchFamily="50" charset="-127"/>
+                <a:ea typeface="맑은 고딕" panose="020B0503020000020004" pitchFamily="50" charset="-127"/>
+              </a:rPr>
+              <a:t>분</a:t>
+            </a:r>
+            <a:endParaRPr lang="en-US" altLang="ko-KR" sz="2000" dirty="0">
               <a:solidFill>
-                <a:schemeClr val="accent3"/>
+                <a:srgbClr val="51A953"/>
               </a:solidFill>
-              <a:latin typeface="나눔바른고딕" panose="020B0603020101020101" pitchFamily="50" charset="-127"/>
-              <a:ea typeface="나눔바른고딕" panose="020B0603020101020101" pitchFamily="50" charset="-127"/>
+              <a:latin typeface="맑은 고딕" panose="020B0503020000020004" pitchFamily="50" charset="-127"/>
+              <a:ea typeface="맑은 고딕" panose="020B0503020000020004" pitchFamily="50" charset="-127"/>
             </a:endParaRPr>
+          </a:p>
+          <a:p>
+            <a:pPr algn="ctr"/>
+            <a:endParaRPr lang="en-US" altLang="ko-KR" sz="2000" dirty="0">
+              <a:solidFill>
+                <a:srgbClr val="51A953"/>
+              </a:solidFill>
+              <a:latin typeface="맑은 고딕" panose="020B0503020000020004" pitchFamily="50" charset="-127"/>
+              <a:ea typeface="맑은 고딕" panose="020B0503020000020004" pitchFamily="50" charset="-127"/>
+            </a:endParaRPr>
+          </a:p>
+          <a:p>
+            <a:pPr algn="ctr"/>
+            <a:r>
+              <a:rPr lang="ko-KR" altLang="en-US" sz="2000" dirty="0">
+                <a:solidFill>
+                  <a:srgbClr val="51A953"/>
+                </a:solidFill>
+                <a:latin typeface="맑은 고딕" panose="020B0503020000020004" pitchFamily="50" charset="-127"/>
+                <a:ea typeface="맑은 고딕" panose="020B0503020000020004" pitchFamily="50" charset="-127"/>
+              </a:rPr>
+              <a:t>체력이 </a:t>
+            </a:r>
+            <a:r>
+              <a:rPr lang="en-US" altLang="ko-KR" sz="2000" dirty="0">
+                <a:solidFill>
+                  <a:srgbClr val="51A953"/>
+                </a:solidFill>
+                <a:latin typeface="맑은 고딕" panose="020B0503020000020004" pitchFamily="50" charset="-127"/>
+                <a:ea typeface="맑은 고딕" panose="020B0503020000020004" pitchFamily="50" charset="-127"/>
+              </a:rPr>
+              <a:t>0</a:t>
+            </a:r>
+            <a:r>
+              <a:rPr lang="ko-KR" altLang="en-US" sz="2000" dirty="0">
+                <a:solidFill>
+                  <a:srgbClr val="51A953"/>
+                </a:solidFill>
+                <a:latin typeface="맑은 고딕" panose="020B0503020000020004" pitchFamily="50" charset="-127"/>
+                <a:ea typeface="맑은 고딕" panose="020B0503020000020004" pitchFamily="50" charset="-127"/>
+              </a:rPr>
+              <a:t>이 되면 잠깐 기절한다</a:t>
+            </a:r>
+            <a:endParaRPr lang="en-US" altLang="ko-KR" sz="2000" dirty="0">
+              <a:solidFill>
+                <a:srgbClr val="51A953"/>
+              </a:solidFill>
+              <a:latin typeface="맑은 고딕" panose="020B0503020000020004" pitchFamily="50" charset="-127"/>
+              <a:ea typeface="맑은 고딕" panose="020B0503020000020004" pitchFamily="50" charset="-127"/>
+            </a:endParaRPr>
+          </a:p>
+          <a:p>
+            <a:pPr algn="ctr"/>
+            <a:endParaRPr lang="en-US" altLang="ko-KR" sz="2000" dirty="0">
+              <a:solidFill>
+                <a:srgbClr val="51A953"/>
+              </a:solidFill>
+              <a:latin typeface="맑은 고딕" panose="020B0503020000020004" pitchFamily="50" charset="-127"/>
+              <a:ea typeface="맑은 고딕" panose="020B0503020000020004" pitchFamily="50" charset="-127"/>
+            </a:endParaRPr>
+          </a:p>
+          <a:p>
+            <a:pPr algn="ctr"/>
+            <a:r>
+              <a:rPr lang="ko-KR" altLang="en-US" sz="2000" dirty="0">
+                <a:solidFill>
+                  <a:srgbClr val="51A953"/>
+                </a:solidFill>
+                <a:latin typeface="맑은 고딕" panose="020B0503020000020004" pitchFamily="50" charset="-127"/>
+                <a:ea typeface="맑은 고딕" panose="020B0503020000020004" pitchFamily="50" charset="-127"/>
+              </a:rPr>
+              <a:t>아이템을 최대한 활용</a:t>
+            </a:r>
           </a:p>
         </p:txBody>
       </p:sp>
@@ -8399,8 +9407,8 @@
         </p:nvSpPr>
         <p:spPr>
           <a:xfrm>
-            <a:off x="938653" y="137626"/>
-            <a:ext cx="2193229" cy="646331"/>
+            <a:off x="778821" y="106848"/>
+            <a:ext cx="2193228" cy="646331"/>
           </a:xfrm>
           <a:prstGeom prst="rect">
             <a:avLst/>
@@ -8421,7 +9429,7 @@
                 </a:solidFill>
                 <a:latin typeface="맑은 고딕" panose="020B0503020000020004" pitchFamily="50" charset="-127"/>
               </a:rPr>
-              <a:t>개발 환경</a:t>
+              <a:t>게임 소개</a:t>
             </a:r>
             <a:endParaRPr lang="ko-KR" altLang="en-US" sz="3600" b="1" dirty="0">
               <a:solidFill>
@@ -8433,12 +9441,47 @@
           </a:p>
         </p:txBody>
       </p:sp>
+      <p:sp>
+        <p:nvSpPr>
+          <p:cNvPr id="40" name="TextBox 39">
+            <a:extLst>
+              <a:ext uri="{FF2B5EF4-FFF2-40B4-BE49-F238E27FC236}">
+                <a16:creationId xmlns:a16="http://schemas.microsoft.com/office/drawing/2014/main" id="{958F1F9B-9C5E-4DBF-8630-8C648454B0F9}"/>
+              </a:ext>
+            </a:extLst>
+          </p:cNvPr>
+          <p:cNvSpPr txBox="1"/>
+          <p:nvPr/>
+        </p:nvSpPr>
+        <p:spPr>
+          <a:xfrm>
+            <a:off x="675216" y="978282"/>
+            <a:ext cx="4320480" cy="369332"/>
+          </a:xfrm>
+          <a:prstGeom prst="rect">
+            <a:avLst/>
+          </a:prstGeom>
+          <a:noFill/>
+        </p:spPr>
+        <p:txBody>
+          <a:bodyPr wrap="square" rtlCol="0">
+            <a:spAutoFit/>
+          </a:bodyPr>
+          <a:lstStyle/>
+          <a:p>
+            <a:r>
+              <a:rPr lang="ko-KR" altLang="en-US" dirty="0"/>
+              <a:t>게임화면</a:t>
+            </a:r>
+          </a:p>
+        </p:txBody>
+      </p:sp>
       <p:pic>
         <p:nvPicPr>
-          <p:cNvPr id="3" name="그림 2" descr="표지판, 녹색, 빨간색, 시계이(가) 표시된 사진&#10;&#10;자동 생성된 설명">
-            <a:extLst>
-              <a:ext uri="{FF2B5EF4-FFF2-40B4-BE49-F238E27FC236}">
-                <a16:creationId xmlns:a16="http://schemas.microsoft.com/office/drawing/2014/main" id="{FE86846C-87A4-40BB-8437-29C03A0BB6AD}"/>
+          <p:cNvPr id="41" name="내용 개체 틀 4">
+            <a:extLst>
+              <a:ext uri="{FF2B5EF4-FFF2-40B4-BE49-F238E27FC236}">
+                <a16:creationId xmlns:a16="http://schemas.microsoft.com/office/drawing/2014/main" id="{ED7BA69F-E756-4861-BF8F-2032CF223823}"/>
               </a:ext>
             </a:extLst>
           </p:cNvPr>
@@ -8461,116 +9504,8 @@
         </p:blipFill>
         <p:spPr>
           <a:xfrm>
-            <a:off x="1063041" y="3154134"/>
-            <a:ext cx="1096516" cy="1096516"/>
-          </a:xfrm>
-          <a:prstGeom prst="rect">
-            <a:avLst/>
-          </a:prstGeom>
-        </p:spPr>
-      </p:pic>
-      <p:pic>
-        <p:nvPicPr>
-          <p:cNvPr id="5" name="그림 4" descr="그리기, 잔디이(가) 표시된 사진&#10;&#10;자동 생성된 설명">
-            <a:extLst>
-              <a:ext uri="{FF2B5EF4-FFF2-40B4-BE49-F238E27FC236}">
-                <a16:creationId xmlns:a16="http://schemas.microsoft.com/office/drawing/2014/main" id="{66B866CB-444E-44B9-9B95-D0DFEF4C2773}"/>
-              </a:ext>
-            </a:extLst>
-          </p:cNvPr>
-          <p:cNvPicPr>
-            <a:picLocks noChangeAspect="1"/>
-          </p:cNvPicPr>
-          <p:nvPr/>
-        </p:nvPicPr>
-        <p:blipFill>
-          <a:blip r:embed="rId3" cstate="print">
-            <a:extLst>
-              <a:ext uri="{28A0092B-C50C-407E-A947-70E740481C1C}">
-                <a14:useLocalDpi xmlns:a14="http://schemas.microsoft.com/office/drawing/2010/main" val="0"/>
-              </a:ext>
-            </a:extLst>
-          </a:blip>
-          <a:stretch>
-            <a:fillRect/>
-          </a:stretch>
-        </p:blipFill>
-        <p:spPr>
-          <a:xfrm>
-            <a:off x="4572000" y="1254554"/>
-            <a:ext cx="1831132" cy="1017296"/>
-          </a:xfrm>
-          <a:prstGeom prst="rect">
-            <a:avLst/>
-          </a:prstGeom>
-        </p:spPr>
-      </p:pic>
-      <p:pic>
-        <p:nvPicPr>
-          <p:cNvPr id="7" name="그림 6">
-            <a:extLst>
-              <a:ext uri="{FF2B5EF4-FFF2-40B4-BE49-F238E27FC236}">
-                <a16:creationId xmlns:a16="http://schemas.microsoft.com/office/drawing/2014/main" id="{38F899E6-DB88-49A6-9E04-06FC1FE403A3}"/>
-              </a:ext>
-            </a:extLst>
-          </p:cNvPr>
-          <p:cNvPicPr>
-            <a:picLocks noChangeAspect="1"/>
-          </p:cNvPicPr>
-          <p:nvPr/>
-        </p:nvPicPr>
-        <p:blipFill>
-          <a:blip r:embed="rId4">
-            <a:extLst>
-              <a:ext uri="{28A0092B-C50C-407E-A947-70E740481C1C}">
-                <a14:useLocalDpi xmlns:a14="http://schemas.microsoft.com/office/drawing/2010/main" val="0"/>
-              </a:ext>
-            </a:extLst>
-          </a:blip>
-          <a:stretch>
-            <a:fillRect/>
-          </a:stretch>
-        </p:blipFill>
-        <p:spPr>
-          <a:xfrm>
-            <a:off x="4769954" y="2930400"/>
-            <a:ext cx="1435224" cy="1435224"/>
-          </a:xfrm>
-          <a:prstGeom prst="rect">
-            <a:avLst/>
-          </a:prstGeom>
-        </p:spPr>
-      </p:pic>
-      <p:pic>
-        <p:nvPicPr>
-          <p:cNvPr id="10" name="그림 9" descr="그리기이(가) 표시된 사진&#10;&#10;자동 생성된 설명">
-            <a:extLst>
-              <a:ext uri="{FF2B5EF4-FFF2-40B4-BE49-F238E27FC236}">
-                <a16:creationId xmlns:a16="http://schemas.microsoft.com/office/drawing/2014/main" id="{80400D33-8E1E-4102-B30E-6C25E8D4ADC8}"/>
-              </a:ext>
-            </a:extLst>
-          </p:cNvPr>
-          <p:cNvPicPr>
-            <a:picLocks noChangeAspect="1"/>
-          </p:cNvPicPr>
-          <p:nvPr/>
-        </p:nvPicPr>
-        <p:blipFill>
-          <a:blip r:embed="rId5">
-            <a:extLst>
-              <a:ext uri="{28A0092B-C50C-407E-A947-70E740481C1C}">
-                <a14:useLocalDpi xmlns:a14="http://schemas.microsoft.com/office/drawing/2010/main" val="0"/>
-              </a:ext>
-            </a:extLst>
-          </a:blip>
-          <a:stretch>
-            <a:fillRect/>
-          </a:stretch>
-        </p:blipFill>
-        <p:spPr>
-          <a:xfrm>
-            <a:off x="967506" y="1119409"/>
-            <a:ext cx="1287586" cy="1287586"/>
+            <a:off x="539552" y="1341430"/>
+            <a:ext cx="4208739" cy="2952328"/>
           </a:xfrm>
           <a:prstGeom prst="rect">
             <a:avLst/>
@@ -8579,10 +9514,10 @@
       </p:pic>
       <p:sp>
         <p:nvSpPr>
-          <p:cNvPr id="13" name="TextBox 12">
-            <a:extLst>
-              <a:ext uri="{FF2B5EF4-FFF2-40B4-BE49-F238E27FC236}">
-                <a16:creationId xmlns:a16="http://schemas.microsoft.com/office/drawing/2014/main" id="{4F96FF6B-9EC0-430B-9CEC-1865C2EBBC22}"/>
+          <p:cNvPr id="44" name="TextBox 43">
+            <a:extLst>
+              <a:ext uri="{FF2B5EF4-FFF2-40B4-BE49-F238E27FC236}">
+                <a16:creationId xmlns:a16="http://schemas.microsoft.com/office/drawing/2014/main" id="{325B30D8-6F49-4931-8ACB-9C3ADD084472}"/>
               </a:ext>
             </a:extLst>
           </p:cNvPr>
@@ -8591,8 +9526,8 @@
         </p:nvSpPr>
         <p:spPr>
           <a:xfrm>
-            <a:off x="6696394" y="1495488"/>
-            <a:ext cx="1154803" cy="338554"/>
+            <a:off x="226054" y="76071"/>
+            <a:ext cx="433131" cy="646331"/>
           </a:xfrm>
           <a:prstGeom prst="rect">
             <a:avLst/>
@@ -8607,155 +9542,12 @@
           <a:p>
             <a:pPr algn="ctr"/>
             <a:r>
-              <a:rPr lang="en-US" altLang="ko-KR" sz="1600" dirty="0">
-                <a:solidFill>
-                  <a:schemeClr val="accent3"/>
-                </a:solidFill>
-                <a:latin typeface="맑은 고딕" panose="020B0503020000020004" pitchFamily="50" charset="-127"/>
-              </a:rPr>
-              <a:t>DirectX 12</a:t>
-            </a:r>
-            <a:endParaRPr lang="ko-KR" altLang="en-US" sz="1600" dirty="0">
-              <a:solidFill>
-                <a:schemeClr val="accent3"/>
-              </a:solidFill>
-              <a:latin typeface="나눔바른고딕" panose="020B0603020101020101" pitchFamily="50" charset="-127"/>
-              <a:ea typeface="나눔바른고딕" panose="020B0603020101020101" pitchFamily="50" charset="-127"/>
-            </a:endParaRPr>
-          </a:p>
-        </p:txBody>
-      </p:sp>
-      <p:sp>
-        <p:nvSpPr>
-          <p:cNvPr id="14" name="TextBox 13">
-            <a:extLst>
-              <a:ext uri="{FF2B5EF4-FFF2-40B4-BE49-F238E27FC236}">
-                <a16:creationId xmlns:a16="http://schemas.microsoft.com/office/drawing/2014/main" id="{E75F671A-570C-4F96-B7AF-4E8093C62EEB}"/>
-              </a:ext>
-            </a:extLst>
-          </p:cNvPr>
-          <p:cNvSpPr txBox="1"/>
-          <p:nvPr/>
-        </p:nvSpPr>
-        <p:spPr>
-          <a:xfrm>
-            <a:off x="2503735" y="3478735"/>
-            <a:ext cx="1075936" cy="338554"/>
-          </a:xfrm>
-          <a:prstGeom prst="rect">
-            <a:avLst/>
-          </a:prstGeom>
-          <a:noFill/>
-        </p:spPr>
-        <p:txBody>
-          <a:bodyPr wrap="none" rtlCol="0">
-            <a:spAutoFit/>
-          </a:bodyPr>
-          <a:lstStyle/>
-          <a:p>
-            <a:pPr algn="ctr"/>
-            <a:r>
-              <a:rPr lang="en-US" altLang="ko-KR" sz="1600" dirty="0">
-                <a:solidFill>
-                  <a:schemeClr val="accent3"/>
-                </a:solidFill>
-                <a:latin typeface="맑은 고딕" panose="020B0503020000020004" pitchFamily="50" charset="-127"/>
-              </a:rPr>
-              <a:t>3DS MAX</a:t>
-            </a:r>
-            <a:endParaRPr lang="ko-KR" altLang="en-US" sz="1600" dirty="0">
-              <a:solidFill>
-                <a:schemeClr val="accent3"/>
-              </a:solidFill>
-              <a:latin typeface="나눔바른고딕" panose="020B0603020101020101" pitchFamily="50" charset="-127"/>
-              <a:ea typeface="나눔바른고딕" panose="020B0603020101020101" pitchFamily="50" charset="-127"/>
-            </a:endParaRPr>
-          </a:p>
-        </p:txBody>
-      </p:sp>
-      <p:sp>
-        <p:nvSpPr>
-          <p:cNvPr id="15" name="TextBox 14">
-            <a:extLst>
-              <a:ext uri="{FF2B5EF4-FFF2-40B4-BE49-F238E27FC236}">
-                <a16:creationId xmlns:a16="http://schemas.microsoft.com/office/drawing/2014/main" id="{BD324FC4-7AFD-42FC-94B5-4F8230E84979}"/>
-              </a:ext>
-            </a:extLst>
-          </p:cNvPr>
-          <p:cNvSpPr txBox="1"/>
-          <p:nvPr/>
-        </p:nvSpPr>
-        <p:spPr>
-          <a:xfrm>
-            <a:off x="6685013" y="3478735"/>
-            <a:ext cx="1177565" cy="338554"/>
-          </a:xfrm>
-          <a:prstGeom prst="rect">
-            <a:avLst/>
-          </a:prstGeom>
-          <a:noFill/>
-        </p:spPr>
-        <p:txBody>
-          <a:bodyPr wrap="none" rtlCol="0">
-            <a:spAutoFit/>
-          </a:bodyPr>
-          <a:lstStyle/>
-          <a:p>
-            <a:pPr algn="ctr"/>
-            <a:r>
-              <a:rPr lang="en-US" altLang="ko-KR" sz="1600" dirty="0" err="1">
-                <a:solidFill>
-                  <a:schemeClr val="accent3"/>
-                </a:solidFill>
-                <a:latin typeface="맑은 고딕" panose="020B0503020000020004" pitchFamily="50" charset="-127"/>
-              </a:rPr>
-              <a:t>Sourcetree</a:t>
-            </a:r>
-            <a:endParaRPr lang="ko-KR" altLang="en-US" sz="1600" dirty="0">
-              <a:solidFill>
-                <a:schemeClr val="accent3"/>
-              </a:solidFill>
-              <a:latin typeface="나눔바른고딕" panose="020B0603020101020101" pitchFamily="50" charset="-127"/>
-              <a:ea typeface="나눔바른고딕" panose="020B0603020101020101" pitchFamily="50" charset="-127"/>
-            </a:endParaRPr>
-          </a:p>
-        </p:txBody>
-      </p:sp>
-      <p:sp>
-        <p:nvSpPr>
-          <p:cNvPr id="16" name="TextBox 15">
-            <a:extLst>
-              <a:ext uri="{FF2B5EF4-FFF2-40B4-BE49-F238E27FC236}">
-                <a16:creationId xmlns:a16="http://schemas.microsoft.com/office/drawing/2014/main" id="{D2C3C535-E828-4A81-A7DB-3A9A460AF778}"/>
-              </a:ext>
-            </a:extLst>
-          </p:cNvPr>
-          <p:cNvSpPr txBox="1"/>
-          <p:nvPr/>
-        </p:nvSpPr>
-        <p:spPr>
-          <a:xfrm>
-            <a:off x="251520" y="0"/>
-            <a:ext cx="452368" cy="646331"/>
-          </a:xfrm>
-          <a:prstGeom prst="rect">
-            <a:avLst/>
-          </a:prstGeom>
-          <a:noFill/>
-        </p:spPr>
-        <p:txBody>
-          <a:bodyPr wrap="none" rtlCol="0">
-            <a:spAutoFit/>
-          </a:bodyPr>
-          <a:lstStyle/>
-          <a:p>
-            <a:pPr algn="ctr"/>
-            <a:r>
-              <a:rPr lang="en-US" altLang="ko-KR" sz="3600" b="1" dirty="0">
+              <a:rPr lang="en-US" altLang="ko-KR" sz="3600" b="1" spc="-150" dirty="0">
                 <a:solidFill>
                   <a:schemeClr val="bg1"/>
                 </a:solidFill>
                 <a:latin typeface="맑은 고딕" panose="020B0503020000020004" pitchFamily="50" charset="-127"/>
+                <a:ea typeface="나눔바른고딕" panose="020B0603020101020101" pitchFamily="50" charset="-127"/>
               </a:rPr>
               <a:t>2</a:t>
             </a:r>
@@ -8769,10 +9561,226 @@
           </a:p>
         </p:txBody>
       </p:sp>
+      <p:sp>
+        <p:nvSpPr>
+          <p:cNvPr id="2" name="직사각형 1">
+            <a:extLst>
+              <a:ext uri="{FF2B5EF4-FFF2-40B4-BE49-F238E27FC236}">
+                <a16:creationId xmlns:a16="http://schemas.microsoft.com/office/drawing/2014/main" id="{1304A6D3-6862-41CF-9516-1C35C21450D6}"/>
+              </a:ext>
+            </a:extLst>
+          </p:cNvPr>
+          <p:cNvSpPr/>
+          <p:nvPr/>
+        </p:nvSpPr>
+        <p:spPr>
+          <a:xfrm>
+            <a:off x="1776929" y="1995686"/>
+            <a:ext cx="1058527" cy="144016"/>
+          </a:xfrm>
+          <a:prstGeom prst="rect">
+            <a:avLst/>
+          </a:prstGeom>
+          <a:solidFill>
+            <a:schemeClr val="bg1"/>
+          </a:solidFill>
+          <a:ln>
+            <a:solidFill>
+              <a:schemeClr val="tx1"/>
+            </a:solidFill>
+          </a:ln>
+        </p:spPr>
+        <p:style>
+          <a:lnRef idx="2">
+            <a:schemeClr val="accent1">
+              <a:shade val="50000"/>
+            </a:schemeClr>
+          </a:lnRef>
+          <a:fillRef idx="1">
+            <a:schemeClr val="accent1"/>
+          </a:fillRef>
+          <a:effectRef idx="0">
+            <a:schemeClr val="accent1"/>
+          </a:effectRef>
+          <a:fontRef idx="minor">
+            <a:schemeClr val="lt1"/>
+          </a:fontRef>
+        </p:style>
+        <p:txBody>
+          <a:bodyPr rtlCol="0" anchor="ctr"/>
+          <a:lstStyle/>
+          <a:p>
+            <a:pPr algn="ctr"/>
+            <a:endParaRPr lang="ko-KR" altLang="en-US"/>
+          </a:p>
+        </p:txBody>
+      </p:sp>
+      <p:sp>
+        <p:nvSpPr>
+          <p:cNvPr id="10" name="직사각형 9">
+            <a:extLst>
+              <a:ext uri="{FF2B5EF4-FFF2-40B4-BE49-F238E27FC236}">
+                <a16:creationId xmlns:a16="http://schemas.microsoft.com/office/drawing/2014/main" id="{9DA99371-C502-4F9A-8316-25623363F438}"/>
+              </a:ext>
+            </a:extLst>
+          </p:cNvPr>
+          <p:cNvSpPr/>
+          <p:nvPr/>
+        </p:nvSpPr>
+        <p:spPr>
+          <a:xfrm>
+            <a:off x="1776929" y="1995686"/>
+            <a:ext cx="562823" cy="144016"/>
+          </a:xfrm>
+          <a:prstGeom prst="rect">
+            <a:avLst/>
+          </a:prstGeom>
+          <a:solidFill>
+            <a:srgbClr val="FFC000"/>
+          </a:solidFill>
+          <a:ln>
+            <a:solidFill>
+              <a:schemeClr val="tx1"/>
+            </a:solidFill>
+          </a:ln>
+        </p:spPr>
+        <p:style>
+          <a:lnRef idx="2">
+            <a:schemeClr val="accent1">
+              <a:shade val="50000"/>
+            </a:schemeClr>
+          </a:lnRef>
+          <a:fillRef idx="1">
+            <a:schemeClr val="accent1"/>
+          </a:fillRef>
+          <a:effectRef idx="0">
+            <a:schemeClr val="accent1"/>
+          </a:effectRef>
+          <a:fontRef idx="minor">
+            <a:schemeClr val="lt1"/>
+          </a:fontRef>
+        </p:style>
+        <p:txBody>
+          <a:bodyPr rtlCol="0" anchor="ctr"/>
+          <a:lstStyle/>
+          <a:p>
+            <a:pPr algn="ctr"/>
+            <a:endParaRPr lang="ko-KR" altLang="en-US"/>
+          </a:p>
+        </p:txBody>
+      </p:sp>
+      <p:sp>
+        <p:nvSpPr>
+          <p:cNvPr id="11" name="직사각형 10">
+            <a:extLst>
+              <a:ext uri="{FF2B5EF4-FFF2-40B4-BE49-F238E27FC236}">
+                <a16:creationId xmlns:a16="http://schemas.microsoft.com/office/drawing/2014/main" id="{DFF235CA-3753-44AF-83A3-CBB7A490BD40}"/>
+              </a:ext>
+            </a:extLst>
+          </p:cNvPr>
+          <p:cNvSpPr/>
+          <p:nvPr/>
+        </p:nvSpPr>
+        <p:spPr>
+          <a:xfrm>
+            <a:off x="851474" y="1549733"/>
+            <a:ext cx="3576510" cy="144016"/>
+          </a:xfrm>
+          <a:prstGeom prst="rect">
+            <a:avLst/>
+          </a:prstGeom>
+          <a:solidFill>
+            <a:schemeClr val="bg1"/>
+          </a:solidFill>
+          <a:ln>
+            <a:solidFill>
+              <a:schemeClr val="tx1"/>
+            </a:solidFill>
+          </a:ln>
+        </p:spPr>
+        <p:style>
+          <a:lnRef idx="2">
+            <a:schemeClr val="accent1">
+              <a:shade val="50000"/>
+            </a:schemeClr>
+          </a:lnRef>
+          <a:fillRef idx="1">
+            <a:schemeClr val="accent1"/>
+          </a:fillRef>
+          <a:effectRef idx="0">
+            <a:schemeClr val="accent1"/>
+          </a:effectRef>
+          <a:fontRef idx="minor">
+            <a:schemeClr val="lt1"/>
+          </a:fontRef>
+        </p:style>
+        <p:txBody>
+          <a:bodyPr rtlCol="0" anchor="ctr"/>
+          <a:lstStyle/>
+          <a:p>
+            <a:pPr algn="ctr"/>
+            <a:endParaRPr lang="ko-KR" altLang="en-US"/>
+          </a:p>
+        </p:txBody>
+      </p:sp>
+      <p:sp>
+        <p:nvSpPr>
+          <p:cNvPr id="12" name="직사각형 11">
+            <a:extLst>
+              <a:ext uri="{FF2B5EF4-FFF2-40B4-BE49-F238E27FC236}">
+                <a16:creationId xmlns:a16="http://schemas.microsoft.com/office/drawing/2014/main" id="{9953960C-B996-4CAD-B588-F9905645332F}"/>
+              </a:ext>
+            </a:extLst>
+          </p:cNvPr>
+          <p:cNvSpPr/>
+          <p:nvPr/>
+        </p:nvSpPr>
+        <p:spPr>
+          <a:xfrm>
+            <a:off x="827584" y="1549733"/>
+            <a:ext cx="2631538" cy="144016"/>
+          </a:xfrm>
+          <a:prstGeom prst="rect">
+            <a:avLst/>
+          </a:prstGeom>
+          <a:solidFill>
+            <a:schemeClr val="accent1"/>
+          </a:solidFill>
+          <a:ln>
+            <a:solidFill>
+              <a:schemeClr val="tx1"/>
+            </a:solidFill>
+          </a:ln>
+        </p:spPr>
+        <p:style>
+          <a:lnRef idx="2">
+            <a:schemeClr val="accent1">
+              <a:shade val="50000"/>
+            </a:schemeClr>
+          </a:lnRef>
+          <a:fillRef idx="1">
+            <a:schemeClr val="accent1"/>
+          </a:fillRef>
+          <a:effectRef idx="0">
+            <a:schemeClr val="accent1"/>
+          </a:effectRef>
+          <a:fontRef idx="minor">
+            <a:schemeClr val="lt1"/>
+          </a:fontRef>
+        </p:style>
+        <p:txBody>
+          <a:bodyPr rtlCol="0" anchor="ctr"/>
+          <a:lstStyle/>
+          <a:p>
+            <a:pPr algn="ctr"/>
+            <a:endParaRPr lang="ko-KR" altLang="en-US"/>
+          </a:p>
+        </p:txBody>
+      </p:sp>
     </p:spTree>
     <p:extLst>
       <p:ext uri="{BB962C8B-B14F-4D97-AF65-F5344CB8AC3E}">
-        <p14:creationId xmlns:p14="http://schemas.microsoft.com/office/powerpoint/2010/main" val="2025462821"/>
+        <p14:creationId xmlns:p14="http://schemas.microsoft.com/office/powerpoint/2010/main" val="1957219014"/>
       </p:ext>
     </p:extLst>
   </p:cSld>
@@ -8801,143 +9809,13 @@
       </p:grpSpPr>
       <p:sp>
         <p:nvSpPr>
-          <p:cNvPr id="19" name="TextBox 18"/>
-          <p:cNvSpPr txBox="1"/>
-          <p:nvPr/>
-        </p:nvSpPr>
-        <p:spPr>
-          <a:xfrm>
-            <a:off x="4875081" y="1829217"/>
-            <a:ext cx="3762569" cy="1631216"/>
-          </a:xfrm>
-          <a:prstGeom prst="rect">
-            <a:avLst/>
-          </a:prstGeom>
-          <a:noFill/>
-        </p:spPr>
-        <p:txBody>
-          <a:bodyPr wrap="none" rtlCol="0">
-            <a:spAutoFit/>
-          </a:bodyPr>
-          <a:lstStyle/>
-          <a:p>
-            <a:pPr algn="ctr"/>
-            <a:r>
-              <a:rPr lang="ko-KR" altLang="en-US" sz="2000" dirty="0">
-                <a:solidFill>
-                  <a:srgbClr val="51A953"/>
-                </a:solidFill>
-                <a:latin typeface="맑은 고딕" panose="020B0503020000020004" pitchFamily="50" charset="-127"/>
-                <a:ea typeface="맑은 고딕" panose="020B0503020000020004" pitchFamily="50" charset="-127"/>
-              </a:rPr>
-              <a:t>제한시간은 </a:t>
-            </a:r>
-            <a:r>
-              <a:rPr lang="en-US" altLang="ko-KR" sz="2000" dirty="0">
-                <a:solidFill>
-                  <a:srgbClr val="51A953"/>
-                </a:solidFill>
-                <a:latin typeface="맑은 고딕" panose="020B0503020000020004" pitchFamily="50" charset="-127"/>
-                <a:ea typeface="맑은 고딕" panose="020B0503020000020004" pitchFamily="50" charset="-127"/>
-              </a:rPr>
-              <a:t>5</a:t>
-            </a:r>
-            <a:r>
-              <a:rPr lang="ko-KR" altLang="en-US" sz="2000" dirty="0">
-                <a:solidFill>
-                  <a:srgbClr val="51A953"/>
-                </a:solidFill>
-                <a:latin typeface="맑은 고딕" panose="020B0503020000020004" pitchFamily="50" charset="-127"/>
-                <a:ea typeface="맑은 고딕" panose="020B0503020000020004" pitchFamily="50" charset="-127"/>
-              </a:rPr>
-              <a:t>분</a:t>
-            </a:r>
-            <a:endParaRPr lang="en-US" altLang="ko-KR" sz="2000" dirty="0">
-              <a:solidFill>
-                <a:srgbClr val="51A953"/>
-              </a:solidFill>
-              <a:latin typeface="맑은 고딕" panose="020B0503020000020004" pitchFamily="50" charset="-127"/>
-              <a:ea typeface="맑은 고딕" panose="020B0503020000020004" pitchFamily="50" charset="-127"/>
-            </a:endParaRPr>
-          </a:p>
-          <a:p>
-            <a:pPr algn="ctr"/>
-            <a:endParaRPr lang="en-US" altLang="ko-KR" sz="2000" dirty="0">
-              <a:solidFill>
-                <a:srgbClr val="51A953"/>
-              </a:solidFill>
-              <a:latin typeface="맑은 고딕" panose="020B0503020000020004" pitchFamily="50" charset="-127"/>
-              <a:ea typeface="맑은 고딕" panose="020B0503020000020004" pitchFamily="50" charset="-127"/>
-            </a:endParaRPr>
-          </a:p>
-          <a:p>
-            <a:pPr algn="ctr"/>
-            <a:r>
-              <a:rPr lang="ko-KR" altLang="en-US" sz="2000" dirty="0">
-                <a:solidFill>
-                  <a:srgbClr val="51A953"/>
-                </a:solidFill>
-                <a:latin typeface="맑은 고딕" panose="020B0503020000020004" pitchFamily="50" charset="-127"/>
-                <a:ea typeface="맑은 고딕" panose="020B0503020000020004" pitchFamily="50" charset="-127"/>
-              </a:rPr>
-              <a:t>체력이 </a:t>
-            </a:r>
-            <a:r>
-              <a:rPr lang="en-US" altLang="ko-KR" sz="2000" dirty="0">
-                <a:solidFill>
-                  <a:srgbClr val="51A953"/>
-                </a:solidFill>
-                <a:latin typeface="맑은 고딕" panose="020B0503020000020004" pitchFamily="50" charset="-127"/>
-                <a:ea typeface="맑은 고딕" panose="020B0503020000020004" pitchFamily="50" charset="-127"/>
-              </a:rPr>
-              <a:t>0</a:t>
-            </a:r>
-            <a:r>
-              <a:rPr lang="ko-KR" altLang="en-US" sz="2000" dirty="0">
-                <a:solidFill>
-                  <a:srgbClr val="51A953"/>
-                </a:solidFill>
-                <a:latin typeface="맑은 고딕" panose="020B0503020000020004" pitchFamily="50" charset="-127"/>
-                <a:ea typeface="맑은 고딕" panose="020B0503020000020004" pitchFamily="50" charset="-127"/>
-              </a:rPr>
-              <a:t>이 되면 잠깐 기절한다</a:t>
-            </a:r>
-            <a:endParaRPr lang="en-US" altLang="ko-KR" sz="2000" dirty="0">
-              <a:solidFill>
-                <a:srgbClr val="51A953"/>
-              </a:solidFill>
-              <a:latin typeface="맑은 고딕" panose="020B0503020000020004" pitchFamily="50" charset="-127"/>
-              <a:ea typeface="맑은 고딕" panose="020B0503020000020004" pitchFamily="50" charset="-127"/>
-            </a:endParaRPr>
-          </a:p>
-          <a:p>
-            <a:pPr algn="ctr"/>
-            <a:endParaRPr lang="en-US" altLang="ko-KR" sz="2000" dirty="0">
-              <a:solidFill>
-                <a:srgbClr val="51A953"/>
-              </a:solidFill>
-              <a:latin typeface="맑은 고딕" panose="020B0503020000020004" pitchFamily="50" charset="-127"/>
-              <a:ea typeface="맑은 고딕" panose="020B0503020000020004" pitchFamily="50" charset="-127"/>
-            </a:endParaRPr>
-          </a:p>
-          <a:p>
-            <a:pPr algn="ctr"/>
-            <a:r>
-              <a:rPr lang="ko-KR" altLang="en-US" sz="2000" dirty="0">
-                <a:solidFill>
-                  <a:srgbClr val="51A953"/>
-                </a:solidFill>
-                <a:latin typeface="맑은 고딕" panose="020B0503020000020004" pitchFamily="50" charset="-127"/>
-                <a:ea typeface="맑은 고딕" panose="020B0503020000020004" pitchFamily="50" charset="-127"/>
-              </a:rPr>
-              <a:t>아이템을 최대한 활용</a:t>
-            </a:r>
-          </a:p>
-        </p:txBody>
-      </p:sp>
-      <p:sp>
-        <p:nvSpPr>
-          <p:cNvPr id="8" name="TextBox 7"/>
+          <p:cNvPr id="2" name="TextBox 1">
+            <a:extLst>
+              <a:ext uri="{FF2B5EF4-FFF2-40B4-BE49-F238E27FC236}">
+                <a16:creationId xmlns:a16="http://schemas.microsoft.com/office/drawing/2014/main" id="{63AC270E-FA78-4DD2-A912-6E73F0EEE485}"/>
+              </a:ext>
+            </a:extLst>
+          </p:cNvPr>
           <p:cNvSpPr txBox="1"/>
           <p:nvPr/>
         </p:nvSpPr>
@@ -8979,10 +9857,10 @@
       </p:sp>
       <p:sp>
         <p:nvSpPr>
-          <p:cNvPr id="40" name="TextBox 39">
-            <a:extLst>
-              <a:ext uri="{FF2B5EF4-FFF2-40B4-BE49-F238E27FC236}">
-                <a16:creationId xmlns:a16="http://schemas.microsoft.com/office/drawing/2014/main" id="{958F1F9B-9C5E-4DBF-8630-8C648454B0F9}"/>
+          <p:cNvPr id="3" name="TextBox 2">
+            <a:extLst>
+              <a:ext uri="{FF2B5EF4-FFF2-40B4-BE49-F238E27FC236}">
+                <a16:creationId xmlns:a16="http://schemas.microsoft.com/office/drawing/2014/main" id="{24FFB009-2BB7-4178-A170-08530043132A}"/>
               </a:ext>
             </a:extLst>
           </p:cNvPr>
@@ -8991,148 +9869,7 @@
         </p:nvSpPr>
         <p:spPr>
           <a:xfrm>
-            <a:off x="675216" y="978282"/>
-            <a:ext cx="4320480" cy="369332"/>
-          </a:xfrm>
-          <a:prstGeom prst="rect">
-            <a:avLst/>
-          </a:prstGeom>
-          <a:noFill/>
-        </p:spPr>
-        <p:txBody>
-          <a:bodyPr wrap="square" rtlCol="0">
-            <a:spAutoFit/>
-          </a:bodyPr>
-          <a:lstStyle/>
-          <a:p>
-            <a:r>
-              <a:rPr lang="ko-KR" altLang="en-US" dirty="0"/>
-              <a:t>게임화면</a:t>
-            </a:r>
-          </a:p>
-        </p:txBody>
-      </p:sp>
-      <p:pic>
-        <p:nvPicPr>
-          <p:cNvPr id="41" name="내용 개체 틀 4">
-            <a:extLst>
-              <a:ext uri="{FF2B5EF4-FFF2-40B4-BE49-F238E27FC236}">
-                <a16:creationId xmlns:a16="http://schemas.microsoft.com/office/drawing/2014/main" id="{ED7BA69F-E756-4861-BF8F-2032CF223823}"/>
-              </a:ext>
-            </a:extLst>
-          </p:cNvPr>
-          <p:cNvPicPr>
-            <a:picLocks noChangeAspect="1"/>
-          </p:cNvPicPr>
-          <p:nvPr/>
-        </p:nvPicPr>
-        <p:blipFill>
-          <a:blip r:embed="rId2">
-            <a:extLst>
-              <a:ext uri="{28A0092B-C50C-407E-A947-70E740481C1C}">
-                <a14:useLocalDpi xmlns:a14="http://schemas.microsoft.com/office/drawing/2010/main" val="0"/>
-              </a:ext>
-            </a:extLst>
-          </a:blip>
-          <a:stretch>
-            <a:fillRect/>
-          </a:stretch>
-        </p:blipFill>
-        <p:spPr>
-          <a:xfrm>
-            <a:off x="539552" y="1341430"/>
-            <a:ext cx="4208739" cy="2952328"/>
-          </a:xfrm>
-          <a:prstGeom prst="rect">
-            <a:avLst/>
-          </a:prstGeom>
-        </p:spPr>
-      </p:pic>
-      <p:sp>
-        <p:nvSpPr>
-          <p:cNvPr id="42" name="TextBox 41">
-            <a:extLst>
-              <a:ext uri="{FF2B5EF4-FFF2-40B4-BE49-F238E27FC236}">
-                <a16:creationId xmlns:a16="http://schemas.microsoft.com/office/drawing/2014/main" id="{7C6DCAB9-D442-4C5B-AEDA-A0520B158D34}"/>
-              </a:ext>
-            </a:extLst>
-          </p:cNvPr>
-          <p:cNvSpPr txBox="1"/>
-          <p:nvPr/>
-        </p:nvSpPr>
-        <p:spPr>
-          <a:xfrm>
-            <a:off x="1619672" y="1572180"/>
-            <a:ext cx="1944216" cy="276999"/>
-          </a:xfrm>
-          <a:prstGeom prst="rect">
-            <a:avLst/>
-          </a:prstGeom>
-          <a:noFill/>
-        </p:spPr>
-        <p:txBody>
-          <a:bodyPr wrap="square" rtlCol="0">
-            <a:spAutoFit/>
-          </a:bodyPr>
-          <a:lstStyle/>
-          <a:p>
-            <a:r>
-              <a:rPr lang="ko-KR" altLang="en-US" sz="1200" dirty="0"/>
-              <a:t>대충 제한시간 게이지</a:t>
-            </a:r>
-          </a:p>
-        </p:txBody>
-      </p:sp>
-      <p:sp>
-        <p:nvSpPr>
-          <p:cNvPr id="43" name="TextBox 42">
-            <a:extLst>
-              <a:ext uri="{FF2B5EF4-FFF2-40B4-BE49-F238E27FC236}">
-                <a16:creationId xmlns:a16="http://schemas.microsoft.com/office/drawing/2014/main" id="{68570D14-F8DB-4A51-AA6C-FCA1D4B8DF44}"/>
-              </a:ext>
-            </a:extLst>
-          </p:cNvPr>
-          <p:cNvSpPr txBox="1"/>
-          <p:nvPr/>
-        </p:nvSpPr>
-        <p:spPr>
-          <a:xfrm>
-            <a:off x="1619672" y="2137193"/>
-            <a:ext cx="1872208" cy="261610"/>
-          </a:xfrm>
-          <a:prstGeom prst="rect">
-            <a:avLst/>
-          </a:prstGeom>
-          <a:noFill/>
-        </p:spPr>
-        <p:txBody>
-          <a:bodyPr wrap="square" rtlCol="0">
-            <a:spAutoFit/>
-          </a:bodyPr>
-          <a:lstStyle/>
-          <a:p>
-            <a:r>
-              <a:rPr lang="ko-KR" altLang="en-US" sz="1100" dirty="0"/>
-              <a:t>대충 깃발 소유 게이지</a:t>
-            </a:r>
-          </a:p>
-        </p:txBody>
-      </p:sp>
-      <p:sp>
-        <p:nvSpPr>
-          <p:cNvPr id="44" name="TextBox 43">
-            <a:extLst>
-              <a:ext uri="{FF2B5EF4-FFF2-40B4-BE49-F238E27FC236}">
-                <a16:creationId xmlns:a16="http://schemas.microsoft.com/office/drawing/2014/main" id="{325B30D8-6F49-4931-8ACB-9C3ADD084472}"/>
-              </a:ext>
-            </a:extLst>
-          </p:cNvPr>
-          <p:cNvSpPr txBox="1"/>
-          <p:nvPr/>
-        </p:nvSpPr>
-        <p:spPr>
-          <a:xfrm>
-            <a:off x="226053" y="76071"/>
+            <a:off x="226054" y="76071"/>
             <a:ext cx="433132" cy="646331"/>
           </a:xfrm>
           <a:prstGeom prst="rect">
@@ -9167,10 +9904,153 @@
           </a:p>
         </p:txBody>
       </p:sp>
+      <p:pic>
+        <p:nvPicPr>
+          <p:cNvPr id="5" name="그림 4" descr="그리기, 시계이(가) 표시된 사진&#10;&#10;자동 생성된 설명">
+            <a:extLst>
+              <a:ext uri="{FF2B5EF4-FFF2-40B4-BE49-F238E27FC236}">
+                <a16:creationId xmlns:a16="http://schemas.microsoft.com/office/drawing/2014/main" id="{8A12F8D1-0B21-4ADF-A37F-919A845B7B9E}"/>
+              </a:ext>
+            </a:extLst>
+          </p:cNvPr>
+          <p:cNvPicPr>
+            <a:picLocks noChangeAspect="1"/>
+          </p:cNvPicPr>
+          <p:nvPr/>
+        </p:nvPicPr>
+        <p:blipFill>
+          <a:blip r:embed="rId2" cstate="print">
+            <a:extLst>
+              <a:ext uri="{28A0092B-C50C-407E-A947-70E740481C1C}">
+                <a14:useLocalDpi xmlns:a14="http://schemas.microsoft.com/office/drawing/2010/main" val="0"/>
+              </a:ext>
+            </a:extLst>
+          </a:blip>
+          <a:stretch>
+            <a:fillRect/>
+          </a:stretch>
+        </p:blipFill>
+        <p:spPr>
+          <a:xfrm>
+            <a:off x="971600" y="1059582"/>
+            <a:ext cx="6480720" cy="3503987"/>
+          </a:xfrm>
+          <a:prstGeom prst="rect">
+            <a:avLst/>
+          </a:prstGeom>
+        </p:spPr>
+      </p:pic>
+      <p:pic>
+        <p:nvPicPr>
+          <p:cNvPr id="12" name="그림 11" descr="검은색, 플레이어, 건물, 하얀색이(가) 표시된 사진&#10;&#10;자동 생성된 설명">
+            <a:extLst>
+              <a:ext uri="{FF2B5EF4-FFF2-40B4-BE49-F238E27FC236}">
+                <a16:creationId xmlns:a16="http://schemas.microsoft.com/office/drawing/2014/main" id="{5C202E40-A1E0-4C00-93C4-71A63F30E311}"/>
+              </a:ext>
+            </a:extLst>
+          </p:cNvPr>
+          <p:cNvPicPr>
+            <a:picLocks noChangeAspect="1"/>
+          </p:cNvPicPr>
+          <p:nvPr/>
+        </p:nvPicPr>
+        <p:blipFill>
+          <a:blip r:embed="rId3" cstate="print">
+            <a:extLst>
+              <a:ext uri="{28A0092B-C50C-407E-A947-70E740481C1C}">
+                <a14:useLocalDpi xmlns:a14="http://schemas.microsoft.com/office/drawing/2010/main" val="0"/>
+              </a:ext>
+            </a:extLst>
+          </a:blip>
+          <a:stretch>
+            <a:fillRect/>
+          </a:stretch>
+        </p:blipFill>
+        <p:spPr>
+          <a:xfrm>
+            <a:off x="3701472" y="1851670"/>
+            <a:ext cx="1020976" cy="1347614"/>
+          </a:xfrm>
+          <a:prstGeom prst="rect">
+            <a:avLst/>
+          </a:prstGeom>
+        </p:spPr>
+      </p:pic>
+      <p:pic>
+        <p:nvPicPr>
+          <p:cNvPr id="13" name="그림 12" descr="검은색, 플레이어, 건물, 하얀색이(가) 표시된 사진&#10;&#10;자동 생성된 설명">
+            <a:extLst>
+              <a:ext uri="{FF2B5EF4-FFF2-40B4-BE49-F238E27FC236}">
+                <a16:creationId xmlns:a16="http://schemas.microsoft.com/office/drawing/2014/main" id="{241BD616-4CCA-4ADF-9C7A-7E362295D18E}"/>
+              </a:ext>
+            </a:extLst>
+          </p:cNvPr>
+          <p:cNvPicPr>
+            <a:picLocks noChangeAspect="1"/>
+          </p:cNvPicPr>
+          <p:nvPr/>
+        </p:nvPicPr>
+        <p:blipFill>
+          <a:blip r:embed="rId4" cstate="print">
+            <a:extLst>
+              <a:ext uri="{28A0092B-C50C-407E-A947-70E740481C1C}">
+                <a14:useLocalDpi xmlns:a14="http://schemas.microsoft.com/office/drawing/2010/main" val="0"/>
+              </a:ext>
+            </a:extLst>
+          </a:blip>
+          <a:stretch>
+            <a:fillRect/>
+          </a:stretch>
+        </p:blipFill>
+        <p:spPr>
+          <a:xfrm>
+            <a:off x="5652120" y="1707654"/>
+            <a:ext cx="936104" cy="1235589"/>
+          </a:xfrm>
+          <a:prstGeom prst="rect">
+            <a:avLst/>
+          </a:prstGeom>
+        </p:spPr>
+      </p:pic>
+      <p:pic>
+        <p:nvPicPr>
+          <p:cNvPr id="15" name="그림 14" descr="사람, 검은색, 플레이어, 어두운이(가) 표시된 사진&#10;&#10;자동 생성된 설명">
+            <a:extLst>
+              <a:ext uri="{FF2B5EF4-FFF2-40B4-BE49-F238E27FC236}">
+                <a16:creationId xmlns:a16="http://schemas.microsoft.com/office/drawing/2014/main" id="{371B4C0E-5F24-469F-A341-7D52F503D1F9}"/>
+              </a:ext>
+            </a:extLst>
+          </p:cNvPr>
+          <p:cNvPicPr>
+            <a:picLocks noChangeAspect="1"/>
+          </p:cNvPicPr>
+          <p:nvPr/>
+        </p:nvPicPr>
+        <p:blipFill rotWithShape="1">
+          <a:blip r:embed="rId5" cstate="print">
+            <a:extLst>
+              <a:ext uri="{28A0092B-C50C-407E-A947-70E740481C1C}">
+                <a14:useLocalDpi xmlns:a14="http://schemas.microsoft.com/office/drawing/2010/main" val="0"/>
+              </a:ext>
+            </a:extLst>
+          </a:blip>
+          <a:srcRect b="49467"/>
+          <a:stretch/>
+        </p:blipFill>
+        <p:spPr>
+          <a:xfrm>
+            <a:off x="5109966" y="3215955"/>
+            <a:ext cx="2020412" cy="1347614"/>
+          </a:xfrm>
+          <a:prstGeom prst="rect">
+            <a:avLst/>
+          </a:prstGeom>
+        </p:spPr>
+      </p:pic>
     </p:spTree>
     <p:extLst>
       <p:ext uri="{BB962C8B-B14F-4D97-AF65-F5344CB8AC3E}">
-        <p14:creationId xmlns:p14="http://schemas.microsoft.com/office/powerpoint/2010/main" val="1957219014"/>
+        <p14:creationId xmlns:p14="http://schemas.microsoft.com/office/powerpoint/2010/main" val="1291145920"/>
       </p:ext>
     </p:extLst>
   </p:cSld>
@@ -9247,8 +10127,8 @@
         </p:nvSpPr>
         <p:spPr>
           <a:xfrm>
-            <a:off x="216436" y="76071"/>
-            <a:ext cx="452368" cy="646331"/>
+            <a:off x="226054" y="76071"/>
+            <a:ext cx="433132" cy="646331"/>
           </a:xfrm>
           <a:prstGeom prst="rect">
             <a:avLst/>
@@ -9263,13 +10143,14 @@
           <a:p>
             <a:pPr algn="ctr"/>
             <a:r>
-              <a:rPr lang="en-US" altLang="ko-KR" sz="3600" b="1" dirty="0">
+              <a:rPr lang="en-US" altLang="ko-KR" sz="3600" b="1" spc="-150" dirty="0">
                 <a:solidFill>
                   <a:schemeClr val="bg1"/>
                 </a:solidFill>
                 <a:latin typeface="맑은 고딕" panose="020B0503020000020004" pitchFamily="50" charset="-127"/>
+                <a:ea typeface="나눔바른고딕" panose="020B0603020101020101" pitchFamily="50" charset="-127"/>
               </a:rPr>
-              <a:t>4</a:t>
+              <a:t>3</a:t>
             </a:r>
             <a:endParaRPr lang="ko-KR" altLang="en-US" sz="3600" b="1" spc="-150" dirty="0">
               <a:solidFill>
@@ -9449,6 +10330,19 @@
             </a:pPr>
             <a:r>
               <a:rPr lang="ko-KR" altLang="en-US" sz="2000" dirty="0"/>
+              <a:t>캐릭터 가로 세로 </a:t>
+            </a:r>
+            <a:r>
+              <a:rPr lang="en-US" altLang="ko-KR" sz="2000" dirty="0"/>
+              <a:t>: 0.5m</a:t>
+            </a:r>
+          </a:p>
+          <a:p>
+            <a:pPr marL="0" indent="0">
+              <a:buNone/>
+            </a:pPr>
+            <a:r>
+              <a:rPr lang="ko-KR" altLang="en-US" sz="2000" dirty="0"/>
               <a:t>캐릭터의 크기 </a:t>
             </a:r>
             <a:r>
@@ -9516,41 +10410,42 @@
           </a:p>
         </p:txBody>
       </p:sp>
-      <p:sp>
-        <p:nvSpPr>
-          <p:cNvPr id="3" name="TextBox 2">
-            <a:extLst>
-              <a:ext uri="{FF2B5EF4-FFF2-40B4-BE49-F238E27FC236}">
-                <a16:creationId xmlns:a16="http://schemas.microsoft.com/office/drawing/2014/main" id="{0FE7C7C0-B3D7-474F-951B-44724CC673D3}"/>
-              </a:ext>
-            </a:extLst>
-          </p:cNvPr>
-          <p:cNvSpPr txBox="1"/>
-          <p:nvPr/>
-        </p:nvSpPr>
-        <p:spPr>
-          <a:xfrm>
-            <a:off x="1475656" y="1635646"/>
-            <a:ext cx="1224136" cy="923330"/>
+      <p:pic>
+        <p:nvPicPr>
+          <p:cNvPr id="4" name="그림 3" descr="게임, 물, 쥐고있는, 남자이(가) 표시된 사진&#10;&#10;자동 생성된 설명">
+            <a:extLst>
+              <a:ext uri="{FF2B5EF4-FFF2-40B4-BE49-F238E27FC236}">
+                <a16:creationId xmlns:a16="http://schemas.microsoft.com/office/drawing/2014/main" id="{C1060B43-90E0-4AAD-874A-545B9DE83987}"/>
+              </a:ext>
+            </a:extLst>
+          </p:cNvPr>
+          <p:cNvPicPr>
+            <a:picLocks noChangeAspect="1"/>
+          </p:cNvPicPr>
+          <p:nvPr/>
+        </p:nvPicPr>
+        <p:blipFill>
+          <a:blip r:embed="rId2" cstate="print">
+            <a:extLst>
+              <a:ext uri="{28A0092B-C50C-407E-A947-70E740481C1C}">
+                <a14:useLocalDpi xmlns:a14="http://schemas.microsoft.com/office/drawing/2010/main" val="0"/>
+              </a:ext>
+            </a:extLst>
+          </a:blip>
+          <a:stretch>
+            <a:fillRect/>
+          </a:stretch>
+        </p:blipFill>
+        <p:spPr>
+          <a:xfrm>
+            <a:off x="908828" y="1425717"/>
+            <a:ext cx="1927666" cy="2695228"/>
           </a:xfrm>
           <a:prstGeom prst="rect">
             <a:avLst/>
           </a:prstGeom>
-          <a:noFill/>
-        </p:spPr>
-        <p:txBody>
-          <a:bodyPr wrap="square" rtlCol="0">
-            <a:spAutoFit/>
-          </a:bodyPr>
-          <a:lstStyle/>
-          <a:p>
-            <a:r>
-              <a:rPr lang="ko-KR" altLang="en-US" dirty="0"/>
-              <a:t>캐릭터 그림 있으면 좋음</a:t>
-            </a:r>
-          </a:p>
-        </p:txBody>
-      </p:sp>
+        </p:spPr>
+      </p:pic>
     </p:spTree>
     <p:extLst>
       <p:ext uri="{BB962C8B-B14F-4D97-AF65-F5344CB8AC3E}">
@@ -9581,6 +10476,41 @@
           <a:chExt cx="0" cy="0"/>
         </a:xfrm>
       </p:grpSpPr>
+      <p:pic>
+        <p:nvPicPr>
+          <p:cNvPr id="7" name="그림 6" descr="시계, 테이블이(가) 표시된 사진&#10;&#10;자동 생성된 설명">
+            <a:extLst>
+              <a:ext uri="{FF2B5EF4-FFF2-40B4-BE49-F238E27FC236}">
+                <a16:creationId xmlns:a16="http://schemas.microsoft.com/office/drawing/2014/main" id="{5BA8D2A0-3A16-4422-B633-4A25199B6CE0}"/>
+              </a:ext>
+            </a:extLst>
+          </p:cNvPr>
+          <p:cNvPicPr>
+            <a:picLocks noChangeAspect="1"/>
+          </p:cNvPicPr>
+          <p:nvPr/>
+        </p:nvPicPr>
+        <p:blipFill rotWithShape="1">
+          <a:blip r:embed="rId2" cstate="print">
+            <a:extLst>
+              <a:ext uri="{28A0092B-C50C-407E-A947-70E740481C1C}">
+                <a14:useLocalDpi xmlns:a14="http://schemas.microsoft.com/office/drawing/2010/main" val="0"/>
+              </a:ext>
+            </a:extLst>
+          </a:blip>
+          <a:srcRect l="9250" r="2301"/>
+          <a:stretch/>
+        </p:blipFill>
+        <p:spPr>
+          <a:xfrm>
+            <a:off x="2072697" y="1125845"/>
+            <a:ext cx="4927082" cy="2808312"/>
+          </a:xfrm>
+          <a:prstGeom prst="rect">
+            <a:avLst/>
+          </a:prstGeom>
+        </p:spPr>
+      </p:pic>
       <p:sp>
         <p:nvSpPr>
           <p:cNvPr id="8" name="TextBox 7"/>
@@ -9623,12 +10553,55 @@
           </a:p>
         </p:txBody>
       </p:sp>
+      <p:sp>
+        <p:nvSpPr>
+          <p:cNvPr id="3" name="TextBox 2">
+            <a:extLst>
+              <a:ext uri="{FF2B5EF4-FFF2-40B4-BE49-F238E27FC236}">
+                <a16:creationId xmlns:a16="http://schemas.microsoft.com/office/drawing/2014/main" id="{9FEF2895-C930-4E28-833D-9DC78CEAC408}"/>
+              </a:ext>
+            </a:extLst>
+          </p:cNvPr>
+          <p:cNvSpPr txBox="1"/>
+          <p:nvPr/>
+        </p:nvSpPr>
+        <p:spPr>
+          <a:xfrm>
+            <a:off x="3347864" y="4190970"/>
+            <a:ext cx="2160240" cy="369332"/>
+          </a:xfrm>
+          <a:prstGeom prst="rect">
+            <a:avLst/>
+          </a:prstGeom>
+          <a:noFill/>
+        </p:spPr>
+        <p:txBody>
+          <a:bodyPr wrap="square" rtlCol="0">
+            <a:spAutoFit/>
+          </a:bodyPr>
+          <a:lstStyle/>
+          <a:p>
+            <a:r>
+              <a:rPr lang="ko-KR" altLang="en-US" dirty="0"/>
+              <a:t>가로세로 </a:t>
+            </a:r>
+            <a:r>
+              <a:rPr lang="en-US" altLang="ko-KR" dirty="0"/>
+              <a:t>15</a:t>
+            </a:r>
+            <a:r>
+              <a:rPr lang="ko-KR" altLang="en-US" dirty="0"/>
+              <a:t>미터</a:t>
+            </a:r>
+          </a:p>
+        </p:txBody>
+      </p:sp>
       <p:pic>
         <p:nvPicPr>
-          <p:cNvPr id="5" name="그림 4">
-            <a:extLst>
-              <a:ext uri="{FF2B5EF4-FFF2-40B4-BE49-F238E27FC236}">
-                <a16:creationId xmlns:a16="http://schemas.microsoft.com/office/drawing/2014/main" id="{90B42459-DC0E-4083-A38B-527EF8E51D60}"/>
+          <p:cNvPr id="12" name="그림 11">
+            <a:extLst>
+              <a:ext uri="{FF2B5EF4-FFF2-40B4-BE49-F238E27FC236}">
+                <a16:creationId xmlns:a16="http://schemas.microsoft.com/office/drawing/2014/main" id="{50F1F911-1F2C-4004-A767-EE0A7D4A2994}"/>
               </a:ext>
             </a:extLst>
           </p:cNvPr>
@@ -9638,7 +10611,7 @@
           <p:nvPr/>
         </p:nvPicPr>
         <p:blipFill>
-          <a:blip r:embed="rId2" cstate="print">
+          <a:blip r:embed="rId3">
             <a:extLst>
               <a:ext uri="{28A0092B-C50C-407E-A947-70E740481C1C}">
                 <a14:useLocalDpi xmlns:a14="http://schemas.microsoft.com/office/drawing/2010/main" val="0"/>
@@ -9651,85 +10624,6 @@
         </p:blipFill>
         <p:spPr>
           <a:xfrm>
-            <a:off x="1866906" y="1275606"/>
-            <a:ext cx="4893156" cy="2780640"/>
-          </a:xfrm>
-          <a:prstGeom prst="rect">
-            <a:avLst/>
-          </a:prstGeom>
-        </p:spPr>
-      </p:pic>
-      <p:sp>
-        <p:nvSpPr>
-          <p:cNvPr id="3" name="TextBox 2">
-            <a:extLst>
-              <a:ext uri="{FF2B5EF4-FFF2-40B4-BE49-F238E27FC236}">
-                <a16:creationId xmlns:a16="http://schemas.microsoft.com/office/drawing/2014/main" id="{9FEF2895-C930-4E28-833D-9DC78CEAC408}"/>
-              </a:ext>
-            </a:extLst>
-          </p:cNvPr>
-          <p:cNvSpPr txBox="1"/>
-          <p:nvPr/>
-        </p:nvSpPr>
-        <p:spPr>
-          <a:xfrm>
-            <a:off x="3347864" y="4190970"/>
-            <a:ext cx="2160240" cy="369332"/>
-          </a:xfrm>
-          <a:prstGeom prst="rect">
-            <a:avLst/>
-          </a:prstGeom>
-          <a:noFill/>
-        </p:spPr>
-        <p:txBody>
-          <a:bodyPr wrap="square" rtlCol="0">
-            <a:spAutoFit/>
-          </a:bodyPr>
-          <a:lstStyle/>
-          <a:p>
-            <a:r>
-              <a:rPr lang="ko-KR" altLang="en-US" dirty="0"/>
-              <a:t>가로세로 </a:t>
-            </a:r>
-            <a:r>
-              <a:rPr lang="en-US" altLang="ko-KR" dirty="0"/>
-              <a:t>15</a:t>
-            </a:r>
-            <a:r>
-              <a:rPr lang="ko-KR" altLang="en-US" dirty="0"/>
-              <a:t>미터</a:t>
-            </a:r>
-          </a:p>
-        </p:txBody>
-      </p:sp>
-      <p:pic>
-        <p:nvPicPr>
-          <p:cNvPr id="12" name="그림 11">
-            <a:extLst>
-              <a:ext uri="{FF2B5EF4-FFF2-40B4-BE49-F238E27FC236}">
-                <a16:creationId xmlns:a16="http://schemas.microsoft.com/office/drawing/2014/main" id="{50F1F911-1F2C-4004-A767-EE0A7D4A2994}"/>
-              </a:ext>
-            </a:extLst>
-          </p:cNvPr>
-          <p:cNvPicPr>
-            <a:picLocks noChangeAspect="1"/>
-          </p:cNvPicPr>
-          <p:nvPr/>
-        </p:nvPicPr>
-        <p:blipFill>
-          <a:blip r:embed="rId3">
-            <a:extLst>
-              <a:ext uri="{28A0092B-C50C-407E-A947-70E740481C1C}">
-                <a14:useLocalDpi xmlns:a14="http://schemas.microsoft.com/office/drawing/2010/main" val="0"/>
-              </a:ext>
-            </a:extLst>
-          </a:blip>
-          <a:stretch>
-            <a:fillRect/>
-          </a:stretch>
-        </p:blipFill>
-        <p:spPr>
-          <a:xfrm>
             <a:off x="604888" y="3000473"/>
             <a:ext cx="996044" cy="1446809"/>
           </a:xfrm>
@@ -9755,13 +10649,13 @@
         </p:nvCxnSpPr>
         <p:spPr>
           <a:xfrm rot="10800000" flipV="1">
-            <a:off x="1102910" y="3650128"/>
-            <a:ext cx="1956922" cy="797154"/>
+            <a:off x="1102910" y="3291830"/>
+            <a:ext cx="1812906" cy="1155452"/>
           </a:xfrm>
           <a:prstGeom prst="bentConnector4">
             <a:avLst>
-              <a:gd name="adj1" fmla="val 37275"/>
-              <a:gd name="adj2" fmla="val 128677"/>
+              <a:gd name="adj1" fmla="val 36265"/>
+              <a:gd name="adj2" fmla="val 119784"/>
             </a:avLst>
           </a:prstGeom>
           <a:ln>
@@ -9800,8 +10694,8 @@
         </p:nvSpPr>
         <p:spPr>
           <a:xfrm>
-            <a:off x="216435" y="76071"/>
-            <a:ext cx="452368" cy="646331"/>
+            <a:off x="216436" y="76071"/>
+            <a:ext cx="452367" cy="646331"/>
           </a:xfrm>
           <a:prstGeom prst="rect">
             <a:avLst/>
@@ -9822,7 +10716,7 @@
                 </a:solidFill>
                 <a:latin typeface="맑은 고딕" panose="020B0503020000020004" pitchFamily="50" charset="-127"/>
               </a:rPr>
-              <a:t>5</a:t>
+              <a:t>4</a:t>
             </a:r>
             <a:endParaRPr lang="ko-KR" altLang="en-US" sz="3600" b="1" spc="-150" dirty="0">
               <a:solidFill>
@@ -9834,6 +10728,252 @@
           </a:p>
         </p:txBody>
       </p:sp>
+      <p:pic>
+        <p:nvPicPr>
+          <p:cNvPr id="4" name="그림 3" descr="그리기, 표지판이(가) 표시된 사진&#10;&#10;자동 생성된 설명">
+            <a:extLst>
+              <a:ext uri="{FF2B5EF4-FFF2-40B4-BE49-F238E27FC236}">
+                <a16:creationId xmlns:a16="http://schemas.microsoft.com/office/drawing/2014/main" id="{6BB7C0B6-F282-4F67-B41C-A7B812DFAF65}"/>
+              </a:ext>
+            </a:extLst>
+          </p:cNvPr>
+          <p:cNvPicPr>
+            <a:picLocks noChangeAspect="1"/>
+          </p:cNvPicPr>
+          <p:nvPr/>
+        </p:nvPicPr>
+        <p:blipFill>
+          <a:blip r:embed="rId4">
+            <a:extLst>
+              <a:ext uri="{28A0092B-C50C-407E-A947-70E740481C1C}">
+                <a14:useLocalDpi xmlns:a14="http://schemas.microsoft.com/office/drawing/2010/main" val="0"/>
+              </a:ext>
+            </a:extLst>
+          </a:blip>
+          <a:stretch>
+            <a:fillRect/>
+          </a:stretch>
+        </p:blipFill>
+        <p:spPr>
+          <a:xfrm>
+            <a:off x="7026036" y="1227963"/>
+            <a:ext cx="1506404" cy="1255337"/>
+          </a:xfrm>
+          <a:prstGeom prst="rect">
+            <a:avLst/>
+          </a:prstGeom>
+        </p:spPr>
+      </p:pic>
+      <p:cxnSp>
+        <p:nvCxnSpPr>
+          <p:cNvPr id="10" name="연결선: 꺾임 9">
+            <a:extLst>
+              <a:ext uri="{FF2B5EF4-FFF2-40B4-BE49-F238E27FC236}">
+                <a16:creationId xmlns:a16="http://schemas.microsoft.com/office/drawing/2014/main" id="{801C2FDC-D700-46A5-940B-ECBF1AB846EA}"/>
+              </a:ext>
+            </a:extLst>
+          </p:cNvPr>
+          <p:cNvCxnSpPr>
+            <a:cxnSpLocks/>
+          </p:cNvCxnSpPr>
+          <p:nvPr/>
+        </p:nvCxnSpPr>
+        <p:spPr>
+          <a:xfrm flipV="1">
+            <a:off x="5724128" y="1855632"/>
+            <a:ext cx="1224136" cy="627668"/>
+          </a:xfrm>
+          <a:prstGeom prst="bentConnector3">
+            <a:avLst>
+              <a:gd name="adj1" fmla="val 50000"/>
+            </a:avLst>
+          </a:prstGeom>
+          <a:ln>
+            <a:solidFill>
+              <a:srgbClr val="FF0000"/>
+            </a:solidFill>
+            <a:tailEnd type="triangle"/>
+          </a:ln>
+        </p:spPr>
+        <p:style>
+          <a:lnRef idx="1">
+            <a:schemeClr val="accent2"/>
+          </a:lnRef>
+          <a:fillRef idx="0">
+            <a:schemeClr val="accent2"/>
+          </a:fillRef>
+          <a:effectRef idx="0">
+            <a:schemeClr val="accent2"/>
+          </a:effectRef>
+          <a:fontRef idx="minor">
+            <a:schemeClr val="tx1"/>
+          </a:fontRef>
+        </p:style>
+      </p:cxnSp>
+      <p:pic>
+        <p:nvPicPr>
+          <p:cNvPr id="13" name="그림 12" descr="잔디, 실외, 앉아있는, 평야이(가) 표시된 사진&#10;&#10;자동 생성된 설명">
+            <a:extLst>
+              <a:ext uri="{FF2B5EF4-FFF2-40B4-BE49-F238E27FC236}">
+                <a16:creationId xmlns:a16="http://schemas.microsoft.com/office/drawing/2014/main" id="{E3934F93-5093-4274-837A-3674C4FC4C09}"/>
+              </a:ext>
+            </a:extLst>
+          </p:cNvPr>
+          <p:cNvPicPr>
+            <a:picLocks noChangeAspect="1"/>
+          </p:cNvPicPr>
+          <p:nvPr/>
+        </p:nvPicPr>
+        <p:blipFill rotWithShape="1">
+          <a:blip r:embed="rId5" cstate="print">
+            <a:extLst>
+              <a:ext uri="{28A0092B-C50C-407E-A947-70E740481C1C}">
+                <a14:useLocalDpi xmlns:a14="http://schemas.microsoft.com/office/drawing/2010/main" val="0"/>
+              </a:ext>
+            </a:extLst>
+          </a:blip>
+          <a:srcRect l="12250" t="21138" r="16401" b="24800"/>
+          <a:stretch/>
+        </p:blipFill>
+        <p:spPr>
+          <a:xfrm>
+            <a:off x="6948264" y="3507321"/>
+            <a:ext cx="1852955" cy="1052981"/>
+          </a:xfrm>
+          <a:prstGeom prst="rect">
+            <a:avLst/>
+          </a:prstGeom>
+        </p:spPr>
+      </p:pic>
+      <p:cxnSp>
+        <p:nvCxnSpPr>
+          <p:cNvPr id="15" name="연결선: 꺾임 14">
+            <a:extLst>
+              <a:ext uri="{FF2B5EF4-FFF2-40B4-BE49-F238E27FC236}">
+                <a16:creationId xmlns:a16="http://schemas.microsoft.com/office/drawing/2014/main" id="{CB088DC5-6F6B-429B-B33C-8985A8E4801D}"/>
+              </a:ext>
+            </a:extLst>
+          </p:cNvPr>
+          <p:cNvCxnSpPr>
+            <a:cxnSpLocks/>
+          </p:cNvCxnSpPr>
+          <p:nvPr/>
+        </p:nvCxnSpPr>
+        <p:spPr>
+          <a:xfrm>
+            <a:off x="5076056" y="2859782"/>
+            <a:ext cx="1872208" cy="1331188"/>
+          </a:xfrm>
+          <a:prstGeom prst="bentConnector3">
+            <a:avLst>
+              <a:gd name="adj1" fmla="val 50000"/>
+            </a:avLst>
+          </a:prstGeom>
+          <a:ln>
+            <a:solidFill>
+              <a:srgbClr val="FF0000"/>
+            </a:solidFill>
+            <a:tailEnd type="triangle"/>
+          </a:ln>
+        </p:spPr>
+        <p:style>
+          <a:lnRef idx="1">
+            <a:schemeClr val="accent2"/>
+          </a:lnRef>
+          <a:fillRef idx="0">
+            <a:schemeClr val="accent2"/>
+          </a:fillRef>
+          <a:effectRef idx="0">
+            <a:schemeClr val="accent2"/>
+          </a:effectRef>
+          <a:fontRef idx="minor">
+            <a:schemeClr val="tx1"/>
+          </a:fontRef>
+        </p:style>
+      </p:cxnSp>
+      <p:pic>
+        <p:nvPicPr>
+          <p:cNvPr id="24" name="그림 23" descr="벤치, 공원, 앉아있는, 목재의이(가) 표시된 사진&#10;&#10;자동 생성된 설명">
+            <a:extLst>
+              <a:ext uri="{FF2B5EF4-FFF2-40B4-BE49-F238E27FC236}">
+                <a16:creationId xmlns:a16="http://schemas.microsoft.com/office/drawing/2014/main" id="{BD889898-B8AF-4EED-81B9-BD8E93B15FC4}"/>
+              </a:ext>
+            </a:extLst>
+          </p:cNvPr>
+          <p:cNvPicPr>
+            <a:picLocks noChangeAspect="1"/>
+          </p:cNvPicPr>
+          <p:nvPr/>
+        </p:nvPicPr>
+        <p:blipFill>
+          <a:blip r:embed="rId6" cstate="print">
+            <a:extLst>
+              <a:ext uri="{28A0092B-C50C-407E-A947-70E740481C1C}">
+                <a14:useLocalDpi xmlns:a14="http://schemas.microsoft.com/office/drawing/2010/main" val="0"/>
+              </a:ext>
+            </a:extLst>
+          </a:blip>
+          <a:stretch>
+            <a:fillRect/>
+          </a:stretch>
+        </p:blipFill>
+        <p:spPr>
+          <a:xfrm>
+            <a:off x="360193" y="1101602"/>
+            <a:ext cx="1351773" cy="1013830"/>
+          </a:xfrm>
+          <a:prstGeom prst="rect">
+            <a:avLst/>
+          </a:prstGeom>
+        </p:spPr>
+      </p:pic>
+      <p:cxnSp>
+        <p:nvCxnSpPr>
+          <p:cNvPr id="25" name="연결선: 꺾임 24">
+            <a:extLst>
+              <a:ext uri="{FF2B5EF4-FFF2-40B4-BE49-F238E27FC236}">
+                <a16:creationId xmlns:a16="http://schemas.microsoft.com/office/drawing/2014/main" id="{12DC244E-BE7E-47CD-B751-768D2BA63B47}"/>
+              </a:ext>
+            </a:extLst>
+          </p:cNvPr>
+          <p:cNvCxnSpPr>
+            <a:cxnSpLocks/>
+            <a:endCxn id="24" idx="3"/>
+          </p:cNvCxnSpPr>
+          <p:nvPr/>
+        </p:nvCxnSpPr>
+        <p:spPr>
+          <a:xfrm rot="10800000">
+            <a:off x="1711966" y="1608518"/>
+            <a:ext cx="1563890" cy="560949"/>
+          </a:xfrm>
+          <a:prstGeom prst="bentConnector3">
+            <a:avLst>
+              <a:gd name="adj1" fmla="val 50000"/>
+            </a:avLst>
+          </a:prstGeom>
+          <a:ln>
+            <a:solidFill>
+              <a:srgbClr val="FF0000"/>
+            </a:solidFill>
+            <a:tailEnd type="triangle"/>
+          </a:ln>
+        </p:spPr>
+        <p:style>
+          <a:lnRef idx="1">
+            <a:schemeClr val="accent2"/>
+          </a:lnRef>
+          <a:fillRef idx="0">
+            <a:schemeClr val="accent2"/>
+          </a:fillRef>
+          <a:effectRef idx="0">
+            <a:schemeClr val="accent2"/>
+          </a:effectRef>
+          <a:fontRef idx="minor">
+            <a:schemeClr val="tx1"/>
+          </a:fontRef>
+        </p:style>
+      </p:cxnSp>
     </p:spTree>
     <p:extLst>
       <p:ext uri="{BB962C8B-B14F-4D97-AF65-F5344CB8AC3E}">
@@ -10037,10 +11177,10 @@
           <a:lstStyle/>
           <a:p>
             <a:r>
-              <a:rPr lang="ko-KR" altLang="en-US" sz="2000" dirty="0"/>
+              <a:rPr lang="ko-KR" altLang="en-US" sz="2000" b="1" dirty="0"/>
               <a:t>장난감 칼</a:t>
             </a:r>
-            <a:endParaRPr lang="en-US" altLang="ko-KR" sz="2000" dirty="0"/>
+            <a:endParaRPr lang="en-US" altLang="ko-KR" sz="2000" b="1" dirty="0"/>
           </a:p>
           <a:p>
             <a:r>
@@ -10094,10 +11234,10 @@
           <a:lstStyle/>
           <a:p>
             <a:r>
-              <a:rPr lang="ko-KR" altLang="en-US" sz="2000" dirty="0"/>
+              <a:rPr lang="ko-KR" altLang="en-US" sz="2000" b="1" dirty="0"/>
               <a:t>과자</a:t>
             </a:r>
-            <a:endParaRPr lang="en-US" altLang="ko-KR" sz="2000" dirty="0"/>
+            <a:endParaRPr lang="en-US" altLang="ko-KR" sz="2000" b="1" dirty="0"/>
           </a:p>
           <a:p>
             <a:endParaRPr lang="en-US" altLang="ko-KR" sz="2000" dirty="0"/>
@@ -10124,8 +11264,8 @@
         </p:nvSpPr>
         <p:spPr>
           <a:xfrm>
-            <a:off x="6300192" y="1257733"/>
-            <a:ext cx="2160240" cy="1323439"/>
+            <a:off x="6300191" y="1257733"/>
+            <a:ext cx="2290937" cy="1015663"/>
           </a:xfrm>
           <a:prstGeom prst="rect">
             <a:avLst/>
@@ -10139,10 +11279,10 @@
           <a:lstStyle/>
           <a:p>
             <a:r>
-              <a:rPr lang="ko-KR" altLang="en-US" sz="2000" dirty="0"/>
+              <a:rPr lang="ko-KR" altLang="en-US" sz="2000" b="1" dirty="0"/>
               <a:t>공기 망치</a:t>
             </a:r>
-            <a:endParaRPr lang="en-US" altLang="ko-KR" sz="2000" dirty="0"/>
+            <a:endParaRPr lang="en-US" altLang="ko-KR" sz="2000" b="1" dirty="0"/>
           </a:p>
           <a:p>
             <a:r>
@@ -10190,7 +11330,7 @@
         <p:spPr>
           <a:xfrm>
             <a:off x="6169495" y="3129020"/>
-            <a:ext cx="2421634" cy="1015663"/>
+            <a:ext cx="2074913" cy="1015663"/>
           </a:xfrm>
           <a:prstGeom prst="rect">
             <a:avLst/>
@@ -10204,10 +11344,10 @@
           <a:lstStyle/>
           <a:p>
             <a:r>
-              <a:rPr lang="ko-KR" altLang="en-US" sz="2000" dirty="0"/>
+              <a:rPr lang="ko-KR" altLang="en-US" sz="2000" b="1" dirty="0"/>
               <a:t>장난감 블록</a:t>
             </a:r>
-            <a:endParaRPr lang="en-US" altLang="ko-KR" sz="2000" dirty="0"/>
+            <a:endParaRPr lang="en-US" altLang="ko-KR" sz="2000" b="1" dirty="0"/>
           </a:p>
           <a:p>
             <a:r>
@@ -10292,8 +11432,8 @@
         </p:nvSpPr>
         <p:spPr>
           <a:xfrm>
-            <a:off x="216435" y="76071"/>
-            <a:ext cx="452368" cy="646331"/>
+            <a:off x="225251" y="76071"/>
+            <a:ext cx="434735" cy="646331"/>
           </a:xfrm>
           <a:prstGeom prst="rect">
             <a:avLst/>
@@ -10308,13 +11448,14 @@
           <a:p>
             <a:pPr algn="ctr"/>
             <a:r>
-              <a:rPr lang="en-US" altLang="ko-KR" sz="3600" b="1" dirty="0">
+              <a:rPr lang="en-US" altLang="ko-KR" sz="3600" b="1" spc="-150" dirty="0">
                 <a:solidFill>
                   <a:schemeClr val="bg1"/>
                 </a:solidFill>
-                <a:latin typeface="맑은 고딕" panose="020B0503020000020004" pitchFamily="50" charset="-127"/>
+                <a:latin typeface="나눔바른고딕" panose="020B0603020101020101" pitchFamily="50" charset="-127"/>
+                <a:ea typeface="나눔바른고딕" panose="020B0603020101020101" pitchFamily="50" charset="-127"/>
               </a:rPr>
-              <a:t>6</a:t>
+              <a:t>5</a:t>
             </a:r>
             <a:endParaRPr lang="ko-KR" altLang="en-US" sz="3600" b="1" spc="-150" dirty="0">
               <a:solidFill>
@@ -10476,7 +11617,7 @@
                 </a:solidFill>
                 <a:latin typeface="맑은 고딕" panose="020B0503020000020004" pitchFamily="50" charset="-127"/>
               </a:rPr>
-              <a:t>7</a:t>
+              <a:t>6</a:t>
             </a:r>
             <a:endParaRPr lang="ko-KR" altLang="en-US" sz="3600" b="1" spc="-150" dirty="0">
               <a:solidFill>

--- a/Documents/King of Playground 기획 발표자료.pptx
+++ b/Documents/King of Playground 기획 발표자료.pptx
@@ -9504,7 +9504,7 @@
         </p:blipFill>
         <p:spPr>
           <a:xfrm>
-            <a:off x="539552" y="1341430"/>
+            <a:off x="539552" y="1347614"/>
             <a:ext cx="4208739" cy="2952328"/>
           </a:xfrm>
           <a:prstGeom prst="rect">
@@ -9777,6 +9777,412 @@
           </a:p>
         </p:txBody>
       </p:sp>
+      <p:sp>
+        <p:nvSpPr>
+          <p:cNvPr id="3" name="타원 2">
+            <a:extLst>
+              <a:ext uri="{FF2B5EF4-FFF2-40B4-BE49-F238E27FC236}">
+                <a16:creationId xmlns:a16="http://schemas.microsoft.com/office/drawing/2014/main" id="{388697F1-42CD-43F6-B502-AB5659557061}"/>
+              </a:ext>
+            </a:extLst>
+          </p:cNvPr>
+          <p:cNvSpPr/>
+          <p:nvPr/>
+        </p:nvSpPr>
+        <p:spPr>
+          <a:xfrm>
+            <a:off x="1691680" y="1829217"/>
+            <a:ext cx="1280369" cy="598517"/>
+          </a:xfrm>
+          <a:prstGeom prst="ellipse">
+            <a:avLst/>
+          </a:prstGeom>
+          <a:noFill/>
+          <a:ln>
+            <a:solidFill>
+              <a:srgbClr val="FF0000"/>
+            </a:solidFill>
+          </a:ln>
+        </p:spPr>
+        <p:style>
+          <a:lnRef idx="2">
+            <a:schemeClr val="accent1">
+              <a:shade val="50000"/>
+            </a:schemeClr>
+          </a:lnRef>
+          <a:fillRef idx="1">
+            <a:schemeClr val="accent1"/>
+          </a:fillRef>
+          <a:effectRef idx="0">
+            <a:schemeClr val="accent1"/>
+          </a:effectRef>
+          <a:fontRef idx="minor">
+            <a:schemeClr val="lt1"/>
+          </a:fontRef>
+        </p:style>
+        <p:txBody>
+          <a:bodyPr rtlCol="0" anchor="ctr"/>
+          <a:lstStyle/>
+          <a:p>
+            <a:pPr algn="ctr"/>
+            <a:endParaRPr lang="ko-KR" altLang="en-US"/>
+          </a:p>
+        </p:txBody>
+      </p:sp>
+      <p:sp>
+        <p:nvSpPr>
+          <p:cNvPr id="13" name="타원 12">
+            <a:extLst>
+              <a:ext uri="{FF2B5EF4-FFF2-40B4-BE49-F238E27FC236}">
+                <a16:creationId xmlns:a16="http://schemas.microsoft.com/office/drawing/2014/main" id="{9138ABF9-2357-48C6-8D63-3537EBD285E2}"/>
+              </a:ext>
+            </a:extLst>
+          </p:cNvPr>
+          <p:cNvSpPr/>
+          <p:nvPr/>
+        </p:nvSpPr>
+        <p:spPr>
+          <a:xfrm>
+            <a:off x="2797043" y="1193163"/>
+            <a:ext cx="1032495" cy="792051"/>
+          </a:xfrm>
+          <a:prstGeom prst="ellipse">
+            <a:avLst/>
+          </a:prstGeom>
+          <a:noFill/>
+          <a:ln>
+            <a:solidFill>
+              <a:srgbClr val="FF0000"/>
+            </a:solidFill>
+          </a:ln>
+        </p:spPr>
+        <p:style>
+          <a:lnRef idx="2">
+            <a:schemeClr val="accent1">
+              <a:shade val="50000"/>
+            </a:schemeClr>
+          </a:lnRef>
+          <a:fillRef idx="1">
+            <a:schemeClr val="accent1"/>
+          </a:fillRef>
+          <a:effectRef idx="0">
+            <a:schemeClr val="accent1"/>
+          </a:effectRef>
+          <a:fontRef idx="minor">
+            <a:schemeClr val="lt1"/>
+          </a:fontRef>
+        </p:style>
+        <p:txBody>
+          <a:bodyPr rtlCol="0" anchor="ctr"/>
+          <a:lstStyle/>
+          <a:p>
+            <a:pPr algn="ctr"/>
+            <a:endParaRPr lang="ko-KR" altLang="en-US"/>
+          </a:p>
+        </p:txBody>
+      </p:sp>
+      <p:sp>
+        <p:nvSpPr>
+          <p:cNvPr id="14" name="타원 13">
+            <a:extLst>
+              <a:ext uri="{FF2B5EF4-FFF2-40B4-BE49-F238E27FC236}">
+                <a16:creationId xmlns:a16="http://schemas.microsoft.com/office/drawing/2014/main" id="{39CE2B65-C02D-41B1-A27C-B1BB9C485E4F}"/>
+              </a:ext>
+            </a:extLst>
+          </p:cNvPr>
+          <p:cNvSpPr/>
+          <p:nvPr/>
+        </p:nvSpPr>
+        <p:spPr>
+          <a:xfrm>
+            <a:off x="2195736" y="3554311"/>
+            <a:ext cx="1032495" cy="792051"/>
+          </a:xfrm>
+          <a:prstGeom prst="ellipse">
+            <a:avLst/>
+          </a:prstGeom>
+          <a:noFill/>
+          <a:ln>
+            <a:solidFill>
+              <a:srgbClr val="FF0000"/>
+            </a:solidFill>
+          </a:ln>
+        </p:spPr>
+        <p:style>
+          <a:lnRef idx="2">
+            <a:schemeClr val="accent1">
+              <a:shade val="50000"/>
+            </a:schemeClr>
+          </a:lnRef>
+          <a:fillRef idx="1">
+            <a:schemeClr val="accent1"/>
+          </a:fillRef>
+          <a:effectRef idx="0">
+            <a:schemeClr val="accent1"/>
+          </a:effectRef>
+          <a:fontRef idx="minor">
+            <a:schemeClr val="lt1"/>
+          </a:fontRef>
+        </p:style>
+        <p:txBody>
+          <a:bodyPr rtlCol="0" anchor="ctr"/>
+          <a:lstStyle/>
+          <a:p>
+            <a:pPr algn="ctr"/>
+            <a:endParaRPr lang="ko-KR" altLang="en-US"/>
+          </a:p>
+        </p:txBody>
+      </p:sp>
+      <p:cxnSp>
+        <p:nvCxnSpPr>
+          <p:cNvPr id="5" name="직선 화살표 연결선 4">
+            <a:extLst>
+              <a:ext uri="{FF2B5EF4-FFF2-40B4-BE49-F238E27FC236}">
+                <a16:creationId xmlns:a16="http://schemas.microsoft.com/office/drawing/2014/main" id="{0E8706E8-FC46-4171-976B-DE1A79F5CE4E}"/>
+              </a:ext>
+            </a:extLst>
+          </p:cNvPr>
+          <p:cNvCxnSpPr>
+            <a:stCxn id="13" idx="0"/>
+          </p:cNvCxnSpPr>
+          <p:nvPr/>
+        </p:nvCxnSpPr>
+        <p:spPr>
+          <a:xfrm flipV="1">
+            <a:off x="3313291" y="1172849"/>
+            <a:ext cx="2626861" cy="20314"/>
+          </a:xfrm>
+          <a:prstGeom prst="straightConnector1">
+            <a:avLst/>
+          </a:prstGeom>
+          <a:ln w="15875">
+            <a:solidFill>
+              <a:srgbClr val="FF0000"/>
+            </a:solidFill>
+            <a:tailEnd type="triangle"/>
+          </a:ln>
+        </p:spPr>
+        <p:style>
+          <a:lnRef idx="1">
+            <a:schemeClr val="accent2"/>
+          </a:lnRef>
+          <a:fillRef idx="0">
+            <a:schemeClr val="accent2"/>
+          </a:fillRef>
+          <a:effectRef idx="0">
+            <a:schemeClr val="accent2"/>
+          </a:effectRef>
+          <a:fontRef idx="minor">
+            <a:schemeClr val="tx1"/>
+          </a:fontRef>
+        </p:style>
+      </p:cxnSp>
+      <p:sp>
+        <p:nvSpPr>
+          <p:cNvPr id="6" name="TextBox 5">
+            <a:extLst>
+              <a:ext uri="{FF2B5EF4-FFF2-40B4-BE49-F238E27FC236}">
+                <a16:creationId xmlns:a16="http://schemas.microsoft.com/office/drawing/2014/main" id="{53443E94-2958-47A4-A201-B669B1E033FE}"/>
+              </a:ext>
+            </a:extLst>
+          </p:cNvPr>
+          <p:cNvSpPr txBox="1"/>
+          <p:nvPr/>
+        </p:nvSpPr>
+        <p:spPr>
+          <a:xfrm>
+            <a:off x="5901309" y="1057454"/>
+            <a:ext cx="1301822" cy="338554"/>
+          </a:xfrm>
+          <a:prstGeom prst="rect">
+            <a:avLst/>
+          </a:prstGeom>
+          <a:noFill/>
+        </p:spPr>
+        <p:txBody>
+          <a:bodyPr wrap="square" rtlCol="0">
+            <a:spAutoFit/>
+          </a:bodyPr>
+          <a:lstStyle/>
+          <a:p>
+            <a:r>
+              <a:rPr lang="ko-KR" altLang="en-US" sz="1600" dirty="0"/>
+              <a:t>제한시간</a:t>
+            </a:r>
+            <a:endParaRPr lang="ko-KR" altLang="en-US" dirty="0"/>
+          </a:p>
+        </p:txBody>
+      </p:sp>
+      <p:sp>
+        <p:nvSpPr>
+          <p:cNvPr id="17" name="TextBox 16">
+            <a:extLst>
+              <a:ext uri="{FF2B5EF4-FFF2-40B4-BE49-F238E27FC236}">
+                <a16:creationId xmlns:a16="http://schemas.microsoft.com/office/drawing/2014/main" id="{AA079ADC-1789-478C-BF18-A7EF85239911}"/>
+              </a:ext>
+            </a:extLst>
+          </p:cNvPr>
+          <p:cNvSpPr txBox="1"/>
+          <p:nvPr/>
+        </p:nvSpPr>
+        <p:spPr>
+          <a:xfrm>
+            <a:off x="5580112" y="4371950"/>
+            <a:ext cx="1301822" cy="369332"/>
+          </a:xfrm>
+          <a:prstGeom prst="rect">
+            <a:avLst/>
+          </a:prstGeom>
+          <a:noFill/>
+        </p:spPr>
+        <p:txBody>
+          <a:bodyPr wrap="square" rtlCol="0">
+            <a:spAutoFit/>
+          </a:bodyPr>
+          <a:lstStyle/>
+          <a:p>
+            <a:r>
+              <a:rPr lang="ko-KR" altLang="en-US" dirty="0"/>
+              <a:t>체력 </a:t>
+            </a:r>
+            <a:r>
+              <a:rPr lang="en-US" altLang="ko-KR" dirty="0"/>
+              <a:t>UI</a:t>
+            </a:r>
+            <a:endParaRPr lang="ko-KR" altLang="en-US" dirty="0"/>
+          </a:p>
+        </p:txBody>
+      </p:sp>
+      <p:cxnSp>
+        <p:nvCxnSpPr>
+          <p:cNvPr id="9" name="연결선: 꺾임 8">
+            <a:extLst>
+              <a:ext uri="{FF2B5EF4-FFF2-40B4-BE49-F238E27FC236}">
+                <a16:creationId xmlns:a16="http://schemas.microsoft.com/office/drawing/2014/main" id="{F275E8C7-6547-4B87-A171-5D210A1C7627}"/>
+              </a:ext>
+            </a:extLst>
+          </p:cNvPr>
+          <p:cNvCxnSpPr>
+            <a:stCxn id="3" idx="0"/>
+          </p:cNvCxnSpPr>
+          <p:nvPr/>
+        </p:nvCxnSpPr>
+        <p:spPr>
+          <a:xfrm rot="5400000" flipH="1" flipV="1">
+            <a:off x="4299399" y="-1035671"/>
+            <a:ext cx="897355" cy="4832423"/>
+          </a:xfrm>
+          <a:prstGeom prst="bentConnector2">
+            <a:avLst/>
+          </a:prstGeom>
+          <a:ln w="15875">
+            <a:solidFill>
+              <a:srgbClr val="FF0000"/>
+            </a:solidFill>
+            <a:tailEnd type="triangle"/>
+          </a:ln>
+        </p:spPr>
+        <p:style>
+          <a:lnRef idx="1">
+            <a:schemeClr val="accent2"/>
+          </a:lnRef>
+          <a:fillRef idx="0">
+            <a:schemeClr val="accent2"/>
+          </a:fillRef>
+          <a:effectRef idx="0">
+            <a:schemeClr val="accent2"/>
+          </a:effectRef>
+          <a:fontRef idx="minor">
+            <a:schemeClr val="tx1"/>
+          </a:fontRef>
+        </p:style>
+      </p:cxnSp>
+      <p:sp>
+        <p:nvSpPr>
+          <p:cNvPr id="21" name="TextBox 20">
+            <a:extLst>
+              <a:ext uri="{FF2B5EF4-FFF2-40B4-BE49-F238E27FC236}">
+                <a16:creationId xmlns:a16="http://schemas.microsoft.com/office/drawing/2014/main" id="{8B890877-0D8B-46B5-BCE3-6F7EE339A542}"/>
+              </a:ext>
+            </a:extLst>
+          </p:cNvPr>
+          <p:cNvSpPr txBox="1"/>
+          <p:nvPr/>
+        </p:nvSpPr>
+        <p:spPr>
+          <a:xfrm>
+            <a:off x="7133569" y="785118"/>
+            <a:ext cx="1301822" cy="523220"/>
+          </a:xfrm>
+          <a:prstGeom prst="rect">
+            <a:avLst/>
+          </a:prstGeom>
+          <a:noFill/>
+        </p:spPr>
+        <p:txBody>
+          <a:bodyPr wrap="square" rtlCol="0">
+            <a:spAutoFit/>
+          </a:bodyPr>
+          <a:lstStyle/>
+          <a:p>
+            <a:r>
+              <a:rPr lang="ko-KR" altLang="en-US" sz="1400"/>
+              <a:t>깃발 점령까지 </a:t>
+            </a:r>
+            <a:r>
+              <a:rPr lang="ko-KR" altLang="en-US" sz="1400" dirty="0" err="1"/>
+              <a:t>남은시간</a:t>
+            </a:r>
+            <a:endParaRPr lang="ko-KR" altLang="en-US" sz="1400" dirty="0"/>
+          </a:p>
+        </p:txBody>
+      </p:sp>
+      <p:cxnSp>
+        <p:nvCxnSpPr>
+          <p:cNvPr id="22" name="연결선: 꺾임 21">
+            <a:extLst>
+              <a:ext uri="{FF2B5EF4-FFF2-40B4-BE49-F238E27FC236}">
+                <a16:creationId xmlns:a16="http://schemas.microsoft.com/office/drawing/2014/main" id="{49B1C2B9-EECE-4314-82FC-DF879C17C066}"/>
+              </a:ext>
+            </a:extLst>
+          </p:cNvPr>
+          <p:cNvCxnSpPr>
+            <a:cxnSpLocks/>
+            <a:stCxn id="14" idx="4"/>
+            <a:endCxn id="17" idx="1"/>
+          </p:cNvCxnSpPr>
+          <p:nvPr/>
+        </p:nvCxnSpPr>
+        <p:spPr>
+          <a:xfrm rot="16200000" flipH="1">
+            <a:off x="4040921" y="3017425"/>
+            <a:ext cx="210254" cy="2868128"/>
+          </a:xfrm>
+          <a:prstGeom prst="bentConnector2">
+            <a:avLst/>
+          </a:prstGeom>
+          <a:ln w="15875">
+            <a:solidFill>
+              <a:srgbClr val="FF0000"/>
+            </a:solidFill>
+            <a:tailEnd type="triangle"/>
+          </a:ln>
+        </p:spPr>
+        <p:style>
+          <a:lnRef idx="1">
+            <a:schemeClr val="accent2"/>
+          </a:lnRef>
+          <a:fillRef idx="0">
+            <a:schemeClr val="accent2"/>
+          </a:fillRef>
+          <a:effectRef idx="0">
+            <a:schemeClr val="accent2"/>
+          </a:effectRef>
+          <a:fontRef idx="minor">
+            <a:schemeClr val="tx1"/>
+          </a:fontRef>
+        </p:style>
+      </p:cxnSp>
     </p:spTree>
     <p:extLst>
       <p:ext uri="{BB962C8B-B14F-4D97-AF65-F5344CB8AC3E}">

--- a/Documents/King of Playground 기획 발표자료.pptx
+++ b/Documents/King of Playground 기획 발표자료.pptx
@@ -6,6 +6,12 @@
     <p:sldMasterId id="2147483650" r:id="rId2"/>
     <p:sldMasterId id="2147483652" r:id="rId3"/>
   </p:sldMasterIdLst>
+  <p:notesMasterIdLst>
+    <p:notesMasterId r:id="rId23"/>
+  </p:notesMasterIdLst>
+  <p:handoutMasterIdLst>
+    <p:handoutMasterId r:id="rId24"/>
+  </p:handoutMasterIdLst>
   <p:sldIdLst>
     <p:sldId id="256" r:id="rId4"/>
     <p:sldId id="257" r:id="rId5"/>
@@ -32,13 +38,13 @@
   <p:embeddedFontLst>
     <p:embeddedFont>
       <p:font typeface="나눔바른고딕" panose="020B0600000101010101" charset="-127"/>
-      <p:regular r:id="rId23"/>
-      <p:bold r:id="rId24"/>
+      <p:regular r:id="rId25"/>
+      <p:bold r:id="rId26"/>
     </p:embeddedFont>
     <p:embeddedFont>
       <p:font typeface="맑은 고딕" panose="020B0503020000020004" pitchFamily="50" charset="-127"/>
-      <p:regular r:id="rId25"/>
-      <p:bold r:id="rId26"/>
+      <p:regular r:id="rId27"/>
+      <p:bold r:id="rId28"/>
     </p:embeddedFont>
   </p:embeddedFontLst>
   <p:defaultTextStyle>
@@ -153,6 +159,546 @@
     </p:ext>
   </p:extLst>
 </p:presentation>
+</file>
+
+<file path=ppt/handoutMasters/handoutMaster1.xml><?xml version="1.0" encoding="utf-8"?>
+<p:handoutMaster xmlns:a="http://schemas.openxmlformats.org/drawingml/2006/main" xmlns:r="http://schemas.openxmlformats.org/officeDocument/2006/relationships" xmlns:p="http://schemas.openxmlformats.org/presentationml/2006/main">
+  <p:cSld>
+    <p:bg>
+      <p:bgRef idx="1001">
+        <a:schemeClr val="bg1"/>
+      </p:bgRef>
+    </p:bg>
+    <p:spTree>
+      <p:nvGrpSpPr>
+        <p:cNvPr id="1" name=""/>
+        <p:cNvGrpSpPr/>
+        <p:nvPr/>
+      </p:nvGrpSpPr>
+      <p:grpSpPr>
+        <a:xfrm>
+          <a:off x="0" y="0"/>
+          <a:ext cx="0" cy="0"/>
+          <a:chOff x="0" y="0"/>
+          <a:chExt cx="0" cy="0"/>
+        </a:xfrm>
+      </p:grpSpPr>
+      <p:sp>
+        <p:nvSpPr>
+          <p:cNvPr id="2" name="머리글 개체 틀 1">
+            <a:extLst>
+              <a:ext uri="{FF2B5EF4-FFF2-40B4-BE49-F238E27FC236}">
+                <a16:creationId xmlns:a16="http://schemas.microsoft.com/office/drawing/2014/main" id="{805090A9-008D-49D6-8888-51345464EFC6}"/>
+              </a:ext>
+            </a:extLst>
+          </p:cNvPr>
+          <p:cNvSpPr>
+            <a:spLocks noGrp="1"/>
+          </p:cNvSpPr>
+          <p:nvPr>
+            <p:ph type="hdr" sz="quarter"/>
+          </p:nvPr>
+        </p:nvSpPr>
+        <p:spPr>
+          <a:xfrm>
+            <a:off x="0" y="0"/>
+            <a:ext cx="2971800" cy="458788"/>
+          </a:xfrm>
+          <a:prstGeom prst="rect">
+            <a:avLst/>
+          </a:prstGeom>
+        </p:spPr>
+        <p:txBody>
+          <a:bodyPr vert="horz" lIns="91440" tIns="45720" rIns="91440" bIns="45720" rtlCol="0"/>
+          <a:lstStyle>
+            <a:lvl1pPr algn="l">
+              <a:defRPr sz="1200"/>
+            </a:lvl1pPr>
+          </a:lstStyle>
+          <a:p>
+            <a:endParaRPr lang="ko-KR" altLang="en-US"/>
+          </a:p>
+        </p:txBody>
+      </p:sp>
+      <p:sp>
+        <p:nvSpPr>
+          <p:cNvPr id="3" name="날짜 개체 틀 2">
+            <a:extLst>
+              <a:ext uri="{FF2B5EF4-FFF2-40B4-BE49-F238E27FC236}">
+                <a16:creationId xmlns:a16="http://schemas.microsoft.com/office/drawing/2014/main" id="{943911C6-FE95-4C1E-90E6-3850B031A390}"/>
+              </a:ext>
+            </a:extLst>
+          </p:cNvPr>
+          <p:cNvSpPr>
+            <a:spLocks noGrp="1"/>
+          </p:cNvSpPr>
+          <p:nvPr>
+            <p:ph type="dt" sz="quarter" idx="1"/>
+          </p:nvPr>
+        </p:nvSpPr>
+        <p:spPr>
+          <a:xfrm>
+            <a:off x="3884613" y="0"/>
+            <a:ext cx="2971800" cy="458788"/>
+          </a:xfrm>
+          <a:prstGeom prst="rect">
+            <a:avLst/>
+          </a:prstGeom>
+        </p:spPr>
+        <p:txBody>
+          <a:bodyPr vert="horz" lIns="91440" tIns="45720" rIns="91440" bIns="45720" rtlCol="0"/>
+          <a:lstStyle>
+            <a:lvl1pPr algn="r">
+              <a:defRPr sz="1200"/>
+            </a:lvl1pPr>
+          </a:lstStyle>
+          <a:p>
+            <a:fld id="{719C254C-FC14-4AC6-8E38-731D6190D2C0}" type="datetimeFigureOut">
+              <a:rPr lang="ko-KR" altLang="en-US" smtClean="0"/>
+              <a:t>2019-12-11</a:t>
+            </a:fld>
+            <a:endParaRPr lang="ko-KR" altLang="en-US"/>
+          </a:p>
+        </p:txBody>
+      </p:sp>
+      <p:sp>
+        <p:nvSpPr>
+          <p:cNvPr id="4" name="바닥글 개체 틀 3">
+            <a:extLst>
+              <a:ext uri="{FF2B5EF4-FFF2-40B4-BE49-F238E27FC236}">
+                <a16:creationId xmlns:a16="http://schemas.microsoft.com/office/drawing/2014/main" id="{AD3571FD-5086-41A6-8DDE-4C7BD924E37F}"/>
+              </a:ext>
+            </a:extLst>
+          </p:cNvPr>
+          <p:cNvSpPr>
+            <a:spLocks noGrp="1"/>
+          </p:cNvSpPr>
+          <p:nvPr>
+            <p:ph type="ftr" sz="quarter" idx="2"/>
+          </p:nvPr>
+        </p:nvSpPr>
+        <p:spPr>
+          <a:xfrm>
+            <a:off x="0" y="8685213"/>
+            <a:ext cx="2971800" cy="458787"/>
+          </a:xfrm>
+          <a:prstGeom prst="rect">
+            <a:avLst/>
+          </a:prstGeom>
+        </p:spPr>
+        <p:txBody>
+          <a:bodyPr vert="horz" lIns="91440" tIns="45720" rIns="91440" bIns="45720" rtlCol="0" anchor="b"/>
+          <a:lstStyle>
+            <a:lvl1pPr algn="l">
+              <a:defRPr sz="1200"/>
+            </a:lvl1pPr>
+          </a:lstStyle>
+          <a:p>
+            <a:endParaRPr lang="ko-KR" altLang="en-US"/>
+          </a:p>
+        </p:txBody>
+      </p:sp>
+      <p:sp>
+        <p:nvSpPr>
+          <p:cNvPr id="5" name="슬라이드 번호 개체 틀 4">
+            <a:extLst>
+              <a:ext uri="{FF2B5EF4-FFF2-40B4-BE49-F238E27FC236}">
+                <a16:creationId xmlns:a16="http://schemas.microsoft.com/office/drawing/2014/main" id="{EE0E7F3D-46E7-4695-ACB6-3E9197CE1C0E}"/>
+              </a:ext>
+            </a:extLst>
+          </p:cNvPr>
+          <p:cNvSpPr>
+            <a:spLocks noGrp="1"/>
+          </p:cNvSpPr>
+          <p:nvPr>
+            <p:ph type="sldNum" sz="quarter" idx="3"/>
+          </p:nvPr>
+        </p:nvSpPr>
+        <p:spPr>
+          <a:xfrm>
+            <a:off x="3884613" y="8685213"/>
+            <a:ext cx="2971800" cy="458787"/>
+          </a:xfrm>
+          <a:prstGeom prst="rect">
+            <a:avLst/>
+          </a:prstGeom>
+        </p:spPr>
+        <p:txBody>
+          <a:bodyPr vert="horz" lIns="91440" tIns="45720" rIns="91440" bIns="45720" rtlCol="0" anchor="b"/>
+          <a:lstStyle>
+            <a:lvl1pPr algn="r">
+              <a:defRPr sz="1200"/>
+            </a:lvl1pPr>
+          </a:lstStyle>
+          <a:p>
+            <a:fld id="{1AE93D94-D2DC-44D4-ABB2-4B7C452B0DC7}" type="slidenum">
+              <a:rPr lang="ko-KR" altLang="en-US" smtClean="0"/>
+              <a:t>‹#›</a:t>
+            </a:fld>
+            <a:endParaRPr lang="ko-KR" altLang="en-US"/>
+          </a:p>
+        </p:txBody>
+      </p:sp>
+    </p:spTree>
+    <p:extLst>
+      <p:ext uri="{BB962C8B-B14F-4D97-AF65-F5344CB8AC3E}">
+        <p14:creationId xmlns:p14="http://schemas.microsoft.com/office/powerpoint/2010/main" val="365394507"/>
+      </p:ext>
+    </p:extLst>
+  </p:cSld>
+  <p:clrMap bg1="lt1" tx1="dk1" bg2="lt2" tx2="dk2" accent1="accent1" accent2="accent2" accent3="accent3" accent4="accent4" accent5="accent5" accent6="accent6" hlink="hlink" folHlink="folHlink"/>
+  <p:hf hdr="0" ftr="0" dt="0"/>
+</p:handoutMaster>
+</file>
+
+<file path=ppt/notesMasters/notesMaster1.xml><?xml version="1.0" encoding="utf-8"?>
+<p:notesMaster xmlns:a="http://schemas.openxmlformats.org/drawingml/2006/main" xmlns:r="http://schemas.openxmlformats.org/officeDocument/2006/relationships" xmlns:p="http://schemas.openxmlformats.org/presentationml/2006/main">
+  <p:cSld>
+    <p:bg>
+      <p:bgRef idx="1001">
+        <a:schemeClr val="bg1"/>
+      </p:bgRef>
+    </p:bg>
+    <p:spTree>
+      <p:nvGrpSpPr>
+        <p:cNvPr id="1" name=""/>
+        <p:cNvGrpSpPr/>
+        <p:nvPr/>
+      </p:nvGrpSpPr>
+      <p:grpSpPr>
+        <a:xfrm>
+          <a:off x="0" y="0"/>
+          <a:ext cx="0" cy="0"/>
+          <a:chOff x="0" y="0"/>
+          <a:chExt cx="0" cy="0"/>
+        </a:xfrm>
+      </p:grpSpPr>
+      <p:sp>
+        <p:nvSpPr>
+          <p:cNvPr id="2" name="머리글 개체 틀 1"/>
+          <p:cNvSpPr>
+            <a:spLocks noGrp="1"/>
+          </p:cNvSpPr>
+          <p:nvPr>
+            <p:ph type="hdr" sz="quarter"/>
+          </p:nvPr>
+        </p:nvSpPr>
+        <p:spPr>
+          <a:xfrm>
+            <a:off x="0" y="0"/>
+            <a:ext cx="2971800" cy="458788"/>
+          </a:xfrm>
+          <a:prstGeom prst="rect">
+            <a:avLst/>
+          </a:prstGeom>
+        </p:spPr>
+        <p:txBody>
+          <a:bodyPr vert="horz" lIns="91440" tIns="45720" rIns="91440" bIns="45720" rtlCol="0"/>
+          <a:lstStyle>
+            <a:lvl1pPr algn="l">
+              <a:defRPr sz="1200"/>
+            </a:lvl1pPr>
+          </a:lstStyle>
+          <a:p>
+            <a:endParaRPr lang="ko-KR" altLang="en-US"/>
+          </a:p>
+        </p:txBody>
+      </p:sp>
+      <p:sp>
+        <p:nvSpPr>
+          <p:cNvPr id="3" name="날짜 개체 틀 2"/>
+          <p:cNvSpPr>
+            <a:spLocks noGrp="1"/>
+          </p:cNvSpPr>
+          <p:nvPr>
+            <p:ph type="dt" idx="1"/>
+          </p:nvPr>
+        </p:nvSpPr>
+        <p:spPr>
+          <a:xfrm>
+            <a:off x="3884613" y="0"/>
+            <a:ext cx="2971800" cy="458788"/>
+          </a:xfrm>
+          <a:prstGeom prst="rect">
+            <a:avLst/>
+          </a:prstGeom>
+        </p:spPr>
+        <p:txBody>
+          <a:bodyPr vert="horz" lIns="91440" tIns="45720" rIns="91440" bIns="45720" rtlCol="0"/>
+          <a:lstStyle>
+            <a:lvl1pPr algn="r">
+              <a:defRPr sz="1200"/>
+            </a:lvl1pPr>
+          </a:lstStyle>
+          <a:p>
+            <a:fld id="{6287E8A9-083F-4025-9E15-BCE7CEB1CAB7}" type="datetimeFigureOut">
+              <a:rPr lang="ko-KR" altLang="en-US" smtClean="0"/>
+              <a:t>2019-12-11</a:t>
+            </a:fld>
+            <a:endParaRPr lang="ko-KR" altLang="en-US"/>
+          </a:p>
+        </p:txBody>
+      </p:sp>
+      <p:sp>
+        <p:nvSpPr>
+          <p:cNvPr id="4" name="슬라이드 이미지 개체 틀 3"/>
+          <p:cNvSpPr>
+            <a:spLocks noGrp="1" noRot="1" noChangeAspect="1"/>
+          </p:cNvSpPr>
+          <p:nvPr>
+            <p:ph type="sldImg" idx="2"/>
+          </p:nvPr>
+        </p:nvSpPr>
+        <p:spPr>
+          <a:xfrm>
+            <a:off x="685800" y="1143000"/>
+            <a:ext cx="5486400" cy="3086100"/>
+          </a:xfrm>
+          <a:prstGeom prst="rect">
+            <a:avLst/>
+          </a:prstGeom>
+          <a:noFill/>
+          <a:ln w="12700">
+            <a:solidFill>
+              <a:prstClr val="black"/>
+            </a:solidFill>
+          </a:ln>
+        </p:spPr>
+        <p:txBody>
+          <a:bodyPr vert="horz" lIns="91440" tIns="45720" rIns="91440" bIns="45720" rtlCol="0" anchor="ctr"/>
+          <a:lstStyle/>
+          <a:p>
+            <a:endParaRPr lang="ko-KR" altLang="en-US"/>
+          </a:p>
+        </p:txBody>
+      </p:sp>
+      <p:sp>
+        <p:nvSpPr>
+          <p:cNvPr id="5" name="슬라이드 노트 개체 틀 4"/>
+          <p:cNvSpPr>
+            <a:spLocks noGrp="1"/>
+          </p:cNvSpPr>
+          <p:nvPr>
+            <p:ph type="body" sz="quarter" idx="3"/>
+          </p:nvPr>
+        </p:nvSpPr>
+        <p:spPr>
+          <a:xfrm>
+            <a:off x="685800" y="4400550"/>
+            <a:ext cx="5486400" cy="3600450"/>
+          </a:xfrm>
+          <a:prstGeom prst="rect">
+            <a:avLst/>
+          </a:prstGeom>
+        </p:spPr>
+        <p:txBody>
+          <a:bodyPr vert="horz" lIns="91440" tIns="45720" rIns="91440" bIns="45720" rtlCol="0"/>
+          <a:lstStyle/>
+          <a:p>
+            <a:pPr lvl="0"/>
+            <a:r>
+              <a:rPr lang="ko-KR" altLang="en-US"/>
+              <a:t>마스터 텍스트 스타일을 편집하려면 클릭</a:t>
+            </a:r>
+          </a:p>
+          <a:p>
+            <a:pPr lvl="1"/>
+            <a:r>
+              <a:rPr lang="ko-KR" altLang="en-US"/>
+              <a:t>두 번째 수준</a:t>
+            </a:r>
+          </a:p>
+          <a:p>
+            <a:pPr lvl="2"/>
+            <a:r>
+              <a:rPr lang="ko-KR" altLang="en-US"/>
+              <a:t>세 번째 수준</a:t>
+            </a:r>
+          </a:p>
+          <a:p>
+            <a:pPr lvl="3"/>
+            <a:r>
+              <a:rPr lang="ko-KR" altLang="en-US"/>
+              <a:t>네 번째 수준</a:t>
+            </a:r>
+          </a:p>
+          <a:p>
+            <a:pPr lvl="4"/>
+            <a:r>
+              <a:rPr lang="ko-KR" altLang="en-US"/>
+              <a:t>다섯 번째 수준</a:t>
+            </a:r>
+          </a:p>
+        </p:txBody>
+      </p:sp>
+      <p:sp>
+        <p:nvSpPr>
+          <p:cNvPr id="6" name="바닥글 개체 틀 5"/>
+          <p:cNvSpPr>
+            <a:spLocks noGrp="1"/>
+          </p:cNvSpPr>
+          <p:nvPr>
+            <p:ph type="ftr" sz="quarter" idx="4"/>
+          </p:nvPr>
+        </p:nvSpPr>
+        <p:spPr>
+          <a:xfrm>
+            <a:off x="0" y="8685213"/>
+            <a:ext cx="2971800" cy="458787"/>
+          </a:xfrm>
+          <a:prstGeom prst="rect">
+            <a:avLst/>
+          </a:prstGeom>
+        </p:spPr>
+        <p:txBody>
+          <a:bodyPr vert="horz" lIns="91440" tIns="45720" rIns="91440" bIns="45720" rtlCol="0" anchor="b"/>
+          <a:lstStyle>
+            <a:lvl1pPr algn="l">
+              <a:defRPr sz="1200"/>
+            </a:lvl1pPr>
+          </a:lstStyle>
+          <a:p>
+            <a:endParaRPr lang="ko-KR" altLang="en-US"/>
+          </a:p>
+        </p:txBody>
+      </p:sp>
+      <p:sp>
+        <p:nvSpPr>
+          <p:cNvPr id="7" name="슬라이드 번호 개체 틀 6"/>
+          <p:cNvSpPr>
+            <a:spLocks noGrp="1"/>
+          </p:cNvSpPr>
+          <p:nvPr>
+            <p:ph type="sldNum" sz="quarter" idx="5"/>
+          </p:nvPr>
+        </p:nvSpPr>
+        <p:spPr>
+          <a:xfrm>
+            <a:off x="3884613" y="8685213"/>
+            <a:ext cx="2971800" cy="458787"/>
+          </a:xfrm>
+          <a:prstGeom prst="rect">
+            <a:avLst/>
+          </a:prstGeom>
+        </p:spPr>
+        <p:txBody>
+          <a:bodyPr vert="horz" lIns="91440" tIns="45720" rIns="91440" bIns="45720" rtlCol="0" anchor="b"/>
+          <a:lstStyle>
+            <a:lvl1pPr algn="r">
+              <a:defRPr sz="1200"/>
+            </a:lvl1pPr>
+          </a:lstStyle>
+          <a:p>
+            <a:fld id="{9A7593F1-A1AD-42F5-BC6F-2061C3A67F4E}" type="slidenum">
+              <a:rPr lang="ko-KR" altLang="en-US" smtClean="0"/>
+              <a:t>‹#›</a:t>
+            </a:fld>
+            <a:endParaRPr lang="ko-KR" altLang="en-US"/>
+          </a:p>
+        </p:txBody>
+      </p:sp>
+    </p:spTree>
+    <p:extLst>
+      <p:ext uri="{BB962C8B-B14F-4D97-AF65-F5344CB8AC3E}">
+        <p14:creationId xmlns:p14="http://schemas.microsoft.com/office/powerpoint/2010/main" val="776749604"/>
+      </p:ext>
+    </p:extLst>
+  </p:cSld>
+  <p:clrMap bg1="lt1" tx1="dk1" bg2="lt2" tx2="dk2" accent1="accent1" accent2="accent2" accent3="accent3" accent4="accent4" accent5="accent5" accent6="accent6" hlink="hlink" folHlink="folHlink"/>
+  <p:hf hdr="0" ftr="0" dt="0"/>
+  <p:notesStyle>
+    <a:lvl1pPr marL="0" algn="l" defTabSz="914400" rtl="0" eaLnBrk="1" latinLnBrk="1" hangingPunct="1">
+      <a:defRPr sz="1200" kern="1200">
+        <a:solidFill>
+          <a:schemeClr val="tx1"/>
+        </a:solidFill>
+        <a:latin typeface="+mn-lt"/>
+        <a:ea typeface="+mn-ea"/>
+        <a:cs typeface="+mn-cs"/>
+      </a:defRPr>
+    </a:lvl1pPr>
+    <a:lvl2pPr marL="457200" algn="l" defTabSz="914400" rtl="0" eaLnBrk="1" latinLnBrk="1" hangingPunct="1">
+      <a:defRPr sz="1200" kern="1200">
+        <a:solidFill>
+          <a:schemeClr val="tx1"/>
+        </a:solidFill>
+        <a:latin typeface="+mn-lt"/>
+        <a:ea typeface="+mn-ea"/>
+        <a:cs typeface="+mn-cs"/>
+      </a:defRPr>
+    </a:lvl2pPr>
+    <a:lvl3pPr marL="914400" algn="l" defTabSz="914400" rtl="0" eaLnBrk="1" latinLnBrk="1" hangingPunct="1">
+      <a:defRPr sz="1200" kern="1200">
+        <a:solidFill>
+          <a:schemeClr val="tx1"/>
+        </a:solidFill>
+        <a:latin typeface="+mn-lt"/>
+        <a:ea typeface="+mn-ea"/>
+        <a:cs typeface="+mn-cs"/>
+      </a:defRPr>
+    </a:lvl3pPr>
+    <a:lvl4pPr marL="1371600" algn="l" defTabSz="914400" rtl="0" eaLnBrk="1" latinLnBrk="1" hangingPunct="1">
+      <a:defRPr sz="1200" kern="1200">
+        <a:solidFill>
+          <a:schemeClr val="tx1"/>
+        </a:solidFill>
+        <a:latin typeface="+mn-lt"/>
+        <a:ea typeface="+mn-ea"/>
+        <a:cs typeface="+mn-cs"/>
+      </a:defRPr>
+    </a:lvl4pPr>
+    <a:lvl5pPr marL="1828800" algn="l" defTabSz="914400" rtl="0" eaLnBrk="1" latinLnBrk="1" hangingPunct="1">
+      <a:defRPr sz="1200" kern="1200">
+        <a:solidFill>
+          <a:schemeClr val="tx1"/>
+        </a:solidFill>
+        <a:latin typeface="+mn-lt"/>
+        <a:ea typeface="+mn-ea"/>
+        <a:cs typeface="+mn-cs"/>
+      </a:defRPr>
+    </a:lvl5pPr>
+    <a:lvl6pPr marL="2286000" algn="l" defTabSz="914400" rtl="0" eaLnBrk="1" latinLnBrk="1" hangingPunct="1">
+      <a:defRPr sz="1200" kern="1200">
+        <a:solidFill>
+          <a:schemeClr val="tx1"/>
+        </a:solidFill>
+        <a:latin typeface="+mn-lt"/>
+        <a:ea typeface="+mn-ea"/>
+        <a:cs typeface="+mn-cs"/>
+      </a:defRPr>
+    </a:lvl6pPr>
+    <a:lvl7pPr marL="2743200" algn="l" defTabSz="914400" rtl="0" eaLnBrk="1" latinLnBrk="1" hangingPunct="1">
+      <a:defRPr sz="1200" kern="1200">
+        <a:solidFill>
+          <a:schemeClr val="tx1"/>
+        </a:solidFill>
+        <a:latin typeface="+mn-lt"/>
+        <a:ea typeface="+mn-ea"/>
+        <a:cs typeface="+mn-cs"/>
+      </a:defRPr>
+    </a:lvl7pPr>
+    <a:lvl8pPr marL="3200400" algn="l" defTabSz="914400" rtl="0" eaLnBrk="1" latinLnBrk="1" hangingPunct="1">
+      <a:defRPr sz="1200" kern="1200">
+        <a:solidFill>
+          <a:schemeClr val="tx1"/>
+        </a:solidFill>
+        <a:latin typeface="+mn-lt"/>
+        <a:ea typeface="+mn-ea"/>
+        <a:cs typeface="+mn-cs"/>
+      </a:defRPr>
+    </a:lvl8pPr>
+    <a:lvl9pPr marL="3657600" algn="l" defTabSz="914400" rtl="0" eaLnBrk="1" latinLnBrk="1" hangingPunct="1">
+      <a:defRPr sz="1200" kern="1200">
+        <a:solidFill>
+          <a:schemeClr val="tx1"/>
+        </a:solidFill>
+        <a:latin typeface="+mn-lt"/>
+        <a:ea typeface="+mn-ea"/>
+        <a:cs typeface="+mn-cs"/>
+      </a:defRPr>
+    </a:lvl9pPr>
+  </p:notesStyle>
+</p:notesMaster>
 </file>
 
 <file path=ppt/slideLayouts/slideLayout1.xml><?xml version="1.0" encoding="utf-8"?>
@@ -420,6 +966,7 @@
   <p:sldLayoutIdLst>
     <p:sldLayoutId id="2147483649" r:id="rId1"/>
   </p:sldLayoutIdLst>
+  <p:hf hdr="0" ftr="0" dt="0"/>
   <p:txStyles>
     <p:titleStyle>
       <a:lvl1pPr algn="ctr" defTabSz="914400" rtl="0" eaLnBrk="1" latinLnBrk="1" hangingPunct="1">
@@ -850,6 +1397,7 @@
   <p:sldLayoutIdLst>
     <p:sldLayoutId id="2147483651" r:id="rId1"/>
   </p:sldLayoutIdLst>
+  <p:hf hdr="0" ftr="0" dt="0"/>
   <p:txStyles>
     <p:titleStyle>
       <a:lvl1pPr algn="ctr" defTabSz="914400" rtl="0" eaLnBrk="1" latinLnBrk="1" hangingPunct="1">
@@ -1136,6 +1684,7 @@
   <p:sldLayoutIdLst>
     <p:sldLayoutId id="2147483653" r:id="rId1"/>
   </p:sldLayoutIdLst>
+  <p:hf hdr="0" ftr="0" dt="0"/>
   <p:txStyles>
     <p:titleStyle>
       <a:lvl1pPr algn="ctr" defTabSz="914400" rtl="0" eaLnBrk="1" latinLnBrk="1" hangingPunct="1">
@@ -1589,6 +2138,165 @@
           </a:p>
         </p:txBody>
       </p:sp>
+      <p:graphicFrame>
+        <p:nvGraphicFramePr>
+          <p:cNvPr id="3" name="표 3">
+            <a:extLst>
+              <a:ext uri="{FF2B5EF4-FFF2-40B4-BE49-F238E27FC236}">
+                <a16:creationId xmlns:a16="http://schemas.microsoft.com/office/drawing/2014/main" id="{DB9465CD-7216-46CF-8771-7556AC6A6D3D}"/>
+              </a:ext>
+            </a:extLst>
+          </p:cNvPr>
+          <p:cNvGraphicFramePr>
+            <a:graphicFrameLocks noGrp="1"/>
+          </p:cNvGraphicFramePr>
+          <p:nvPr>
+            <p:extLst>
+              <p:ext uri="{D42A27DB-BD31-4B8C-83A1-F6EECF244321}">
+                <p14:modId xmlns:p14="http://schemas.microsoft.com/office/powerpoint/2010/main" val="43399307"/>
+              </p:ext>
+            </p:extLst>
+          </p:nvPr>
+        </p:nvGraphicFramePr>
+        <p:xfrm>
+          <a:off x="480035" y="3712845"/>
+          <a:ext cx="1800200" cy="948378"/>
+        </p:xfrm>
+        <a:graphic>
+          <a:graphicData uri="http://schemas.openxmlformats.org/drawingml/2006/table">
+            <a:tbl>
+              <a:tblPr firstRow="1" bandRow="1">
+                <a:tableStyleId>{5C22544A-7EE6-4342-B048-85BDC9FD1C3A}</a:tableStyleId>
+              </a:tblPr>
+              <a:tblGrid>
+                <a:gridCol w="1800200">
+                  <a:extLst>
+                    <a:ext uri="{9D8B030D-6E8A-4147-A177-3AD203B41FA5}">
+                      <a16:colId xmlns:a16="http://schemas.microsoft.com/office/drawing/2014/main" val="3501694222"/>
+                    </a:ext>
+                  </a:extLst>
+                </a:gridCol>
+              </a:tblGrid>
+              <a:tr h="0">
+                <a:tc>
+                  <a:txBody>
+                    <a:bodyPr/>
+                    <a:lstStyle/>
+                    <a:p>
+                      <a:pPr algn="ctr" latinLnBrk="1"/>
+                      <a:r>
+                        <a:rPr lang="ko-KR" altLang="en-US" sz="1000" dirty="0"/>
+                        <a:t>서명란</a:t>
+                      </a:r>
+                    </a:p>
+                  </a:txBody>
+                  <a:tcPr>
+                    <a:lnL w="12700" cap="flat" cmpd="sng" algn="ctr">
+                      <a:solidFill>
+                        <a:schemeClr val="tx1"/>
+                      </a:solidFill>
+                      <a:prstDash val="solid"/>
+                      <a:round/>
+                      <a:headEnd type="none" w="med" len="med"/>
+                      <a:tailEnd type="none" w="med" len="med"/>
+                    </a:lnL>
+                    <a:lnR w="12700" cap="flat" cmpd="sng" algn="ctr">
+                      <a:solidFill>
+                        <a:schemeClr val="tx1"/>
+                      </a:solidFill>
+                      <a:prstDash val="solid"/>
+                      <a:round/>
+                      <a:headEnd type="none" w="med" len="med"/>
+                      <a:tailEnd type="none" w="med" len="med"/>
+                    </a:lnR>
+                    <a:lnT w="12700" cap="flat" cmpd="sng" algn="ctr">
+                      <a:solidFill>
+                        <a:schemeClr val="tx1"/>
+                      </a:solidFill>
+                      <a:prstDash val="solid"/>
+                      <a:round/>
+                      <a:headEnd type="none" w="med" len="med"/>
+                      <a:tailEnd type="none" w="med" len="med"/>
+                    </a:lnT>
+                    <a:lnB w="12700" cap="flat" cmpd="sng" algn="ctr">
+                      <a:solidFill>
+                        <a:schemeClr val="tx1"/>
+                      </a:solidFill>
+                      <a:prstDash val="solid"/>
+                      <a:round/>
+                      <a:headEnd type="none" w="med" len="med"/>
+                      <a:tailEnd type="none" w="med" len="med"/>
+                    </a:lnB>
+                    <a:solidFill>
+                      <a:srgbClr val="92D050"/>
+                    </a:solidFill>
+                  </a:tcPr>
+                </a:tc>
+                <a:extLst>
+                  <a:ext uri="{0D108BD9-81ED-4DB2-BD59-A6C34878D82A}">
+                    <a16:rowId xmlns:a16="http://schemas.microsoft.com/office/drawing/2014/main" val="1657261079"/>
+                  </a:ext>
+                </a:extLst>
+              </a:tr>
+              <a:tr h="704538">
+                <a:tc>
+                  <a:txBody>
+                    <a:bodyPr/>
+                    <a:lstStyle/>
+                    <a:p>
+                      <a:pPr latinLnBrk="1"/>
+                      <a:endParaRPr lang="ko-KR" altLang="en-US" sz="1500" dirty="0"/>
+                    </a:p>
+                  </a:txBody>
+                  <a:tcPr>
+                    <a:lnL w="12700" cap="flat" cmpd="sng" algn="ctr">
+                      <a:solidFill>
+                        <a:schemeClr val="tx1"/>
+                      </a:solidFill>
+                      <a:prstDash val="solid"/>
+                      <a:round/>
+                      <a:headEnd type="none" w="med" len="med"/>
+                      <a:tailEnd type="none" w="med" len="med"/>
+                    </a:lnL>
+                    <a:lnR w="12700" cap="flat" cmpd="sng" algn="ctr">
+                      <a:solidFill>
+                        <a:schemeClr val="tx1"/>
+                      </a:solidFill>
+                      <a:prstDash val="solid"/>
+                      <a:round/>
+                      <a:headEnd type="none" w="med" len="med"/>
+                      <a:tailEnd type="none" w="med" len="med"/>
+                    </a:lnR>
+                    <a:lnT w="12700" cap="flat" cmpd="sng" algn="ctr">
+                      <a:solidFill>
+                        <a:schemeClr val="tx1"/>
+                      </a:solidFill>
+                      <a:prstDash val="solid"/>
+                      <a:round/>
+                      <a:headEnd type="none" w="med" len="med"/>
+                      <a:tailEnd type="none" w="med" len="med"/>
+                    </a:lnT>
+                    <a:lnB w="12700" cap="flat" cmpd="sng" algn="ctr">
+                      <a:solidFill>
+                        <a:schemeClr val="tx1"/>
+                      </a:solidFill>
+                      <a:prstDash val="solid"/>
+                      <a:round/>
+                      <a:headEnd type="none" w="med" len="med"/>
+                      <a:tailEnd type="none" w="med" len="med"/>
+                    </a:lnB>
+                  </a:tcPr>
+                </a:tc>
+                <a:extLst>
+                  <a:ext uri="{0D108BD9-81ED-4DB2-BD59-A6C34878D82A}">
+                    <a16:rowId xmlns:a16="http://schemas.microsoft.com/office/drawing/2014/main" val="3904940457"/>
+                  </a:ext>
+                </a:extLst>
+              </a:tr>
+            </a:tbl>
+          </a:graphicData>
+        </a:graphic>
+      </p:graphicFrame>
     </p:spTree>
     <p:extLst>
       <p:ext uri="{BB962C8B-B14F-4D97-AF65-F5344CB8AC3E}">
@@ -2217,25 +2925,20 @@
               </a:spcAft>
             </a:pPr>
             <a:r>
-              <a:rPr lang="ko-KR" altLang="en-US" sz="1000" kern="100">
+              <a:rPr lang="ko-KR" altLang="en-US" sz="1000" kern="100" dirty="0">
                 <a:ea typeface="맑은 고딕" panose="020B0503020000020004" pitchFamily="50" charset="-127"/>
                 <a:cs typeface="Times New Roman" panose="02020603050405020304" pitchFamily="18" charset="0"/>
               </a:rPr>
               <a:t>방</a:t>
             </a:r>
             <a:r>
-              <a:rPr lang="ko-KR" sz="1000" kern="100">
+              <a:rPr lang="ko-KR" sz="1000" kern="100" dirty="0">
                 <a:effectLst/>
                 <a:ea typeface="맑은 고딕" panose="020B0503020000020004" pitchFamily="50" charset="-127"/>
                 <a:cs typeface="Times New Roman" panose="02020603050405020304" pitchFamily="18" charset="0"/>
               </a:rPr>
               <a:t> </a:t>
             </a:r>
-            <a:endParaRPr lang="ko-KR" sz="1000" kern="100" dirty="0">
-              <a:effectLst/>
-              <a:ea typeface="맑은 고딕" panose="020B0503020000020004" pitchFamily="50" charset="-127"/>
-              <a:cs typeface="Times New Roman" panose="02020603050405020304" pitchFamily="18" charset="0"/>
-            </a:endParaRPr>
           </a:p>
         </p:txBody>
       </p:sp>
@@ -3151,7 +3854,7 @@
                 </a:solidFill>
                 <a:latin typeface="맑은 고딕" panose="020B0503020000020004" pitchFamily="50" charset="-127"/>
               </a:rPr>
-              <a:t>7</a:t>
+              <a:t>8</a:t>
             </a:r>
             <a:endParaRPr lang="ko-KR" altLang="en-US" sz="3600" b="1" spc="-150" dirty="0">
               <a:solidFill>
@@ -3628,7 +4331,7 @@
         </p:nvSpPr>
         <p:spPr>
           <a:xfrm>
-            <a:off x="251520" y="0"/>
+            <a:off x="231200" y="51470"/>
             <a:ext cx="452368" cy="646331"/>
           </a:xfrm>
           <a:prstGeom prst="rect">
@@ -3650,7 +4353,7 @@
                 </a:solidFill>
                 <a:latin typeface="맑은 고딕" panose="020B0503020000020004" pitchFamily="50" charset="-127"/>
               </a:rPr>
-              <a:t>8</a:t>
+              <a:t>9</a:t>
             </a:r>
             <a:endParaRPr lang="ko-KR" altLang="en-US" sz="3600" b="1" spc="-150" dirty="0">
               <a:solidFill>
@@ -4014,8 +4717,8 @@
         </p:nvSpPr>
         <p:spPr>
           <a:xfrm>
-            <a:off x="216435" y="76071"/>
-            <a:ext cx="452368" cy="646331"/>
+            <a:off x="132278" y="76071"/>
+            <a:ext cx="620683" cy="584775"/>
           </a:xfrm>
           <a:prstGeom prst="rect">
             <a:avLst/>
@@ -4030,15 +4733,16 @@
           <a:p>
             <a:pPr algn="ctr"/>
             <a:r>
-              <a:rPr lang="en-US" altLang="ko-KR" sz="3600" b="1" dirty="0">
+              <a:rPr lang="en-US" altLang="ko-KR" sz="3200" b="1" spc="-150" dirty="0">
                 <a:solidFill>
                   <a:schemeClr val="bg1"/>
                 </a:solidFill>
                 <a:latin typeface="맑은 고딕" panose="020B0503020000020004" pitchFamily="50" charset="-127"/>
+                <a:ea typeface="나눔바른고딕" panose="020B0603020101020101" pitchFamily="50" charset="-127"/>
               </a:rPr>
-              <a:t>9</a:t>
-            </a:r>
-            <a:endParaRPr lang="ko-KR" altLang="en-US" sz="3600" b="1" spc="-150" dirty="0">
+              <a:t>10</a:t>
+            </a:r>
+            <a:endParaRPr lang="ko-KR" altLang="en-US" sz="3200" b="1" spc="-150" dirty="0">
               <a:solidFill>
                 <a:schemeClr val="bg1"/>
               </a:solidFill>
@@ -4120,15 +4824,7 @@
             </a:r>
             <a:r>
               <a:rPr lang="ko-KR" altLang="en-US" dirty="0"/>
-              <a:t>짧고 </a:t>
-            </a:r>
-            <a:r>
-              <a:rPr lang="ko-KR" altLang="en-US" dirty="0" err="1"/>
-              <a:t>부담없는</a:t>
-            </a:r>
-            <a:r>
-              <a:rPr lang="ko-KR" altLang="en-US" dirty="0"/>
-              <a:t> 한판</a:t>
+              <a:t>팀전형식의 깃발 넣기가 아닌 서바이벌 형식의 개인전</a:t>
             </a:r>
             <a:endParaRPr lang="en-US" altLang="ko-KR" dirty="0"/>
           </a:p>
@@ -4140,7 +4836,7 @@
             </a:r>
             <a:r>
               <a:rPr lang="ko-KR" altLang="en-US" dirty="0"/>
-              <a:t>팀전형식의 깃발 넣기가 아닌 서바이벌 형식의 개인전</a:t>
+              <a:t>짧고 부담 없는 한판</a:t>
             </a:r>
             <a:endParaRPr lang="en-US" altLang="ko-KR" dirty="0"/>
           </a:p>
@@ -4164,7 +4860,7 @@
         <p:spPr>
           <a:xfrm>
             <a:off x="3059832" y="3030513"/>
-            <a:ext cx="5578763" cy="1508105"/>
+            <a:ext cx="5578763" cy="1077218"/>
           </a:xfrm>
           <a:prstGeom prst="rect">
             <a:avLst/>
@@ -4181,14 +4877,13 @@
               <a:rPr lang="ko-KR" altLang="en-US" sz="2800" b="1" dirty="0"/>
               <a:t>경쟁력</a:t>
             </a:r>
-            <a:endParaRPr lang="en-US" altLang="ko-KR" sz="2800" b="1" dirty="0"/>
-          </a:p>
-          <a:p>
-            <a:pPr lvl="1"/>
-            <a:r>
-              <a:rPr lang="en-US" altLang="ko-KR" dirty="0"/>
-              <a:t>- </a:t>
-            </a:r>
+            <a:endParaRPr lang="en-US" altLang="ko-KR" dirty="0"/>
+          </a:p>
+          <a:p>
+            <a:pPr marL="742950" lvl="1" indent="-285750">
+              <a:buFontTx/>
+              <a:buChar char="-"/>
+            </a:pPr>
             <a:r>
               <a:rPr lang="ko-KR" altLang="en-US" dirty="0" err="1"/>
               <a:t>플레이어간의</a:t>
@@ -4200,19 +4895,31 @@
             <a:endParaRPr lang="en-US" altLang="ko-KR" dirty="0"/>
           </a:p>
           <a:p>
-            <a:pPr lvl="1"/>
-            <a:r>
-              <a:rPr lang="en-US" altLang="ko-KR" dirty="0"/>
-              <a:t>- </a:t>
-            </a:r>
+            <a:pPr marL="1200150" lvl="2" indent="-285750">
+              <a:buFontTx/>
+              <a:buChar char="-"/>
+            </a:pPr>
             <a:r>
               <a:rPr lang="ko-KR" altLang="en-US" dirty="0"/>
-              <a:t>컨셉에 어울리는 아기자기한 그래픽</a:t>
-            </a:r>
-            <a:endParaRPr lang="en-US" altLang="ko-KR" sz="2800" b="1" dirty="0"/>
-          </a:p>
-          <a:p>
-            <a:endParaRPr lang="en-US" altLang="ko-KR" sz="2800" b="1" dirty="0"/>
+              <a:t>깃발을 </a:t>
+            </a:r>
+            <a:r>
+              <a:rPr lang="ko-KR" altLang="en-US" dirty="0" err="1"/>
+              <a:t>획득하자마자</a:t>
+            </a:r>
+            <a:r>
+              <a:rPr lang="ko-KR" altLang="en-US" dirty="0"/>
+              <a:t> </a:t>
+            </a:r>
+            <a:r>
+              <a:rPr lang="ko-KR" altLang="en-US" dirty="0" err="1"/>
+              <a:t>뺏길수도</a:t>
+            </a:r>
+            <a:r>
+              <a:rPr lang="ko-KR" altLang="en-US" dirty="0"/>
+              <a:t> 있음</a:t>
+            </a:r>
+            <a:endParaRPr lang="en-US" altLang="ko-KR" dirty="0"/>
           </a:p>
         </p:txBody>
       </p:sp>
@@ -4296,8 +5003,8 @@
         </p:nvSpPr>
         <p:spPr>
           <a:xfrm>
-            <a:off x="113042" y="76071"/>
-            <a:ext cx="659155" cy="584775"/>
+            <a:off x="113041" y="76071"/>
+            <a:ext cx="659156" cy="584775"/>
           </a:xfrm>
           <a:prstGeom prst="rect">
             <a:avLst/>
@@ -4318,7 +5025,7 @@
                 </a:solidFill>
                 <a:latin typeface="맑은 고딕" panose="020B0503020000020004" pitchFamily="50" charset="-127"/>
               </a:rPr>
-              <a:t>10</a:t>
+              <a:t>11</a:t>
             </a:r>
             <a:endParaRPr lang="ko-KR" altLang="en-US" sz="3200" b="1" spc="-150" dirty="0">
               <a:solidFill>
@@ -4375,7 +5082,7 @@
           <p:nvPr>
             <p:extLst>
               <p:ext uri="{D42A27DB-BD31-4B8C-83A1-F6EECF244321}">
-                <p14:modId xmlns:p14="http://schemas.microsoft.com/office/powerpoint/2010/main" val="147978451"/>
+                <p14:modId xmlns:p14="http://schemas.microsoft.com/office/powerpoint/2010/main" val="1555609695"/>
               </p:ext>
             </p:extLst>
           </p:nvPr>
@@ -5346,9 +6053,7 @@
                     </a:p>
                   </a:txBody>
                   <a:tcPr>
-                    <a:solidFill>
-                      <a:srgbClr val="FFC000"/>
-                    </a:solidFill>
+                    <a:noFill/>
                   </a:tcPr>
                 </a:tc>
                 <a:tc>
@@ -5750,9 +6455,7 @@
                     </a:p>
                   </a:txBody>
                   <a:tcPr>
-                    <a:solidFill>
-                      <a:srgbClr val="FFC000"/>
-                    </a:solidFill>
+                    <a:noFill/>
                   </a:tcPr>
                 </a:tc>
                 <a:tc>
@@ -5981,18 +6684,11 @@
                       <a:endParaRPr lang="ko-KR" altLang="en-US" sz="1400" dirty="0"/>
                     </a:p>
                   </a:txBody>
-                  <a:tcPr/>
-                </a:tc>
-                <a:tc>
-                  <a:txBody>
-                    <a:bodyPr/>
-                    <a:lstStyle/>
-                    <a:p>
-                      <a:pPr algn="ctr" latinLnBrk="1"/>
-                      <a:endParaRPr lang="ko-KR" altLang="en-US" sz="1400" dirty="0"/>
-                    </a:p>
-                  </a:txBody>
-                  <a:tcPr/>
+                  <a:tcPr>
+                    <a:solidFill>
+                      <a:srgbClr val="FFC000"/>
+                    </a:solidFill>
+                  </a:tcPr>
                 </a:tc>
                 <a:tc>
                   <a:txBody>
@@ -6034,9 +6730,20 @@
                     </a:p>
                   </a:txBody>
                   <a:tcPr>
-                    <a:solidFill>
-                      <a:srgbClr val="FFC000"/>
-                    </a:solidFill>
+                    <a:noFill/>
+                  </a:tcPr>
+                </a:tc>
+                <a:tc>
+                  <a:txBody>
+                    <a:bodyPr/>
+                    <a:lstStyle/>
+                    <a:p>
+                      <a:pPr algn="ctr" latinLnBrk="1"/>
+                      <a:endParaRPr lang="ko-KR" altLang="en-US" sz="1400" dirty="0"/>
+                    </a:p>
+                  </a:txBody>
+                  <a:tcPr>
+                    <a:noFill/>
                   </a:tcPr>
                 </a:tc>
                 <a:extLst>
@@ -6279,8 +6986,8 @@
         </p:nvSpPr>
         <p:spPr>
           <a:xfrm>
-            <a:off x="115965" y="26081"/>
-            <a:ext cx="659155" cy="584775"/>
+            <a:off x="115964" y="26081"/>
+            <a:ext cx="659156" cy="584775"/>
           </a:xfrm>
           <a:prstGeom prst="rect">
             <a:avLst/>
@@ -6301,7 +7008,7 @@
                 </a:solidFill>
                 <a:latin typeface="맑은 고딕" panose="020B0503020000020004" pitchFamily="50" charset="-127"/>
               </a:rPr>
-              <a:t>11</a:t>
+              <a:t>12</a:t>
             </a:r>
             <a:endParaRPr lang="ko-KR" altLang="en-US" sz="3200" b="1" spc="-150" dirty="0">
               <a:solidFill>
@@ -6528,7 +7235,10 @@
           </a:p>
           <a:p>
             <a:pPr algn="ctr"/>
-            <a:endParaRPr lang="en-US" altLang="ko-KR" sz="2000" dirty="0"/>
+            <a:r>
+              <a:rPr lang="en-US" altLang="ko-KR" sz="2000" dirty="0"/>
+              <a:t>+</a:t>
+            </a:r>
           </a:p>
           <a:p>
             <a:pPr algn="ctr"/>
@@ -6737,7 +7447,7 @@
                 </a:solidFill>
                 <a:latin typeface="맑은 고딕" panose="020B0503020000020004" pitchFamily="50" charset="-127"/>
               </a:rPr>
-              <a:t>12</a:t>
+              <a:t>13</a:t>
             </a:r>
             <a:endParaRPr lang="ko-KR" altLang="en-US" sz="3200" b="1" spc="-150" dirty="0">
               <a:solidFill>
@@ -7201,7 +7911,7 @@
                 </a:solidFill>
                 <a:latin typeface="맑은 고딕" panose="020B0503020000020004" pitchFamily="50" charset="-127"/>
               </a:rPr>
-              <a:t>13</a:t>
+              <a:t>14</a:t>
             </a:r>
             <a:endParaRPr lang="ko-KR" altLang="en-US" sz="2800" b="1" spc="-150" dirty="0">
               <a:solidFill>
@@ -7467,7 +8177,7 @@
             </a:r>
             <a:r>
               <a:rPr lang="en-US" altLang="ko-KR" dirty="0"/>
-              <a:t>3</a:t>
+              <a:t>4</a:t>
             </a:r>
             <a:r>
               <a:rPr lang="ko-KR" altLang="en-US" dirty="0"/>
@@ -7898,12 +8608,250 @@
           </a:prstGeom>
         </p:spPr>
       </p:pic>
+      <p:sp>
+        <p:nvSpPr>
+          <p:cNvPr id="9" name="직사각형 8">
+            <a:extLst>
+              <a:ext uri="{FF2B5EF4-FFF2-40B4-BE49-F238E27FC236}">
+                <a16:creationId xmlns:a16="http://schemas.microsoft.com/office/drawing/2014/main" id="{94AB24AF-1CCC-431F-A635-3CC553AD31A2}"/>
+              </a:ext>
+            </a:extLst>
+          </p:cNvPr>
+          <p:cNvSpPr/>
+          <p:nvPr/>
+        </p:nvSpPr>
+        <p:spPr>
+          <a:xfrm>
+            <a:off x="2159732" y="1471579"/>
+            <a:ext cx="2196244" cy="1200329"/>
+          </a:xfrm>
+          <a:prstGeom prst="rect">
+            <a:avLst/>
+          </a:prstGeom>
+        </p:spPr>
+        <p:txBody>
+          <a:bodyPr wrap="square">
+            <a:spAutoFit/>
+          </a:bodyPr>
+          <a:lstStyle/>
+          <a:p>
+            <a:r>
+              <a:rPr lang="ko-KR" altLang="en-US" dirty="0"/>
+              <a:t>화단</a:t>
+            </a:r>
+            <a:endParaRPr lang="en-US" altLang="ko-KR" dirty="0"/>
+          </a:p>
+          <a:p>
+            <a:r>
+              <a:rPr lang="ko-KR" altLang="en-US" dirty="0"/>
+              <a:t>가로 </a:t>
+            </a:r>
+            <a:r>
+              <a:rPr lang="en-US" altLang="ko-KR" dirty="0"/>
+              <a:t>2m</a:t>
+            </a:r>
+          </a:p>
+          <a:p>
+            <a:r>
+              <a:rPr lang="ko-KR" altLang="en-US" dirty="0"/>
+              <a:t>세로 </a:t>
+            </a:r>
+            <a:r>
+              <a:rPr lang="en-US" altLang="ko-KR" dirty="0"/>
+              <a:t>2m</a:t>
+            </a:r>
+          </a:p>
+          <a:p>
+            <a:r>
+              <a:rPr lang="ko-KR" altLang="en-US" dirty="0"/>
+              <a:t>이동경로 방해</a:t>
+            </a:r>
+            <a:endParaRPr lang="en-US" altLang="ko-KR" dirty="0"/>
+          </a:p>
+        </p:txBody>
+      </p:sp>
+      <p:sp>
+        <p:nvSpPr>
+          <p:cNvPr id="10" name="직사각형 9">
+            <a:extLst>
+              <a:ext uri="{FF2B5EF4-FFF2-40B4-BE49-F238E27FC236}">
+                <a16:creationId xmlns:a16="http://schemas.microsoft.com/office/drawing/2014/main" id="{7DC9A0A3-D6CF-4DA2-BFAB-49C78D408BEA}"/>
+              </a:ext>
+            </a:extLst>
+          </p:cNvPr>
+          <p:cNvSpPr/>
+          <p:nvPr/>
+        </p:nvSpPr>
+        <p:spPr>
+          <a:xfrm>
+            <a:off x="1835696" y="2980640"/>
+            <a:ext cx="2196244" cy="1200329"/>
+          </a:xfrm>
+          <a:prstGeom prst="rect">
+            <a:avLst/>
+          </a:prstGeom>
+        </p:spPr>
+        <p:txBody>
+          <a:bodyPr wrap="square">
+            <a:spAutoFit/>
+          </a:bodyPr>
+          <a:lstStyle/>
+          <a:p>
+            <a:r>
+              <a:rPr lang="ko-KR" altLang="en-US" dirty="0"/>
+              <a:t>아동용 흔들의자</a:t>
+            </a:r>
+            <a:endParaRPr lang="en-US" altLang="ko-KR" dirty="0"/>
+          </a:p>
+          <a:p>
+            <a:r>
+              <a:rPr lang="ko-KR" altLang="en-US" dirty="0"/>
+              <a:t>가로 </a:t>
+            </a:r>
+            <a:r>
+              <a:rPr lang="en-US" altLang="ko-KR" dirty="0"/>
+              <a:t>0.5m</a:t>
+            </a:r>
+          </a:p>
+          <a:p>
+            <a:r>
+              <a:rPr lang="ko-KR" altLang="en-US" dirty="0"/>
+              <a:t>세로 </a:t>
+            </a:r>
+            <a:r>
+              <a:rPr lang="en-US" altLang="ko-KR" dirty="0"/>
+              <a:t>1m</a:t>
+            </a:r>
+          </a:p>
+          <a:p>
+            <a:r>
+              <a:rPr lang="ko-KR" altLang="en-US" dirty="0"/>
+              <a:t>이동경로 방해</a:t>
+            </a:r>
+            <a:endParaRPr lang="en-US" altLang="ko-KR" dirty="0"/>
+          </a:p>
+        </p:txBody>
+      </p:sp>
+      <p:sp>
+        <p:nvSpPr>
+          <p:cNvPr id="11" name="직사각형 10">
+            <a:extLst>
+              <a:ext uri="{FF2B5EF4-FFF2-40B4-BE49-F238E27FC236}">
+                <a16:creationId xmlns:a16="http://schemas.microsoft.com/office/drawing/2014/main" id="{1EBC630F-F703-4BDA-82A4-A97146B347FC}"/>
+              </a:ext>
+            </a:extLst>
+          </p:cNvPr>
+          <p:cNvSpPr/>
+          <p:nvPr/>
+        </p:nvSpPr>
+        <p:spPr>
+          <a:xfrm>
+            <a:off x="6063787" y="1356907"/>
+            <a:ext cx="2196244" cy="1200329"/>
+          </a:xfrm>
+          <a:prstGeom prst="rect">
+            <a:avLst/>
+          </a:prstGeom>
+        </p:spPr>
+        <p:txBody>
+          <a:bodyPr wrap="square">
+            <a:spAutoFit/>
+          </a:bodyPr>
+          <a:lstStyle/>
+          <a:p>
+            <a:r>
+              <a:rPr lang="ko-KR" altLang="en-US" dirty="0"/>
+              <a:t>공원 벤치</a:t>
+            </a:r>
+            <a:endParaRPr lang="en-US" altLang="ko-KR" dirty="0"/>
+          </a:p>
+          <a:p>
+            <a:r>
+              <a:rPr lang="ko-KR" altLang="en-US" dirty="0"/>
+              <a:t>가로 </a:t>
+            </a:r>
+            <a:r>
+              <a:rPr lang="en-US" altLang="ko-KR" dirty="0"/>
+              <a:t>1m</a:t>
+            </a:r>
+          </a:p>
+          <a:p>
+            <a:r>
+              <a:rPr lang="ko-KR" altLang="en-US" dirty="0"/>
+              <a:t>세로 </a:t>
+            </a:r>
+            <a:r>
+              <a:rPr lang="en-US" altLang="ko-KR" dirty="0"/>
+              <a:t>3m</a:t>
+            </a:r>
+          </a:p>
+          <a:p>
+            <a:r>
+              <a:rPr lang="ko-KR" altLang="en-US" dirty="0"/>
+              <a:t>이동경로 방해</a:t>
+            </a:r>
+            <a:endParaRPr lang="en-US" altLang="ko-KR" dirty="0"/>
+          </a:p>
+        </p:txBody>
+      </p:sp>
+      <p:sp>
+        <p:nvSpPr>
+          <p:cNvPr id="12" name="직사각형 11">
+            <a:extLst>
+              <a:ext uri="{FF2B5EF4-FFF2-40B4-BE49-F238E27FC236}">
+                <a16:creationId xmlns:a16="http://schemas.microsoft.com/office/drawing/2014/main" id="{C928E5E2-91D9-49FE-985E-8F0DD8DD7CAE}"/>
+              </a:ext>
+            </a:extLst>
+          </p:cNvPr>
+          <p:cNvSpPr/>
+          <p:nvPr/>
+        </p:nvSpPr>
+        <p:spPr>
+          <a:xfrm>
+            <a:off x="6588224" y="3047135"/>
+            <a:ext cx="2196244" cy="923330"/>
+          </a:xfrm>
+          <a:prstGeom prst="rect">
+            <a:avLst/>
+          </a:prstGeom>
+        </p:spPr>
+        <p:txBody>
+          <a:bodyPr wrap="square">
+            <a:spAutoFit/>
+          </a:bodyPr>
+          <a:lstStyle/>
+          <a:p>
+            <a:r>
+              <a:rPr lang="ko-KR" altLang="en-US" dirty="0"/>
+              <a:t>모래사장</a:t>
+            </a:r>
+            <a:endParaRPr lang="en-US" altLang="ko-KR" dirty="0"/>
+          </a:p>
+          <a:p>
+            <a:r>
+              <a:rPr lang="ko-KR" altLang="en-US" dirty="0"/>
+              <a:t>지름 </a:t>
+            </a:r>
+            <a:r>
+              <a:rPr lang="en-US" altLang="ko-KR" dirty="0"/>
+              <a:t>6m</a:t>
+            </a:r>
+          </a:p>
+          <a:p>
+            <a:r>
+              <a:rPr lang="ko-KR" altLang="en-US" dirty="0"/>
+              <a:t>이동속도 저하</a:t>
+            </a:r>
+            <a:endParaRPr lang="en-US" altLang="ko-KR" dirty="0"/>
+          </a:p>
+        </p:txBody>
+      </p:sp>
       <p:pic>
         <p:nvPicPr>
-          <p:cNvPr id="7" name="그림 6" descr="잔디, 실외, 앉아있는, 평야이(가) 표시된 사진&#10;&#10;자동 생성된 설명">
+          <p:cNvPr id="13" name="그림 12" descr="벤치이(가) 표시된 사진&#10;&#10;자동 생성된 설명">
             <a:extLst>
               <a:ext uri="{FF2B5EF4-FFF2-40B4-BE49-F238E27FC236}">
-                <a16:creationId xmlns:a16="http://schemas.microsoft.com/office/drawing/2014/main" id="{284ED9E1-8724-46DF-8953-9149B352E877}"/>
+                <a16:creationId xmlns:a16="http://schemas.microsoft.com/office/drawing/2014/main" id="{F25B2010-A46B-4D82-875A-0BA9F1E051B9}"/>
               </a:ext>
             </a:extLst>
           </p:cNvPr>
@@ -7912,43 +8860,8 @@
           </p:cNvPicPr>
           <p:nvPr/>
         </p:nvPicPr>
-        <p:blipFill rotWithShape="1">
+        <p:blipFill>
           <a:blip r:embed="rId4" cstate="print">
-            <a:extLst>
-              <a:ext uri="{28A0092B-C50C-407E-A947-70E740481C1C}">
-                <a14:useLocalDpi xmlns:a14="http://schemas.microsoft.com/office/drawing/2010/main" val="0"/>
-              </a:ext>
-            </a:extLst>
-          </a:blip>
-          <a:srcRect l="12250" t="21138" r="16401" b="24800"/>
-          <a:stretch/>
-        </p:blipFill>
-        <p:spPr>
-          <a:xfrm>
-            <a:off x="4572000" y="3056695"/>
-            <a:ext cx="1852955" cy="1052981"/>
-          </a:xfrm>
-          <a:prstGeom prst="rect">
-            <a:avLst/>
-          </a:prstGeom>
-        </p:spPr>
-      </p:pic>
-      <p:pic>
-        <p:nvPicPr>
-          <p:cNvPr id="8" name="그림 7" descr="벤치, 공원, 앉아있는, 목재의이(가) 표시된 사진&#10;&#10;자동 생성된 설명">
-            <a:extLst>
-              <a:ext uri="{FF2B5EF4-FFF2-40B4-BE49-F238E27FC236}">
-                <a16:creationId xmlns:a16="http://schemas.microsoft.com/office/drawing/2014/main" id="{9205570A-3196-42D9-AE03-48745848FA49}"/>
-              </a:ext>
-            </a:extLst>
-          </p:cNvPr>
-          <p:cNvPicPr>
-            <a:picLocks noChangeAspect="1"/>
-          </p:cNvPicPr>
-          <p:nvPr/>
-        </p:nvPicPr>
-        <p:blipFill>
-          <a:blip r:embed="rId5" cstate="print">
             <a:extLst>
               <a:ext uri="{28A0092B-C50C-407E-A947-70E740481C1C}">
                 <a14:useLocalDpi xmlns:a14="http://schemas.microsoft.com/office/drawing/2010/main" val="0"/>
@@ -7961,252 +8874,50 @@
         </p:blipFill>
         <p:spPr>
           <a:xfrm>
-            <a:off x="4542946" y="1356907"/>
-            <a:ext cx="1351773" cy="1013830"/>
+            <a:off x="4236629" y="1001949"/>
+            <a:ext cx="1848202" cy="1848202"/>
           </a:xfrm>
           <a:prstGeom prst="rect">
             <a:avLst/>
           </a:prstGeom>
         </p:spPr>
       </p:pic>
-      <p:sp>
-        <p:nvSpPr>
-          <p:cNvPr id="9" name="직사각형 8">
+      <p:pic>
+        <p:nvPicPr>
+          <p:cNvPr id="14" name="그림 13" descr="테이블이(가) 표시된 사진&#10;&#10;자동 생성된 설명">
             <a:extLst>
               <a:ext uri="{FF2B5EF4-FFF2-40B4-BE49-F238E27FC236}">
-                <a16:creationId xmlns:a16="http://schemas.microsoft.com/office/drawing/2014/main" id="{94AB24AF-1CCC-431F-A635-3CC553AD31A2}"/>
+                <a16:creationId xmlns:a16="http://schemas.microsoft.com/office/drawing/2014/main" id="{F7E9E05A-BF2C-4ADC-A042-07DF5FBA36E5}"/>
               </a:ext>
             </a:extLst>
           </p:cNvPr>
-          <p:cNvSpPr/>
-          <p:nvPr/>
-        </p:nvSpPr>
-        <p:spPr>
-          <a:xfrm>
-            <a:off x="2159732" y="1471579"/>
-            <a:ext cx="2196244" cy="1200329"/>
+          <p:cNvPicPr>
+            <a:picLocks noChangeAspect="1"/>
+          </p:cNvPicPr>
+          <p:nvPr/>
+        </p:nvPicPr>
+        <p:blipFill>
+          <a:blip r:embed="rId5" cstate="print">
+            <a:extLst>
+              <a:ext uri="{28A0092B-C50C-407E-A947-70E740481C1C}">
+                <a14:useLocalDpi xmlns:a14="http://schemas.microsoft.com/office/drawing/2010/main" val="0"/>
+              </a:ext>
+            </a:extLst>
+          </a:blip>
+          <a:stretch>
+            <a:fillRect/>
+          </a:stretch>
+        </p:blipFill>
+        <p:spPr>
+          <a:xfrm>
+            <a:off x="4278550" y="2931074"/>
+            <a:ext cx="2103060" cy="1155452"/>
           </a:xfrm>
           <a:prstGeom prst="rect">
             <a:avLst/>
           </a:prstGeom>
         </p:spPr>
-        <p:txBody>
-          <a:bodyPr wrap="square">
-            <a:spAutoFit/>
-          </a:bodyPr>
-          <a:lstStyle/>
-          <a:p>
-            <a:r>
-              <a:rPr lang="ko-KR" altLang="en-US" dirty="0"/>
-              <a:t>화단</a:t>
-            </a:r>
-            <a:endParaRPr lang="en-US" altLang="ko-KR" dirty="0"/>
-          </a:p>
-          <a:p>
-            <a:r>
-              <a:rPr lang="ko-KR" altLang="en-US" dirty="0"/>
-              <a:t>가로 </a:t>
-            </a:r>
-            <a:r>
-              <a:rPr lang="en-US" altLang="ko-KR" dirty="0"/>
-              <a:t>2m</a:t>
-            </a:r>
-          </a:p>
-          <a:p>
-            <a:r>
-              <a:rPr lang="ko-KR" altLang="en-US" dirty="0"/>
-              <a:t>세로 </a:t>
-            </a:r>
-            <a:r>
-              <a:rPr lang="en-US" altLang="ko-KR" dirty="0"/>
-              <a:t>2m</a:t>
-            </a:r>
-          </a:p>
-          <a:p>
-            <a:r>
-              <a:rPr lang="ko-KR" altLang="en-US" dirty="0"/>
-              <a:t>이동경로 방해</a:t>
-            </a:r>
-            <a:endParaRPr lang="en-US" altLang="ko-KR" dirty="0"/>
-          </a:p>
-        </p:txBody>
-      </p:sp>
-      <p:sp>
-        <p:nvSpPr>
-          <p:cNvPr id="10" name="직사각형 9">
-            <a:extLst>
-              <a:ext uri="{FF2B5EF4-FFF2-40B4-BE49-F238E27FC236}">
-                <a16:creationId xmlns:a16="http://schemas.microsoft.com/office/drawing/2014/main" id="{7DC9A0A3-D6CF-4DA2-BFAB-49C78D408BEA}"/>
-              </a:ext>
-            </a:extLst>
-          </p:cNvPr>
-          <p:cNvSpPr/>
-          <p:nvPr/>
-        </p:nvSpPr>
-        <p:spPr>
-          <a:xfrm>
-            <a:off x="1835696" y="2980640"/>
-            <a:ext cx="2196244" cy="1200329"/>
-          </a:xfrm>
-          <a:prstGeom prst="rect">
-            <a:avLst/>
-          </a:prstGeom>
-        </p:spPr>
-        <p:txBody>
-          <a:bodyPr wrap="square">
-            <a:spAutoFit/>
-          </a:bodyPr>
-          <a:lstStyle/>
-          <a:p>
-            <a:r>
-              <a:rPr lang="ko-KR" altLang="en-US" dirty="0"/>
-              <a:t>아동용 흔들의자</a:t>
-            </a:r>
-            <a:endParaRPr lang="en-US" altLang="ko-KR" dirty="0"/>
-          </a:p>
-          <a:p>
-            <a:r>
-              <a:rPr lang="ko-KR" altLang="en-US" dirty="0"/>
-              <a:t>가로 </a:t>
-            </a:r>
-            <a:r>
-              <a:rPr lang="en-US" altLang="ko-KR" dirty="0"/>
-              <a:t>0.5m</a:t>
-            </a:r>
-          </a:p>
-          <a:p>
-            <a:r>
-              <a:rPr lang="ko-KR" altLang="en-US" dirty="0"/>
-              <a:t>세로 </a:t>
-            </a:r>
-            <a:r>
-              <a:rPr lang="en-US" altLang="ko-KR" dirty="0"/>
-              <a:t>1m</a:t>
-            </a:r>
-          </a:p>
-          <a:p>
-            <a:r>
-              <a:rPr lang="ko-KR" altLang="en-US" dirty="0"/>
-              <a:t>이동경로 방해</a:t>
-            </a:r>
-            <a:endParaRPr lang="en-US" altLang="ko-KR" dirty="0"/>
-          </a:p>
-        </p:txBody>
-      </p:sp>
-      <p:sp>
-        <p:nvSpPr>
-          <p:cNvPr id="11" name="직사각형 10">
-            <a:extLst>
-              <a:ext uri="{FF2B5EF4-FFF2-40B4-BE49-F238E27FC236}">
-                <a16:creationId xmlns:a16="http://schemas.microsoft.com/office/drawing/2014/main" id="{1EBC630F-F703-4BDA-82A4-A97146B347FC}"/>
-              </a:ext>
-            </a:extLst>
-          </p:cNvPr>
-          <p:cNvSpPr/>
-          <p:nvPr/>
-        </p:nvSpPr>
-        <p:spPr>
-          <a:xfrm>
-            <a:off x="6063787" y="1356907"/>
-            <a:ext cx="2196244" cy="1200329"/>
-          </a:xfrm>
-          <a:prstGeom prst="rect">
-            <a:avLst/>
-          </a:prstGeom>
-        </p:spPr>
-        <p:txBody>
-          <a:bodyPr wrap="square">
-            <a:spAutoFit/>
-          </a:bodyPr>
-          <a:lstStyle/>
-          <a:p>
-            <a:r>
-              <a:rPr lang="ko-KR" altLang="en-US" dirty="0"/>
-              <a:t>공원 벤치</a:t>
-            </a:r>
-            <a:endParaRPr lang="en-US" altLang="ko-KR" dirty="0"/>
-          </a:p>
-          <a:p>
-            <a:r>
-              <a:rPr lang="ko-KR" altLang="en-US" dirty="0"/>
-              <a:t>가로 </a:t>
-            </a:r>
-            <a:r>
-              <a:rPr lang="en-US" altLang="ko-KR" dirty="0"/>
-              <a:t>1m</a:t>
-            </a:r>
-          </a:p>
-          <a:p>
-            <a:r>
-              <a:rPr lang="ko-KR" altLang="en-US" dirty="0"/>
-              <a:t>세로 </a:t>
-            </a:r>
-            <a:r>
-              <a:rPr lang="en-US" altLang="ko-KR" dirty="0"/>
-              <a:t>3m</a:t>
-            </a:r>
-          </a:p>
-          <a:p>
-            <a:r>
-              <a:rPr lang="ko-KR" altLang="en-US" dirty="0"/>
-              <a:t>이동경로 방해</a:t>
-            </a:r>
-            <a:endParaRPr lang="en-US" altLang="ko-KR" dirty="0"/>
-          </a:p>
-        </p:txBody>
-      </p:sp>
-      <p:sp>
-        <p:nvSpPr>
-          <p:cNvPr id="12" name="직사각형 11">
-            <a:extLst>
-              <a:ext uri="{FF2B5EF4-FFF2-40B4-BE49-F238E27FC236}">
-                <a16:creationId xmlns:a16="http://schemas.microsoft.com/office/drawing/2014/main" id="{C928E5E2-91D9-49FE-985E-8F0DD8DD7CAE}"/>
-              </a:ext>
-            </a:extLst>
-          </p:cNvPr>
-          <p:cNvSpPr/>
-          <p:nvPr/>
-        </p:nvSpPr>
-        <p:spPr>
-          <a:xfrm>
-            <a:off x="6588224" y="3047135"/>
-            <a:ext cx="2196244" cy="923330"/>
-          </a:xfrm>
-          <a:prstGeom prst="rect">
-            <a:avLst/>
-          </a:prstGeom>
-        </p:spPr>
-        <p:txBody>
-          <a:bodyPr wrap="square">
-            <a:spAutoFit/>
-          </a:bodyPr>
-          <a:lstStyle/>
-          <a:p>
-            <a:r>
-              <a:rPr lang="ko-KR" altLang="en-US" dirty="0"/>
-              <a:t>모래사장</a:t>
-            </a:r>
-            <a:endParaRPr lang="en-US" altLang="ko-KR" dirty="0"/>
-          </a:p>
-          <a:p>
-            <a:r>
-              <a:rPr lang="ko-KR" altLang="en-US" dirty="0"/>
-              <a:t>지름 </a:t>
-            </a:r>
-            <a:r>
-              <a:rPr lang="en-US" altLang="ko-KR" dirty="0"/>
-              <a:t>6m</a:t>
-            </a:r>
-          </a:p>
-          <a:p>
-            <a:r>
-              <a:rPr lang="ko-KR" altLang="en-US" dirty="0"/>
-              <a:t>이동속도 저하</a:t>
-            </a:r>
-            <a:endParaRPr lang="en-US" altLang="ko-KR" dirty="0"/>
-          </a:p>
-        </p:txBody>
-      </p:sp>
+      </p:pic>
     </p:spTree>
     <p:extLst>
       <p:ext uri="{BB962C8B-B14F-4D97-AF65-F5344CB8AC3E}">
@@ -8348,8 +9059,8 @@
         </p:nvSpPr>
         <p:spPr>
           <a:xfrm>
-            <a:off x="3322555" y="1689608"/>
-            <a:ext cx="2672526" cy="400110"/>
+            <a:off x="3966706" y="1689608"/>
+            <a:ext cx="1210588" cy="400110"/>
           </a:xfrm>
           <a:prstGeom prst="rect">
             <a:avLst/>
@@ -8372,16 +9083,6 @@
                 <a:ea typeface="맑은 고딕" panose="020B0503020000020004" pitchFamily="50" charset="-127"/>
               </a:rPr>
               <a:t>게임컨셉</a:t>
-            </a:r>
-            <a:r>
-              <a:rPr lang="ko-KR" altLang="en-US" sz="2000" dirty="0">
-                <a:solidFill>
-                  <a:srgbClr val="F45452"/>
-                </a:solidFill>
-                <a:latin typeface="맑은 고딕" panose="020B0503020000020004" pitchFamily="50" charset="-127"/>
-                <a:ea typeface="맑은 고딕" panose="020B0503020000020004" pitchFamily="50" charset="-127"/>
-              </a:rPr>
-              <a:t> 및 개발환경</a:t>
             </a:r>
             <a:endParaRPr lang="ko-KR" altLang="en-US" sz="2000" dirty="0">
               <a:solidFill>
@@ -9271,7 +9972,7 @@
         </p:nvSpPr>
         <p:spPr>
           <a:xfrm>
-            <a:off x="4875081" y="1829217"/>
+            <a:off x="4748076" y="1968894"/>
             <a:ext cx="3762569" cy="1631216"/>
           </a:xfrm>
           <a:prstGeom prst="rect">
@@ -9561,628 +10262,6 @@
           </a:p>
         </p:txBody>
       </p:sp>
-      <p:sp>
-        <p:nvSpPr>
-          <p:cNvPr id="2" name="직사각형 1">
-            <a:extLst>
-              <a:ext uri="{FF2B5EF4-FFF2-40B4-BE49-F238E27FC236}">
-                <a16:creationId xmlns:a16="http://schemas.microsoft.com/office/drawing/2014/main" id="{1304A6D3-6862-41CF-9516-1C35C21450D6}"/>
-              </a:ext>
-            </a:extLst>
-          </p:cNvPr>
-          <p:cNvSpPr/>
-          <p:nvPr/>
-        </p:nvSpPr>
-        <p:spPr>
-          <a:xfrm>
-            <a:off x="1776929" y="1995686"/>
-            <a:ext cx="1058527" cy="144016"/>
-          </a:xfrm>
-          <a:prstGeom prst="rect">
-            <a:avLst/>
-          </a:prstGeom>
-          <a:solidFill>
-            <a:schemeClr val="bg1"/>
-          </a:solidFill>
-          <a:ln>
-            <a:solidFill>
-              <a:schemeClr val="tx1"/>
-            </a:solidFill>
-          </a:ln>
-        </p:spPr>
-        <p:style>
-          <a:lnRef idx="2">
-            <a:schemeClr val="accent1">
-              <a:shade val="50000"/>
-            </a:schemeClr>
-          </a:lnRef>
-          <a:fillRef idx="1">
-            <a:schemeClr val="accent1"/>
-          </a:fillRef>
-          <a:effectRef idx="0">
-            <a:schemeClr val="accent1"/>
-          </a:effectRef>
-          <a:fontRef idx="minor">
-            <a:schemeClr val="lt1"/>
-          </a:fontRef>
-        </p:style>
-        <p:txBody>
-          <a:bodyPr rtlCol="0" anchor="ctr"/>
-          <a:lstStyle/>
-          <a:p>
-            <a:pPr algn="ctr"/>
-            <a:endParaRPr lang="ko-KR" altLang="en-US"/>
-          </a:p>
-        </p:txBody>
-      </p:sp>
-      <p:sp>
-        <p:nvSpPr>
-          <p:cNvPr id="10" name="직사각형 9">
-            <a:extLst>
-              <a:ext uri="{FF2B5EF4-FFF2-40B4-BE49-F238E27FC236}">
-                <a16:creationId xmlns:a16="http://schemas.microsoft.com/office/drawing/2014/main" id="{9DA99371-C502-4F9A-8316-25623363F438}"/>
-              </a:ext>
-            </a:extLst>
-          </p:cNvPr>
-          <p:cNvSpPr/>
-          <p:nvPr/>
-        </p:nvSpPr>
-        <p:spPr>
-          <a:xfrm>
-            <a:off x="1776929" y="1995686"/>
-            <a:ext cx="562823" cy="144016"/>
-          </a:xfrm>
-          <a:prstGeom prst="rect">
-            <a:avLst/>
-          </a:prstGeom>
-          <a:solidFill>
-            <a:srgbClr val="FFC000"/>
-          </a:solidFill>
-          <a:ln>
-            <a:solidFill>
-              <a:schemeClr val="tx1"/>
-            </a:solidFill>
-          </a:ln>
-        </p:spPr>
-        <p:style>
-          <a:lnRef idx="2">
-            <a:schemeClr val="accent1">
-              <a:shade val="50000"/>
-            </a:schemeClr>
-          </a:lnRef>
-          <a:fillRef idx="1">
-            <a:schemeClr val="accent1"/>
-          </a:fillRef>
-          <a:effectRef idx="0">
-            <a:schemeClr val="accent1"/>
-          </a:effectRef>
-          <a:fontRef idx="minor">
-            <a:schemeClr val="lt1"/>
-          </a:fontRef>
-        </p:style>
-        <p:txBody>
-          <a:bodyPr rtlCol="0" anchor="ctr"/>
-          <a:lstStyle/>
-          <a:p>
-            <a:pPr algn="ctr"/>
-            <a:endParaRPr lang="ko-KR" altLang="en-US"/>
-          </a:p>
-        </p:txBody>
-      </p:sp>
-      <p:sp>
-        <p:nvSpPr>
-          <p:cNvPr id="11" name="직사각형 10">
-            <a:extLst>
-              <a:ext uri="{FF2B5EF4-FFF2-40B4-BE49-F238E27FC236}">
-                <a16:creationId xmlns:a16="http://schemas.microsoft.com/office/drawing/2014/main" id="{DFF235CA-3753-44AF-83A3-CBB7A490BD40}"/>
-              </a:ext>
-            </a:extLst>
-          </p:cNvPr>
-          <p:cNvSpPr/>
-          <p:nvPr/>
-        </p:nvSpPr>
-        <p:spPr>
-          <a:xfrm>
-            <a:off x="851474" y="1549733"/>
-            <a:ext cx="3576510" cy="144016"/>
-          </a:xfrm>
-          <a:prstGeom prst="rect">
-            <a:avLst/>
-          </a:prstGeom>
-          <a:solidFill>
-            <a:schemeClr val="bg1"/>
-          </a:solidFill>
-          <a:ln>
-            <a:solidFill>
-              <a:schemeClr val="tx1"/>
-            </a:solidFill>
-          </a:ln>
-        </p:spPr>
-        <p:style>
-          <a:lnRef idx="2">
-            <a:schemeClr val="accent1">
-              <a:shade val="50000"/>
-            </a:schemeClr>
-          </a:lnRef>
-          <a:fillRef idx="1">
-            <a:schemeClr val="accent1"/>
-          </a:fillRef>
-          <a:effectRef idx="0">
-            <a:schemeClr val="accent1"/>
-          </a:effectRef>
-          <a:fontRef idx="minor">
-            <a:schemeClr val="lt1"/>
-          </a:fontRef>
-        </p:style>
-        <p:txBody>
-          <a:bodyPr rtlCol="0" anchor="ctr"/>
-          <a:lstStyle/>
-          <a:p>
-            <a:pPr algn="ctr"/>
-            <a:endParaRPr lang="ko-KR" altLang="en-US"/>
-          </a:p>
-        </p:txBody>
-      </p:sp>
-      <p:sp>
-        <p:nvSpPr>
-          <p:cNvPr id="12" name="직사각형 11">
-            <a:extLst>
-              <a:ext uri="{FF2B5EF4-FFF2-40B4-BE49-F238E27FC236}">
-                <a16:creationId xmlns:a16="http://schemas.microsoft.com/office/drawing/2014/main" id="{9953960C-B996-4CAD-B588-F9905645332F}"/>
-              </a:ext>
-            </a:extLst>
-          </p:cNvPr>
-          <p:cNvSpPr/>
-          <p:nvPr/>
-        </p:nvSpPr>
-        <p:spPr>
-          <a:xfrm>
-            <a:off x="827584" y="1549733"/>
-            <a:ext cx="2631538" cy="144016"/>
-          </a:xfrm>
-          <a:prstGeom prst="rect">
-            <a:avLst/>
-          </a:prstGeom>
-          <a:solidFill>
-            <a:schemeClr val="accent1"/>
-          </a:solidFill>
-          <a:ln>
-            <a:solidFill>
-              <a:schemeClr val="tx1"/>
-            </a:solidFill>
-          </a:ln>
-        </p:spPr>
-        <p:style>
-          <a:lnRef idx="2">
-            <a:schemeClr val="accent1">
-              <a:shade val="50000"/>
-            </a:schemeClr>
-          </a:lnRef>
-          <a:fillRef idx="1">
-            <a:schemeClr val="accent1"/>
-          </a:fillRef>
-          <a:effectRef idx="0">
-            <a:schemeClr val="accent1"/>
-          </a:effectRef>
-          <a:fontRef idx="minor">
-            <a:schemeClr val="lt1"/>
-          </a:fontRef>
-        </p:style>
-        <p:txBody>
-          <a:bodyPr rtlCol="0" anchor="ctr"/>
-          <a:lstStyle/>
-          <a:p>
-            <a:pPr algn="ctr"/>
-            <a:endParaRPr lang="ko-KR" altLang="en-US"/>
-          </a:p>
-        </p:txBody>
-      </p:sp>
-      <p:sp>
-        <p:nvSpPr>
-          <p:cNvPr id="3" name="타원 2">
-            <a:extLst>
-              <a:ext uri="{FF2B5EF4-FFF2-40B4-BE49-F238E27FC236}">
-                <a16:creationId xmlns:a16="http://schemas.microsoft.com/office/drawing/2014/main" id="{388697F1-42CD-43F6-B502-AB5659557061}"/>
-              </a:ext>
-            </a:extLst>
-          </p:cNvPr>
-          <p:cNvSpPr/>
-          <p:nvPr/>
-        </p:nvSpPr>
-        <p:spPr>
-          <a:xfrm>
-            <a:off x="1691680" y="1829217"/>
-            <a:ext cx="1280369" cy="598517"/>
-          </a:xfrm>
-          <a:prstGeom prst="ellipse">
-            <a:avLst/>
-          </a:prstGeom>
-          <a:noFill/>
-          <a:ln>
-            <a:solidFill>
-              <a:srgbClr val="FF0000"/>
-            </a:solidFill>
-          </a:ln>
-        </p:spPr>
-        <p:style>
-          <a:lnRef idx="2">
-            <a:schemeClr val="accent1">
-              <a:shade val="50000"/>
-            </a:schemeClr>
-          </a:lnRef>
-          <a:fillRef idx="1">
-            <a:schemeClr val="accent1"/>
-          </a:fillRef>
-          <a:effectRef idx="0">
-            <a:schemeClr val="accent1"/>
-          </a:effectRef>
-          <a:fontRef idx="minor">
-            <a:schemeClr val="lt1"/>
-          </a:fontRef>
-        </p:style>
-        <p:txBody>
-          <a:bodyPr rtlCol="0" anchor="ctr"/>
-          <a:lstStyle/>
-          <a:p>
-            <a:pPr algn="ctr"/>
-            <a:endParaRPr lang="ko-KR" altLang="en-US"/>
-          </a:p>
-        </p:txBody>
-      </p:sp>
-      <p:sp>
-        <p:nvSpPr>
-          <p:cNvPr id="13" name="타원 12">
-            <a:extLst>
-              <a:ext uri="{FF2B5EF4-FFF2-40B4-BE49-F238E27FC236}">
-                <a16:creationId xmlns:a16="http://schemas.microsoft.com/office/drawing/2014/main" id="{9138ABF9-2357-48C6-8D63-3537EBD285E2}"/>
-              </a:ext>
-            </a:extLst>
-          </p:cNvPr>
-          <p:cNvSpPr/>
-          <p:nvPr/>
-        </p:nvSpPr>
-        <p:spPr>
-          <a:xfrm>
-            <a:off x="2797043" y="1193163"/>
-            <a:ext cx="1032495" cy="792051"/>
-          </a:xfrm>
-          <a:prstGeom prst="ellipse">
-            <a:avLst/>
-          </a:prstGeom>
-          <a:noFill/>
-          <a:ln>
-            <a:solidFill>
-              <a:srgbClr val="FF0000"/>
-            </a:solidFill>
-          </a:ln>
-        </p:spPr>
-        <p:style>
-          <a:lnRef idx="2">
-            <a:schemeClr val="accent1">
-              <a:shade val="50000"/>
-            </a:schemeClr>
-          </a:lnRef>
-          <a:fillRef idx="1">
-            <a:schemeClr val="accent1"/>
-          </a:fillRef>
-          <a:effectRef idx="0">
-            <a:schemeClr val="accent1"/>
-          </a:effectRef>
-          <a:fontRef idx="minor">
-            <a:schemeClr val="lt1"/>
-          </a:fontRef>
-        </p:style>
-        <p:txBody>
-          <a:bodyPr rtlCol="0" anchor="ctr"/>
-          <a:lstStyle/>
-          <a:p>
-            <a:pPr algn="ctr"/>
-            <a:endParaRPr lang="ko-KR" altLang="en-US"/>
-          </a:p>
-        </p:txBody>
-      </p:sp>
-      <p:sp>
-        <p:nvSpPr>
-          <p:cNvPr id="14" name="타원 13">
-            <a:extLst>
-              <a:ext uri="{FF2B5EF4-FFF2-40B4-BE49-F238E27FC236}">
-                <a16:creationId xmlns:a16="http://schemas.microsoft.com/office/drawing/2014/main" id="{39CE2B65-C02D-41B1-A27C-B1BB9C485E4F}"/>
-              </a:ext>
-            </a:extLst>
-          </p:cNvPr>
-          <p:cNvSpPr/>
-          <p:nvPr/>
-        </p:nvSpPr>
-        <p:spPr>
-          <a:xfrm>
-            <a:off x="2195736" y="3554311"/>
-            <a:ext cx="1032495" cy="792051"/>
-          </a:xfrm>
-          <a:prstGeom prst="ellipse">
-            <a:avLst/>
-          </a:prstGeom>
-          <a:noFill/>
-          <a:ln>
-            <a:solidFill>
-              <a:srgbClr val="FF0000"/>
-            </a:solidFill>
-          </a:ln>
-        </p:spPr>
-        <p:style>
-          <a:lnRef idx="2">
-            <a:schemeClr val="accent1">
-              <a:shade val="50000"/>
-            </a:schemeClr>
-          </a:lnRef>
-          <a:fillRef idx="1">
-            <a:schemeClr val="accent1"/>
-          </a:fillRef>
-          <a:effectRef idx="0">
-            <a:schemeClr val="accent1"/>
-          </a:effectRef>
-          <a:fontRef idx="minor">
-            <a:schemeClr val="lt1"/>
-          </a:fontRef>
-        </p:style>
-        <p:txBody>
-          <a:bodyPr rtlCol="0" anchor="ctr"/>
-          <a:lstStyle/>
-          <a:p>
-            <a:pPr algn="ctr"/>
-            <a:endParaRPr lang="ko-KR" altLang="en-US"/>
-          </a:p>
-        </p:txBody>
-      </p:sp>
-      <p:cxnSp>
-        <p:nvCxnSpPr>
-          <p:cNvPr id="5" name="직선 화살표 연결선 4">
-            <a:extLst>
-              <a:ext uri="{FF2B5EF4-FFF2-40B4-BE49-F238E27FC236}">
-                <a16:creationId xmlns:a16="http://schemas.microsoft.com/office/drawing/2014/main" id="{0E8706E8-FC46-4171-976B-DE1A79F5CE4E}"/>
-              </a:ext>
-            </a:extLst>
-          </p:cNvPr>
-          <p:cNvCxnSpPr>
-            <a:stCxn id="13" idx="0"/>
-          </p:cNvCxnSpPr>
-          <p:nvPr/>
-        </p:nvCxnSpPr>
-        <p:spPr>
-          <a:xfrm flipV="1">
-            <a:off x="3313291" y="1172849"/>
-            <a:ext cx="2626861" cy="20314"/>
-          </a:xfrm>
-          <a:prstGeom prst="straightConnector1">
-            <a:avLst/>
-          </a:prstGeom>
-          <a:ln w="15875">
-            <a:solidFill>
-              <a:srgbClr val="FF0000"/>
-            </a:solidFill>
-            <a:tailEnd type="triangle"/>
-          </a:ln>
-        </p:spPr>
-        <p:style>
-          <a:lnRef idx="1">
-            <a:schemeClr val="accent2"/>
-          </a:lnRef>
-          <a:fillRef idx="0">
-            <a:schemeClr val="accent2"/>
-          </a:fillRef>
-          <a:effectRef idx="0">
-            <a:schemeClr val="accent2"/>
-          </a:effectRef>
-          <a:fontRef idx="minor">
-            <a:schemeClr val="tx1"/>
-          </a:fontRef>
-        </p:style>
-      </p:cxnSp>
-      <p:sp>
-        <p:nvSpPr>
-          <p:cNvPr id="6" name="TextBox 5">
-            <a:extLst>
-              <a:ext uri="{FF2B5EF4-FFF2-40B4-BE49-F238E27FC236}">
-                <a16:creationId xmlns:a16="http://schemas.microsoft.com/office/drawing/2014/main" id="{53443E94-2958-47A4-A201-B669B1E033FE}"/>
-              </a:ext>
-            </a:extLst>
-          </p:cNvPr>
-          <p:cNvSpPr txBox="1"/>
-          <p:nvPr/>
-        </p:nvSpPr>
-        <p:spPr>
-          <a:xfrm>
-            <a:off x="5901309" y="1057454"/>
-            <a:ext cx="1301822" cy="338554"/>
-          </a:xfrm>
-          <a:prstGeom prst="rect">
-            <a:avLst/>
-          </a:prstGeom>
-          <a:noFill/>
-        </p:spPr>
-        <p:txBody>
-          <a:bodyPr wrap="square" rtlCol="0">
-            <a:spAutoFit/>
-          </a:bodyPr>
-          <a:lstStyle/>
-          <a:p>
-            <a:r>
-              <a:rPr lang="ko-KR" altLang="en-US" sz="1600" dirty="0"/>
-              <a:t>제한시간</a:t>
-            </a:r>
-            <a:endParaRPr lang="ko-KR" altLang="en-US" dirty="0"/>
-          </a:p>
-        </p:txBody>
-      </p:sp>
-      <p:sp>
-        <p:nvSpPr>
-          <p:cNvPr id="17" name="TextBox 16">
-            <a:extLst>
-              <a:ext uri="{FF2B5EF4-FFF2-40B4-BE49-F238E27FC236}">
-                <a16:creationId xmlns:a16="http://schemas.microsoft.com/office/drawing/2014/main" id="{AA079ADC-1789-478C-BF18-A7EF85239911}"/>
-              </a:ext>
-            </a:extLst>
-          </p:cNvPr>
-          <p:cNvSpPr txBox="1"/>
-          <p:nvPr/>
-        </p:nvSpPr>
-        <p:spPr>
-          <a:xfrm>
-            <a:off x="5580112" y="4371950"/>
-            <a:ext cx="1301822" cy="369332"/>
-          </a:xfrm>
-          <a:prstGeom prst="rect">
-            <a:avLst/>
-          </a:prstGeom>
-          <a:noFill/>
-        </p:spPr>
-        <p:txBody>
-          <a:bodyPr wrap="square" rtlCol="0">
-            <a:spAutoFit/>
-          </a:bodyPr>
-          <a:lstStyle/>
-          <a:p>
-            <a:r>
-              <a:rPr lang="ko-KR" altLang="en-US" dirty="0"/>
-              <a:t>체력 </a:t>
-            </a:r>
-            <a:r>
-              <a:rPr lang="en-US" altLang="ko-KR" dirty="0"/>
-              <a:t>UI</a:t>
-            </a:r>
-            <a:endParaRPr lang="ko-KR" altLang="en-US" dirty="0"/>
-          </a:p>
-        </p:txBody>
-      </p:sp>
-      <p:cxnSp>
-        <p:nvCxnSpPr>
-          <p:cNvPr id="9" name="연결선: 꺾임 8">
-            <a:extLst>
-              <a:ext uri="{FF2B5EF4-FFF2-40B4-BE49-F238E27FC236}">
-                <a16:creationId xmlns:a16="http://schemas.microsoft.com/office/drawing/2014/main" id="{F275E8C7-6547-4B87-A171-5D210A1C7627}"/>
-              </a:ext>
-            </a:extLst>
-          </p:cNvPr>
-          <p:cNvCxnSpPr>
-            <a:stCxn id="3" idx="0"/>
-          </p:cNvCxnSpPr>
-          <p:nvPr/>
-        </p:nvCxnSpPr>
-        <p:spPr>
-          <a:xfrm rot="5400000" flipH="1" flipV="1">
-            <a:off x="4299399" y="-1035671"/>
-            <a:ext cx="897355" cy="4832423"/>
-          </a:xfrm>
-          <a:prstGeom prst="bentConnector2">
-            <a:avLst/>
-          </a:prstGeom>
-          <a:ln w="15875">
-            <a:solidFill>
-              <a:srgbClr val="FF0000"/>
-            </a:solidFill>
-            <a:tailEnd type="triangle"/>
-          </a:ln>
-        </p:spPr>
-        <p:style>
-          <a:lnRef idx="1">
-            <a:schemeClr val="accent2"/>
-          </a:lnRef>
-          <a:fillRef idx="0">
-            <a:schemeClr val="accent2"/>
-          </a:fillRef>
-          <a:effectRef idx="0">
-            <a:schemeClr val="accent2"/>
-          </a:effectRef>
-          <a:fontRef idx="minor">
-            <a:schemeClr val="tx1"/>
-          </a:fontRef>
-        </p:style>
-      </p:cxnSp>
-      <p:sp>
-        <p:nvSpPr>
-          <p:cNvPr id="21" name="TextBox 20">
-            <a:extLst>
-              <a:ext uri="{FF2B5EF4-FFF2-40B4-BE49-F238E27FC236}">
-                <a16:creationId xmlns:a16="http://schemas.microsoft.com/office/drawing/2014/main" id="{8B890877-0D8B-46B5-BCE3-6F7EE339A542}"/>
-              </a:ext>
-            </a:extLst>
-          </p:cNvPr>
-          <p:cNvSpPr txBox="1"/>
-          <p:nvPr/>
-        </p:nvSpPr>
-        <p:spPr>
-          <a:xfrm>
-            <a:off x="7133569" y="785118"/>
-            <a:ext cx="1301822" cy="523220"/>
-          </a:xfrm>
-          <a:prstGeom prst="rect">
-            <a:avLst/>
-          </a:prstGeom>
-          <a:noFill/>
-        </p:spPr>
-        <p:txBody>
-          <a:bodyPr wrap="square" rtlCol="0">
-            <a:spAutoFit/>
-          </a:bodyPr>
-          <a:lstStyle/>
-          <a:p>
-            <a:r>
-              <a:rPr lang="ko-KR" altLang="en-US" sz="1400"/>
-              <a:t>깃발 점령까지 </a:t>
-            </a:r>
-            <a:r>
-              <a:rPr lang="ko-KR" altLang="en-US" sz="1400" dirty="0" err="1"/>
-              <a:t>남은시간</a:t>
-            </a:r>
-            <a:endParaRPr lang="ko-KR" altLang="en-US" sz="1400" dirty="0"/>
-          </a:p>
-        </p:txBody>
-      </p:sp>
-      <p:cxnSp>
-        <p:nvCxnSpPr>
-          <p:cNvPr id="22" name="연결선: 꺾임 21">
-            <a:extLst>
-              <a:ext uri="{FF2B5EF4-FFF2-40B4-BE49-F238E27FC236}">
-                <a16:creationId xmlns:a16="http://schemas.microsoft.com/office/drawing/2014/main" id="{49B1C2B9-EECE-4314-82FC-DF879C17C066}"/>
-              </a:ext>
-            </a:extLst>
-          </p:cNvPr>
-          <p:cNvCxnSpPr>
-            <a:cxnSpLocks/>
-            <a:stCxn id="14" idx="4"/>
-            <a:endCxn id="17" idx="1"/>
-          </p:cNvCxnSpPr>
-          <p:nvPr/>
-        </p:nvCxnSpPr>
-        <p:spPr>
-          <a:xfrm rot="16200000" flipH="1">
-            <a:off x="4040921" y="3017425"/>
-            <a:ext cx="210254" cy="2868128"/>
-          </a:xfrm>
-          <a:prstGeom prst="bentConnector2">
-            <a:avLst/>
-          </a:prstGeom>
-          <a:ln w="15875">
-            <a:solidFill>
-              <a:srgbClr val="FF0000"/>
-            </a:solidFill>
-            <a:tailEnd type="triangle"/>
-          </a:ln>
-        </p:spPr>
-        <p:style>
-          <a:lnRef idx="1">
-            <a:schemeClr val="accent2"/>
-          </a:lnRef>
-          <a:fillRef idx="0">
-            <a:schemeClr val="accent2"/>
-          </a:fillRef>
-          <a:effectRef idx="0">
-            <a:schemeClr val="accent2"/>
-          </a:effectRef>
-          <a:fontRef idx="minor">
-            <a:schemeClr val="tx1"/>
-          </a:fontRef>
-        </p:style>
-      </p:cxnSp>
     </p:spTree>
     <p:extLst>
       <p:ext uri="{BB962C8B-B14F-4D97-AF65-F5344CB8AC3E}">
@@ -10338,7 +10417,7 @@
         </p:blipFill>
         <p:spPr>
           <a:xfrm>
-            <a:off x="971600" y="1059582"/>
+            <a:off x="1266258" y="1059582"/>
             <a:ext cx="6480720" cy="3503987"/>
           </a:xfrm>
           <a:prstGeom prst="rect">
@@ -10374,7 +10453,7 @@
         </p:blipFill>
         <p:spPr>
           <a:xfrm>
-            <a:off x="3701472" y="1851670"/>
+            <a:off x="3996130" y="1851670"/>
             <a:ext cx="1020976" cy="1347614"/>
           </a:xfrm>
           <a:prstGeom prst="rect">
@@ -10410,7 +10489,7 @@
         </p:blipFill>
         <p:spPr>
           <a:xfrm>
-            <a:off x="5652120" y="1707654"/>
+            <a:off x="5946778" y="1707654"/>
             <a:ext cx="936104" cy="1235589"/>
           </a:xfrm>
           <a:prstGeom prst="rect">
@@ -10445,7 +10524,7 @@
         </p:blipFill>
         <p:spPr>
           <a:xfrm>
-            <a:off x="5109966" y="3215955"/>
+            <a:off x="5404624" y="3215955"/>
             <a:ext cx="2020412" cy="1347614"/>
           </a:xfrm>
           <a:prstGeom prst="rect">
@@ -10453,6 +10532,993 @@
           </a:prstGeom>
         </p:spPr>
       </p:pic>
+      <p:sp>
+        <p:nvSpPr>
+          <p:cNvPr id="8" name="직사각형 7">
+            <a:extLst>
+              <a:ext uri="{FF2B5EF4-FFF2-40B4-BE49-F238E27FC236}">
+                <a16:creationId xmlns:a16="http://schemas.microsoft.com/office/drawing/2014/main" id="{6CD00472-A284-4E31-A46E-820B3870984B}"/>
+              </a:ext>
+            </a:extLst>
+          </p:cNvPr>
+          <p:cNvSpPr/>
+          <p:nvPr/>
+        </p:nvSpPr>
+        <p:spPr>
+          <a:xfrm>
+            <a:off x="2373118" y="1203598"/>
+            <a:ext cx="4152574" cy="144574"/>
+          </a:xfrm>
+          <a:prstGeom prst="rect">
+            <a:avLst/>
+          </a:prstGeom>
+          <a:solidFill>
+            <a:schemeClr val="bg1"/>
+          </a:solidFill>
+          <a:ln>
+            <a:solidFill>
+              <a:schemeClr val="tx1"/>
+            </a:solidFill>
+          </a:ln>
+        </p:spPr>
+        <p:style>
+          <a:lnRef idx="2">
+            <a:schemeClr val="accent1">
+              <a:shade val="50000"/>
+            </a:schemeClr>
+          </a:lnRef>
+          <a:fillRef idx="1">
+            <a:schemeClr val="accent1"/>
+          </a:fillRef>
+          <a:effectRef idx="0">
+            <a:schemeClr val="accent1"/>
+          </a:effectRef>
+          <a:fontRef idx="minor">
+            <a:schemeClr val="lt1"/>
+          </a:fontRef>
+        </p:style>
+        <p:txBody>
+          <a:bodyPr rtlCol="0" anchor="ctr"/>
+          <a:lstStyle/>
+          <a:p>
+            <a:pPr algn="ctr"/>
+            <a:endParaRPr lang="ko-KR" altLang="en-US"/>
+          </a:p>
+        </p:txBody>
+      </p:sp>
+      <p:sp>
+        <p:nvSpPr>
+          <p:cNvPr id="9" name="직사각형 8">
+            <a:extLst>
+              <a:ext uri="{FF2B5EF4-FFF2-40B4-BE49-F238E27FC236}">
+                <a16:creationId xmlns:a16="http://schemas.microsoft.com/office/drawing/2014/main" id="{4D294480-AD15-4C62-B79D-3A922BF58FF6}"/>
+              </a:ext>
+            </a:extLst>
+          </p:cNvPr>
+          <p:cNvSpPr/>
+          <p:nvPr/>
+        </p:nvSpPr>
+        <p:spPr>
+          <a:xfrm>
+            <a:off x="2349227" y="1203598"/>
+            <a:ext cx="3055397" cy="144574"/>
+          </a:xfrm>
+          <a:prstGeom prst="rect">
+            <a:avLst/>
+          </a:prstGeom>
+          <a:solidFill>
+            <a:schemeClr val="accent1"/>
+          </a:solidFill>
+          <a:ln>
+            <a:solidFill>
+              <a:schemeClr val="tx1"/>
+            </a:solidFill>
+          </a:ln>
+        </p:spPr>
+        <p:style>
+          <a:lnRef idx="2">
+            <a:schemeClr val="accent1">
+              <a:shade val="50000"/>
+            </a:schemeClr>
+          </a:lnRef>
+          <a:fillRef idx="1">
+            <a:schemeClr val="accent1"/>
+          </a:fillRef>
+          <a:effectRef idx="0">
+            <a:schemeClr val="accent1"/>
+          </a:effectRef>
+          <a:fontRef idx="minor">
+            <a:schemeClr val="lt1"/>
+          </a:fontRef>
+        </p:style>
+        <p:txBody>
+          <a:bodyPr rtlCol="0" anchor="ctr"/>
+          <a:lstStyle/>
+          <a:p>
+            <a:pPr algn="ctr"/>
+            <a:endParaRPr lang="ko-KR" altLang="en-US" dirty="0"/>
+          </a:p>
+        </p:txBody>
+      </p:sp>
+      <p:sp>
+        <p:nvSpPr>
+          <p:cNvPr id="10" name="직사각형 9">
+            <a:extLst>
+              <a:ext uri="{FF2B5EF4-FFF2-40B4-BE49-F238E27FC236}">
+                <a16:creationId xmlns:a16="http://schemas.microsoft.com/office/drawing/2014/main" id="{425F7DD3-3E0B-460F-A6DB-AB411307030B}"/>
+              </a:ext>
+            </a:extLst>
+          </p:cNvPr>
+          <p:cNvSpPr/>
+          <p:nvPr/>
+        </p:nvSpPr>
+        <p:spPr>
+          <a:xfrm>
+            <a:off x="3958579" y="1707654"/>
+            <a:ext cx="1058527" cy="144016"/>
+          </a:xfrm>
+          <a:prstGeom prst="rect">
+            <a:avLst/>
+          </a:prstGeom>
+          <a:solidFill>
+            <a:schemeClr val="bg1"/>
+          </a:solidFill>
+          <a:ln>
+            <a:solidFill>
+              <a:schemeClr val="tx1"/>
+            </a:solidFill>
+          </a:ln>
+        </p:spPr>
+        <p:style>
+          <a:lnRef idx="2">
+            <a:schemeClr val="accent1">
+              <a:shade val="50000"/>
+            </a:schemeClr>
+          </a:lnRef>
+          <a:fillRef idx="1">
+            <a:schemeClr val="accent1"/>
+          </a:fillRef>
+          <a:effectRef idx="0">
+            <a:schemeClr val="accent1"/>
+          </a:effectRef>
+          <a:fontRef idx="minor">
+            <a:schemeClr val="lt1"/>
+          </a:fontRef>
+        </p:style>
+        <p:txBody>
+          <a:bodyPr rtlCol="0" anchor="ctr"/>
+          <a:lstStyle/>
+          <a:p>
+            <a:pPr algn="ctr"/>
+            <a:endParaRPr lang="ko-KR" altLang="en-US"/>
+          </a:p>
+        </p:txBody>
+      </p:sp>
+      <p:sp>
+        <p:nvSpPr>
+          <p:cNvPr id="11" name="직사각형 10">
+            <a:extLst>
+              <a:ext uri="{FF2B5EF4-FFF2-40B4-BE49-F238E27FC236}">
+                <a16:creationId xmlns:a16="http://schemas.microsoft.com/office/drawing/2014/main" id="{85D42B80-1FF7-4D08-A5EE-D34CE426BF8A}"/>
+              </a:ext>
+            </a:extLst>
+          </p:cNvPr>
+          <p:cNvSpPr/>
+          <p:nvPr/>
+        </p:nvSpPr>
+        <p:spPr>
+          <a:xfrm>
+            <a:off x="3958579" y="1707096"/>
+            <a:ext cx="764063" cy="144574"/>
+          </a:xfrm>
+          <a:prstGeom prst="rect">
+            <a:avLst/>
+          </a:prstGeom>
+          <a:solidFill>
+            <a:srgbClr val="FFC000"/>
+          </a:solidFill>
+          <a:ln>
+            <a:solidFill>
+              <a:schemeClr val="tx1"/>
+            </a:solidFill>
+          </a:ln>
+        </p:spPr>
+        <p:style>
+          <a:lnRef idx="2">
+            <a:schemeClr val="accent1">
+              <a:shade val="50000"/>
+            </a:schemeClr>
+          </a:lnRef>
+          <a:fillRef idx="1">
+            <a:schemeClr val="accent1"/>
+          </a:fillRef>
+          <a:effectRef idx="0">
+            <a:schemeClr val="accent1"/>
+          </a:effectRef>
+          <a:fontRef idx="minor">
+            <a:schemeClr val="lt1"/>
+          </a:fontRef>
+        </p:style>
+        <p:txBody>
+          <a:bodyPr rtlCol="0" anchor="ctr"/>
+          <a:lstStyle/>
+          <a:p>
+            <a:pPr algn="ctr"/>
+            <a:endParaRPr lang="ko-KR" altLang="en-US"/>
+          </a:p>
+        </p:txBody>
+      </p:sp>
+      <p:sp>
+        <p:nvSpPr>
+          <p:cNvPr id="4" name="직사각형 3">
+            <a:extLst>
+              <a:ext uri="{FF2B5EF4-FFF2-40B4-BE49-F238E27FC236}">
+                <a16:creationId xmlns:a16="http://schemas.microsoft.com/office/drawing/2014/main" id="{39B1DBFC-81E3-4608-9580-CDA34F6F6C41}"/>
+              </a:ext>
+            </a:extLst>
+          </p:cNvPr>
+          <p:cNvSpPr/>
+          <p:nvPr/>
+        </p:nvSpPr>
+        <p:spPr>
+          <a:xfrm>
+            <a:off x="1558025" y="3939623"/>
+            <a:ext cx="1224136" cy="432048"/>
+          </a:xfrm>
+          <a:prstGeom prst="rect">
+            <a:avLst/>
+          </a:prstGeom>
+          <a:solidFill>
+            <a:schemeClr val="accent6">
+              <a:lumMod val="75000"/>
+            </a:schemeClr>
+          </a:solidFill>
+        </p:spPr>
+        <p:style>
+          <a:lnRef idx="2">
+            <a:schemeClr val="accent1">
+              <a:shade val="50000"/>
+            </a:schemeClr>
+          </a:lnRef>
+          <a:fillRef idx="1">
+            <a:schemeClr val="accent1"/>
+          </a:fillRef>
+          <a:effectRef idx="0">
+            <a:schemeClr val="accent1"/>
+          </a:effectRef>
+          <a:fontRef idx="minor">
+            <a:schemeClr val="lt1"/>
+          </a:fontRef>
+        </p:style>
+        <p:txBody>
+          <a:bodyPr rtlCol="0" anchor="ctr"/>
+          <a:lstStyle/>
+          <a:p>
+            <a:pPr algn="ctr"/>
+            <a:endParaRPr lang="ko-KR" altLang="en-US"/>
+          </a:p>
+        </p:txBody>
+      </p:sp>
+      <p:sp>
+        <p:nvSpPr>
+          <p:cNvPr id="14" name="직사각형 13">
+            <a:extLst>
+              <a:ext uri="{FF2B5EF4-FFF2-40B4-BE49-F238E27FC236}">
+                <a16:creationId xmlns:a16="http://schemas.microsoft.com/office/drawing/2014/main" id="{404C3891-DCB9-4659-B017-58C2632A814F}"/>
+              </a:ext>
+            </a:extLst>
+          </p:cNvPr>
+          <p:cNvSpPr/>
+          <p:nvPr/>
+        </p:nvSpPr>
+        <p:spPr>
+          <a:xfrm>
+            <a:off x="1609464" y="4083918"/>
+            <a:ext cx="1058527" cy="144016"/>
+          </a:xfrm>
+          <a:prstGeom prst="rect">
+            <a:avLst/>
+          </a:prstGeom>
+          <a:solidFill>
+            <a:schemeClr val="bg1"/>
+          </a:solidFill>
+          <a:ln>
+            <a:solidFill>
+              <a:schemeClr val="tx1"/>
+            </a:solidFill>
+          </a:ln>
+        </p:spPr>
+        <p:style>
+          <a:lnRef idx="2">
+            <a:schemeClr val="accent1">
+              <a:shade val="50000"/>
+            </a:schemeClr>
+          </a:lnRef>
+          <a:fillRef idx="1">
+            <a:schemeClr val="accent1"/>
+          </a:fillRef>
+          <a:effectRef idx="0">
+            <a:schemeClr val="accent1"/>
+          </a:effectRef>
+          <a:fontRef idx="minor">
+            <a:schemeClr val="lt1"/>
+          </a:fontRef>
+        </p:style>
+        <p:txBody>
+          <a:bodyPr rtlCol="0" anchor="ctr"/>
+          <a:lstStyle/>
+          <a:p>
+            <a:pPr algn="ctr"/>
+            <a:endParaRPr lang="ko-KR" altLang="en-US"/>
+          </a:p>
+        </p:txBody>
+      </p:sp>
+      <p:sp>
+        <p:nvSpPr>
+          <p:cNvPr id="16" name="직사각형 15">
+            <a:extLst>
+              <a:ext uri="{FF2B5EF4-FFF2-40B4-BE49-F238E27FC236}">
+                <a16:creationId xmlns:a16="http://schemas.microsoft.com/office/drawing/2014/main" id="{6034D4E9-FD9E-4B75-89D9-A141BFE29331}"/>
+              </a:ext>
+            </a:extLst>
+          </p:cNvPr>
+          <p:cNvSpPr/>
+          <p:nvPr/>
+        </p:nvSpPr>
+        <p:spPr>
+          <a:xfrm>
+            <a:off x="1609464" y="4092647"/>
+            <a:ext cx="764063" cy="126000"/>
+          </a:xfrm>
+          <a:prstGeom prst="rect">
+            <a:avLst/>
+          </a:prstGeom>
+          <a:solidFill>
+            <a:srgbClr val="FF0000"/>
+          </a:solidFill>
+          <a:ln>
+            <a:solidFill>
+              <a:schemeClr val="tx1"/>
+            </a:solidFill>
+          </a:ln>
+        </p:spPr>
+        <p:style>
+          <a:lnRef idx="2">
+            <a:schemeClr val="accent1">
+              <a:shade val="50000"/>
+            </a:schemeClr>
+          </a:lnRef>
+          <a:fillRef idx="1">
+            <a:schemeClr val="accent1"/>
+          </a:fillRef>
+          <a:effectRef idx="0">
+            <a:schemeClr val="accent1"/>
+          </a:effectRef>
+          <a:fontRef idx="minor">
+            <a:schemeClr val="lt1"/>
+          </a:fontRef>
+        </p:style>
+        <p:txBody>
+          <a:bodyPr rtlCol="0" anchor="ctr"/>
+          <a:lstStyle/>
+          <a:p>
+            <a:pPr algn="ctr"/>
+            <a:endParaRPr lang="ko-KR" altLang="en-US"/>
+          </a:p>
+        </p:txBody>
+      </p:sp>
+      <p:sp>
+        <p:nvSpPr>
+          <p:cNvPr id="21" name="직사각형 20">
+            <a:extLst>
+              <a:ext uri="{FF2B5EF4-FFF2-40B4-BE49-F238E27FC236}">
+                <a16:creationId xmlns:a16="http://schemas.microsoft.com/office/drawing/2014/main" id="{2769FE64-0DA4-41DB-AF37-DD02000B2F00}"/>
+              </a:ext>
+            </a:extLst>
+          </p:cNvPr>
+          <p:cNvSpPr/>
+          <p:nvPr/>
+        </p:nvSpPr>
+        <p:spPr>
+          <a:xfrm>
+            <a:off x="3123088" y="3939623"/>
+            <a:ext cx="1224136" cy="432048"/>
+          </a:xfrm>
+          <a:prstGeom prst="rect">
+            <a:avLst/>
+          </a:prstGeom>
+          <a:solidFill>
+            <a:schemeClr val="bg1">
+              <a:lumMod val="65000"/>
+            </a:schemeClr>
+          </a:solidFill>
+        </p:spPr>
+        <p:style>
+          <a:lnRef idx="2">
+            <a:schemeClr val="accent1">
+              <a:shade val="50000"/>
+            </a:schemeClr>
+          </a:lnRef>
+          <a:fillRef idx="1">
+            <a:schemeClr val="accent1"/>
+          </a:fillRef>
+          <a:effectRef idx="0">
+            <a:schemeClr val="accent1"/>
+          </a:effectRef>
+          <a:fontRef idx="minor">
+            <a:schemeClr val="lt1"/>
+          </a:fontRef>
+        </p:style>
+        <p:txBody>
+          <a:bodyPr rtlCol="0" anchor="ctr"/>
+          <a:lstStyle/>
+          <a:p>
+            <a:pPr algn="ctr"/>
+            <a:endParaRPr lang="ko-KR" altLang="en-US"/>
+          </a:p>
+        </p:txBody>
+      </p:sp>
+      <p:sp>
+        <p:nvSpPr>
+          <p:cNvPr id="22" name="직사각형 21">
+            <a:extLst>
+              <a:ext uri="{FF2B5EF4-FFF2-40B4-BE49-F238E27FC236}">
+                <a16:creationId xmlns:a16="http://schemas.microsoft.com/office/drawing/2014/main" id="{54506313-2BB7-4C19-80EB-8ABF94FE6B58}"/>
+              </a:ext>
+            </a:extLst>
+          </p:cNvPr>
+          <p:cNvSpPr/>
+          <p:nvPr/>
+        </p:nvSpPr>
+        <p:spPr>
+          <a:xfrm>
+            <a:off x="3174527" y="4083918"/>
+            <a:ext cx="1058527" cy="144016"/>
+          </a:xfrm>
+          <a:prstGeom prst="rect">
+            <a:avLst/>
+          </a:prstGeom>
+          <a:solidFill>
+            <a:schemeClr val="bg1"/>
+          </a:solidFill>
+          <a:ln>
+            <a:solidFill>
+              <a:schemeClr val="tx1"/>
+            </a:solidFill>
+          </a:ln>
+        </p:spPr>
+        <p:style>
+          <a:lnRef idx="2">
+            <a:schemeClr val="accent1">
+              <a:shade val="50000"/>
+            </a:schemeClr>
+          </a:lnRef>
+          <a:fillRef idx="1">
+            <a:schemeClr val="accent1"/>
+          </a:fillRef>
+          <a:effectRef idx="0">
+            <a:schemeClr val="accent1"/>
+          </a:effectRef>
+          <a:fontRef idx="minor">
+            <a:schemeClr val="lt1"/>
+          </a:fontRef>
+        </p:style>
+        <p:txBody>
+          <a:bodyPr rtlCol="0" anchor="ctr"/>
+          <a:lstStyle/>
+          <a:p>
+            <a:pPr algn="ctr"/>
+            <a:endParaRPr lang="ko-KR" altLang="en-US"/>
+          </a:p>
+        </p:txBody>
+      </p:sp>
+      <p:sp>
+        <p:nvSpPr>
+          <p:cNvPr id="23" name="직사각형 22">
+            <a:extLst>
+              <a:ext uri="{FF2B5EF4-FFF2-40B4-BE49-F238E27FC236}">
+                <a16:creationId xmlns:a16="http://schemas.microsoft.com/office/drawing/2014/main" id="{B0FE9577-3FC9-4227-88E7-923889E3CC2A}"/>
+              </a:ext>
+            </a:extLst>
+          </p:cNvPr>
+          <p:cNvSpPr/>
+          <p:nvPr/>
+        </p:nvSpPr>
+        <p:spPr>
+          <a:xfrm>
+            <a:off x="3174527" y="4092647"/>
+            <a:ext cx="1058527" cy="126000"/>
+          </a:xfrm>
+          <a:prstGeom prst="rect">
+            <a:avLst/>
+          </a:prstGeom>
+          <a:solidFill>
+            <a:srgbClr val="FF0000"/>
+          </a:solidFill>
+          <a:ln>
+            <a:solidFill>
+              <a:schemeClr val="tx1"/>
+            </a:solidFill>
+          </a:ln>
+        </p:spPr>
+        <p:style>
+          <a:lnRef idx="2">
+            <a:schemeClr val="accent1">
+              <a:shade val="50000"/>
+            </a:schemeClr>
+          </a:lnRef>
+          <a:fillRef idx="1">
+            <a:schemeClr val="accent1"/>
+          </a:fillRef>
+          <a:effectRef idx="0">
+            <a:schemeClr val="accent1"/>
+          </a:effectRef>
+          <a:fontRef idx="minor">
+            <a:schemeClr val="lt1"/>
+          </a:fontRef>
+        </p:style>
+        <p:txBody>
+          <a:bodyPr rtlCol="0" anchor="ctr"/>
+          <a:lstStyle/>
+          <a:p>
+            <a:pPr algn="ctr"/>
+            <a:endParaRPr lang="ko-KR" altLang="en-US"/>
+          </a:p>
+        </p:txBody>
+      </p:sp>
+      <p:grpSp>
+        <p:nvGrpSpPr>
+          <p:cNvPr id="24" name="그룹 23">
+            <a:extLst>
+              <a:ext uri="{FF2B5EF4-FFF2-40B4-BE49-F238E27FC236}">
+                <a16:creationId xmlns:a16="http://schemas.microsoft.com/office/drawing/2014/main" id="{7BC4DE06-26FB-4486-9B6C-D77AEAEE9BDC}"/>
+              </a:ext>
+            </a:extLst>
+          </p:cNvPr>
+          <p:cNvGrpSpPr/>
+          <p:nvPr/>
+        </p:nvGrpSpPr>
+        <p:grpSpPr>
+          <a:xfrm>
+            <a:off x="4617727" y="3939623"/>
+            <a:ext cx="1224136" cy="432048"/>
+            <a:chOff x="1401554" y="3939623"/>
+            <a:chExt cx="1224136" cy="432048"/>
+          </a:xfrm>
+        </p:grpSpPr>
+        <p:sp>
+          <p:nvSpPr>
+            <p:cNvPr id="25" name="직사각형 24">
+              <a:extLst>
+                <a:ext uri="{FF2B5EF4-FFF2-40B4-BE49-F238E27FC236}">
+                  <a16:creationId xmlns:a16="http://schemas.microsoft.com/office/drawing/2014/main" id="{3154B5FE-9F27-4031-8052-39074B023419}"/>
+                </a:ext>
+              </a:extLst>
+            </p:cNvPr>
+            <p:cNvSpPr/>
+            <p:nvPr/>
+          </p:nvSpPr>
+          <p:spPr>
+            <a:xfrm>
+              <a:off x="1401554" y="3939623"/>
+              <a:ext cx="1224136" cy="432048"/>
+            </a:xfrm>
+            <a:prstGeom prst="rect">
+              <a:avLst/>
+            </a:prstGeom>
+            <a:solidFill>
+              <a:schemeClr val="bg1">
+                <a:lumMod val="65000"/>
+              </a:schemeClr>
+            </a:solidFill>
+          </p:spPr>
+          <p:style>
+            <a:lnRef idx="2">
+              <a:schemeClr val="accent1">
+                <a:shade val="50000"/>
+              </a:schemeClr>
+            </a:lnRef>
+            <a:fillRef idx="1">
+              <a:schemeClr val="accent1"/>
+            </a:fillRef>
+            <a:effectRef idx="0">
+              <a:schemeClr val="accent1"/>
+            </a:effectRef>
+            <a:fontRef idx="minor">
+              <a:schemeClr val="lt1"/>
+            </a:fontRef>
+          </p:style>
+          <p:txBody>
+            <a:bodyPr rtlCol="0" anchor="ctr"/>
+            <a:lstStyle/>
+            <a:p>
+              <a:pPr algn="ctr"/>
+              <a:endParaRPr lang="ko-KR" altLang="en-US"/>
+            </a:p>
+          </p:txBody>
+        </p:sp>
+        <p:sp>
+          <p:nvSpPr>
+            <p:cNvPr id="26" name="직사각형 25">
+              <a:extLst>
+                <a:ext uri="{FF2B5EF4-FFF2-40B4-BE49-F238E27FC236}">
+                  <a16:creationId xmlns:a16="http://schemas.microsoft.com/office/drawing/2014/main" id="{4BE47382-6CDE-4868-8362-7012408B70BE}"/>
+                </a:ext>
+              </a:extLst>
+            </p:cNvPr>
+            <p:cNvSpPr/>
+            <p:nvPr/>
+          </p:nvSpPr>
+          <p:spPr>
+            <a:xfrm>
+              <a:off x="1452993" y="4083918"/>
+              <a:ext cx="1058527" cy="144016"/>
+            </a:xfrm>
+            <a:prstGeom prst="rect">
+              <a:avLst/>
+            </a:prstGeom>
+            <a:solidFill>
+              <a:schemeClr val="bg1"/>
+            </a:solidFill>
+            <a:ln>
+              <a:solidFill>
+                <a:schemeClr val="tx1"/>
+              </a:solidFill>
+            </a:ln>
+          </p:spPr>
+          <p:style>
+            <a:lnRef idx="2">
+              <a:schemeClr val="accent1">
+                <a:shade val="50000"/>
+              </a:schemeClr>
+            </a:lnRef>
+            <a:fillRef idx="1">
+              <a:schemeClr val="accent1"/>
+            </a:fillRef>
+            <a:effectRef idx="0">
+              <a:schemeClr val="accent1"/>
+            </a:effectRef>
+            <a:fontRef idx="minor">
+              <a:schemeClr val="lt1"/>
+            </a:fontRef>
+          </p:style>
+          <p:txBody>
+            <a:bodyPr rtlCol="0" anchor="ctr"/>
+            <a:lstStyle/>
+            <a:p>
+              <a:pPr algn="ctr"/>
+              <a:endParaRPr lang="ko-KR" altLang="en-US"/>
+            </a:p>
+          </p:txBody>
+        </p:sp>
+        <p:sp>
+          <p:nvSpPr>
+            <p:cNvPr id="27" name="직사각형 26">
+              <a:extLst>
+                <a:ext uri="{FF2B5EF4-FFF2-40B4-BE49-F238E27FC236}">
+                  <a16:creationId xmlns:a16="http://schemas.microsoft.com/office/drawing/2014/main" id="{148AD3D3-50AF-4623-B910-D7380719495A}"/>
+                </a:ext>
+              </a:extLst>
+            </p:cNvPr>
+            <p:cNvSpPr/>
+            <p:nvPr/>
+          </p:nvSpPr>
+          <p:spPr>
+            <a:xfrm>
+              <a:off x="1452994" y="4092647"/>
+              <a:ext cx="413516" cy="126000"/>
+            </a:xfrm>
+            <a:prstGeom prst="rect">
+              <a:avLst/>
+            </a:prstGeom>
+            <a:solidFill>
+              <a:srgbClr val="FF0000"/>
+            </a:solidFill>
+            <a:ln>
+              <a:solidFill>
+                <a:schemeClr val="tx1"/>
+              </a:solidFill>
+            </a:ln>
+          </p:spPr>
+          <p:style>
+            <a:lnRef idx="2">
+              <a:schemeClr val="accent1">
+                <a:shade val="50000"/>
+              </a:schemeClr>
+            </a:lnRef>
+            <a:fillRef idx="1">
+              <a:schemeClr val="accent1"/>
+            </a:fillRef>
+            <a:effectRef idx="0">
+              <a:schemeClr val="accent1"/>
+            </a:effectRef>
+            <a:fontRef idx="minor">
+              <a:schemeClr val="lt1"/>
+            </a:fontRef>
+          </p:style>
+          <p:txBody>
+            <a:bodyPr rtlCol="0" anchor="ctr"/>
+            <a:lstStyle/>
+            <a:p>
+              <a:pPr algn="ctr"/>
+              <a:endParaRPr lang="ko-KR" altLang="en-US"/>
+            </a:p>
+          </p:txBody>
+        </p:sp>
+      </p:grpSp>
+      <p:sp>
+        <p:nvSpPr>
+          <p:cNvPr id="28" name="타원 27">
+            <a:extLst>
+              <a:ext uri="{FF2B5EF4-FFF2-40B4-BE49-F238E27FC236}">
+                <a16:creationId xmlns:a16="http://schemas.microsoft.com/office/drawing/2014/main" id="{51C3BB3F-B005-4611-BB91-628248016731}"/>
+              </a:ext>
+            </a:extLst>
+          </p:cNvPr>
+          <p:cNvSpPr/>
+          <p:nvPr/>
+        </p:nvSpPr>
+        <p:spPr>
+          <a:xfrm>
+            <a:off x="2262869" y="924853"/>
+            <a:ext cx="1280369" cy="598517"/>
+          </a:xfrm>
+          <a:prstGeom prst="ellipse">
+            <a:avLst/>
+          </a:prstGeom>
+          <a:noFill/>
+          <a:ln>
+            <a:solidFill>
+              <a:srgbClr val="FF0000"/>
+            </a:solidFill>
+          </a:ln>
+        </p:spPr>
+        <p:style>
+          <a:lnRef idx="2">
+            <a:schemeClr val="accent1">
+              <a:shade val="50000"/>
+            </a:schemeClr>
+          </a:lnRef>
+          <a:fillRef idx="1">
+            <a:schemeClr val="accent1"/>
+          </a:fillRef>
+          <a:effectRef idx="0">
+            <a:schemeClr val="accent1"/>
+          </a:effectRef>
+          <a:fontRef idx="minor">
+            <a:schemeClr val="lt1"/>
+          </a:fontRef>
+        </p:style>
+        <p:txBody>
+          <a:bodyPr rtlCol="0" anchor="ctr"/>
+          <a:lstStyle/>
+          <a:p>
+            <a:pPr algn="ctr"/>
+            <a:endParaRPr lang="ko-KR" altLang="en-US"/>
+          </a:p>
+        </p:txBody>
+      </p:sp>
+      <p:sp>
+        <p:nvSpPr>
+          <p:cNvPr id="31" name="타원 30">
+            <a:extLst>
+              <a:ext uri="{FF2B5EF4-FFF2-40B4-BE49-F238E27FC236}">
+                <a16:creationId xmlns:a16="http://schemas.microsoft.com/office/drawing/2014/main" id="{FE4A1326-C964-4B83-82B8-0FC87C740F32}"/>
+              </a:ext>
+            </a:extLst>
+          </p:cNvPr>
+          <p:cNvSpPr/>
+          <p:nvPr/>
+        </p:nvSpPr>
+        <p:spPr>
+          <a:xfrm>
+            <a:off x="3876925" y="1520014"/>
+            <a:ext cx="1280369" cy="598517"/>
+          </a:xfrm>
+          <a:prstGeom prst="ellipse">
+            <a:avLst/>
+          </a:prstGeom>
+          <a:noFill/>
+          <a:ln>
+            <a:solidFill>
+              <a:srgbClr val="FF0000"/>
+            </a:solidFill>
+          </a:ln>
+        </p:spPr>
+        <p:style>
+          <a:lnRef idx="2">
+            <a:schemeClr val="accent1">
+              <a:shade val="50000"/>
+            </a:schemeClr>
+          </a:lnRef>
+          <a:fillRef idx="1">
+            <a:schemeClr val="accent1"/>
+          </a:fillRef>
+          <a:effectRef idx="0">
+            <a:schemeClr val="accent1"/>
+          </a:effectRef>
+          <a:fontRef idx="minor">
+            <a:schemeClr val="lt1"/>
+          </a:fontRef>
+        </p:style>
+        <p:txBody>
+          <a:bodyPr rtlCol="0" anchor="ctr"/>
+          <a:lstStyle/>
+          <a:p>
+            <a:pPr algn="ctr"/>
+            <a:endParaRPr lang="ko-KR" altLang="en-US"/>
+          </a:p>
+        </p:txBody>
+      </p:sp>
+      <p:sp>
+        <p:nvSpPr>
+          <p:cNvPr id="32" name="타원 31">
+            <a:extLst>
+              <a:ext uri="{FF2B5EF4-FFF2-40B4-BE49-F238E27FC236}">
+                <a16:creationId xmlns:a16="http://schemas.microsoft.com/office/drawing/2014/main" id="{39BCA25F-E701-4EF6-9F87-7474672FF37D}"/>
+              </a:ext>
+            </a:extLst>
+          </p:cNvPr>
+          <p:cNvSpPr/>
+          <p:nvPr/>
+        </p:nvSpPr>
+        <p:spPr>
+          <a:xfrm>
+            <a:off x="1449270" y="3795886"/>
+            <a:ext cx="1473172" cy="707327"/>
+          </a:xfrm>
+          <a:prstGeom prst="ellipse">
+            <a:avLst/>
+          </a:prstGeom>
+          <a:noFill/>
+          <a:ln>
+            <a:solidFill>
+              <a:srgbClr val="FF0000"/>
+            </a:solidFill>
+          </a:ln>
+        </p:spPr>
+        <p:style>
+          <a:lnRef idx="2">
+            <a:schemeClr val="accent1">
+              <a:shade val="50000"/>
+            </a:schemeClr>
+          </a:lnRef>
+          <a:fillRef idx="1">
+            <a:schemeClr val="accent1"/>
+          </a:fillRef>
+          <a:effectRef idx="0">
+            <a:schemeClr val="accent1"/>
+          </a:effectRef>
+          <a:fontRef idx="minor">
+            <a:schemeClr val="lt1"/>
+          </a:fontRef>
+        </p:style>
+        <p:txBody>
+          <a:bodyPr rtlCol="0" anchor="ctr"/>
+          <a:lstStyle/>
+          <a:p>
+            <a:pPr algn="ctr"/>
+            <a:endParaRPr lang="ko-KR" altLang="en-US"/>
+          </a:p>
+        </p:txBody>
+      </p:sp>
+      <p:sp>
+        <p:nvSpPr>
+          <p:cNvPr id="7" name="TextBox 6">
+            <a:extLst>
+              <a:ext uri="{FF2B5EF4-FFF2-40B4-BE49-F238E27FC236}">
+                <a16:creationId xmlns:a16="http://schemas.microsoft.com/office/drawing/2014/main" id="{5D76B581-1E55-496B-A940-6DFB8D08E4FD}"/>
+              </a:ext>
+            </a:extLst>
+          </p:cNvPr>
+          <p:cNvSpPr txBox="1"/>
+          <p:nvPr/>
+        </p:nvSpPr>
+        <p:spPr>
+          <a:xfrm>
+            <a:off x="2114077" y="670006"/>
+            <a:ext cx="470299" cy="369332"/>
+          </a:xfrm>
+          <a:prstGeom prst="rect">
+            <a:avLst/>
+          </a:prstGeom>
+          <a:noFill/>
+        </p:spPr>
+        <p:txBody>
+          <a:bodyPr wrap="square" rtlCol="0">
+            <a:spAutoFit/>
+          </a:bodyPr>
+          <a:lstStyle/>
+          <a:p>
+            <a:r>
+              <a:rPr lang="ko-KR" altLang="en-US" b="1" dirty="0">
+                <a:solidFill>
+                  <a:srgbClr val="FF0000"/>
+                </a:solidFill>
+              </a:rPr>
+              <a:t>①</a:t>
+            </a:r>
+          </a:p>
+        </p:txBody>
+      </p:sp>
+      <p:sp>
+        <p:nvSpPr>
+          <p:cNvPr id="33" name="TextBox 32">
+            <a:extLst>
+              <a:ext uri="{FF2B5EF4-FFF2-40B4-BE49-F238E27FC236}">
+                <a16:creationId xmlns:a16="http://schemas.microsoft.com/office/drawing/2014/main" id="{B5D4623B-CE13-457D-A8C2-1BDEC67BEE9C}"/>
+              </a:ext>
+            </a:extLst>
+          </p:cNvPr>
+          <p:cNvSpPr txBox="1"/>
+          <p:nvPr/>
+        </p:nvSpPr>
+        <p:spPr>
+          <a:xfrm>
+            <a:off x="3683581" y="1328477"/>
+            <a:ext cx="470299" cy="369332"/>
+          </a:xfrm>
+          <a:prstGeom prst="rect">
+            <a:avLst/>
+          </a:prstGeom>
+          <a:noFill/>
+        </p:spPr>
+        <p:txBody>
+          <a:bodyPr wrap="square" rtlCol="0">
+            <a:spAutoFit/>
+          </a:bodyPr>
+          <a:lstStyle/>
+          <a:p>
+            <a:r>
+              <a:rPr lang="ko-KR" altLang="en-US" b="1" dirty="0">
+                <a:solidFill>
+                  <a:srgbClr val="FF0000"/>
+                </a:solidFill>
+              </a:rPr>
+              <a:t>②</a:t>
+            </a:r>
+          </a:p>
+        </p:txBody>
+      </p:sp>
+      <p:sp>
+        <p:nvSpPr>
+          <p:cNvPr id="34" name="TextBox 33">
+            <a:extLst>
+              <a:ext uri="{FF2B5EF4-FFF2-40B4-BE49-F238E27FC236}">
+                <a16:creationId xmlns:a16="http://schemas.microsoft.com/office/drawing/2014/main" id="{B38A2162-C524-4C20-9924-E21E8EDE6719}"/>
+              </a:ext>
+            </a:extLst>
+          </p:cNvPr>
+          <p:cNvSpPr txBox="1"/>
+          <p:nvPr/>
+        </p:nvSpPr>
+        <p:spPr>
+          <a:xfrm>
+            <a:off x="1187624" y="3683089"/>
+            <a:ext cx="470299" cy="369332"/>
+          </a:xfrm>
+          <a:prstGeom prst="rect">
+            <a:avLst/>
+          </a:prstGeom>
+          <a:noFill/>
+        </p:spPr>
+        <p:txBody>
+          <a:bodyPr wrap="square" rtlCol="0">
+            <a:spAutoFit/>
+          </a:bodyPr>
+          <a:lstStyle/>
+          <a:p>
+            <a:r>
+              <a:rPr lang="ko-KR" altLang="en-US" b="1" dirty="0">
+                <a:solidFill>
+                  <a:srgbClr val="FF0000"/>
+                </a:solidFill>
+              </a:rPr>
+              <a:t>③</a:t>
+            </a:r>
+          </a:p>
+        </p:txBody>
+      </p:sp>
     </p:spTree>
     <p:extLst>
       <p:ext uri="{BB962C8B-B14F-4D97-AF65-F5344CB8AC3E}">
@@ -10556,7 +11622,7 @@
                 <a:latin typeface="맑은 고딕" panose="020B0503020000020004" pitchFamily="50" charset="-127"/>
                 <a:ea typeface="나눔바른고딕" panose="020B0603020101020101" pitchFamily="50" charset="-127"/>
               </a:rPr>
-              <a:t>3</a:t>
+              <a:t>4</a:t>
             </a:r>
             <a:endParaRPr lang="ko-KR" altLang="en-US" sz="3600" b="1" spc="-150" dirty="0">
               <a:solidFill>
@@ -10735,13 +11801,22 @@
               <a:buNone/>
             </a:pPr>
             <a:r>
+              <a:rPr lang="en-US" altLang="ko-KR" sz="2000" dirty="0"/>
+              <a:t>3</a:t>
+            </a:r>
+            <a:r>
               <a:rPr lang="ko-KR" altLang="en-US" sz="2000" dirty="0"/>
-              <a:t>캐릭터 가로 세로 </a:t>
+              <a:t>등신 </a:t>
             </a:r>
             <a:r>
               <a:rPr lang="en-US" altLang="ko-KR" sz="2000" dirty="0"/>
-              <a:t>: 0.5m</a:t>
-            </a:r>
+              <a:t>SD </a:t>
+            </a:r>
+            <a:r>
+              <a:rPr lang="ko-KR" altLang="en-US" sz="2000" dirty="0"/>
+              <a:t>캐릭터</a:t>
+            </a:r>
+            <a:endParaRPr lang="en-US" altLang="ko-KR" sz="2000" dirty="0"/>
           </a:p>
           <a:p>
             <a:pPr marL="0" indent="0">
@@ -10749,7 +11824,7 @@
             </a:pPr>
             <a:r>
               <a:rPr lang="ko-KR" altLang="en-US" sz="2000" dirty="0"/>
-              <a:t>캐릭터의 크기 </a:t>
+              <a:t>캐릭터의 키 </a:t>
             </a:r>
             <a:r>
               <a:rPr lang="en-US" altLang="ko-KR" sz="2000" dirty="0"/>
@@ -10884,10 +11959,10 @@
       </p:grpSpPr>
       <p:pic>
         <p:nvPicPr>
-          <p:cNvPr id="7" name="그림 6" descr="시계, 테이블이(가) 표시된 사진&#10;&#10;자동 생성된 설명">
+          <p:cNvPr id="17" name="그림 16" descr="테이블이(가) 표시된 사진&#10;&#10;자동 생성된 설명">
             <a:extLst>
               <a:ext uri="{FF2B5EF4-FFF2-40B4-BE49-F238E27FC236}">
-                <a16:creationId xmlns:a16="http://schemas.microsoft.com/office/drawing/2014/main" id="{5BA8D2A0-3A16-4422-B633-4A25199B6CE0}"/>
+                <a16:creationId xmlns:a16="http://schemas.microsoft.com/office/drawing/2014/main" id="{35B9596C-5801-4462-8CE4-0503689E16BB}"/>
               </a:ext>
             </a:extLst>
           </p:cNvPr>
@@ -10896,8 +11971,44 @@
           </p:cNvPicPr>
           <p:nvPr/>
         </p:nvPicPr>
+        <p:blipFill>
+          <a:blip r:embed="rId2" cstate="print">
+            <a:extLst>
+              <a:ext uri="{28A0092B-C50C-407E-A947-70E740481C1C}">
+                <a14:useLocalDpi xmlns:a14="http://schemas.microsoft.com/office/drawing/2010/main" val="0"/>
+              </a:ext>
+            </a:extLst>
+          </a:blip>
+          <a:stretch>
+            <a:fillRect/>
+          </a:stretch>
+        </p:blipFill>
+        <p:spPr>
+          <a:xfrm>
+            <a:off x="6732240" y="3687478"/>
+            <a:ext cx="2103060" cy="1155452"/>
+          </a:xfrm>
+          <a:prstGeom prst="rect">
+            <a:avLst/>
+          </a:prstGeom>
+        </p:spPr>
+      </p:pic>
+      <p:pic>
+        <p:nvPicPr>
+          <p:cNvPr id="7" name="그림 6" descr="시계, 테이블이(가) 표시된 사진&#10;&#10;자동 생성된 설명">
+            <a:extLst>
+              <a:ext uri="{FF2B5EF4-FFF2-40B4-BE49-F238E27FC236}">
+                <a16:creationId xmlns:a16="http://schemas.microsoft.com/office/drawing/2014/main" id="{5BA8D2A0-3A16-4422-B633-4A25199B6CE0}"/>
+              </a:ext>
+            </a:extLst>
+          </p:cNvPr>
+          <p:cNvPicPr>
+            <a:picLocks noChangeAspect="1"/>
+          </p:cNvPicPr>
+          <p:nvPr/>
+        </p:nvPicPr>
         <p:blipFill rotWithShape="1">
-          <a:blip r:embed="rId2" cstate="print">
+          <a:blip r:embed="rId3" cstate="print">
             <a:extLst>
               <a:ext uri="{28A0092B-C50C-407E-A947-70E740481C1C}">
                 <a14:useLocalDpi xmlns:a14="http://schemas.microsoft.com/office/drawing/2010/main" val="0"/>
@@ -11017,7 +12128,7 @@
           <p:nvPr/>
         </p:nvPicPr>
         <p:blipFill>
-          <a:blip r:embed="rId3">
+          <a:blip r:embed="rId4">
             <a:extLst>
               <a:ext uri="{28A0092B-C50C-407E-A947-70E740481C1C}">
                 <a14:useLocalDpi xmlns:a14="http://schemas.microsoft.com/office/drawing/2010/main" val="0"/>
@@ -11100,8 +12211,8 @@
         </p:nvSpPr>
         <p:spPr>
           <a:xfrm>
-            <a:off x="216436" y="76071"/>
-            <a:ext cx="452367" cy="646331"/>
+            <a:off x="225252" y="76071"/>
+            <a:ext cx="434735" cy="646331"/>
           </a:xfrm>
           <a:prstGeom prst="rect">
             <a:avLst/>
@@ -11116,13 +12227,14 @@
           <a:p>
             <a:pPr algn="ctr"/>
             <a:r>
-              <a:rPr lang="en-US" altLang="ko-KR" sz="3600" b="1" dirty="0">
+              <a:rPr lang="en-US" altLang="ko-KR" sz="3600" b="1" spc="-150" dirty="0">
                 <a:solidFill>
                   <a:schemeClr val="bg1"/>
                 </a:solidFill>
-                <a:latin typeface="맑은 고딕" panose="020B0503020000020004" pitchFamily="50" charset="-127"/>
+                <a:latin typeface="나눔바른고딕" panose="020B0603020101020101" pitchFamily="50" charset="-127"/>
+                <a:ea typeface="나눔바른고딕" panose="020B0603020101020101" pitchFamily="50" charset="-127"/>
               </a:rPr>
-              <a:t>4</a:t>
+              <a:t>5</a:t>
             </a:r>
             <a:endParaRPr lang="ko-KR" altLang="en-US" sz="3600" b="1" spc="-150" dirty="0">
               <a:solidFill>
@@ -11149,7 +12261,7 @@
           <p:nvPr/>
         </p:nvPicPr>
         <p:blipFill>
-          <a:blip r:embed="rId4">
+          <a:blip r:embed="rId5">
             <a:extLst>
               <a:ext uri="{28A0092B-C50C-407E-A947-70E740481C1C}">
                 <a14:useLocalDpi xmlns:a14="http://schemas.microsoft.com/office/drawing/2010/main" val="0"/>
@@ -11188,6 +12300,100 @@
           <a:xfrm flipV="1">
             <a:off x="5724128" y="1855632"/>
             <a:ext cx="1224136" cy="627668"/>
+          </a:xfrm>
+          <a:prstGeom prst="bentConnector3">
+            <a:avLst>
+              <a:gd name="adj1" fmla="val 50000"/>
+            </a:avLst>
+          </a:prstGeom>
+          <a:ln>
+            <a:solidFill>
+              <a:srgbClr val="FF0000"/>
+            </a:solidFill>
+            <a:tailEnd type="triangle"/>
+          </a:ln>
+        </p:spPr>
+        <p:style>
+          <a:lnRef idx="1">
+            <a:schemeClr val="accent2"/>
+          </a:lnRef>
+          <a:fillRef idx="0">
+            <a:schemeClr val="accent2"/>
+          </a:fillRef>
+          <a:effectRef idx="0">
+            <a:schemeClr val="accent2"/>
+          </a:effectRef>
+          <a:fontRef idx="minor">
+            <a:schemeClr val="tx1"/>
+          </a:fontRef>
+        </p:style>
+      </p:cxnSp>
+      <p:cxnSp>
+        <p:nvCxnSpPr>
+          <p:cNvPr id="15" name="연결선: 꺾임 14">
+            <a:extLst>
+              <a:ext uri="{FF2B5EF4-FFF2-40B4-BE49-F238E27FC236}">
+                <a16:creationId xmlns:a16="http://schemas.microsoft.com/office/drawing/2014/main" id="{CB088DC5-6F6B-429B-B33C-8985A8E4801D}"/>
+              </a:ext>
+            </a:extLst>
+          </p:cNvPr>
+          <p:cNvCxnSpPr>
+            <a:cxnSpLocks/>
+            <a:endCxn id="17" idx="1"/>
+          </p:cNvCxnSpPr>
+          <p:nvPr/>
+        </p:nvCxnSpPr>
+        <p:spPr>
+          <a:xfrm>
+            <a:off x="4954683" y="2898714"/>
+            <a:ext cx="1777557" cy="1366490"/>
+          </a:xfrm>
+          <a:prstGeom prst="bentConnector3">
+            <a:avLst>
+              <a:gd name="adj1" fmla="val 50000"/>
+            </a:avLst>
+          </a:prstGeom>
+          <a:ln>
+            <a:solidFill>
+              <a:srgbClr val="FF0000"/>
+            </a:solidFill>
+            <a:tailEnd type="triangle"/>
+          </a:ln>
+        </p:spPr>
+        <p:style>
+          <a:lnRef idx="1">
+            <a:schemeClr val="accent2"/>
+          </a:lnRef>
+          <a:fillRef idx="0">
+            <a:schemeClr val="accent2"/>
+          </a:fillRef>
+          <a:effectRef idx="0">
+            <a:schemeClr val="accent2"/>
+          </a:effectRef>
+          <a:fontRef idx="minor">
+            <a:schemeClr val="tx1"/>
+          </a:fontRef>
+        </p:style>
+      </p:cxnSp>
+      <p:cxnSp>
+        <p:nvCxnSpPr>
+          <p:cNvPr id="25" name="연결선: 꺾임 24">
+            <a:extLst>
+              <a:ext uri="{FF2B5EF4-FFF2-40B4-BE49-F238E27FC236}">
+                <a16:creationId xmlns:a16="http://schemas.microsoft.com/office/drawing/2014/main" id="{12DC244E-BE7E-47CD-B751-768D2BA63B47}"/>
+              </a:ext>
+            </a:extLst>
+          </p:cNvPr>
+          <p:cNvCxnSpPr>
+            <a:cxnSpLocks/>
+            <a:endCxn id="5" idx="3"/>
+          </p:cNvCxnSpPr>
+          <p:nvPr/>
+        </p:nvCxnSpPr>
+        <p:spPr>
+          <a:xfrm rot="10800000">
+            <a:off x="1894999" y="1730956"/>
+            <a:ext cx="1258231" cy="391723"/>
           </a:xfrm>
           <a:prstGeom prst="bentConnector3">
             <a:avLst>
@@ -11218,91 +12424,10 @@
       </p:cxnSp>
       <p:pic>
         <p:nvPicPr>
-          <p:cNvPr id="13" name="그림 12" descr="잔디, 실외, 앉아있는, 평야이(가) 표시된 사진&#10;&#10;자동 생성된 설명">
+          <p:cNvPr id="5" name="그림 4" descr="벤치이(가) 표시된 사진&#10;&#10;자동 생성된 설명">
             <a:extLst>
               <a:ext uri="{FF2B5EF4-FFF2-40B4-BE49-F238E27FC236}">
-                <a16:creationId xmlns:a16="http://schemas.microsoft.com/office/drawing/2014/main" id="{E3934F93-5093-4274-837A-3674C4FC4C09}"/>
-              </a:ext>
-            </a:extLst>
-          </p:cNvPr>
-          <p:cNvPicPr>
-            <a:picLocks noChangeAspect="1"/>
-          </p:cNvPicPr>
-          <p:nvPr/>
-        </p:nvPicPr>
-        <p:blipFill rotWithShape="1">
-          <a:blip r:embed="rId5" cstate="print">
-            <a:extLst>
-              <a:ext uri="{28A0092B-C50C-407E-A947-70E740481C1C}">
-                <a14:useLocalDpi xmlns:a14="http://schemas.microsoft.com/office/drawing/2010/main" val="0"/>
-              </a:ext>
-            </a:extLst>
-          </a:blip>
-          <a:srcRect l="12250" t="21138" r="16401" b="24800"/>
-          <a:stretch/>
-        </p:blipFill>
-        <p:spPr>
-          <a:xfrm>
-            <a:off x="6948264" y="3507321"/>
-            <a:ext cx="1852955" cy="1052981"/>
-          </a:xfrm>
-          <a:prstGeom prst="rect">
-            <a:avLst/>
-          </a:prstGeom>
-        </p:spPr>
-      </p:pic>
-      <p:cxnSp>
-        <p:nvCxnSpPr>
-          <p:cNvPr id="15" name="연결선: 꺾임 14">
-            <a:extLst>
-              <a:ext uri="{FF2B5EF4-FFF2-40B4-BE49-F238E27FC236}">
-                <a16:creationId xmlns:a16="http://schemas.microsoft.com/office/drawing/2014/main" id="{CB088DC5-6F6B-429B-B33C-8985A8E4801D}"/>
-              </a:ext>
-            </a:extLst>
-          </p:cNvPr>
-          <p:cNvCxnSpPr>
-            <a:cxnSpLocks/>
-          </p:cNvCxnSpPr>
-          <p:nvPr/>
-        </p:nvCxnSpPr>
-        <p:spPr>
-          <a:xfrm>
-            <a:off x="5076056" y="2859782"/>
-            <a:ext cx="1872208" cy="1331188"/>
-          </a:xfrm>
-          <a:prstGeom prst="bentConnector3">
-            <a:avLst>
-              <a:gd name="adj1" fmla="val 50000"/>
-            </a:avLst>
-          </a:prstGeom>
-          <a:ln>
-            <a:solidFill>
-              <a:srgbClr val="FF0000"/>
-            </a:solidFill>
-            <a:tailEnd type="triangle"/>
-          </a:ln>
-        </p:spPr>
-        <p:style>
-          <a:lnRef idx="1">
-            <a:schemeClr val="accent2"/>
-          </a:lnRef>
-          <a:fillRef idx="0">
-            <a:schemeClr val="accent2"/>
-          </a:fillRef>
-          <a:effectRef idx="0">
-            <a:schemeClr val="accent2"/>
-          </a:effectRef>
-          <a:fontRef idx="minor">
-            <a:schemeClr val="tx1"/>
-          </a:fontRef>
-        </p:style>
-      </p:cxnSp>
-      <p:pic>
-        <p:nvPicPr>
-          <p:cNvPr id="24" name="그림 23" descr="벤치, 공원, 앉아있는, 목재의이(가) 표시된 사진&#10;&#10;자동 생성된 설명">
-            <a:extLst>
-              <a:ext uri="{FF2B5EF4-FFF2-40B4-BE49-F238E27FC236}">
-                <a16:creationId xmlns:a16="http://schemas.microsoft.com/office/drawing/2014/main" id="{BD889898-B8AF-4EED-81B9-BD8E93B15FC4}"/>
+                <a16:creationId xmlns:a16="http://schemas.microsoft.com/office/drawing/2014/main" id="{1AC488ED-3082-45BC-A71D-9A3771F9284B}"/>
               </a:ext>
             </a:extLst>
           </p:cNvPr>
@@ -11325,61 +12450,14 @@
         </p:blipFill>
         <p:spPr>
           <a:xfrm>
-            <a:off x="360193" y="1101602"/>
-            <a:ext cx="1351773" cy="1013830"/>
+            <a:off x="310822" y="938867"/>
+            <a:ext cx="1584176" cy="1584176"/>
           </a:xfrm>
           <a:prstGeom prst="rect">
             <a:avLst/>
           </a:prstGeom>
         </p:spPr>
       </p:pic>
-      <p:cxnSp>
-        <p:nvCxnSpPr>
-          <p:cNvPr id="25" name="연결선: 꺾임 24">
-            <a:extLst>
-              <a:ext uri="{FF2B5EF4-FFF2-40B4-BE49-F238E27FC236}">
-                <a16:creationId xmlns:a16="http://schemas.microsoft.com/office/drawing/2014/main" id="{12DC244E-BE7E-47CD-B751-768D2BA63B47}"/>
-              </a:ext>
-            </a:extLst>
-          </p:cNvPr>
-          <p:cNvCxnSpPr>
-            <a:cxnSpLocks/>
-            <a:endCxn id="24" idx="3"/>
-          </p:cNvCxnSpPr>
-          <p:nvPr/>
-        </p:nvCxnSpPr>
-        <p:spPr>
-          <a:xfrm rot="10800000">
-            <a:off x="1711966" y="1608518"/>
-            <a:ext cx="1563890" cy="560949"/>
-          </a:xfrm>
-          <a:prstGeom prst="bentConnector3">
-            <a:avLst>
-              <a:gd name="adj1" fmla="val 50000"/>
-            </a:avLst>
-          </a:prstGeom>
-          <a:ln>
-            <a:solidFill>
-              <a:srgbClr val="FF0000"/>
-            </a:solidFill>
-            <a:tailEnd type="triangle"/>
-          </a:ln>
-        </p:spPr>
-        <p:style>
-          <a:lnRef idx="1">
-            <a:schemeClr val="accent2"/>
-          </a:lnRef>
-          <a:fillRef idx="0">
-            <a:schemeClr val="accent2"/>
-          </a:fillRef>
-          <a:effectRef idx="0">
-            <a:schemeClr val="accent2"/>
-          </a:effectRef>
-          <a:fontRef idx="minor">
-            <a:schemeClr val="tx1"/>
-          </a:fontRef>
-        </p:style>
-      </p:cxnSp>
     </p:spTree>
     <p:extLst>
       <p:ext uri="{BB962C8B-B14F-4D97-AF65-F5344CB8AC3E}">
@@ -11410,150 +12488,6 @@
           <a:chExt cx="0" cy="0"/>
         </a:xfrm>
       </p:grpSpPr>
-      <p:pic>
-        <p:nvPicPr>
-          <p:cNvPr id="2" name="내용 개체 틀 4">
-            <a:extLst>
-              <a:ext uri="{FF2B5EF4-FFF2-40B4-BE49-F238E27FC236}">
-                <a16:creationId xmlns:a16="http://schemas.microsoft.com/office/drawing/2014/main" id="{12EA5EF5-0B0F-4CDB-8F23-AAD3816F1E8A}"/>
-              </a:ext>
-            </a:extLst>
-          </p:cNvPr>
-          <p:cNvPicPr>
-            <a:picLocks noChangeAspect="1"/>
-          </p:cNvPicPr>
-          <p:nvPr/>
-        </p:nvPicPr>
-        <p:blipFill>
-          <a:blip r:embed="rId2" cstate="print">
-            <a:extLst>
-              <a:ext uri="{28A0092B-C50C-407E-A947-70E740481C1C}">
-                <a14:useLocalDpi xmlns:a14="http://schemas.microsoft.com/office/drawing/2010/main" val="0"/>
-              </a:ext>
-            </a:extLst>
-          </a:blip>
-          <a:stretch>
-            <a:fillRect/>
-          </a:stretch>
-        </p:blipFill>
-        <p:spPr>
-          <a:xfrm>
-            <a:off x="902995" y="1069762"/>
-            <a:ext cx="483265" cy="1549222"/>
-          </a:xfrm>
-          <a:prstGeom prst="rect">
-            <a:avLst/>
-          </a:prstGeom>
-        </p:spPr>
-      </p:pic>
-      <p:pic>
-        <p:nvPicPr>
-          <p:cNvPr id="3" name="그림 2">
-            <a:extLst>
-              <a:ext uri="{FF2B5EF4-FFF2-40B4-BE49-F238E27FC236}">
-                <a16:creationId xmlns:a16="http://schemas.microsoft.com/office/drawing/2014/main" id="{B808F1CD-E56D-4B14-A2B4-2F8454AFB395}"/>
-              </a:ext>
-            </a:extLst>
-          </p:cNvPr>
-          <p:cNvPicPr>
-            <a:picLocks noChangeAspect="1"/>
-          </p:cNvPicPr>
-          <p:nvPr/>
-        </p:nvPicPr>
-        <p:blipFill>
-          <a:blip r:embed="rId3" cstate="print">
-            <a:extLst>
-              <a:ext uri="{28A0092B-C50C-407E-A947-70E740481C1C}">
-                <a14:useLocalDpi xmlns:a14="http://schemas.microsoft.com/office/drawing/2010/main" val="0"/>
-              </a:ext>
-            </a:extLst>
-          </a:blip>
-          <a:stretch>
-            <a:fillRect/>
-          </a:stretch>
-        </p:blipFill>
-        <p:spPr>
-          <a:xfrm>
-            <a:off x="4429507" y="3034731"/>
-            <a:ext cx="1421873" cy="1421873"/>
-          </a:xfrm>
-          <a:prstGeom prst="rect">
-            <a:avLst/>
-          </a:prstGeom>
-        </p:spPr>
-      </p:pic>
-      <p:pic>
-        <p:nvPicPr>
-          <p:cNvPr id="4" name="그림 3">
-            <a:extLst>
-              <a:ext uri="{FF2B5EF4-FFF2-40B4-BE49-F238E27FC236}">
-                <a16:creationId xmlns:a16="http://schemas.microsoft.com/office/drawing/2014/main" id="{2529A580-4B9E-4834-A447-4DD61F406632}"/>
-              </a:ext>
-            </a:extLst>
-          </p:cNvPr>
-          <p:cNvPicPr>
-            <a:picLocks noChangeAspect="1"/>
-          </p:cNvPicPr>
-          <p:nvPr/>
-        </p:nvPicPr>
-        <p:blipFill>
-          <a:blip r:embed="rId4">
-            <a:extLst>
-              <a:ext uri="{28A0092B-C50C-407E-A947-70E740481C1C}">
-                <a14:useLocalDpi xmlns:a14="http://schemas.microsoft.com/office/drawing/2010/main" val="0"/>
-              </a:ext>
-            </a:extLst>
-          </a:blip>
-          <a:stretch>
-            <a:fillRect/>
-          </a:stretch>
-        </p:blipFill>
-        <p:spPr>
-          <a:xfrm>
-            <a:off x="4283968" y="915566"/>
-            <a:ext cx="1549401" cy="1549401"/>
-          </a:xfrm>
-          <a:prstGeom prst="rect">
-            <a:avLst/>
-          </a:prstGeom>
-        </p:spPr>
-      </p:pic>
-      <p:pic>
-        <p:nvPicPr>
-          <p:cNvPr id="5" name="그림 4">
-            <a:extLst>
-              <a:ext uri="{FF2B5EF4-FFF2-40B4-BE49-F238E27FC236}">
-                <a16:creationId xmlns:a16="http://schemas.microsoft.com/office/drawing/2014/main" id="{FF89A5DE-9B1B-4D0C-9F38-6307BF7B8369}"/>
-              </a:ext>
-            </a:extLst>
-          </p:cNvPr>
-          <p:cNvPicPr>
-            <a:picLocks noChangeAspect="1"/>
-          </p:cNvPicPr>
-          <p:nvPr/>
-        </p:nvPicPr>
-        <p:blipFill>
-          <a:blip r:embed="rId5">
-            <a:extLst>
-              <a:ext uri="{28A0092B-C50C-407E-A947-70E740481C1C}">
-                <a14:useLocalDpi xmlns:a14="http://schemas.microsoft.com/office/drawing/2010/main" val="0"/>
-              </a:ext>
-            </a:extLst>
-          </a:blip>
-          <a:stretch>
-            <a:fillRect/>
-          </a:stretch>
-        </p:blipFill>
-        <p:spPr>
-          <a:xfrm>
-            <a:off x="437953" y="2859782"/>
-            <a:ext cx="1421874" cy="1554141"/>
-          </a:xfrm>
-          <a:prstGeom prst="rect">
-            <a:avLst/>
-          </a:prstGeom>
-        </p:spPr>
-      </p:pic>
       <p:sp>
         <p:nvSpPr>
           <p:cNvPr id="6" name="TextBox 5">
@@ -11685,8 +12619,8 @@
           <a:lstStyle/>
           <a:p>
             <a:r>
-              <a:rPr lang="ko-KR" altLang="en-US" sz="2000" b="1" dirty="0"/>
-              <a:t>공기 망치</a:t>
+              <a:rPr lang="ko-KR" altLang="en-US" sz="2000" b="1" dirty="0" err="1"/>
+              <a:t>뿅망치</a:t>
             </a:r>
             <a:endParaRPr lang="en-US" altLang="ko-KR" sz="2000" b="1" dirty="0"/>
           </a:p>
@@ -11861,7 +12795,7 @@
                 <a:latin typeface="나눔바른고딕" panose="020B0603020101020101" pitchFamily="50" charset="-127"/>
                 <a:ea typeface="나눔바른고딕" panose="020B0603020101020101" pitchFamily="50" charset="-127"/>
               </a:rPr>
-              <a:t>5</a:t>
+              <a:t>6</a:t>
             </a:r>
             <a:endParaRPr lang="ko-KR" altLang="en-US" sz="3600" b="1" spc="-150" dirty="0">
               <a:solidFill>
@@ -11873,6 +12807,150 @@
           </a:p>
         </p:txBody>
       </p:sp>
+      <p:pic>
+        <p:nvPicPr>
+          <p:cNvPr id="13" name="그림 12">
+            <a:extLst>
+              <a:ext uri="{FF2B5EF4-FFF2-40B4-BE49-F238E27FC236}">
+                <a16:creationId xmlns:a16="http://schemas.microsoft.com/office/drawing/2014/main" id="{C64D3117-6C9A-4435-8635-EC9BC387DE40}"/>
+              </a:ext>
+            </a:extLst>
+          </p:cNvPr>
+          <p:cNvPicPr>
+            <a:picLocks noChangeAspect="1"/>
+          </p:cNvPicPr>
+          <p:nvPr/>
+        </p:nvPicPr>
+        <p:blipFill>
+          <a:blip r:embed="rId2" cstate="print">
+            <a:extLst>
+              <a:ext uri="{28A0092B-C50C-407E-A947-70E740481C1C}">
+                <a14:useLocalDpi xmlns:a14="http://schemas.microsoft.com/office/drawing/2010/main" val="0"/>
+              </a:ext>
+            </a:extLst>
+          </a:blip>
+          <a:stretch>
+            <a:fillRect/>
+          </a:stretch>
+        </p:blipFill>
+        <p:spPr>
+          <a:xfrm>
+            <a:off x="457159" y="1164175"/>
+            <a:ext cx="1172979" cy="1407575"/>
+          </a:xfrm>
+          <a:prstGeom prst="rect">
+            <a:avLst/>
+          </a:prstGeom>
+        </p:spPr>
+      </p:pic>
+      <p:pic>
+        <p:nvPicPr>
+          <p:cNvPr id="17" name="그림 16">
+            <a:extLst>
+              <a:ext uri="{FF2B5EF4-FFF2-40B4-BE49-F238E27FC236}">
+                <a16:creationId xmlns:a16="http://schemas.microsoft.com/office/drawing/2014/main" id="{6CE7A8B7-508E-4F93-B82B-B0CA0347FD00}"/>
+              </a:ext>
+            </a:extLst>
+          </p:cNvPr>
+          <p:cNvPicPr>
+            <a:picLocks noChangeAspect="1"/>
+          </p:cNvPicPr>
+          <p:nvPr/>
+        </p:nvPicPr>
+        <p:blipFill>
+          <a:blip r:embed="rId3">
+            <a:extLst>
+              <a:ext uri="{28A0092B-C50C-407E-A947-70E740481C1C}">
+                <a14:useLocalDpi xmlns:a14="http://schemas.microsoft.com/office/drawing/2010/main" val="0"/>
+              </a:ext>
+            </a:extLst>
+          </a:blip>
+          <a:stretch>
+            <a:fillRect/>
+          </a:stretch>
+        </p:blipFill>
+        <p:spPr>
+          <a:xfrm>
+            <a:off x="4438844" y="960670"/>
+            <a:ext cx="1791173" cy="1609788"/>
+          </a:xfrm>
+          <a:prstGeom prst="rect">
+            <a:avLst/>
+          </a:prstGeom>
+        </p:spPr>
+      </p:pic>
+      <p:pic>
+        <p:nvPicPr>
+          <p:cNvPr id="21" name="그림 20">
+            <a:extLst>
+              <a:ext uri="{FF2B5EF4-FFF2-40B4-BE49-F238E27FC236}">
+                <a16:creationId xmlns:a16="http://schemas.microsoft.com/office/drawing/2014/main" id="{21E9E25B-2C6B-4E96-ADA7-6C44FF231559}"/>
+              </a:ext>
+            </a:extLst>
+          </p:cNvPr>
+          <p:cNvPicPr>
+            <a:picLocks noChangeAspect="1"/>
+          </p:cNvPicPr>
+          <p:nvPr/>
+        </p:nvPicPr>
+        <p:blipFill>
+          <a:blip r:embed="rId4" cstate="print">
+            <a:extLst>
+              <a:ext uri="{28A0092B-C50C-407E-A947-70E740481C1C}">
+                <a14:useLocalDpi xmlns:a14="http://schemas.microsoft.com/office/drawing/2010/main" val="0"/>
+              </a:ext>
+            </a:extLst>
+          </a:blip>
+          <a:stretch>
+            <a:fillRect/>
+          </a:stretch>
+        </p:blipFill>
+        <p:spPr>
+          <a:xfrm>
+            <a:off x="323528" y="3013523"/>
+            <a:ext cx="1592269" cy="1448141"/>
+          </a:xfrm>
+          <a:prstGeom prst="rect">
+            <a:avLst/>
+          </a:prstGeom>
+        </p:spPr>
+      </p:pic>
+      <p:pic>
+        <p:nvPicPr>
+          <p:cNvPr id="23" name="그림 22" descr="그리기이(가) 표시된 사진&#10;&#10;자동 생성된 설명">
+            <a:extLst>
+              <a:ext uri="{FF2B5EF4-FFF2-40B4-BE49-F238E27FC236}">
+                <a16:creationId xmlns:a16="http://schemas.microsoft.com/office/drawing/2014/main" id="{A30AD163-AFC8-4B58-ADC9-AA0A8D36C9AA}"/>
+              </a:ext>
+            </a:extLst>
+          </p:cNvPr>
+          <p:cNvPicPr>
+            <a:picLocks noChangeAspect="1"/>
+          </p:cNvPicPr>
+          <p:nvPr/>
+        </p:nvPicPr>
+        <p:blipFill>
+          <a:blip r:embed="rId5" cstate="print">
+            <a:extLst>
+              <a:ext uri="{28A0092B-C50C-407E-A947-70E740481C1C}">
+                <a14:useLocalDpi xmlns:a14="http://schemas.microsoft.com/office/drawing/2010/main" val="0"/>
+              </a:ext>
+            </a:extLst>
+          </a:blip>
+          <a:stretch>
+            <a:fillRect/>
+          </a:stretch>
+        </p:blipFill>
+        <p:spPr>
+          <a:xfrm>
+            <a:off x="4438844" y="2927907"/>
+            <a:ext cx="1732597" cy="1417887"/>
+          </a:xfrm>
+          <a:prstGeom prst="rect">
+            <a:avLst/>
+          </a:prstGeom>
+        </p:spPr>
+      </p:pic>
     </p:spTree>
     <p:extLst>
       <p:ext uri="{BB962C8B-B14F-4D97-AF65-F5344CB8AC3E}">
@@ -12023,7 +13101,7 @@
                 </a:solidFill>
                 <a:latin typeface="맑은 고딕" panose="020B0503020000020004" pitchFamily="50" charset="-127"/>
               </a:rPr>
-              <a:t>6</a:t>
+              <a:t>7</a:t>
             </a:r>
             <a:endParaRPr lang="ko-KR" altLang="en-US" sz="3600" b="1" spc="-150" dirty="0">
               <a:solidFill>
@@ -12901,4 +13979,594 @@
   <a:objectDefaults/>
   <a:extraClrSchemeLst/>
 </a:theme>
+</file>
+
+<file path=ppt/theme/theme4.xml><?xml version="1.0" encoding="utf-8"?>
+<a:theme xmlns:a="http://schemas.openxmlformats.org/drawingml/2006/main" name="Office 테마">
+  <a:themeElements>
+    <a:clrScheme name="Office">
+      <a:dk1>
+        <a:sysClr val="windowText" lastClr="000000"/>
+      </a:dk1>
+      <a:lt1>
+        <a:sysClr val="window" lastClr="FFFFFF"/>
+      </a:lt1>
+      <a:dk2>
+        <a:srgbClr val="44546A"/>
+      </a:dk2>
+      <a:lt2>
+        <a:srgbClr val="E7E6E6"/>
+      </a:lt2>
+      <a:accent1>
+        <a:srgbClr val="4472C4"/>
+      </a:accent1>
+      <a:accent2>
+        <a:srgbClr val="ED7D31"/>
+      </a:accent2>
+      <a:accent3>
+        <a:srgbClr val="A5A5A5"/>
+      </a:accent3>
+      <a:accent4>
+        <a:srgbClr val="FFC000"/>
+      </a:accent4>
+      <a:accent5>
+        <a:srgbClr val="5B9BD5"/>
+      </a:accent5>
+      <a:accent6>
+        <a:srgbClr val="70AD47"/>
+      </a:accent6>
+      <a:hlink>
+        <a:srgbClr val="0563C1"/>
+      </a:hlink>
+      <a:folHlink>
+        <a:srgbClr val="954F72"/>
+      </a:folHlink>
+    </a:clrScheme>
+    <a:fontScheme name="Office">
+      <a:majorFont>
+        <a:latin typeface="맑은 고딕" panose="020F0302020204030204"/>
+        <a:ea typeface=""/>
+        <a:cs typeface=""/>
+        <a:font script="Jpan" typeface="游ゴシック Light"/>
+        <a:font script="Hang" typeface="맑은 고딕"/>
+        <a:font script="Hans" typeface="等线 Light"/>
+        <a:font script="Hant" typeface="新細明體"/>
+        <a:font script="Arab" typeface="Times New Roman"/>
+        <a:font script="Hebr" typeface="Times New Roman"/>
+        <a:font script="Thai" typeface="Angsana New"/>
+        <a:font script="Ethi" typeface="Nyala"/>
+        <a:font script="Beng" typeface="Vrinda"/>
+        <a:font script="Gujr" typeface="Shruti"/>
+        <a:font script="Khmr" typeface="MoolBoran"/>
+        <a:font script="Knda" typeface="Tunga"/>
+        <a:font script="Guru" typeface="Raavi"/>
+        <a:font script="Cans" typeface="Euphemia"/>
+        <a:font script="Cher" typeface="Plantagenet Cherokee"/>
+        <a:font script="Yiii" typeface="Microsoft Yi Baiti"/>
+        <a:font script="Tibt" typeface="Microsoft Himalaya"/>
+        <a:font script="Thaa" typeface="MV Boli"/>
+        <a:font script="Deva" typeface="Mangal"/>
+        <a:font script="Telu" typeface="Gautami"/>
+        <a:font script="Taml" typeface="Latha"/>
+        <a:font script="Syrc" typeface="Estrangelo Edessa"/>
+        <a:font script="Orya" typeface="Kalinga"/>
+        <a:font script="Mlym" typeface="Kartika"/>
+        <a:font script="Laoo" typeface="DokChampa"/>
+        <a:font script="Sinh" typeface="Iskoola Pota"/>
+        <a:font script="Mong" typeface="Mongolian Baiti"/>
+        <a:font script="Viet" typeface="Times New Roman"/>
+        <a:font script="Uigh" typeface="Microsoft Uighur"/>
+        <a:font script="Geor" typeface="Sylfaen"/>
+        <a:font script="Armn" typeface="Arial"/>
+        <a:font script="Bugi" typeface="Leelawadee UI"/>
+        <a:font script="Bopo" typeface="Microsoft JhengHei"/>
+        <a:font script="Java" typeface="Javanese Text"/>
+        <a:font script="Lisu" typeface="Segoe UI"/>
+        <a:font script="Mymr" typeface="Myanmar Text"/>
+        <a:font script="Nkoo" typeface="Ebrima"/>
+        <a:font script="Olck" typeface="Nirmala UI"/>
+        <a:font script="Osma" typeface="Ebrima"/>
+        <a:font script="Phag" typeface="Phagspa"/>
+        <a:font script="Syrn" typeface="Estrangelo Edessa"/>
+        <a:font script="Syrj" typeface="Estrangelo Edessa"/>
+        <a:font script="Syre" typeface="Estrangelo Edessa"/>
+        <a:font script="Sora" typeface="Nirmala UI"/>
+        <a:font script="Tale" typeface="Microsoft Tai Le"/>
+        <a:font script="Talu" typeface="Microsoft New Tai Lue"/>
+        <a:font script="Tfng" typeface="Ebrima"/>
+      </a:majorFont>
+      <a:minorFont>
+        <a:latin typeface="맑은 고딕" panose="020F0502020204030204"/>
+        <a:ea typeface=""/>
+        <a:cs typeface=""/>
+        <a:font script="Jpan" typeface="游ゴシック"/>
+        <a:font script="Hang" typeface="맑은 고딕"/>
+        <a:font script="Hans" typeface="等线"/>
+        <a:font script="Hant" typeface="新細明體"/>
+        <a:font script="Arab" typeface="Arial"/>
+        <a:font script="Hebr" typeface="Arial"/>
+        <a:font script="Thai" typeface="Cordia New"/>
+        <a:font script="Ethi" typeface="Nyala"/>
+        <a:font script="Beng" typeface="Vrinda"/>
+        <a:font script="Gujr" typeface="Shruti"/>
+        <a:font script="Khmr" typeface="DaunPenh"/>
+        <a:font script="Knda" typeface="Tunga"/>
+        <a:font script="Guru" typeface="Raavi"/>
+        <a:font script="Cans" typeface="Euphemia"/>
+        <a:font script="Cher" typeface="Plantagenet Cherokee"/>
+        <a:font script="Yiii" typeface="Microsoft Yi Baiti"/>
+        <a:font script="Tibt" typeface="Microsoft Himalaya"/>
+        <a:font script="Thaa" typeface="MV Boli"/>
+        <a:font script="Deva" typeface="Mangal"/>
+        <a:font script="Telu" typeface="Gautami"/>
+        <a:font script="Taml" typeface="Latha"/>
+        <a:font script="Syrc" typeface="Estrangelo Edessa"/>
+        <a:font script="Orya" typeface="Kalinga"/>
+        <a:font script="Mlym" typeface="Kartika"/>
+        <a:font script="Laoo" typeface="DokChampa"/>
+        <a:font script="Sinh" typeface="Iskoola Pota"/>
+        <a:font script="Mong" typeface="Mongolian Baiti"/>
+        <a:font script="Viet" typeface="Arial"/>
+        <a:font script="Uigh" typeface="Microsoft Uighur"/>
+        <a:font script="Geor" typeface="Sylfaen"/>
+        <a:font script="Armn" typeface="Arial"/>
+        <a:font script="Bugi" typeface="Leelawadee UI"/>
+        <a:font script="Bopo" typeface="Microsoft JhengHei"/>
+        <a:font script="Java" typeface="Javanese Text"/>
+        <a:font script="Lisu" typeface="Segoe UI"/>
+        <a:font script="Mymr" typeface="Myanmar Text"/>
+        <a:font script="Nkoo" typeface="Ebrima"/>
+        <a:font script="Olck" typeface="Nirmala UI"/>
+        <a:font script="Osma" typeface="Ebrima"/>
+        <a:font script="Phag" typeface="Phagspa"/>
+        <a:font script="Syrn" typeface="Estrangelo Edessa"/>
+        <a:font script="Syrj" typeface="Estrangelo Edessa"/>
+        <a:font script="Syre" typeface="Estrangelo Edessa"/>
+        <a:font script="Sora" typeface="Nirmala UI"/>
+        <a:font script="Tale" typeface="Microsoft Tai Le"/>
+        <a:font script="Talu" typeface="Microsoft New Tai Lue"/>
+        <a:font script="Tfng" typeface="Ebrima"/>
+      </a:minorFont>
+    </a:fontScheme>
+    <a:fmtScheme name="Office">
+      <a:fillStyleLst>
+        <a:solidFill>
+          <a:schemeClr val="phClr"/>
+        </a:solidFill>
+        <a:gradFill rotWithShape="1">
+          <a:gsLst>
+            <a:gs pos="0">
+              <a:schemeClr val="phClr">
+                <a:lumMod val="110000"/>
+                <a:satMod val="105000"/>
+                <a:tint val="67000"/>
+              </a:schemeClr>
+            </a:gs>
+            <a:gs pos="50000">
+              <a:schemeClr val="phClr">
+                <a:lumMod val="105000"/>
+                <a:satMod val="103000"/>
+                <a:tint val="73000"/>
+              </a:schemeClr>
+            </a:gs>
+            <a:gs pos="100000">
+              <a:schemeClr val="phClr">
+                <a:lumMod val="105000"/>
+                <a:satMod val="109000"/>
+                <a:tint val="81000"/>
+              </a:schemeClr>
+            </a:gs>
+          </a:gsLst>
+          <a:lin ang="5400000" scaled="0"/>
+        </a:gradFill>
+        <a:gradFill rotWithShape="1">
+          <a:gsLst>
+            <a:gs pos="0">
+              <a:schemeClr val="phClr">
+                <a:satMod val="103000"/>
+                <a:lumMod val="102000"/>
+                <a:tint val="94000"/>
+              </a:schemeClr>
+            </a:gs>
+            <a:gs pos="50000">
+              <a:schemeClr val="phClr">
+                <a:satMod val="110000"/>
+                <a:lumMod val="100000"/>
+                <a:shade val="100000"/>
+              </a:schemeClr>
+            </a:gs>
+            <a:gs pos="100000">
+              <a:schemeClr val="phClr">
+                <a:lumMod val="99000"/>
+                <a:satMod val="120000"/>
+                <a:shade val="78000"/>
+              </a:schemeClr>
+            </a:gs>
+          </a:gsLst>
+          <a:lin ang="5400000" scaled="0"/>
+        </a:gradFill>
+      </a:fillStyleLst>
+      <a:lnStyleLst>
+        <a:ln w="6350" cap="flat" cmpd="sng" algn="ctr">
+          <a:solidFill>
+            <a:schemeClr val="phClr"/>
+          </a:solidFill>
+          <a:prstDash val="solid"/>
+          <a:miter lim="800000"/>
+        </a:ln>
+        <a:ln w="12700" cap="flat" cmpd="sng" algn="ctr">
+          <a:solidFill>
+            <a:schemeClr val="phClr"/>
+          </a:solidFill>
+          <a:prstDash val="solid"/>
+          <a:miter lim="800000"/>
+        </a:ln>
+        <a:ln w="19050" cap="flat" cmpd="sng" algn="ctr">
+          <a:solidFill>
+            <a:schemeClr val="phClr"/>
+          </a:solidFill>
+          <a:prstDash val="solid"/>
+          <a:miter lim="800000"/>
+        </a:ln>
+      </a:lnStyleLst>
+      <a:effectStyleLst>
+        <a:effectStyle>
+          <a:effectLst/>
+        </a:effectStyle>
+        <a:effectStyle>
+          <a:effectLst/>
+        </a:effectStyle>
+        <a:effectStyle>
+          <a:effectLst>
+            <a:outerShdw blurRad="57150" dist="19050" dir="5400000" algn="ctr" rotWithShape="0">
+              <a:srgbClr val="000000">
+                <a:alpha val="63000"/>
+              </a:srgbClr>
+            </a:outerShdw>
+          </a:effectLst>
+        </a:effectStyle>
+      </a:effectStyleLst>
+      <a:bgFillStyleLst>
+        <a:solidFill>
+          <a:schemeClr val="phClr"/>
+        </a:solidFill>
+        <a:solidFill>
+          <a:schemeClr val="phClr">
+            <a:tint val="95000"/>
+            <a:satMod val="170000"/>
+          </a:schemeClr>
+        </a:solidFill>
+        <a:gradFill rotWithShape="1">
+          <a:gsLst>
+            <a:gs pos="0">
+              <a:schemeClr val="phClr">
+                <a:tint val="93000"/>
+                <a:satMod val="150000"/>
+                <a:shade val="98000"/>
+                <a:lumMod val="102000"/>
+              </a:schemeClr>
+            </a:gs>
+            <a:gs pos="50000">
+              <a:schemeClr val="phClr">
+                <a:tint val="98000"/>
+                <a:satMod val="130000"/>
+                <a:shade val="90000"/>
+                <a:lumMod val="103000"/>
+              </a:schemeClr>
+            </a:gs>
+            <a:gs pos="100000">
+              <a:schemeClr val="phClr">
+                <a:shade val="63000"/>
+                <a:satMod val="120000"/>
+              </a:schemeClr>
+            </a:gs>
+          </a:gsLst>
+          <a:lin ang="5400000" scaled="0"/>
+        </a:gradFill>
+      </a:bgFillStyleLst>
+    </a:fmtScheme>
+  </a:themeElements>
+  <a:objectDefaults/>
+  <a:extraClrSchemeLst/>
+  <a:extLst>
+    <a:ext uri="{05A4C25C-085E-4340-85A3-A5531E510DB2}">
+      <thm15:themeFamily xmlns:thm15="http://schemas.microsoft.com/office/thememl/2012/main" name="Office Theme" id="{62F939B6-93AF-4DB8-9C6B-D6C7DFDC589F}" vid="{4A3C46E8-61CC-4603-A589-7422A47A8E4A}"/>
+    </a:ext>
+  </a:extLst>
+</a:theme>
+</file>
+
+<file path=ppt/theme/theme5.xml><?xml version="1.0" encoding="utf-8"?>
+<a:theme xmlns:a="http://schemas.openxmlformats.org/drawingml/2006/main" name="Office 테마">
+  <a:themeElements>
+    <a:clrScheme name="Office">
+      <a:dk1>
+        <a:sysClr val="windowText" lastClr="000000"/>
+      </a:dk1>
+      <a:lt1>
+        <a:sysClr val="window" lastClr="FFFFFF"/>
+      </a:lt1>
+      <a:dk2>
+        <a:srgbClr val="44546A"/>
+      </a:dk2>
+      <a:lt2>
+        <a:srgbClr val="E7E6E6"/>
+      </a:lt2>
+      <a:accent1>
+        <a:srgbClr val="4472C4"/>
+      </a:accent1>
+      <a:accent2>
+        <a:srgbClr val="ED7D31"/>
+      </a:accent2>
+      <a:accent3>
+        <a:srgbClr val="A5A5A5"/>
+      </a:accent3>
+      <a:accent4>
+        <a:srgbClr val="FFC000"/>
+      </a:accent4>
+      <a:accent5>
+        <a:srgbClr val="5B9BD5"/>
+      </a:accent5>
+      <a:accent6>
+        <a:srgbClr val="70AD47"/>
+      </a:accent6>
+      <a:hlink>
+        <a:srgbClr val="0563C1"/>
+      </a:hlink>
+      <a:folHlink>
+        <a:srgbClr val="954F72"/>
+      </a:folHlink>
+    </a:clrScheme>
+    <a:fontScheme name="Office">
+      <a:majorFont>
+        <a:latin typeface="맑은 고딕" panose="020F0302020204030204"/>
+        <a:ea typeface=""/>
+        <a:cs typeface=""/>
+        <a:font script="Jpan" typeface="游ゴシック Light"/>
+        <a:font script="Hang" typeface="맑은 고딕"/>
+        <a:font script="Hans" typeface="等线 Light"/>
+        <a:font script="Hant" typeface="新細明體"/>
+        <a:font script="Arab" typeface="Times New Roman"/>
+        <a:font script="Hebr" typeface="Times New Roman"/>
+        <a:font script="Thai" typeface="Angsana New"/>
+        <a:font script="Ethi" typeface="Nyala"/>
+        <a:font script="Beng" typeface="Vrinda"/>
+        <a:font script="Gujr" typeface="Shruti"/>
+        <a:font script="Khmr" typeface="MoolBoran"/>
+        <a:font script="Knda" typeface="Tunga"/>
+        <a:font script="Guru" typeface="Raavi"/>
+        <a:font script="Cans" typeface="Euphemia"/>
+        <a:font script="Cher" typeface="Plantagenet Cherokee"/>
+        <a:font script="Yiii" typeface="Microsoft Yi Baiti"/>
+        <a:font script="Tibt" typeface="Microsoft Himalaya"/>
+        <a:font script="Thaa" typeface="MV Boli"/>
+        <a:font script="Deva" typeface="Mangal"/>
+        <a:font script="Telu" typeface="Gautami"/>
+        <a:font script="Taml" typeface="Latha"/>
+        <a:font script="Syrc" typeface="Estrangelo Edessa"/>
+        <a:font script="Orya" typeface="Kalinga"/>
+        <a:font script="Mlym" typeface="Kartika"/>
+        <a:font script="Laoo" typeface="DokChampa"/>
+        <a:font script="Sinh" typeface="Iskoola Pota"/>
+        <a:font script="Mong" typeface="Mongolian Baiti"/>
+        <a:font script="Viet" typeface="Times New Roman"/>
+        <a:font script="Uigh" typeface="Microsoft Uighur"/>
+        <a:font script="Geor" typeface="Sylfaen"/>
+        <a:font script="Armn" typeface="Arial"/>
+        <a:font script="Bugi" typeface="Leelawadee UI"/>
+        <a:font script="Bopo" typeface="Microsoft JhengHei"/>
+        <a:font script="Java" typeface="Javanese Text"/>
+        <a:font script="Lisu" typeface="Segoe UI"/>
+        <a:font script="Mymr" typeface="Myanmar Text"/>
+        <a:font script="Nkoo" typeface="Ebrima"/>
+        <a:font script="Olck" typeface="Nirmala UI"/>
+        <a:font script="Osma" typeface="Ebrima"/>
+        <a:font script="Phag" typeface="Phagspa"/>
+        <a:font script="Syrn" typeface="Estrangelo Edessa"/>
+        <a:font script="Syrj" typeface="Estrangelo Edessa"/>
+        <a:font script="Syre" typeface="Estrangelo Edessa"/>
+        <a:font script="Sora" typeface="Nirmala UI"/>
+        <a:font script="Tale" typeface="Microsoft Tai Le"/>
+        <a:font script="Talu" typeface="Microsoft New Tai Lue"/>
+        <a:font script="Tfng" typeface="Ebrima"/>
+      </a:majorFont>
+      <a:minorFont>
+        <a:latin typeface="맑은 고딕" panose="020F0502020204030204"/>
+        <a:ea typeface=""/>
+        <a:cs typeface=""/>
+        <a:font script="Jpan" typeface="游ゴシック"/>
+        <a:font script="Hang" typeface="맑은 고딕"/>
+        <a:font script="Hans" typeface="等线"/>
+        <a:font script="Hant" typeface="新細明體"/>
+        <a:font script="Arab" typeface="Arial"/>
+        <a:font script="Hebr" typeface="Arial"/>
+        <a:font script="Thai" typeface="Cordia New"/>
+        <a:font script="Ethi" typeface="Nyala"/>
+        <a:font script="Beng" typeface="Vrinda"/>
+        <a:font script="Gujr" typeface="Shruti"/>
+        <a:font script="Khmr" typeface="DaunPenh"/>
+        <a:font script="Knda" typeface="Tunga"/>
+        <a:font script="Guru" typeface="Raavi"/>
+        <a:font script="Cans" typeface="Euphemia"/>
+        <a:font script="Cher" typeface="Plantagenet Cherokee"/>
+        <a:font script="Yiii" typeface="Microsoft Yi Baiti"/>
+        <a:font script="Tibt" typeface="Microsoft Himalaya"/>
+        <a:font script="Thaa" typeface="MV Boli"/>
+        <a:font script="Deva" typeface="Mangal"/>
+        <a:font script="Telu" typeface="Gautami"/>
+        <a:font script="Taml" typeface="Latha"/>
+        <a:font script="Syrc" typeface="Estrangelo Edessa"/>
+        <a:font script="Orya" typeface="Kalinga"/>
+        <a:font script="Mlym" typeface="Kartika"/>
+        <a:font script="Laoo" typeface="DokChampa"/>
+        <a:font script="Sinh" typeface="Iskoola Pota"/>
+        <a:font script="Mong" typeface="Mongolian Baiti"/>
+        <a:font script="Viet" typeface="Arial"/>
+        <a:font script="Uigh" typeface="Microsoft Uighur"/>
+        <a:font script="Geor" typeface="Sylfaen"/>
+        <a:font script="Armn" typeface="Arial"/>
+        <a:font script="Bugi" typeface="Leelawadee UI"/>
+        <a:font script="Bopo" typeface="Microsoft JhengHei"/>
+        <a:font script="Java" typeface="Javanese Text"/>
+        <a:font script="Lisu" typeface="Segoe UI"/>
+        <a:font script="Mymr" typeface="Myanmar Text"/>
+        <a:font script="Nkoo" typeface="Ebrima"/>
+        <a:font script="Olck" typeface="Nirmala UI"/>
+        <a:font script="Osma" typeface="Ebrima"/>
+        <a:font script="Phag" typeface="Phagspa"/>
+        <a:font script="Syrn" typeface="Estrangelo Edessa"/>
+        <a:font script="Syrj" typeface="Estrangelo Edessa"/>
+        <a:font script="Syre" typeface="Estrangelo Edessa"/>
+        <a:font script="Sora" typeface="Nirmala UI"/>
+        <a:font script="Tale" typeface="Microsoft Tai Le"/>
+        <a:font script="Talu" typeface="Microsoft New Tai Lue"/>
+        <a:font script="Tfng" typeface="Ebrima"/>
+      </a:minorFont>
+    </a:fontScheme>
+    <a:fmtScheme name="Office">
+      <a:fillStyleLst>
+        <a:solidFill>
+          <a:schemeClr val="phClr"/>
+        </a:solidFill>
+        <a:gradFill rotWithShape="1">
+          <a:gsLst>
+            <a:gs pos="0">
+              <a:schemeClr val="phClr">
+                <a:lumMod val="110000"/>
+                <a:satMod val="105000"/>
+                <a:tint val="67000"/>
+              </a:schemeClr>
+            </a:gs>
+            <a:gs pos="50000">
+              <a:schemeClr val="phClr">
+                <a:lumMod val="105000"/>
+                <a:satMod val="103000"/>
+                <a:tint val="73000"/>
+              </a:schemeClr>
+            </a:gs>
+            <a:gs pos="100000">
+              <a:schemeClr val="phClr">
+                <a:lumMod val="105000"/>
+                <a:satMod val="109000"/>
+                <a:tint val="81000"/>
+              </a:schemeClr>
+            </a:gs>
+          </a:gsLst>
+          <a:lin ang="5400000" scaled="0"/>
+        </a:gradFill>
+        <a:gradFill rotWithShape="1">
+          <a:gsLst>
+            <a:gs pos="0">
+              <a:schemeClr val="phClr">
+                <a:satMod val="103000"/>
+                <a:lumMod val="102000"/>
+                <a:tint val="94000"/>
+              </a:schemeClr>
+            </a:gs>
+            <a:gs pos="50000">
+              <a:schemeClr val="phClr">
+                <a:satMod val="110000"/>
+                <a:lumMod val="100000"/>
+                <a:shade val="100000"/>
+              </a:schemeClr>
+            </a:gs>
+            <a:gs pos="100000">
+              <a:schemeClr val="phClr">
+                <a:lumMod val="99000"/>
+                <a:satMod val="120000"/>
+                <a:shade val="78000"/>
+              </a:schemeClr>
+            </a:gs>
+          </a:gsLst>
+          <a:lin ang="5400000" scaled="0"/>
+        </a:gradFill>
+      </a:fillStyleLst>
+      <a:lnStyleLst>
+        <a:ln w="6350" cap="flat" cmpd="sng" algn="ctr">
+          <a:solidFill>
+            <a:schemeClr val="phClr"/>
+          </a:solidFill>
+          <a:prstDash val="solid"/>
+          <a:miter lim="800000"/>
+        </a:ln>
+        <a:ln w="12700" cap="flat" cmpd="sng" algn="ctr">
+          <a:solidFill>
+            <a:schemeClr val="phClr"/>
+          </a:solidFill>
+          <a:prstDash val="solid"/>
+          <a:miter lim="800000"/>
+        </a:ln>
+        <a:ln w="19050" cap="flat" cmpd="sng" algn="ctr">
+          <a:solidFill>
+            <a:schemeClr val="phClr"/>
+          </a:solidFill>
+          <a:prstDash val="solid"/>
+          <a:miter lim="800000"/>
+        </a:ln>
+      </a:lnStyleLst>
+      <a:effectStyleLst>
+        <a:effectStyle>
+          <a:effectLst/>
+        </a:effectStyle>
+        <a:effectStyle>
+          <a:effectLst/>
+        </a:effectStyle>
+        <a:effectStyle>
+          <a:effectLst>
+            <a:outerShdw blurRad="57150" dist="19050" dir="5400000" algn="ctr" rotWithShape="0">
+              <a:srgbClr val="000000">
+                <a:alpha val="63000"/>
+              </a:srgbClr>
+            </a:outerShdw>
+          </a:effectLst>
+        </a:effectStyle>
+      </a:effectStyleLst>
+      <a:bgFillStyleLst>
+        <a:solidFill>
+          <a:schemeClr val="phClr"/>
+        </a:solidFill>
+        <a:solidFill>
+          <a:schemeClr val="phClr">
+            <a:tint val="95000"/>
+            <a:satMod val="170000"/>
+          </a:schemeClr>
+        </a:solidFill>
+        <a:gradFill rotWithShape="1">
+          <a:gsLst>
+            <a:gs pos="0">
+              <a:schemeClr val="phClr">
+                <a:tint val="93000"/>
+                <a:satMod val="150000"/>
+                <a:shade val="98000"/>
+                <a:lumMod val="102000"/>
+              </a:schemeClr>
+            </a:gs>
+            <a:gs pos="50000">
+              <a:schemeClr val="phClr">
+                <a:tint val="98000"/>
+                <a:satMod val="130000"/>
+                <a:shade val="90000"/>
+                <a:lumMod val="103000"/>
+              </a:schemeClr>
+            </a:gs>
+            <a:gs pos="100000">
+              <a:schemeClr val="phClr">
+                <a:shade val="63000"/>
+                <a:satMod val="120000"/>
+              </a:schemeClr>
+            </a:gs>
+          </a:gsLst>
+          <a:lin ang="5400000" scaled="0"/>
+        </a:gradFill>
+      </a:bgFillStyleLst>
+    </a:fmtScheme>
+  </a:themeElements>
+  <a:objectDefaults/>
+  <a:extraClrSchemeLst/>
+  <a:extLst>
+    <a:ext uri="{05A4C25C-085E-4340-85A3-A5531E510DB2}">
+      <thm15:themeFamily xmlns:thm15="http://schemas.microsoft.com/office/thememl/2012/main" name="Office Theme" id="{62F939B6-93AF-4DB8-9C6B-D6C7DFDC589F}" vid="{4A3C46E8-61CC-4603-A589-7422A47A8E4A}"/>
+    </a:ext>
+  </a:extLst>
+</a:theme>
 </file>